--- a/Material für Abschlusspräsentation/Präsentationsvorlage für Marco.pptx
+++ b/Material für Abschlusspräsentation/Präsentationsvorlage für Marco.pptx
@@ -5,11 +5,20 @@
     <p:sldMasterId id="2147483648" r:id="rId1"/>
   </p:sldMasterIdLst>
   <p:notesMasterIdLst>
-    <p:notesMasterId r:id="rId4"/>
+    <p:notesMasterId r:id="rId13"/>
   </p:notesMasterIdLst>
   <p:sldIdLst>
     <p:sldId id="257" r:id="rId2"/>
     <p:sldId id="259" r:id="rId3"/>
+    <p:sldId id="260" r:id="rId4"/>
+    <p:sldId id="262" r:id="rId5"/>
+    <p:sldId id="263" r:id="rId6"/>
+    <p:sldId id="265" r:id="rId7"/>
+    <p:sldId id="269" r:id="rId8"/>
+    <p:sldId id="264" r:id="rId9"/>
+    <p:sldId id="267" r:id="rId10"/>
+    <p:sldId id="268" r:id="rId11"/>
+    <p:sldId id="266" r:id="rId12"/>
   </p:sldIdLst>
   <p:sldSz cx="12192000" cy="6858000"/>
   <p:notesSz cx="6858000" cy="9144000"/>
@@ -2934,10 +2943,9 @@
           <a:p>
             <a:pPr algn="ctr"/>
             <a:r>
-              <a:rPr lang="de-DE" sz="2800" dirty="0" err="1"/>
+              <a:rPr lang="de-DE" sz="2800" dirty="0"/>
               <a:t>RoboMirror</a:t>
             </a:r>
-            <a:endParaRPr lang="de-DE" sz="2800" dirty="0"/>
           </a:p>
         </p:txBody>
       </p:sp>
@@ -3049,6 +3057,749 @@
     <p:extLst>
       <p:ext uri="{BB962C8B-B14F-4D97-AF65-F5344CB8AC3E}">
         <p14:creationId xmlns:p14="http://schemas.microsoft.com/office/powerpoint/2010/main" val="4145109116"/>
+      </p:ext>
+    </p:extLst>
+  </p:cSld>
+  <p:clrMapOvr>
+    <a:masterClrMapping/>
+  </p:clrMapOvr>
+  <p:transition spd="slow">
+    <p:push dir="u"/>
+  </p:transition>
+  <p:timing>
+    <p:tnLst>
+      <p:par>
+        <p:cTn id="1" dur="indefinite" restart="never" nodeType="tmRoot">
+          <p:childTnLst>
+            <p:seq concurrent="1" nextAc="seek">
+              <p:cTn id="2" dur="indefinite" nodeType="mainSeq">
+                <p:childTnLst>
+                  <p:par>
+                    <p:cTn id="3" fill="hold">
+                      <p:stCondLst>
+                        <p:cond delay="indefinite"/>
+                        <p:cond evt="onBegin" delay="0">
+                          <p:tn val="2"/>
+                        </p:cond>
+                      </p:stCondLst>
+                      <p:childTnLst>
+                        <p:par>
+                          <p:cTn id="4" fill="hold">
+                            <p:stCondLst>
+                              <p:cond delay="0"/>
+                            </p:stCondLst>
+                            <p:childTnLst>
+                              <p:par>
+                                <p:cTn id="5" presetID="10" presetClass="entr" presetSubtype="0" fill="hold" grpId="0" nodeType="withEffect">
+                                  <p:stCondLst>
+                                    <p:cond delay="0"/>
+                                  </p:stCondLst>
+                                  <p:childTnLst>
+                                    <p:set>
+                                      <p:cBhvr>
+                                        <p:cTn id="6" dur="1" fill="hold">
+                                          <p:stCondLst>
+                                            <p:cond delay="0"/>
+                                          </p:stCondLst>
+                                        </p:cTn>
+                                        <p:tgtEl>
+                                          <p:spTgt spid="2"/>
+                                        </p:tgtEl>
+                                        <p:attrNameLst>
+                                          <p:attrName>style.visibility</p:attrName>
+                                        </p:attrNameLst>
+                                      </p:cBhvr>
+                                      <p:to>
+                                        <p:strVal val="visible"/>
+                                      </p:to>
+                                    </p:set>
+                                    <p:animEffect transition="in" filter="fade">
+                                      <p:cBhvr>
+                                        <p:cTn id="7" dur="500"/>
+                                        <p:tgtEl>
+                                          <p:spTgt spid="2"/>
+                                        </p:tgtEl>
+                                      </p:cBhvr>
+                                    </p:animEffect>
+                                  </p:childTnLst>
+                                </p:cTn>
+                              </p:par>
+                            </p:childTnLst>
+                          </p:cTn>
+                        </p:par>
+                      </p:childTnLst>
+                    </p:cTn>
+                  </p:par>
+                </p:childTnLst>
+              </p:cTn>
+              <p:prevCondLst>
+                <p:cond evt="onPrev" delay="0">
+                  <p:tgtEl>
+                    <p:sldTgt/>
+                  </p:tgtEl>
+                </p:cond>
+              </p:prevCondLst>
+              <p:nextCondLst>
+                <p:cond evt="onNext" delay="0">
+                  <p:tgtEl>
+                    <p:sldTgt/>
+                  </p:tgtEl>
+                </p:cond>
+              </p:nextCondLst>
+            </p:seq>
+          </p:childTnLst>
+        </p:cTn>
+      </p:par>
+    </p:tnLst>
+    <p:bldLst>
+      <p:bldP spid="2" grpId="0"/>
+    </p:bldLst>
+  </p:timing>
+</p:sld>
+</file>
+
+<file path=ppt/slides/slide10.xml><?xml version="1.0" encoding="utf-8"?>
+<p:sld xmlns:a="http://schemas.openxmlformats.org/drawingml/2006/main" xmlns:r="http://schemas.openxmlformats.org/officeDocument/2006/relationships" xmlns:p="http://schemas.openxmlformats.org/presentationml/2006/main">
+  <p:cSld>
+    <p:spTree>
+      <p:nvGrpSpPr>
+        <p:cNvPr id="1" name=""/>
+        <p:cNvGrpSpPr/>
+        <p:nvPr/>
+      </p:nvGrpSpPr>
+      <p:grpSpPr>
+        <a:xfrm>
+          <a:off x="0" y="0"/>
+          <a:ext cx="0" cy="0"/>
+          <a:chOff x="0" y="0"/>
+          <a:chExt cx="0" cy="0"/>
+        </a:xfrm>
+      </p:grpSpPr>
+      <p:sp>
+        <p:nvSpPr>
+          <p:cNvPr id="2" name="Titel 1">
+            <a:extLst>
+              <a:ext uri="{FF2B5EF4-FFF2-40B4-BE49-F238E27FC236}">
+                <a16:creationId xmlns:a16="http://schemas.microsoft.com/office/drawing/2014/main" id="{8863E4F2-E5EC-43C5-B897-8C27EEEE8811}"/>
+              </a:ext>
+            </a:extLst>
+          </p:cNvPr>
+          <p:cNvSpPr>
+            <a:spLocks noGrp="1"/>
+          </p:cNvSpPr>
+          <p:nvPr>
+            <p:ph type="title"/>
+          </p:nvPr>
+        </p:nvSpPr>
+        <p:spPr>
+          <a:xfrm>
+            <a:off x="2151992" y="204952"/>
+            <a:ext cx="10040008" cy="362606"/>
+          </a:xfrm>
+        </p:spPr>
+        <p:txBody>
+          <a:bodyPr>
+            <a:noAutofit/>
+          </a:bodyPr>
+          <a:lstStyle/>
+          <a:p>
+            <a:pPr algn="ctr"/>
+            <a:r>
+              <a:rPr lang="de-DE" sz="2400" dirty="0" err="1">
+                <a:solidFill>
+                  <a:schemeClr val="bg1">
+                    <a:lumMod val="85000"/>
+                    <a:lumOff val="15000"/>
+                  </a:schemeClr>
+                </a:solidFill>
+                <a:effectLst>
+                  <a:reflection blurRad="6350" stA="60000" endA="900" endPos="60000" dist="29997" dir="5400000" sy="-100000" algn="bl" rotWithShape="0"/>
+                </a:effectLst>
+                <a:latin typeface="Corbel Light" panose="020B0303020204020204" pitchFamily="34" charset="0"/>
+              </a:rPr>
+              <a:t>Arduino&amp;</a:t>
+            </a:r>
+            <a:r>
+              <a:rPr lang="de-DE" sz="2400" spc="250" dirty="0" err="1">
+                <a:solidFill>
+                  <a:schemeClr val="bg1">
+                    <a:lumMod val="85000"/>
+                    <a:lumOff val="15000"/>
+                  </a:schemeClr>
+                </a:solidFill>
+                <a:effectLst>
+                  <a:reflection blurRad="6350" stA="60000" endA="900" endPos="60000" dist="29997" dir="5400000" sy="-100000" algn="bl" rotWithShape="0"/>
+                </a:effectLst>
+                <a:latin typeface="Corbel Light" panose="020B0303020204020204" pitchFamily="34" charset="0"/>
+              </a:rPr>
+              <a:t>Sensorik</a:t>
+            </a:r>
+            <a:r>
+              <a:rPr lang="de-DE" sz="2400" spc="250" dirty="0" err="1">
+                <a:effectLst>
+                  <a:reflection blurRad="6350" stA="60000" endA="900" endPos="60000" dist="29997" dir="5400000" sy="-100000" algn="bl" rotWithShape="0"/>
+                </a:effectLst>
+                <a:latin typeface="Corbel Light" panose="020B0303020204020204" pitchFamily="34" charset="0"/>
+              </a:rPr>
+              <a:t>Kommunikation</a:t>
+            </a:r>
+            <a:r>
+              <a:rPr lang="de-DE" sz="2400" spc="250" dirty="0" err="1">
+                <a:solidFill>
+                  <a:schemeClr val="bg1">
+                    <a:lumMod val="85000"/>
+                    <a:lumOff val="15000"/>
+                  </a:schemeClr>
+                </a:solidFill>
+                <a:effectLst>
+                  <a:reflection blurRad="6350" stA="60000" endA="900" endPos="60000" dist="29997" dir="5400000" sy="-100000" algn="bl" rotWithShape="0"/>
+                </a:effectLst>
+                <a:latin typeface="Corbel Light" panose="020B0303020204020204" pitchFamily="34" charset="0"/>
+              </a:rPr>
+              <a:t>BackendVisualisierungRoboNova</a:t>
+            </a:r>
+            <a:endParaRPr lang="de-DE" sz="2400" spc="250" dirty="0">
+              <a:solidFill>
+                <a:schemeClr val="bg1">
+                  <a:lumMod val="85000"/>
+                  <a:lumOff val="15000"/>
+                </a:schemeClr>
+              </a:solidFill>
+              <a:effectLst>
+                <a:reflection blurRad="6350" stA="60000" endA="900" endPos="60000" dist="29997" dir="5400000" sy="-100000" algn="bl" rotWithShape="0"/>
+              </a:effectLst>
+              <a:latin typeface="Corbel Light" panose="020B0303020204020204" pitchFamily="34" charset="0"/>
+            </a:endParaRPr>
+          </a:p>
+        </p:txBody>
+      </p:sp>
+      <p:sp>
+        <p:nvSpPr>
+          <p:cNvPr id="8" name="Textfeld 7">
+            <a:extLst>
+              <a:ext uri="{FF2B5EF4-FFF2-40B4-BE49-F238E27FC236}">
+                <a16:creationId xmlns:a16="http://schemas.microsoft.com/office/drawing/2014/main" id="{53AE0C01-BA48-4AC0-9A6A-878E7B5942C9}"/>
+              </a:ext>
+            </a:extLst>
+          </p:cNvPr>
+          <p:cNvSpPr txBox="1"/>
+          <p:nvPr/>
+        </p:nvSpPr>
+        <p:spPr>
+          <a:xfrm>
+            <a:off x="140980" y="124645"/>
+            <a:ext cx="2011013" cy="523220"/>
+          </a:xfrm>
+          <a:prstGeom prst="rect">
+            <a:avLst/>
+          </a:prstGeom>
+          <a:noFill/>
+          <a:ln w="57150">
+            <a:solidFill>
+              <a:schemeClr val="tx1"/>
+            </a:solidFill>
+          </a:ln>
+        </p:spPr>
+        <p:txBody>
+          <a:bodyPr wrap="square" rtlCol="0">
+            <a:spAutoFit/>
+          </a:bodyPr>
+          <a:lstStyle>
+            <a:defPPr>
+              <a:defRPr lang="de-DE"/>
+            </a:defPPr>
+            <a:lvl1pPr>
+              <a:defRPr>
+                <a:latin typeface="Corbel Light" panose="020B0303020204020204" pitchFamily="34" charset="0"/>
+              </a:defRPr>
+            </a:lvl1pPr>
+          </a:lstStyle>
+          <a:p>
+            <a:pPr algn="ctr"/>
+            <a:r>
+              <a:rPr lang="de-DE" sz="2800" dirty="0"/>
+              <a:t>RoboMirror</a:t>
+            </a:r>
+          </a:p>
+        </p:txBody>
+      </p:sp>
+      <p:sp>
+        <p:nvSpPr>
+          <p:cNvPr id="7" name="Textfeld 6">
+            <a:extLst>
+              <a:ext uri="{FF2B5EF4-FFF2-40B4-BE49-F238E27FC236}">
+                <a16:creationId xmlns:a16="http://schemas.microsoft.com/office/drawing/2014/main" id="{B6462147-A034-401F-8F23-038091BD374F}"/>
+              </a:ext>
+            </a:extLst>
+          </p:cNvPr>
+          <p:cNvSpPr txBox="1"/>
+          <p:nvPr/>
+        </p:nvSpPr>
+        <p:spPr>
+          <a:xfrm>
+            <a:off x="0" y="1012279"/>
+            <a:ext cx="12192000" cy="769441"/>
+          </a:xfrm>
+          <a:prstGeom prst="rect">
+            <a:avLst/>
+          </a:prstGeom>
+          <a:noFill/>
+          <a:ln>
+            <a:solidFill>
+              <a:schemeClr val="bg1"/>
+            </a:solidFill>
+          </a:ln>
+        </p:spPr>
+        <p:txBody>
+          <a:bodyPr wrap="square" rtlCol="0">
+            <a:spAutoFit/>
+          </a:bodyPr>
+          <a:lstStyle/>
+          <a:p>
+            <a:pPr algn="ctr"/>
+            <a:r>
+              <a:rPr lang="de-DE" sz="4400" spc="600" dirty="0">
+                <a:solidFill>
+                  <a:schemeClr val="bg1">
+                    <a:lumMod val="95000"/>
+                    <a:lumOff val="5000"/>
+                  </a:schemeClr>
+                </a:solidFill>
+                <a:latin typeface="Corbel Light" panose="020B0303020204020204" pitchFamily="34" charset="0"/>
+              </a:rPr>
+              <a:t>ESP 8266</a:t>
+            </a:r>
+          </a:p>
+        </p:txBody>
+      </p:sp>
+    </p:spTree>
+    <p:extLst>
+      <p:ext uri="{BB962C8B-B14F-4D97-AF65-F5344CB8AC3E}">
+        <p14:creationId xmlns:p14="http://schemas.microsoft.com/office/powerpoint/2010/main" val="249561243"/>
+      </p:ext>
+    </p:extLst>
+  </p:cSld>
+  <p:clrMapOvr>
+    <a:masterClrMapping/>
+  </p:clrMapOvr>
+  <p:transition spd="slow">
+    <p:push dir="u"/>
+  </p:transition>
+  <p:timing>
+    <p:tnLst>
+      <p:par>
+        <p:cTn id="1" dur="indefinite" restart="never" nodeType="tmRoot">
+          <p:childTnLst>
+            <p:seq concurrent="1" nextAc="seek">
+              <p:cTn id="2" dur="indefinite" nodeType="mainSeq">
+                <p:childTnLst>
+                  <p:par>
+                    <p:cTn id="3" fill="hold">
+                      <p:stCondLst>
+                        <p:cond delay="indefinite"/>
+                        <p:cond evt="onBegin" delay="0">
+                          <p:tn val="2"/>
+                        </p:cond>
+                      </p:stCondLst>
+                      <p:childTnLst>
+                        <p:par>
+                          <p:cTn id="4" fill="hold">
+                            <p:stCondLst>
+                              <p:cond delay="0"/>
+                            </p:stCondLst>
+                            <p:childTnLst>
+                              <p:par>
+                                <p:cTn id="5" presetID="10" presetClass="entr" presetSubtype="0" fill="hold" grpId="0" nodeType="withEffect">
+                                  <p:stCondLst>
+                                    <p:cond delay="0"/>
+                                  </p:stCondLst>
+                                  <p:childTnLst>
+                                    <p:set>
+                                      <p:cBhvr>
+                                        <p:cTn id="6" dur="1" fill="hold">
+                                          <p:stCondLst>
+                                            <p:cond delay="0"/>
+                                          </p:stCondLst>
+                                        </p:cTn>
+                                        <p:tgtEl>
+                                          <p:spTgt spid="2"/>
+                                        </p:tgtEl>
+                                        <p:attrNameLst>
+                                          <p:attrName>style.visibility</p:attrName>
+                                        </p:attrNameLst>
+                                      </p:cBhvr>
+                                      <p:to>
+                                        <p:strVal val="visible"/>
+                                      </p:to>
+                                    </p:set>
+                                    <p:animEffect transition="in" filter="fade">
+                                      <p:cBhvr>
+                                        <p:cTn id="7" dur="500"/>
+                                        <p:tgtEl>
+                                          <p:spTgt spid="2"/>
+                                        </p:tgtEl>
+                                      </p:cBhvr>
+                                    </p:animEffect>
+                                  </p:childTnLst>
+                                </p:cTn>
+                              </p:par>
+                            </p:childTnLst>
+                          </p:cTn>
+                        </p:par>
+                      </p:childTnLst>
+                    </p:cTn>
+                  </p:par>
+                </p:childTnLst>
+              </p:cTn>
+              <p:prevCondLst>
+                <p:cond evt="onPrev" delay="0">
+                  <p:tgtEl>
+                    <p:sldTgt/>
+                  </p:tgtEl>
+                </p:cond>
+              </p:prevCondLst>
+              <p:nextCondLst>
+                <p:cond evt="onNext" delay="0">
+                  <p:tgtEl>
+                    <p:sldTgt/>
+                  </p:tgtEl>
+                </p:cond>
+              </p:nextCondLst>
+            </p:seq>
+          </p:childTnLst>
+        </p:cTn>
+      </p:par>
+    </p:tnLst>
+    <p:bldLst>
+      <p:bldP spid="2" grpId="0"/>
+    </p:bldLst>
+  </p:timing>
+</p:sld>
+</file>
+
+<file path=ppt/slides/slide11.xml><?xml version="1.0" encoding="utf-8"?>
+<p:sld xmlns:a="http://schemas.openxmlformats.org/drawingml/2006/main" xmlns:r="http://schemas.openxmlformats.org/officeDocument/2006/relationships" xmlns:p="http://schemas.openxmlformats.org/presentationml/2006/main">
+  <p:cSld>
+    <p:spTree>
+      <p:nvGrpSpPr>
+        <p:cNvPr id="1" name=""/>
+        <p:cNvGrpSpPr/>
+        <p:nvPr/>
+      </p:nvGrpSpPr>
+      <p:grpSpPr>
+        <a:xfrm>
+          <a:off x="0" y="0"/>
+          <a:ext cx="0" cy="0"/>
+          <a:chOff x="0" y="0"/>
+          <a:chExt cx="0" cy="0"/>
+        </a:xfrm>
+      </p:grpSpPr>
+      <p:sp>
+        <p:nvSpPr>
+          <p:cNvPr id="2" name="Titel 1">
+            <a:extLst>
+              <a:ext uri="{FF2B5EF4-FFF2-40B4-BE49-F238E27FC236}">
+                <a16:creationId xmlns:a16="http://schemas.microsoft.com/office/drawing/2014/main" id="{8863E4F2-E5EC-43C5-B897-8C27EEEE8811}"/>
+              </a:ext>
+            </a:extLst>
+          </p:cNvPr>
+          <p:cNvSpPr>
+            <a:spLocks noGrp="1"/>
+          </p:cNvSpPr>
+          <p:nvPr>
+            <p:ph type="title"/>
+          </p:nvPr>
+        </p:nvSpPr>
+        <p:spPr>
+          <a:xfrm>
+            <a:off x="2151992" y="204952"/>
+            <a:ext cx="10040008" cy="362606"/>
+          </a:xfrm>
+        </p:spPr>
+        <p:txBody>
+          <a:bodyPr>
+            <a:noAutofit/>
+          </a:bodyPr>
+          <a:lstStyle/>
+          <a:p>
+            <a:pPr algn="ctr"/>
+            <a:r>
+              <a:rPr lang="de-DE" sz="2400" dirty="0" err="1">
+                <a:solidFill>
+                  <a:schemeClr val="bg1">
+                    <a:lumMod val="85000"/>
+                    <a:lumOff val="15000"/>
+                  </a:schemeClr>
+                </a:solidFill>
+                <a:effectLst>
+                  <a:reflection blurRad="6350" stA="60000" endA="900" endPos="60000" dist="29997" dir="5400000" sy="-100000" algn="bl" rotWithShape="0"/>
+                </a:effectLst>
+                <a:latin typeface="Corbel Light" panose="020B0303020204020204" pitchFamily="34" charset="0"/>
+              </a:rPr>
+              <a:t>Arduino&amp;</a:t>
+            </a:r>
+            <a:r>
+              <a:rPr lang="de-DE" sz="2400" spc="250" dirty="0" err="1">
+                <a:solidFill>
+                  <a:schemeClr val="bg1">
+                    <a:lumMod val="85000"/>
+                    <a:lumOff val="15000"/>
+                  </a:schemeClr>
+                </a:solidFill>
+                <a:effectLst>
+                  <a:reflection blurRad="6350" stA="60000" endA="900" endPos="60000" dist="29997" dir="5400000" sy="-100000" algn="bl" rotWithShape="0"/>
+                </a:effectLst>
+                <a:latin typeface="Corbel Light" panose="020B0303020204020204" pitchFamily="34" charset="0"/>
+              </a:rPr>
+              <a:t>Sensorik</a:t>
+            </a:r>
+            <a:r>
+              <a:rPr lang="de-DE" sz="2400" spc="250" dirty="0" err="1">
+                <a:effectLst>
+                  <a:reflection blurRad="6350" stA="60000" endA="900" endPos="60000" dist="29997" dir="5400000" sy="-100000" algn="bl" rotWithShape="0"/>
+                </a:effectLst>
+                <a:latin typeface="Corbel Light" panose="020B0303020204020204" pitchFamily="34" charset="0"/>
+              </a:rPr>
+              <a:t>Kommunikation</a:t>
+            </a:r>
+            <a:r>
+              <a:rPr lang="de-DE" sz="2400" spc="250" dirty="0" err="1">
+                <a:solidFill>
+                  <a:schemeClr val="bg1">
+                    <a:lumMod val="85000"/>
+                    <a:lumOff val="15000"/>
+                  </a:schemeClr>
+                </a:solidFill>
+                <a:effectLst>
+                  <a:reflection blurRad="6350" stA="60000" endA="900" endPos="60000" dist="29997" dir="5400000" sy="-100000" algn="bl" rotWithShape="0"/>
+                </a:effectLst>
+                <a:latin typeface="Corbel Light" panose="020B0303020204020204" pitchFamily="34" charset="0"/>
+              </a:rPr>
+              <a:t>BackendVisualisierungRoboNova</a:t>
+            </a:r>
+            <a:endParaRPr lang="de-DE" sz="2400" spc="250" dirty="0">
+              <a:solidFill>
+                <a:schemeClr val="bg1">
+                  <a:lumMod val="85000"/>
+                  <a:lumOff val="15000"/>
+                </a:schemeClr>
+              </a:solidFill>
+              <a:effectLst>
+                <a:reflection blurRad="6350" stA="60000" endA="900" endPos="60000" dist="29997" dir="5400000" sy="-100000" algn="bl" rotWithShape="0"/>
+              </a:effectLst>
+              <a:latin typeface="Corbel Light" panose="020B0303020204020204" pitchFamily="34" charset="0"/>
+            </a:endParaRPr>
+          </a:p>
+        </p:txBody>
+      </p:sp>
+      <p:pic>
+        <p:nvPicPr>
+          <p:cNvPr id="5" name="Grafik 4">
+            <a:extLst>
+              <a:ext uri="{FF2B5EF4-FFF2-40B4-BE49-F238E27FC236}">
+                <a16:creationId xmlns:a16="http://schemas.microsoft.com/office/drawing/2014/main" id="{73474120-098F-492B-A91C-D7758A98BFD2}"/>
+              </a:ext>
+            </a:extLst>
+          </p:cNvPr>
+          <p:cNvPicPr>
+            <a:picLocks noChangeAspect="1"/>
+          </p:cNvPicPr>
+          <p:nvPr/>
+        </p:nvPicPr>
+        <p:blipFill>
+          <a:blip r:embed="rId2">
+            <a:extLst>
+              <a:ext uri="{28A0092B-C50C-407E-A947-70E740481C1C}">
+                <a14:useLocalDpi xmlns:a14="http://schemas.microsoft.com/office/drawing/2010/main" val="0"/>
+              </a:ext>
+            </a:extLst>
+          </a:blip>
+          <a:stretch>
+            <a:fillRect/>
+          </a:stretch>
+        </p:blipFill>
+        <p:spPr>
+          <a:xfrm>
+            <a:off x="2151993" y="1210496"/>
+            <a:ext cx="7888014" cy="4437008"/>
+          </a:xfrm>
+          <a:prstGeom prst="rect">
+            <a:avLst/>
+          </a:prstGeom>
+          <a:ln w="38100" cap="sq">
+            <a:solidFill>
+              <a:srgbClr val="000000"/>
+            </a:solidFill>
+            <a:prstDash val="solid"/>
+            <a:miter lim="800000"/>
+          </a:ln>
+          <a:effectLst>
+            <a:outerShdw blurRad="50800" dist="38100" dir="2700000" algn="tl" rotWithShape="0">
+              <a:srgbClr val="000000">
+                <a:alpha val="43000"/>
+              </a:srgbClr>
+            </a:outerShdw>
+          </a:effectLst>
+        </p:spPr>
+      </p:pic>
+      <p:sp>
+        <p:nvSpPr>
+          <p:cNvPr id="8" name="Textfeld 7">
+            <a:extLst>
+              <a:ext uri="{FF2B5EF4-FFF2-40B4-BE49-F238E27FC236}">
+                <a16:creationId xmlns:a16="http://schemas.microsoft.com/office/drawing/2014/main" id="{53AE0C01-BA48-4AC0-9A6A-878E7B5942C9}"/>
+              </a:ext>
+            </a:extLst>
+          </p:cNvPr>
+          <p:cNvSpPr txBox="1"/>
+          <p:nvPr/>
+        </p:nvSpPr>
+        <p:spPr>
+          <a:xfrm>
+            <a:off x="140980" y="124645"/>
+            <a:ext cx="2011013" cy="523220"/>
+          </a:xfrm>
+          <a:prstGeom prst="rect">
+            <a:avLst/>
+          </a:prstGeom>
+          <a:noFill/>
+          <a:ln w="57150">
+            <a:solidFill>
+              <a:schemeClr val="tx1"/>
+            </a:solidFill>
+          </a:ln>
+        </p:spPr>
+        <p:txBody>
+          <a:bodyPr wrap="square" rtlCol="0">
+            <a:spAutoFit/>
+          </a:bodyPr>
+          <a:lstStyle>
+            <a:defPPr>
+              <a:defRPr lang="de-DE"/>
+            </a:defPPr>
+            <a:lvl1pPr>
+              <a:defRPr>
+                <a:latin typeface="Corbel Light" panose="020B0303020204020204" pitchFamily="34" charset="0"/>
+              </a:defRPr>
+            </a:lvl1pPr>
+          </a:lstStyle>
+          <a:p>
+            <a:pPr algn="ctr"/>
+            <a:r>
+              <a:rPr lang="de-DE" sz="2800" dirty="0"/>
+              <a:t>RoboMirror</a:t>
+            </a:r>
+          </a:p>
+        </p:txBody>
+      </p:sp>
+      <p:sp>
+        <p:nvSpPr>
+          <p:cNvPr id="9" name="Ellipse 8">
+            <a:extLst>
+              <a:ext uri="{FF2B5EF4-FFF2-40B4-BE49-F238E27FC236}">
+                <a16:creationId xmlns:a16="http://schemas.microsoft.com/office/drawing/2014/main" id="{8908CB35-1197-45E0-902E-C768516404AA}"/>
+              </a:ext>
+            </a:extLst>
+          </p:cNvPr>
+          <p:cNvSpPr/>
+          <p:nvPr/>
+        </p:nvSpPr>
+        <p:spPr>
+          <a:xfrm>
+            <a:off x="4510454" y="3068515"/>
+            <a:ext cx="439615" cy="483577"/>
+          </a:xfrm>
+          <a:prstGeom prst="ellipse">
+            <a:avLst/>
+          </a:prstGeom>
+          <a:noFill/>
+          <a:ln w="28575">
+            <a:solidFill>
+              <a:srgbClr val="FF0000"/>
+            </a:solidFill>
+          </a:ln>
+        </p:spPr>
+        <p:style>
+          <a:lnRef idx="2">
+            <a:schemeClr val="accent1">
+              <a:shade val="50000"/>
+            </a:schemeClr>
+          </a:lnRef>
+          <a:fillRef idx="1">
+            <a:schemeClr val="accent1"/>
+          </a:fillRef>
+          <a:effectRef idx="0">
+            <a:schemeClr val="accent1"/>
+          </a:effectRef>
+          <a:fontRef idx="minor">
+            <a:schemeClr val="lt1"/>
+          </a:fontRef>
+        </p:style>
+        <p:txBody>
+          <a:bodyPr rtlCol="0" anchor="ctr"/>
+          <a:lstStyle/>
+          <a:p>
+            <a:pPr algn="ctr"/>
+            <a:endParaRPr lang="de-DE"/>
+          </a:p>
+        </p:txBody>
+      </p:sp>
+      <p:sp>
+        <p:nvSpPr>
+          <p:cNvPr id="10" name="Ellipse 9">
+            <a:extLst>
+              <a:ext uri="{FF2B5EF4-FFF2-40B4-BE49-F238E27FC236}">
+                <a16:creationId xmlns:a16="http://schemas.microsoft.com/office/drawing/2014/main" id="{71A79AEE-27FE-4F3B-91B1-F2F1AE838FF4}"/>
+              </a:ext>
+            </a:extLst>
+          </p:cNvPr>
+          <p:cNvSpPr/>
+          <p:nvPr/>
+        </p:nvSpPr>
+        <p:spPr>
+          <a:xfrm>
+            <a:off x="7239004" y="3068514"/>
+            <a:ext cx="439615" cy="483577"/>
+          </a:xfrm>
+          <a:prstGeom prst="ellipse">
+            <a:avLst/>
+          </a:prstGeom>
+          <a:noFill/>
+          <a:ln w="28575">
+            <a:solidFill>
+              <a:srgbClr val="FF0000"/>
+            </a:solidFill>
+          </a:ln>
+        </p:spPr>
+        <p:style>
+          <a:lnRef idx="2">
+            <a:schemeClr val="accent1">
+              <a:shade val="50000"/>
+            </a:schemeClr>
+          </a:lnRef>
+          <a:fillRef idx="1">
+            <a:schemeClr val="accent1"/>
+          </a:fillRef>
+          <a:effectRef idx="0">
+            <a:schemeClr val="accent1"/>
+          </a:effectRef>
+          <a:fontRef idx="minor">
+            <a:schemeClr val="lt1"/>
+          </a:fontRef>
+        </p:style>
+        <p:txBody>
+          <a:bodyPr rtlCol="0" anchor="ctr"/>
+          <a:lstStyle/>
+          <a:p>
+            <a:pPr algn="ctr"/>
+            <a:endParaRPr lang="de-DE"/>
+          </a:p>
+        </p:txBody>
+      </p:sp>
+    </p:spTree>
+    <p:extLst>
+      <p:ext uri="{BB962C8B-B14F-4D97-AF65-F5344CB8AC3E}">
+        <p14:creationId xmlns:p14="http://schemas.microsoft.com/office/powerpoint/2010/main" val="2722513359"/>
       </p:ext>
     </p:extLst>
   </p:cSld>
@@ -3197,6 +3948,443 @@
           <a:p>
             <a:pPr algn="ctr"/>
             <a:r>
+              <a:rPr lang="de-DE" sz="2400" dirty="0">
+                <a:solidFill>
+                  <a:schemeClr val="bg1">
+                    <a:lumMod val="85000"/>
+                    <a:lumOff val="15000"/>
+                  </a:schemeClr>
+                </a:solidFill>
+                <a:effectLst>
+                  <a:reflection blurRad="6350" stA="60000" endA="900" endPos="60000" dist="29997" dir="5400000" sy="-100000" algn="bl" rotWithShape="0"/>
+                </a:effectLst>
+                <a:latin typeface="Corbel Light" panose="020B0303020204020204" pitchFamily="34" charset="0"/>
+              </a:rPr>
+              <a:t>Arduino&amp;</a:t>
+            </a:r>
+            <a:r>
+              <a:rPr lang="de-DE" sz="2400" spc="250" dirty="0">
+                <a:solidFill>
+                  <a:schemeClr val="bg1">
+                    <a:lumMod val="85000"/>
+                    <a:lumOff val="15000"/>
+                  </a:schemeClr>
+                </a:solidFill>
+                <a:effectLst>
+                  <a:reflection blurRad="6350" stA="60000" endA="900" endPos="60000" dist="29997" dir="5400000" sy="-100000" algn="bl" rotWithShape="0"/>
+                </a:effectLst>
+                <a:latin typeface="Corbel Light" panose="020B0303020204020204" pitchFamily="34" charset="0"/>
+              </a:rPr>
+              <a:t>Sensorik</a:t>
+            </a:r>
+            <a:r>
+              <a:rPr lang="de-DE" sz="2400" spc="250" dirty="0">
+                <a:effectLst>
+                  <a:reflection blurRad="6350" stA="60000" endA="900" endPos="60000" dist="29997" dir="5400000" sy="-100000" algn="bl" rotWithShape="0"/>
+                </a:effectLst>
+                <a:latin typeface="Corbel Light" panose="020B0303020204020204" pitchFamily="34" charset="0"/>
+              </a:rPr>
+              <a:t>Kommunikation</a:t>
+            </a:r>
+            <a:r>
+              <a:rPr lang="de-DE" sz="2400" spc="250" dirty="0">
+                <a:solidFill>
+                  <a:schemeClr val="bg1">
+                    <a:lumMod val="85000"/>
+                    <a:lumOff val="15000"/>
+                  </a:schemeClr>
+                </a:solidFill>
+                <a:effectLst>
+                  <a:reflection blurRad="6350" stA="60000" endA="900" endPos="60000" dist="29997" dir="5400000" sy="-100000" algn="bl" rotWithShape="0"/>
+                </a:effectLst>
+                <a:latin typeface="Corbel Light" panose="020B0303020204020204" pitchFamily="34" charset="0"/>
+              </a:rPr>
+              <a:t>BackendVisualisierungRoboNova</a:t>
+            </a:r>
+          </a:p>
+        </p:txBody>
+      </p:sp>
+      <p:sp>
+        <p:nvSpPr>
+          <p:cNvPr id="8" name="Textfeld 7">
+            <a:extLst>
+              <a:ext uri="{FF2B5EF4-FFF2-40B4-BE49-F238E27FC236}">
+                <a16:creationId xmlns:a16="http://schemas.microsoft.com/office/drawing/2014/main" id="{53AE0C01-BA48-4AC0-9A6A-878E7B5942C9}"/>
+              </a:ext>
+            </a:extLst>
+          </p:cNvPr>
+          <p:cNvSpPr txBox="1"/>
+          <p:nvPr/>
+        </p:nvSpPr>
+        <p:spPr>
+          <a:xfrm>
+            <a:off x="140980" y="124645"/>
+            <a:ext cx="2011013" cy="523220"/>
+          </a:xfrm>
+          <a:prstGeom prst="rect">
+            <a:avLst/>
+          </a:prstGeom>
+          <a:noFill/>
+          <a:ln w="57150">
+            <a:solidFill>
+              <a:schemeClr val="tx1"/>
+            </a:solidFill>
+          </a:ln>
+        </p:spPr>
+        <p:txBody>
+          <a:bodyPr wrap="square" rtlCol="0">
+            <a:spAutoFit/>
+          </a:bodyPr>
+          <a:lstStyle>
+            <a:defPPr>
+              <a:defRPr lang="de-DE"/>
+            </a:defPPr>
+            <a:lvl1pPr>
+              <a:defRPr>
+                <a:latin typeface="Corbel Light" panose="020B0303020204020204" pitchFamily="34" charset="0"/>
+              </a:defRPr>
+            </a:lvl1pPr>
+          </a:lstStyle>
+          <a:p>
+            <a:pPr algn="ctr"/>
+            <a:r>
+              <a:rPr lang="de-DE" sz="2800" dirty="0"/>
+              <a:t>RoboMirror</a:t>
+            </a:r>
+          </a:p>
+        </p:txBody>
+      </p:sp>
+      <p:sp>
+        <p:nvSpPr>
+          <p:cNvPr id="4" name="Textfeld 3">
+            <a:extLst>
+              <a:ext uri="{FF2B5EF4-FFF2-40B4-BE49-F238E27FC236}">
+                <a16:creationId xmlns:a16="http://schemas.microsoft.com/office/drawing/2014/main" id="{F690F791-696D-4345-BA6E-0FDE85A24999}"/>
+              </a:ext>
+            </a:extLst>
+          </p:cNvPr>
+          <p:cNvSpPr txBox="1"/>
+          <p:nvPr/>
+        </p:nvSpPr>
+        <p:spPr>
+          <a:xfrm>
+            <a:off x="-8344214" y="1469397"/>
+            <a:ext cx="7882303" cy="584775"/>
+          </a:xfrm>
+          <a:prstGeom prst="rect">
+            <a:avLst/>
+          </a:prstGeom>
+          <a:noFill/>
+        </p:spPr>
+        <p:txBody>
+          <a:bodyPr wrap="square" rtlCol="0">
+            <a:spAutoFit/>
+          </a:bodyPr>
+          <a:lstStyle/>
+          <a:p>
+            <a:r>
+              <a:rPr lang="de-DE" sz="3200" dirty="0">
+                <a:latin typeface="Corbel Light" panose="020B0303020204020204" pitchFamily="34" charset="0"/>
+              </a:rPr>
+              <a:t>Kommunikation Arduino Mini ↔ Raspberry Pi</a:t>
+            </a:r>
+          </a:p>
+        </p:txBody>
+      </p:sp>
+      <p:sp>
+        <p:nvSpPr>
+          <p:cNvPr id="6" name="Textfeld 5">
+            <a:extLst>
+              <a:ext uri="{FF2B5EF4-FFF2-40B4-BE49-F238E27FC236}">
+                <a16:creationId xmlns:a16="http://schemas.microsoft.com/office/drawing/2014/main" id="{9A44E4E8-13F6-4104-8D28-502E843A588A}"/>
+              </a:ext>
+            </a:extLst>
+          </p:cNvPr>
+          <p:cNvSpPr txBox="1"/>
+          <p:nvPr/>
+        </p:nvSpPr>
+        <p:spPr>
+          <a:xfrm>
+            <a:off x="-8001314" y="1469398"/>
+            <a:ext cx="7539403" cy="584775"/>
+          </a:xfrm>
+          <a:prstGeom prst="rect">
+            <a:avLst/>
+          </a:prstGeom>
+          <a:noFill/>
+        </p:spPr>
+        <p:txBody>
+          <a:bodyPr wrap="square" rtlCol="0">
+            <a:spAutoFit/>
+          </a:bodyPr>
+          <a:lstStyle/>
+          <a:p>
+            <a:r>
+              <a:rPr lang="de-DE" sz="3200" dirty="0">
+                <a:latin typeface="Corbel Light" panose="020B0303020204020204" pitchFamily="34" charset="0"/>
+              </a:rPr>
+              <a:t>Kommunikation Raspberry Pi ↔ </a:t>
+            </a:r>
+            <a:r>
+              <a:rPr lang="de-DE" sz="3200" dirty="0" err="1">
+                <a:latin typeface="Corbel Light" panose="020B0303020204020204" pitchFamily="34" charset="0"/>
+              </a:rPr>
+              <a:t>RoboNova</a:t>
+            </a:r>
+            <a:endParaRPr lang="de-DE" sz="3200" dirty="0">
+              <a:latin typeface="Corbel Light" panose="020B0303020204020204" pitchFamily="34" charset="0"/>
+            </a:endParaRPr>
+          </a:p>
+        </p:txBody>
+      </p:sp>
+    </p:spTree>
+    <p:extLst>
+      <p:ext uri="{BB962C8B-B14F-4D97-AF65-F5344CB8AC3E}">
+        <p14:creationId xmlns:p14="http://schemas.microsoft.com/office/powerpoint/2010/main" val="4133584170"/>
+      </p:ext>
+    </p:extLst>
+  </p:cSld>
+  <p:clrMapOvr>
+    <a:masterClrMapping/>
+  </p:clrMapOvr>
+  <p:transition spd="slow">
+    <p:push dir="u"/>
+  </p:transition>
+  <p:timing>
+    <p:tnLst>
+      <p:par>
+        <p:cTn id="1" dur="indefinite" restart="never" nodeType="tmRoot">
+          <p:childTnLst>
+            <p:seq concurrent="1" nextAc="seek">
+              <p:cTn id="2" dur="indefinite" nodeType="mainSeq">
+                <p:childTnLst>
+                  <p:par>
+                    <p:cTn id="3" fill="hold">
+                      <p:stCondLst>
+                        <p:cond delay="indefinite"/>
+                        <p:cond evt="onBegin" delay="0">
+                          <p:tn val="2"/>
+                        </p:cond>
+                      </p:stCondLst>
+                      <p:childTnLst>
+                        <p:par>
+                          <p:cTn id="4" fill="hold">
+                            <p:stCondLst>
+                              <p:cond delay="0"/>
+                            </p:stCondLst>
+                            <p:childTnLst>
+                              <p:par>
+                                <p:cTn id="5" presetID="10" presetClass="entr" presetSubtype="0" fill="hold" grpId="0" nodeType="withEffect">
+                                  <p:stCondLst>
+                                    <p:cond delay="0"/>
+                                  </p:stCondLst>
+                                  <p:childTnLst>
+                                    <p:set>
+                                      <p:cBhvr>
+                                        <p:cTn id="6" dur="1" fill="hold">
+                                          <p:stCondLst>
+                                            <p:cond delay="0"/>
+                                          </p:stCondLst>
+                                        </p:cTn>
+                                        <p:tgtEl>
+                                          <p:spTgt spid="2"/>
+                                        </p:tgtEl>
+                                        <p:attrNameLst>
+                                          <p:attrName>style.visibility</p:attrName>
+                                        </p:attrNameLst>
+                                      </p:cBhvr>
+                                      <p:to>
+                                        <p:strVal val="visible"/>
+                                      </p:to>
+                                    </p:set>
+                                    <p:animEffect transition="in" filter="fade">
+                                      <p:cBhvr>
+                                        <p:cTn id="7" dur="500"/>
+                                        <p:tgtEl>
+                                          <p:spTgt spid="2"/>
+                                        </p:tgtEl>
+                                      </p:cBhvr>
+                                    </p:animEffect>
+                                  </p:childTnLst>
+                                </p:cTn>
+                              </p:par>
+                            </p:childTnLst>
+                          </p:cTn>
+                        </p:par>
+                        <p:par>
+                          <p:cTn id="8" fill="hold">
+                            <p:stCondLst>
+                              <p:cond delay="500"/>
+                            </p:stCondLst>
+                            <p:childTnLst>
+                              <p:par>
+                                <p:cTn id="9" presetID="42" presetClass="path" presetSubtype="0" accel="50000" decel="50000" fill="hold" grpId="0" nodeType="afterEffect">
+                                  <p:stCondLst>
+                                    <p:cond delay="0"/>
+                                  </p:stCondLst>
+                                  <p:childTnLst>
+                                    <p:animMotion origin="layout" path="M -4.79167E-6 -4.44444E-6 L 0.84701 -0.00324 " pathEditMode="relative" rAng="0" ptsTypes="AA">
+                                      <p:cBhvr>
+                                        <p:cTn id="10" dur="2000" fill="hold"/>
+                                        <p:tgtEl>
+                                          <p:spTgt spid="6"/>
+                                        </p:tgtEl>
+                                        <p:attrNameLst>
+                                          <p:attrName>ppt_x</p:attrName>
+                                          <p:attrName>ppt_y</p:attrName>
+                                        </p:attrNameLst>
+                                      </p:cBhvr>
+                                      <p:rCtr x="42344" y="-162"/>
+                                    </p:animMotion>
+                                  </p:childTnLst>
+                                </p:cTn>
+                              </p:par>
+                            </p:childTnLst>
+                          </p:cTn>
+                        </p:par>
+                        <p:par>
+                          <p:cTn id="11" fill="hold">
+                            <p:stCondLst>
+                              <p:cond delay="2500"/>
+                            </p:stCondLst>
+                            <p:childTnLst>
+                              <p:par>
+                                <p:cTn id="12" presetID="42" presetClass="path" presetSubtype="0" accel="50000" decel="50000" fill="hold" grpId="1" nodeType="afterEffect">
+                                  <p:stCondLst>
+                                    <p:cond delay="0"/>
+                                  </p:stCondLst>
+                                  <p:childTnLst>
+                                    <p:animMotion origin="layout" path="M 0.84701 -0.00324 L 0.84701 0.39862 " pathEditMode="relative" rAng="0" ptsTypes="AA">
+                                      <p:cBhvr>
+                                        <p:cTn id="13" dur="2000" fill="hold"/>
+                                        <p:tgtEl>
+                                          <p:spTgt spid="6"/>
+                                        </p:tgtEl>
+                                        <p:attrNameLst>
+                                          <p:attrName>ppt_x</p:attrName>
+                                          <p:attrName>ppt_y</p:attrName>
+                                        </p:attrNameLst>
+                                      </p:cBhvr>
+                                      <p:rCtr x="0" y="20278"/>
+                                    </p:animMotion>
+                                  </p:childTnLst>
+                                </p:cTn>
+                              </p:par>
+                            </p:childTnLst>
+                          </p:cTn>
+                        </p:par>
+                        <p:par>
+                          <p:cTn id="14" fill="hold">
+                            <p:stCondLst>
+                              <p:cond delay="4500"/>
+                            </p:stCondLst>
+                            <p:childTnLst>
+                              <p:par>
+                                <p:cTn id="15" presetID="42" presetClass="path" presetSubtype="0" accel="50000" decel="50000" fill="hold" grpId="0" nodeType="afterEffect">
+                                  <p:stCondLst>
+                                    <p:cond delay="0"/>
+                                  </p:stCondLst>
+                                  <p:childTnLst>
+                                    <p:animMotion origin="layout" path="M -2.29167E-6 -4.44444E-6 L 0.86107 -0.00324 " pathEditMode="relative" rAng="0" ptsTypes="AA">
+                                      <p:cBhvr>
+                                        <p:cTn id="16" dur="2000" fill="hold"/>
+                                        <p:tgtEl>
+                                          <p:spTgt spid="4"/>
+                                        </p:tgtEl>
+                                        <p:attrNameLst>
+                                          <p:attrName>ppt_x</p:attrName>
+                                          <p:attrName>ppt_y</p:attrName>
+                                        </p:attrNameLst>
+                                      </p:cBhvr>
+                                      <p:rCtr x="43047" y="23"/>
+                                    </p:animMotion>
+                                  </p:childTnLst>
+                                </p:cTn>
+                              </p:par>
+                            </p:childTnLst>
+                          </p:cTn>
+                        </p:par>
+                      </p:childTnLst>
+                    </p:cTn>
+                  </p:par>
+                </p:childTnLst>
+              </p:cTn>
+              <p:prevCondLst>
+                <p:cond evt="onPrev" delay="0">
+                  <p:tgtEl>
+                    <p:sldTgt/>
+                  </p:tgtEl>
+                </p:cond>
+              </p:prevCondLst>
+              <p:nextCondLst>
+                <p:cond evt="onNext" delay="0">
+                  <p:tgtEl>
+                    <p:sldTgt/>
+                  </p:tgtEl>
+                </p:cond>
+              </p:nextCondLst>
+            </p:seq>
+          </p:childTnLst>
+        </p:cTn>
+      </p:par>
+    </p:tnLst>
+    <p:bldLst>
+      <p:bldP spid="2" grpId="0"/>
+      <p:bldP spid="4" grpId="0"/>
+      <p:bldP spid="6" grpId="0"/>
+      <p:bldP spid="6" grpId="1"/>
+    </p:bldLst>
+  </p:timing>
+</p:sld>
+</file>
+
+<file path=ppt/slides/slide3.xml><?xml version="1.0" encoding="utf-8"?>
+<p:sld xmlns:a="http://schemas.openxmlformats.org/drawingml/2006/main" xmlns:r="http://schemas.openxmlformats.org/officeDocument/2006/relationships" xmlns:p="http://schemas.openxmlformats.org/presentationml/2006/main">
+  <p:cSld>
+    <p:spTree>
+      <p:nvGrpSpPr>
+        <p:cNvPr id="1" name=""/>
+        <p:cNvGrpSpPr/>
+        <p:nvPr/>
+      </p:nvGrpSpPr>
+      <p:grpSpPr>
+        <a:xfrm>
+          <a:off x="0" y="0"/>
+          <a:ext cx="0" cy="0"/>
+          <a:chOff x="0" y="0"/>
+          <a:chExt cx="0" cy="0"/>
+        </a:xfrm>
+      </p:grpSpPr>
+      <p:sp>
+        <p:nvSpPr>
+          <p:cNvPr id="2" name="Titel 1">
+            <a:extLst>
+              <a:ext uri="{FF2B5EF4-FFF2-40B4-BE49-F238E27FC236}">
+                <a16:creationId xmlns:a16="http://schemas.microsoft.com/office/drawing/2014/main" id="{8863E4F2-E5EC-43C5-B897-8C27EEEE8811}"/>
+              </a:ext>
+            </a:extLst>
+          </p:cNvPr>
+          <p:cNvSpPr>
+            <a:spLocks noGrp="1"/>
+          </p:cNvSpPr>
+          <p:nvPr>
+            <p:ph type="title"/>
+          </p:nvPr>
+        </p:nvSpPr>
+        <p:spPr>
+          <a:xfrm>
+            <a:off x="2151992" y="204952"/>
+            <a:ext cx="10040008" cy="362606"/>
+          </a:xfrm>
+        </p:spPr>
+        <p:txBody>
+          <a:bodyPr>
+            <a:noAutofit/>
+          </a:bodyPr>
+          <a:lstStyle/>
+          <a:p>
+            <a:pPr algn="ctr"/>
+            <a:r>
               <a:rPr lang="de-DE" sz="2400" dirty="0" err="1">
                 <a:solidFill>
                   <a:schemeClr val="bg1">
@@ -3309,17 +4497,2670 @@
           <a:p>
             <a:pPr algn="ctr"/>
             <a:r>
-              <a:rPr lang="de-DE" sz="2800" dirty="0" err="1"/>
+              <a:rPr lang="de-DE" sz="2800" dirty="0"/>
               <a:t>RoboMirror</a:t>
             </a:r>
-            <a:endParaRPr lang="de-DE" sz="2800" dirty="0"/>
+          </a:p>
+        </p:txBody>
+      </p:sp>
+      <p:sp>
+        <p:nvSpPr>
+          <p:cNvPr id="7" name="Textfeld 6">
+            <a:extLst>
+              <a:ext uri="{FF2B5EF4-FFF2-40B4-BE49-F238E27FC236}">
+                <a16:creationId xmlns:a16="http://schemas.microsoft.com/office/drawing/2014/main" id="{B6462147-A034-401F-8F23-038091BD374F}"/>
+              </a:ext>
+            </a:extLst>
+          </p:cNvPr>
+          <p:cNvSpPr txBox="1"/>
+          <p:nvPr/>
+        </p:nvSpPr>
+        <p:spPr>
+          <a:xfrm>
+            <a:off x="0" y="3044279"/>
+            <a:ext cx="12192000" cy="769441"/>
+          </a:xfrm>
+          <a:prstGeom prst="rect">
+            <a:avLst/>
+          </a:prstGeom>
+          <a:noFill/>
+        </p:spPr>
+        <p:txBody>
+          <a:bodyPr wrap="square" rtlCol="0">
+            <a:spAutoFit/>
+          </a:bodyPr>
+          <a:lstStyle/>
+          <a:p>
+            <a:pPr algn="ctr"/>
+            <a:r>
+              <a:rPr lang="de-DE" sz="4400" spc="600" dirty="0">
+                <a:solidFill>
+                  <a:schemeClr val="bg1">
+                    <a:lumMod val="95000"/>
+                    <a:lumOff val="5000"/>
+                  </a:schemeClr>
+                </a:solidFill>
+                <a:latin typeface="Corbel Light" panose="020B0303020204020204" pitchFamily="34" charset="0"/>
+              </a:rPr>
+              <a:t>Arduino Mini↔ Raspberry Pi</a:t>
+            </a:r>
+          </a:p>
+        </p:txBody>
+      </p:sp>
+      <p:sp>
+        <p:nvSpPr>
+          <p:cNvPr id="11" name="Textfeld 10">
+            <a:extLst>
+              <a:ext uri="{FF2B5EF4-FFF2-40B4-BE49-F238E27FC236}">
+                <a16:creationId xmlns:a16="http://schemas.microsoft.com/office/drawing/2014/main" id="{7012552E-2A48-4B97-9EEC-240E530F987D}"/>
+              </a:ext>
+            </a:extLst>
+          </p:cNvPr>
+          <p:cNvSpPr txBox="1"/>
+          <p:nvPr/>
+        </p:nvSpPr>
+        <p:spPr>
+          <a:xfrm>
+            <a:off x="1146486" y="1461351"/>
+            <a:ext cx="2349500" cy="769441"/>
+          </a:xfrm>
+          <a:prstGeom prst="rect">
+            <a:avLst/>
+          </a:prstGeom>
+          <a:noFill/>
+          <a:ln w="12700">
+            <a:solidFill>
+              <a:schemeClr val="tx1"/>
+            </a:solidFill>
+          </a:ln>
+        </p:spPr>
+        <p:txBody>
+          <a:bodyPr wrap="square" rtlCol="0">
+            <a:spAutoFit/>
+          </a:bodyPr>
+          <a:lstStyle/>
+          <a:p>
+            <a:pPr algn="ctr"/>
+            <a:r>
+              <a:rPr lang="de-DE" sz="4400" spc="600" dirty="0">
+                <a:latin typeface="Corbel Light" panose="020B0303020204020204" pitchFamily="34" charset="0"/>
+              </a:rPr>
+              <a:t>RS232</a:t>
+            </a:r>
+          </a:p>
+        </p:txBody>
+      </p:sp>
+      <p:sp>
+        <p:nvSpPr>
+          <p:cNvPr id="12" name="Textfeld 11">
+            <a:extLst>
+              <a:ext uri="{FF2B5EF4-FFF2-40B4-BE49-F238E27FC236}">
+                <a16:creationId xmlns:a16="http://schemas.microsoft.com/office/drawing/2014/main" id="{AE70B564-8A49-4747-A4C2-440693B64951}"/>
+              </a:ext>
+            </a:extLst>
+          </p:cNvPr>
+          <p:cNvSpPr txBox="1"/>
+          <p:nvPr/>
+        </p:nvSpPr>
+        <p:spPr>
+          <a:xfrm>
+            <a:off x="8696014" y="1461351"/>
+            <a:ext cx="2349500" cy="769441"/>
+          </a:xfrm>
+          <a:prstGeom prst="rect">
+            <a:avLst/>
+          </a:prstGeom>
+          <a:noFill/>
+          <a:ln w="12700">
+            <a:solidFill>
+              <a:schemeClr val="tx1"/>
+            </a:solidFill>
+          </a:ln>
+        </p:spPr>
+        <p:txBody>
+          <a:bodyPr wrap="square" rtlCol="0">
+            <a:spAutoFit/>
+          </a:bodyPr>
+          <a:lstStyle/>
+          <a:p>
+            <a:pPr algn="ctr"/>
+            <a:r>
+              <a:rPr lang="de-DE" sz="4400" spc="600" dirty="0">
+                <a:latin typeface="Corbel Light" panose="020B0303020204020204" pitchFamily="34" charset="0"/>
+              </a:rPr>
+              <a:t>RS485</a:t>
+            </a:r>
+          </a:p>
+        </p:txBody>
+      </p:sp>
+      <p:sp>
+        <p:nvSpPr>
+          <p:cNvPr id="13" name="Textfeld 12">
+            <a:extLst>
+              <a:ext uri="{FF2B5EF4-FFF2-40B4-BE49-F238E27FC236}">
+                <a16:creationId xmlns:a16="http://schemas.microsoft.com/office/drawing/2014/main" id="{5F3F1860-CAC4-43A4-BD87-183A2F8F7AD9}"/>
+              </a:ext>
+            </a:extLst>
+          </p:cNvPr>
+          <p:cNvSpPr txBox="1"/>
+          <p:nvPr/>
+        </p:nvSpPr>
+        <p:spPr>
+          <a:xfrm>
+            <a:off x="4921250" y="1584461"/>
+            <a:ext cx="2349500" cy="646331"/>
+          </a:xfrm>
+          <a:prstGeom prst="rect">
+            <a:avLst/>
+          </a:prstGeom>
+          <a:noFill/>
+          <a:ln w="12700">
+            <a:noFill/>
+          </a:ln>
+        </p:spPr>
+        <p:txBody>
+          <a:bodyPr wrap="square" rtlCol="0">
+            <a:spAutoFit/>
+          </a:bodyPr>
+          <a:lstStyle/>
+          <a:p>
+            <a:pPr algn="ctr"/>
+            <a:r>
+              <a:rPr lang="de-DE" sz="3600" dirty="0">
+                <a:latin typeface="Corbel Light" panose="020B0303020204020204" pitchFamily="34" charset="0"/>
+              </a:rPr>
+              <a:t>oder</a:t>
+            </a:r>
           </a:p>
         </p:txBody>
       </p:sp>
     </p:spTree>
     <p:extLst>
       <p:ext uri="{BB962C8B-B14F-4D97-AF65-F5344CB8AC3E}">
-        <p14:creationId xmlns:p14="http://schemas.microsoft.com/office/powerpoint/2010/main" val="4133584170"/>
+        <p14:creationId xmlns:p14="http://schemas.microsoft.com/office/powerpoint/2010/main" val="676205032"/>
+      </p:ext>
+    </p:extLst>
+  </p:cSld>
+  <p:clrMapOvr>
+    <a:masterClrMapping/>
+  </p:clrMapOvr>
+  <p:transition spd="slow">
+    <p:push dir="u"/>
+  </p:transition>
+  <p:timing>
+    <p:tnLst>
+      <p:par>
+        <p:cTn id="1" dur="indefinite" restart="never" nodeType="tmRoot">
+          <p:childTnLst>
+            <p:seq concurrent="1" nextAc="seek">
+              <p:cTn id="2" dur="indefinite" nodeType="mainSeq">
+                <p:childTnLst>
+                  <p:par>
+                    <p:cTn id="3" fill="hold">
+                      <p:stCondLst>
+                        <p:cond delay="indefinite"/>
+                        <p:cond evt="onBegin" delay="0">
+                          <p:tn val="2"/>
+                        </p:cond>
+                      </p:stCondLst>
+                      <p:childTnLst>
+                        <p:par>
+                          <p:cTn id="4" fill="hold">
+                            <p:stCondLst>
+                              <p:cond delay="0"/>
+                            </p:stCondLst>
+                            <p:childTnLst>
+                              <p:par>
+                                <p:cTn id="5" presetID="10" presetClass="entr" presetSubtype="0" fill="hold" grpId="0" nodeType="withEffect">
+                                  <p:stCondLst>
+                                    <p:cond delay="0"/>
+                                  </p:stCondLst>
+                                  <p:childTnLst>
+                                    <p:set>
+                                      <p:cBhvr>
+                                        <p:cTn id="6" dur="1" fill="hold">
+                                          <p:stCondLst>
+                                            <p:cond delay="0"/>
+                                          </p:stCondLst>
+                                        </p:cTn>
+                                        <p:tgtEl>
+                                          <p:spTgt spid="2"/>
+                                        </p:tgtEl>
+                                        <p:attrNameLst>
+                                          <p:attrName>style.visibility</p:attrName>
+                                        </p:attrNameLst>
+                                      </p:cBhvr>
+                                      <p:to>
+                                        <p:strVal val="visible"/>
+                                      </p:to>
+                                    </p:set>
+                                    <p:animEffect transition="in" filter="fade">
+                                      <p:cBhvr>
+                                        <p:cTn id="7" dur="500"/>
+                                        <p:tgtEl>
+                                          <p:spTgt spid="2"/>
+                                        </p:tgtEl>
+                                      </p:cBhvr>
+                                    </p:animEffect>
+                                  </p:childTnLst>
+                                </p:cTn>
+                              </p:par>
+                            </p:childTnLst>
+                          </p:cTn>
+                        </p:par>
+                      </p:childTnLst>
+                    </p:cTn>
+                  </p:par>
+                </p:childTnLst>
+              </p:cTn>
+              <p:prevCondLst>
+                <p:cond evt="onPrev" delay="0">
+                  <p:tgtEl>
+                    <p:sldTgt/>
+                  </p:tgtEl>
+                </p:cond>
+              </p:prevCondLst>
+              <p:nextCondLst>
+                <p:cond evt="onNext" delay="0">
+                  <p:tgtEl>
+                    <p:sldTgt/>
+                  </p:tgtEl>
+                </p:cond>
+              </p:nextCondLst>
+            </p:seq>
+          </p:childTnLst>
+        </p:cTn>
+      </p:par>
+    </p:tnLst>
+    <p:bldLst>
+      <p:bldP spid="2" grpId="0"/>
+    </p:bldLst>
+  </p:timing>
+</p:sld>
+</file>
+
+<file path=ppt/slides/slide4.xml><?xml version="1.0" encoding="utf-8"?>
+<p:sld xmlns:a="http://schemas.openxmlformats.org/drawingml/2006/main" xmlns:r="http://schemas.openxmlformats.org/officeDocument/2006/relationships" xmlns:p="http://schemas.openxmlformats.org/presentationml/2006/main">
+  <p:cSld>
+    <p:spTree>
+      <p:nvGrpSpPr>
+        <p:cNvPr id="1" name=""/>
+        <p:cNvGrpSpPr/>
+        <p:nvPr/>
+      </p:nvGrpSpPr>
+      <p:grpSpPr>
+        <a:xfrm>
+          <a:off x="0" y="0"/>
+          <a:ext cx="0" cy="0"/>
+          <a:chOff x="0" y="0"/>
+          <a:chExt cx="0" cy="0"/>
+        </a:xfrm>
+      </p:grpSpPr>
+      <p:sp>
+        <p:nvSpPr>
+          <p:cNvPr id="2" name="Titel 1">
+            <a:extLst>
+              <a:ext uri="{FF2B5EF4-FFF2-40B4-BE49-F238E27FC236}">
+                <a16:creationId xmlns:a16="http://schemas.microsoft.com/office/drawing/2014/main" id="{8863E4F2-E5EC-43C5-B897-8C27EEEE8811}"/>
+              </a:ext>
+            </a:extLst>
+          </p:cNvPr>
+          <p:cNvSpPr>
+            <a:spLocks noGrp="1"/>
+          </p:cNvSpPr>
+          <p:nvPr>
+            <p:ph type="title"/>
+          </p:nvPr>
+        </p:nvSpPr>
+        <p:spPr>
+          <a:xfrm>
+            <a:off x="2151992" y="204952"/>
+            <a:ext cx="10040008" cy="362606"/>
+          </a:xfrm>
+        </p:spPr>
+        <p:txBody>
+          <a:bodyPr>
+            <a:noAutofit/>
+          </a:bodyPr>
+          <a:lstStyle/>
+          <a:p>
+            <a:pPr algn="ctr"/>
+            <a:r>
+              <a:rPr lang="de-DE" sz="2400" dirty="0" err="1">
+                <a:solidFill>
+                  <a:schemeClr val="bg1">
+                    <a:lumMod val="85000"/>
+                    <a:lumOff val="15000"/>
+                  </a:schemeClr>
+                </a:solidFill>
+                <a:effectLst>
+                  <a:reflection blurRad="6350" stA="60000" endA="900" endPos="60000" dist="29997" dir="5400000" sy="-100000" algn="bl" rotWithShape="0"/>
+                </a:effectLst>
+                <a:latin typeface="Corbel Light" panose="020B0303020204020204" pitchFamily="34" charset="0"/>
+              </a:rPr>
+              <a:t>Arduino&amp;</a:t>
+            </a:r>
+            <a:r>
+              <a:rPr lang="de-DE" sz="2400" spc="250" dirty="0" err="1">
+                <a:solidFill>
+                  <a:schemeClr val="bg1">
+                    <a:lumMod val="85000"/>
+                    <a:lumOff val="15000"/>
+                  </a:schemeClr>
+                </a:solidFill>
+                <a:effectLst>
+                  <a:reflection blurRad="6350" stA="60000" endA="900" endPos="60000" dist="29997" dir="5400000" sy="-100000" algn="bl" rotWithShape="0"/>
+                </a:effectLst>
+                <a:latin typeface="Corbel Light" panose="020B0303020204020204" pitchFamily="34" charset="0"/>
+              </a:rPr>
+              <a:t>Sensorik</a:t>
+            </a:r>
+            <a:r>
+              <a:rPr lang="de-DE" sz="2400" spc="250" dirty="0" err="1">
+                <a:effectLst>
+                  <a:reflection blurRad="6350" stA="60000" endA="900" endPos="60000" dist="29997" dir="5400000" sy="-100000" algn="bl" rotWithShape="0"/>
+                </a:effectLst>
+                <a:latin typeface="Corbel Light" panose="020B0303020204020204" pitchFamily="34" charset="0"/>
+              </a:rPr>
+              <a:t>Kommunikation</a:t>
+            </a:r>
+            <a:r>
+              <a:rPr lang="de-DE" sz="2400" spc="250" dirty="0" err="1">
+                <a:solidFill>
+                  <a:schemeClr val="bg1">
+                    <a:lumMod val="85000"/>
+                    <a:lumOff val="15000"/>
+                  </a:schemeClr>
+                </a:solidFill>
+                <a:effectLst>
+                  <a:reflection blurRad="6350" stA="60000" endA="900" endPos="60000" dist="29997" dir="5400000" sy="-100000" algn="bl" rotWithShape="0"/>
+                </a:effectLst>
+                <a:latin typeface="Corbel Light" panose="020B0303020204020204" pitchFamily="34" charset="0"/>
+              </a:rPr>
+              <a:t>BackendVisualisierungRoboNova</a:t>
+            </a:r>
+            <a:endParaRPr lang="de-DE" sz="2400" spc="250" dirty="0">
+              <a:solidFill>
+                <a:schemeClr val="bg1">
+                  <a:lumMod val="85000"/>
+                  <a:lumOff val="15000"/>
+                </a:schemeClr>
+              </a:solidFill>
+              <a:effectLst>
+                <a:reflection blurRad="6350" stA="60000" endA="900" endPos="60000" dist="29997" dir="5400000" sy="-100000" algn="bl" rotWithShape="0"/>
+              </a:effectLst>
+              <a:latin typeface="Corbel Light" panose="020B0303020204020204" pitchFamily="34" charset="0"/>
+            </a:endParaRPr>
+          </a:p>
+        </p:txBody>
+      </p:sp>
+      <p:sp>
+        <p:nvSpPr>
+          <p:cNvPr id="8" name="Textfeld 7">
+            <a:extLst>
+              <a:ext uri="{FF2B5EF4-FFF2-40B4-BE49-F238E27FC236}">
+                <a16:creationId xmlns:a16="http://schemas.microsoft.com/office/drawing/2014/main" id="{53AE0C01-BA48-4AC0-9A6A-878E7B5942C9}"/>
+              </a:ext>
+            </a:extLst>
+          </p:cNvPr>
+          <p:cNvSpPr txBox="1"/>
+          <p:nvPr/>
+        </p:nvSpPr>
+        <p:spPr>
+          <a:xfrm>
+            <a:off x="140980" y="124645"/>
+            <a:ext cx="2011013" cy="523220"/>
+          </a:xfrm>
+          <a:prstGeom prst="rect">
+            <a:avLst/>
+          </a:prstGeom>
+          <a:noFill/>
+          <a:ln w="57150">
+            <a:solidFill>
+              <a:schemeClr val="tx1"/>
+            </a:solidFill>
+          </a:ln>
+        </p:spPr>
+        <p:txBody>
+          <a:bodyPr wrap="square" rtlCol="0">
+            <a:spAutoFit/>
+          </a:bodyPr>
+          <a:lstStyle>
+            <a:defPPr>
+              <a:defRPr lang="de-DE"/>
+            </a:defPPr>
+            <a:lvl1pPr>
+              <a:defRPr>
+                <a:latin typeface="Corbel Light" panose="020B0303020204020204" pitchFamily="34" charset="0"/>
+              </a:defRPr>
+            </a:lvl1pPr>
+          </a:lstStyle>
+          <a:p>
+            <a:pPr algn="ctr"/>
+            <a:r>
+              <a:rPr lang="de-DE" sz="2800" dirty="0"/>
+              <a:t>RoboMirror</a:t>
+            </a:r>
+          </a:p>
+        </p:txBody>
+      </p:sp>
+      <p:sp>
+        <p:nvSpPr>
+          <p:cNvPr id="7" name="Textfeld 6">
+            <a:extLst>
+              <a:ext uri="{FF2B5EF4-FFF2-40B4-BE49-F238E27FC236}">
+                <a16:creationId xmlns:a16="http://schemas.microsoft.com/office/drawing/2014/main" id="{B6462147-A034-401F-8F23-038091BD374F}"/>
+              </a:ext>
+            </a:extLst>
+          </p:cNvPr>
+          <p:cNvSpPr txBox="1"/>
+          <p:nvPr/>
+        </p:nvSpPr>
+        <p:spPr>
+          <a:xfrm>
+            <a:off x="0" y="1012279"/>
+            <a:ext cx="12192000" cy="769441"/>
+          </a:xfrm>
+          <a:prstGeom prst="rect">
+            <a:avLst/>
+          </a:prstGeom>
+          <a:noFill/>
+          <a:ln>
+            <a:solidFill>
+              <a:schemeClr val="bg1"/>
+            </a:solidFill>
+          </a:ln>
+        </p:spPr>
+        <p:txBody>
+          <a:bodyPr wrap="square" rtlCol="0">
+            <a:spAutoFit/>
+          </a:bodyPr>
+          <a:lstStyle/>
+          <a:p>
+            <a:pPr algn="ctr"/>
+            <a:r>
+              <a:rPr lang="de-DE" sz="4400" spc="600" dirty="0">
+                <a:solidFill>
+                  <a:schemeClr val="bg1">
+                    <a:lumMod val="95000"/>
+                    <a:lumOff val="5000"/>
+                  </a:schemeClr>
+                </a:solidFill>
+                <a:latin typeface="Corbel Light" panose="020B0303020204020204" pitchFamily="34" charset="0"/>
+              </a:rPr>
+              <a:t>RS485</a:t>
+            </a:r>
+          </a:p>
+        </p:txBody>
+      </p:sp>
+      <p:sp>
+        <p:nvSpPr>
+          <p:cNvPr id="9" name="Textfeld 8">
+            <a:extLst>
+              <a:ext uri="{FF2B5EF4-FFF2-40B4-BE49-F238E27FC236}">
+                <a16:creationId xmlns:a16="http://schemas.microsoft.com/office/drawing/2014/main" id="{06983C61-44A2-491A-87D9-513A54B652F9}"/>
+              </a:ext>
+            </a:extLst>
+          </p:cNvPr>
+          <p:cNvSpPr txBox="1"/>
+          <p:nvPr/>
+        </p:nvSpPr>
+        <p:spPr>
+          <a:xfrm>
+            <a:off x="-114300" y="2002879"/>
+            <a:ext cx="12420600" cy="523220"/>
+          </a:xfrm>
+          <a:prstGeom prst="rect">
+            <a:avLst/>
+          </a:prstGeom>
+          <a:noFill/>
+          <a:ln>
+            <a:solidFill>
+              <a:schemeClr val="tx1"/>
+            </a:solidFill>
+          </a:ln>
+        </p:spPr>
+        <p:txBody>
+          <a:bodyPr wrap="square" rtlCol="0">
+            <a:spAutoFit/>
+          </a:bodyPr>
+          <a:lstStyle/>
+          <a:p>
+            <a:pPr algn="ctr"/>
+            <a:r>
+              <a:rPr lang="de-DE" sz="2800" spc="600" dirty="0">
+                <a:latin typeface="Corbel Light" panose="020B0303020204020204" pitchFamily="34" charset="0"/>
+              </a:rPr>
+              <a:t>Serieller Datenbus</a:t>
+            </a:r>
+          </a:p>
+        </p:txBody>
+      </p:sp>
+      <p:sp>
+        <p:nvSpPr>
+          <p:cNvPr id="10" name="Textfeld 9">
+            <a:extLst>
+              <a:ext uri="{FF2B5EF4-FFF2-40B4-BE49-F238E27FC236}">
+                <a16:creationId xmlns:a16="http://schemas.microsoft.com/office/drawing/2014/main" id="{05A400A2-0E51-4EBB-9D50-EFB0009087F6}"/>
+              </a:ext>
+            </a:extLst>
+          </p:cNvPr>
+          <p:cNvSpPr txBox="1"/>
+          <p:nvPr/>
+        </p:nvSpPr>
+        <p:spPr>
+          <a:xfrm>
+            <a:off x="-114300" y="2747258"/>
+            <a:ext cx="12420600" cy="523220"/>
+          </a:xfrm>
+          <a:prstGeom prst="rect">
+            <a:avLst/>
+          </a:prstGeom>
+          <a:noFill/>
+          <a:ln>
+            <a:solidFill>
+              <a:schemeClr val="tx1"/>
+            </a:solidFill>
+          </a:ln>
+        </p:spPr>
+        <p:txBody>
+          <a:bodyPr wrap="square" rtlCol="0">
+            <a:spAutoFit/>
+          </a:bodyPr>
+          <a:lstStyle/>
+          <a:p>
+            <a:pPr algn="ctr"/>
+            <a:r>
+              <a:rPr lang="de-DE" sz="2800" spc="600" dirty="0">
+                <a:latin typeface="Corbel Light" panose="020B0303020204020204" pitchFamily="34" charset="0"/>
+              </a:rPr>
+              <a:t>Hohe Reichweite</a:t>
+            </a:r>
+          </a:p>
+        </p:txBody>
+      </p:sp>
+      <p:sp>
+        <p:nvSpPr>
+          <p:cNvPr id="14" name="Textfeld 13">
+            <a:extLst>
+              <a:ext uri="{FF2B5EF4-FFF2-40B4-BE49-F238E27FC236}">
+                <a16:creationId xmlns:a16="http://schemas.microsoft.com/office/drawing/2014/main" id="{D6A9C7F2-781F-413C-8E76-49F33275F1FE}"/>
+              </a:ext>
+            </a:extLst>
+          </p:cNvPr>
+          <p:cNvSpPr txBox="1"/>
+          <p:nvPr/>
+        </p:nvSpPr>
+        <p:spPr>
+          <a:xfrm>
+            <a:off x="-114300" y="3491637"/>
+            <a:ext cx="12420600" cy="523220"/>
+          </a:xfrm>
+          <a:prstGeom prst="rect">
+            <a:avLst/>
+          </a:prstGeom>
+          <a:noFill/>
+          <a:ln>
+            <a:solidFill>
+              <a:schemeClr val="tx1"/>
+            </a:solidFill>
+          </a:ln>
+        </p:spPr>
+        <p:txBody>
+          <a:bodyPr wrap="square" rtlCol="0">
+            <a:spAutoFit/>
+          </a:bodyPr>
+          <a:lstStyle/>
+          <a:p>
+            <a:pPr algn="ctr"/>
+            <a:r>
+              <a:rPr lang="de-DE" sz="2800" spc="600" dirty="0">
+                <a:latin typeface="Corbel Light" panose="020B0303020204020204" pitchFamily="34" charset="0"/>
+              </a:rPr>
+              <a:t>Master ↔ x-Slaves</a:t>
+            </a:r>
+          </a:p>
+        </p:txBody>
+      </p:sp>
+      <p:sp>
+        <p:nvSpPr>
+          <p:cNvPr id="15" name="Textfeld 14">
+            <a:extLst>
+              <a:ext uri="{FF2B5EF4-FFF2-40B4-BE49-F238E27FC236}">
+                <a16:creationId xmlns:a16="http://schemas.microsoft.com/office/drawing/2014/main" id="{EDC0117D-58F4-467D-B022-5970DDCB4994}"/>
+              </a:ext>
+            </a:extLst>
+          </p:cNvPr>
+          <p:cNvSpPr txBox="1"/>
+          <p:nvPr/>
+        </p:nvSpPr>
+        <p:spPr>
+          <a:xfrm>
+            <a:off x="-114300" y="5142637"/>
+            <a:ext cx="12420600" cy="523220"/>
+          </a:xfrm>
+          <a:prstGeom prst="rect">
+            <a:avLst/>
+          </a:prstGeom>
+          <a:noFill/>
+          <a:ln>
+            <a:solidFill>
+              <a:schemeClr val="tx1"/>
+            </a:solidFill>
+          </a:ln>
+        </p:spPr>
+        <p:txBody>
+          <a:bodyPr wrap="square" rtlCol="0">
+            <a:spAutoFit/>
+          </a:bodyPr>
+          <a:lstStyle/>
+          <a:p>
+            <a:pPr algn="ctr"/>
+            <a:r>
+              <a:rPr lang="de-DE" sz="2800" spc="600" dirty="0">
+                <a:latin typeface="Corbel Light" panose="020B0303020204020204" pitchFamily="34" charset="0"/>
+              </a:rPr>
+              <a:t>Zu Lange Lieferzeiten</a:t>
+            </a:r>
+          </a:p>
+        </p:txBody>
+      </p:sp>
+      <p:sp>
+        <p:nvSpPr>
+          <p:cNvPr id="16" name="Textfeld 15">
+            <a:extLst>
+              <a:ext uri="{FF2B5EF4-FFF2-40B4-BE49-F238E27FC236}">
+                <a16:creationId xmlns:a16="http://schemas.microsoft.com/office/drawing/2014/main" id="{B21FF403-2CAC-4530-827B-A540AA6C395F}"/>
+              </a:ext>
+            </a:extLst>
+          </p:cNvPr>
+          <p:cNvSpPr txBox="1"/>
+          <p:nvPr/>
+        </p:nvSpPr>
+        <p:spPr>
+          <a:xfrm>
+            <a:off x="3213100" y="4521875"/>
+            <a:ext cx="5765800" cy="523220"/>
+          </a:xfrm>
+          <a:prstGeom prst="rect">
+            <a:avLst/>
+          </a:prstGeom>
+          <a:noFill/>
+          <a:ln>
+            <a:noFill/>
+          </a:ln>
+        </p:spPr>
+        <p:txBody>
+          <a:bodyPr wrap="square" rtlCol="0">
+            <a:spAutoFit/>
+          </a:bodyPr>
+          <a:lstStyle/>
+          <a:p>
+            <a:pPr algn="ctr"/>
+            <a:r>
+              <a:rPr lang="de-DE" sz="2800" spc="600" dirty="0">
+                <a:latin typeface="Corbel Light" panose="020B0303020204020204" pitchFamily="34" charset="0"/>
+              </a:rPr>
+              <a:t>ABER</a:t>
+            </a:r>
+          </a:p>
+        </p:txBody>
+      </p:sp>
+    </p:spTree>
+    <p:extLst>
+      <p:ext uri="{BB962C8B-B14F-4D97-AF65-F5344CB8AC3E}">
+        <p14:creationId xmlns:p14="http://schemas.microsoft.com/office/powerpoint/2010/main" val="3158725272"/>
+      </p:ext>
+    </p:extLst>
+  </p:cSld>
+  <p:clrMapOvr>
+    <a:masterClrMapping/>
+  </p:clrMapOvr>
+  <p:transition spd="slow">
+    <p:push dir="u"/>
+  </p:transition>
+  <p:timing>
+    <p:tnLst>
+      <p:par>
+        <p:cTn id="1" dur="indefinite" restart="never" nodeType="tmRoot">
+          <p:childTnLst>
+            <p:seq concurrent="1" nextAc="seek">
+              <p:cTn id="2" dur="indefinite" nodeType="mainSeq">
+                <p:childTnLst>
+                  <p:par>
+                    <p:cTn id="3" fill="hold">
+                      <p:stCondLst>
+                        <p:cond delay="indefinite"/>
+                        <p:cond evt="onBegin" delay="0">
+                          <p:tn val="2"/>
+                        </p:cond>
+                      </p:stCondLst>
+                      <p:childTnLst>
+                        <p:par>
+                          <p:cTn id="4" fill="hold">
+                            <p:stCondLst>
+                              <p:cond delay="0"/>
+                            </p:stCondLst>
+                            <p:childTnLst>
+                              <p:par>
+                                <p:cTn id="5" presetID="10" presetClass="entr" presetSubtype="0" fill="hold" grpId="0" nodeType="withEffect">
+                                  <p:stCondLst>
+                                    <p:cond delay="0"/>
+                                  </p:stCondLst>
+                                  <p:childTnLst>
+                                    <p:set>
+                                      <p:cBhvr>
+                                        <p:cTn id="6" dur="1" fill="hold">
+                                          <p:stCondLst>
+                                            <p:cond delay="0"/>
+                                          </p:stCondLst>
+                                        </p:cTn>
+                                        <p:tgtEl>
+                                          <p:spTgt spid="2"/>
+                                        </p:tgtEl>
+                                        <p:attrNameLst>
+                                          <p:attrName>style.visibility</p:attrName>
+                                        </p:attrNameLst>
+                                      </p:cBhvr>
+                                      <p:to>
+                                        <p:strVal val="visible"/>
+                                      </p:to>
+                                    </p:set>
+                                    <p:animEffect transition="in" filter="fade">
+                                      <p:cBhvr>
+                                        <p:cTn id="7" dur="500"/>
+                                        <p:tgtEl>
+                                          <p:spTgt spid="2"/>
+                                        </p:tgtEl>
+                                      </p:cBhvr>
+                                    </p:animEffect>
+                                  </p:childTnLst>
+                                </p:cTn>
+                              </p:par>
+                            </p:childTnLst>
+                          </p:cTn>
+                        </p:par>
+                      </p:childTnLst>
+                    </p:cTn>
+                  </p:par>
+                </p:childTnLst>
+              </p:cTn>
+              <p:prevCondLst>
+                <p:cond evt="onPrev" delay="0">
+                  <p:tgtEl>
+                    <p:sldTgt/>
+                  </p:tgtEl>
+                </p:cond>
+              </p:prevCondLst>
+              <p:nextCondLst>
+                <p:cond evt="onNext" delay="0">
+                  <p:tgtEl>
+                    <p:sldTgt/>
+                  </p:tgtEl>
+                </p:cond>
+              </p:nextCondLst>
+            </p:seq>
+          </p:childTnLst>
+        </p:cTn>
+      </p:par>
+    </p:tnLst>
+    <p:bldLst>
+      <p:bldP spid="2" grpId="0"/>
+    </p:bldLst>
+  </p:timing>
+</p:sld>
+</file>
+
+<file path=ppt/slides/slide5.xml><?xml version="1.0" encoding="utf-8"?>
+<p:sld xmlns:a="http://schemas.openxmlformats.org/drawingml/2006/main" xmlns:r="http://schemas.openxmlformats.org/officeDocument/2006/relationships" xmlns:p="http://schemas.openxmlformats.org/presentationml/2006/main">
+  <p:cSld>
+    <p:spTree>
+      <p:nvGrpSpPr>
+        <p:cNvPr id="1" name=""/>
+        <p:cNvGrpSpPr/>
+        <p:nvPr/>
+      </p:nvGrpSpPr>
+      <p:grpSpPr>
+        <a:xfrm>
+          <a:off x="0" y="0"/>
+          <a:ext cx="0" cy="0"/>
+          <a:chOff x="0" y="0"/>
+          <a:chExt cx="0" cy="0"/>
+        </a:xfrm>
+      </p:grpSpPr>
+      <p:sp>
+        <p:nvSpPr>
+          <p:cNvPr id="2" name="Titel 1">
+            <a:extLst>
+              <a:ext uri="{FF2B5EF4-FFF2-40B4-BE49-F238E27FC236}">
+                <a16:creationId xmlns:a16="http://schemas.microsoft.com/office/drawing/2014/main" id="{8863E4F2-E5EC-43C5-B897-8C27EEEE8811}"/>
+              </a:ext>
+            </a:extLst>
+          </p:cNvPr>
+          <p:cNvSpPr>
+            <a:spLocks noGrp="1"/>
+          </p:cNvSpPr>
+          <p:nvPr>
+            <p:ph type="title"/>
+          </p:nvPr>
+        </p:nvSpPr>
+        <p:spPr>
+          <a:xfrm>
+            <a:off x="2151992" y="204952"/>
+            <a:ext cx="10040008" cy="362606"/>
+          </a:xfrm>
+        </p:spPr>
+        <p:txBody>
+          <a:bodyPr>
+            <a:noAutofit/>
+          </a:bodyPr>
+          <a:lstStyle/>
+          <a:p>
+            <a:pPr algn="ctr"/>
+            <a:r>
+              <a:rPr lang="de-DE" sz="2400" dirty="0" err="1">
+                <a:solidFill>
+                  <a:schemeClr val="bg1">
+                    <a:lumMod val="85000"/>
+                    <a:lumOff val="15000"/>
+                  </a:schemeClr>
+                </a:solidFill>
+                <a:effectLst>
+                  <a:reflection blurRad="6350" stA="60000" endA="900" endPos="60000" dist="29997" dir="5400000" sy="-100000" algn="bl" rotWithShape="0"/>
+                </a:effectLst>
+                <a:latin typeface="Corbel Light" panose="020B0303020204020204" pitchFamily="34" charset="0"/>
+              </a:rPr>
+              <a:t>Arduino&amp;</a:t>
+            </a:r>
+            <a:r>
+              <a:rPr lang="de-DE" sz="2400" spc="250" dirty="0" err="1">
+                <a:solidFill>
+                  <a:schemeClr val="bg1">
+                    <a:lumMod val="85000"/>
+                    <a:lumOff val="15000"/>
+                  </a:schemeClr>
+                </a:solidFill>
+                <a:effectLst>
+                  <a:reflection blurRad="6350" stA="60000" endA="900" endPos="60000" dist="29997" dir="5400000" sy="-100000" algn="bl" rotWithShape="0"/>
+                </a:effectLst>
+                <a:latin typeface="Corbel Light" panose="020B0303020204020204" pitchFamily="34" charset="0"/>
+              </a:rPr>
+              <a:t>Sensorik</a:t>
+            </a:r>
+            <a:r>
+              <a:rPr lang="de-DE" sz="2400" spc="250" dirty="0" err="1">
+                <a:effectLst>
+                  <a:reflection blurRad="6350" stA="60000" endA="900" endPos="60000" dist="29997" dir="5400000" sy="-100000" algn="bl" rotWithShape="0"/>
+                </a:effectLst>
+                <a:latin typeface="Corbel Light" panose="020B0303020204020204" pitchFamily="34" charset="0"/>
+              </a:rPr>
+              <a:t>Kommunikation</a:t>
+            </a:r>
+            <a:r>
+              <a:rPr lang="de-DE" sz="2400" spc="250" dirty="0" err="1">
+                <a:solidFill>
+                  <a:schemeClr val="bg1">
+                    <a:lumMod val="85000"/>
+                    <a:lumOff val="15000"/>
+                  </a:schemeClr>
+                </a:solidFill>
+                <a:effectLst>
+                  <a:reflection blurRad="6350" stA="60000" endA="900" endPos="60000" dist="29997" dir="5400000" sy="-100000" algn="bl" rotWithShape="0"/>
+                </a:effectLst>
+                <a:latin typeface="Corbel Light" panose="020B0303020204020204" pitchFamily="34" charset="0"/>
+              </a:rPr>
+              <a:t>BackendVisualisierungRoboNova</a:t>
+            </a:r>
+            <a:endParaRPr lang="de-DE" sz="2400" spc="250" dirty="0">
+              <a:solidFill>
+                <a:schemeClr val="bg1">
+                  <a:lumMod val="85000"/>
+                  <a:lumOff val="15000"/>
+                </a:schemeClr>
+              </a:solidFill>
+              <a:effectLst>
+                <a:reflection blurRad="6350" stA="60000" endA="900" endPos="60000" dist="29997" dir="5400000" sy="-100000" algn="bl" rotWithShape="0"/>
+              </a:effectLst>
+              <a:latin typeface="Corbel Light" panose="020B0303020204020204" pitchFamily="34" charset="0"/>
+            </a:endParaRPr>
+          </a:p>
+        </p:txBody>
+      </p:sp>
+      <p:sp>
+        <p:nvSpPr>
+          <p:cNvPr id="8" name="Textfeld 7">
+            <a:extLst>
+              <a:ext uri="{FF2B5EF4-FFF2-40B4-BE49-F238E27FC236}">
+                <a16:creationId xmlns:a16="http://schemas.microsoft.com/office/drawing/2014/main" id="{53AE0C01-BA48-4AC0-9A6A-878E7B5942C9}"/>
+              </a:ext>
+            </a:extLst>
+          </p:cNvPr>
+          <p:cNvSpPr txBox="1"/>
+          <p:nvPr/>
+        </p:nvSpPr>
+        <p:spPr>
+          <a:xfrm>
+            <a:off x="140980" y="124645"/>
+            <a:ext cx="2011013" cy="523220"/>
+          </a:xfrm>
+          <a:prstGeom prst="rect">
+            <a:avLst/>
+          </a:prstGeom>
+          <a:noFill/>
+          <a:ln w="57150">
+            <a:solidFill>
+              <a:schemeClr val="tx1"/>
+            </a:solidFill>
+          </a:ln>
+        </p:spPr>
+        <p:txBody>
+          <a:bodyPr wrap="square" rtlCol="0">
+            <a:spAutoFit/>
+          </a:bodyPr>
+          <a:lstStyle>
+            <a:defPPr>
+              <a:defRPr lang="de-DE"/>
+            </a:defPPr>
+            <a:lvl1pPr>
+              <a:defRPr>
+                <a:latin typeface="Corbel Light" panose="020B0303020204020204" pitchFamily="34" charset="0"/>
+              </a:defRPr>
+            </a:lvl1pPr>
+          </a:lstStyle>
+          <a:p>
+            <a:pPr algn="ctr"/>
+            <a:r>
+              <a:rPr lang="de-DE" sz="2800" dirty="0"/>
+              <a:t>RoboMirror</a:t>
+            </a:r>
+          </a:p>
+        </p:txBody>
+      </p:sp>
+      <p:sp>
+        <p:nvSpPr>
+          <p:cNvPr id="7" name="Textfeld 6">
+            <a:extLst>
+              <a:ext uri="{FF2B5EF4-FFF2-40B4-BE49-F238E27FC236}">
+                <a16:creationId xmlns:a16="http://schemas.microsoft.com/office/drawing/2014/main" id="{B6462147-A034-401F-8F23-038091BD374F}"/>
+              </a:ext>
+            </a:extLst>
+          </p:cNvPr>
+          <p:cNvSpPr txBox="1"/>
+          <p:nvPr/>
+        </p:nvSpPr>
+        <p:spPr>
+          <a:xfrm>
+            <a:off x="0" y="1012279"/>
+            <a:ext cx="12192000" cy="769441"/>
+          </a:xfrm>
+          <a:prstGeom prst="rect">
+            <a:avLst/>
+          </a:prstGeom>
+          <a:noFill/>
+          <a:ln>
+            <a:solidFill>
+              <a:schemeClr val="bg1"/>
+            </a:solidFill>
+          </a:ln>
+        </p:spPr>
+        <p:txBody>
+          <a:bodyPr wrap="square" rtlCol="0">
+            <a:spAutoFit/>
+          </a:bodyPr>
+          <a:lstStyle/>
+          <a:p>
+            <a:pPr algn="ctr"/>
+            <a:r>
+              <a:rPr lang="de-DE" sz="4400" spc="600" dirty="0">
+                <a:solidFill>
+                  <a:schemeClr val="bg1">
+                    <a:lumMod val="95000"/>
+                    <a:lumOff val="5000"/>
+                  </a:schemeClr>
+                </a:solidFill>
+                <a:latin typeface="Corbel Light" panose="020B0303020204020204" pitchFamily="34" charset="0"/>
+              </a:rPr>
+              <a:t>RS232</a:t>
+            </a:r>
+          </a:p>
+        </p:txBody>
+      </p:sp>
+      <p:sp>
+        <p:nvSpPr>
+          <p:cNvPr id="5" name="Textfeld 4">
+            <a:extLst>
+              <a:ext uri="{FF2B5EF4-FFF2-40B4-BE49-F238E27FC236}">
+                <a16:creationId xmlns:a16="http://schemas.microsoft.com/office/drawing/2014/main" id="{E01B3D8A-FB7C-46DB-9BD1-50B4D28F1967}"/>
+              </a:ext>
+            </a:extLst>
+          </p:cNvPr>
+          <p:cNvSpPr txBox="1"/>
+          <p:nvPr/>
+        </p:nvSpPr>
+        <p:spPr>
+          <a:xfrm>
+            <a:off x="-114300" y="2002879"/>
+            <a:ext cx="12420600" cy="523220"/>
+          </a:xfrm>
+          <a:prstGeom prst="rect">
+            <a:avLst/>
+          </a:prstGeom>
+          <a:noFill/>
+          <a:ln>
+            <a:solidFill>
+              <a:schemeClr val="tx1"/>
+            </a:solidFill>
+          </a:ln>
+        </p:spPr>
+        <p:txBody>
+          <a:bodyPr wrap="square" rtlCol="0">
+            <a:spAutoFit/>
+          </a:bodyPr>
+          <a:lstStyle/>
+          <a:p>
+            <a:pPr algn="ctr"/>
+            <a:r>
+              <a:rPr lang="de-DE" sz="2800" spc="600" dirty="0">
+                <a:latin typeface="Corbel Light" panose="020B0303020204020204" pitchFamily="34" charset="0"/>
+              </a:rPr>
+              <a:t>Serieller Datenbus</a:t>
+            </a:r>
+          </a:p>
+        </p:txBody>
+      </p:sp>
+      <p:sp>
+        <p:nvSpPr>
+          <p:cNvPr id="6" name="Textfeld 5">
+            <a:extLst>
+              <a:ext uri="{FF2B5EF4-FFF2-40B4-BE49-F238E27FC236}">
+                <a16:creationId xmlns:a16="http://schemas.microsoft.com/office/drawing/2014/main" id="{E470DC0C-EA73-4D82-B065-495A054A7693}"/>
+              </a:ext>
+            </a:extLst>
+          </p:cNvPr>
+          <p:cNvSpPr txBox="1"/>
+          <p:nvPr/>
+        </p:nvSpPr>
+        <p:spPr>
+          <a:xfrm>
+            <a:off x="-114300" y="2747258"/>
+            <a:ext cx="12420600" cy="523220"/>
+          </a:xfrm>
+          <a:prstGeom prst="rect">
+            <a:avLst/>
+          </a:prstGeom>
+          <a:noFill/>
+          <a:ln>
+            <a:solidFill>
+              <a:schemeClr val="tx1"/>
+            </a:solidFill>
+          </a:ln>
+        </p:spPr>
+        <p:txBody>
+          <a:bodyPr wrap="square" rtlCol="0">
+            <a:spAutoFit/>
+          </a:bodyPr>
+          <a:lstStyle/>
+          <a:p>
+            <a:pPr algn="ctr"/>
+            <a:r>
+              <a:rPr lang="de-DE" sz="2800" spc="600" dirty="0">
+                <a:latin typeface="Corbel Light" panose="020B0303020204020204" pitchFamily="34" charset="0"/>
+              </a:rPr>
+              <a:t>Hohe Reichweite</a:t>
+            </a:r>
+          </a:p>
+        </p:txBody>
+      </p:sp>
+      <p:sp>
+        <p:nvSpPr>
+          <p:cNvPr id="9" name="Textfeld 8">
+            <a:extLst>
+              <a:ext uri="{FF2B5EF4-FFF2-40B4-BE49-F238E27FC236}">
+                <a16:creationId xmlns:a16="http://schemas.microsoft.com/office/drawing/2014/main" id="{A678F4E3-C0E9-4FEA-ACF9-5EE8E083A527}"/>
+              </a:ext>
+            </a:extLst>
+          </p:cNvPr>
+          <p:cNvSpPr txBox="1"/>
+          <p:nvPr/>
+        </p:nvSpPr>
+        <p:spPr>
+          <a:xfrm>
+            <a:off x="-114300" y="3961420"/>
+            <a:ext cx="12420600" cy="523220"/>
+          </a:xfrm>
+          <a:prstGeom prst="rect">
+            <a:avLst/>
+          </a:prstGeom>
+          <a:noFill/>
+          <a:ln>
+            <a:solidFill>
+              <a:schemeClr val="tx1"/>
+            </a:solidFill>
+          </a:ln>
+        </p:spPr>
+        <p:txBody>
+          <a:bodyPr wrap="square" rtlCol="0">
+            <a:spAutoFit/>
+          </a:bodyPr>
+          <a:lstStyle/>
+          <a:p>
+            <a:pPr algn="ctr"/>
+            <a:r>
+              <a:rPr lang="de-DE" sz="2800" spc="600" dirty="0">
+                <a:latin typeface="Corbel Light" panose="020B0303020204020204" pitchFamily="34" charset="0"/>
+              </a:rPr>
+              <a:t>Nur Verbindung zwischen 2 Geräten möglich</a:t>
+            </a:r>
+          </a:p>
+        </p:txBody>
+      </p:sp>
+      <p:sp>
+        <p:nvSpPr>
+          <p:cNvPr id="10" name="Textfeld 9">
+            <a:extLst>
+              <a:ext uri="{FF2B5EF4-FFF2-40B4-BE49-F238E27FC236}">
+                <a16:creationId xmlns:a16="http://schemas.microsoft.com/office/drawing/2014/main" id="{1A3949C2-1A7C-45FB-A770-B46D216C4D43}"/>
+              </a:ext>
+            </a:extLst>
+          </p:cNvPr>
+          <p:cNvSpPr txBox="1"/>
+          <p:nvPr/>
+        </p:nvSpPr>
+        <p:spPr>
+          <a:xfrm>
+            <a:off x="3213100" y="3491637"/>
+            <a:ext cx="5765800" cy="523220"/>
+          </a:xfrm>
+          <a:prstGeom prst="rect">
+            <a:avLst/>
+          </a:prstGeom>
+          <a:noFill/>
+          <a:ln>
+            <a:noFill/>
+          </a:ln>
+        </p:spPr>
+        <p:txBody>
+          <a:bodyPr wrap="square" rtlCol="0">
+            <a:spAutoFit/>
+          </a:bodyPr>
+          <a:lstStyle/>
+          <a:p>
+            <a:pPr algn="ctr"/>
+            <a:r>
+              <a:rPr lang="de-DE" sz="2800" spc="600" dirty="0">
+                <a:latin typeface="Corbel Light" panose="020B0303020204020204" pitchFamily="34" charset="0"/>
+              </a:rPr>
+              <a:t>ABER</a:t>
+            </a:r>
+          </a:p>
+        </p:txBody>
+      </p:sp>
+      <p:sp>
+        <p:nvSpPr>
+          <p:cNvPr id="11" name="Textfeld 10">
+            <a:extLst>
+              <a:ext uri="{FF2B5EF4-FFF2-40B4-BE49-F238E27FC236}">
+                <a16:creationId xmlns:a16="http://schemas.microsoft.com/office/drawing/2014/main" id="{D70B90CB-0C63-494D-99A9-E51D5DFF859E}"/>
+              </a:ext>
+            </a:extLst>
+          </p:cNvPr>
+          <p:cNvSpPr txBox="1"/>
+          <p:nvPr/>
+        </p:nvSpPr>
+        <p:spPr>
+          <a:xfrm>
+            <a:off x="-114300" y="5195081"/>
+            <a:ext cx="12420600" cy="523220"/>
+          </a:xfrm>
+          <a:prstGeom prst="rect">
+            <a:avLst/>
+          </a:prstGeom>
+          <a:noFill/>
+          <a:ln>
+            <a:solidFill>
+              <a:schemeClr val="tx1"/>
+            </a:solidFill>
+          </a:ln>
+        </p:spPr>
+        <p:txBody>
+          <a:bodyPr wrap="square" rtlCol="0">
+            <a:spAutoFit/>
+          </a:bodyPr>
+          <a:lstStyle/>
+          <a:p>
+            <a:pPr algn="ctr"/>
+            <a:r>
+              <a:rPr lang="de-DE" sz="2800" spc="600" dirty="0">
+                <a:latin typeface="Corbel Light" panose="020B0303020204020204" pitchFamily="34" charset="0"/>
+              </a:rPr>
+              <a:t>Raspberry Pi 4 hat 6 UART-Ports</a:t>
+            </a:r>
+          </a:p>
+        </p:txBody>
+      </p:sp>
+      <p:sp>
+        <p:nvSpPr>
+          <p:cNvPr id="12" name="Textfeld 11">
+            <a:extLst>
+              <a:ext uri="{FF2B5EF4-FFF2-40B4-BE49-F238E27FC236}">
+                <a16:creationId xmlns:a16="http://schemas.microsoft.com/office/drawing/2014/main" id="{09F3E3A2-5379-46C2-AC11-1F951974D3B2}"/>
+              </a:ext>
+            </a:extLst>
+          </p:cNvPr>
+          <p:cNvSpPr txBox="1"/>
+          <p:nvPr/>
+        </p:nvSpPr>
+        <p:spPr>
+          <a:xfrm>
+            <a:off x="3213100" y="4578250"/>
+            <a:ext cx="5765800" cy="523220"/>
+          </a:xfrm>
+          <a:prstGeom prst="rect">
+            <a:avLst/>
+          </a:prstGeom>
+          <a:noFill/>
+          <a:ln>
+            <a:noFill/>
+          </a:ln>
+        </p:spPr>
+        <p:txBody>
+          <a:bodyPr wrap="square" rtlCol="0">
+            <a:spAutoFit/>
+          </a:bodyPr>
+          <a:lstStyle/>
+          <a:p>
+            <a:pPr algn="ctr"/>
+            <a:r>
+              <a:rPr lang="de-DE" sz="2800" spc="600" dirty="0">
+                <a:latin typeface="Corbel Light" panose="020B0303020204020204" pitchFamily="34" charset="0"/>
+              </a:rPr>
+              <a:t>↨</a:t>
+            </a:r>
+          </a:p>
+        </p:txBody>
+      </p:sp>
+    </p:spTree>
+    <p:extLst>
+      <p:ext uri="{BB962C8B-B14F-4D97-AF65-F5344CB8AC3E}">
+        <p14:creationId xmlns:p14="http://schemas.microsoft.com/office/powerpoint/2010/main" val="3752604564"/>
+      </p:ext>
+    </p:extLst>
+  </p:cSld>
+  <p:clrMapOvr>
+    <a:masterClrMapping/>
+  </p:clrMapOvr>
+  <p:transition spd="slow">
+    <p:push dir="u"/>
+  </p:transition>
+  <p:timing>
+    <p:tnLst>
+      <p:par>
+        <p:cTn id="1" dur="indefinite" restart="never" nodeType="tmRoot">
+          <p:childTnLst>
+            <p:seq concurrent="1" nextAc="seek">
+              <p:cTn id="2" dur="indefinite" nodeType="mainSeq">
+                <p:childTnLst>
+                  <p:par>
+                    <p:cTn id="3" fill="hold">
+                      <p:stCondLst>
+                        <p:cond delay="indefinite"/>
+                        <p:cond evt="onBegin" delay="0">
+                          <p:tn val="2"/>
+                        </p:cond>
+                      </p:stCondLst>
+                      <p:childTnLst>
+                        <p:par>
+                          <p:cTn id="4" fill="hold">
+                            <p:stCondLst>
+                              <p:cond delay="0"/>
+                            </p:stCondLst>
+                            <p:childTnLst>
+                              <p:par>
+                                <p:cTn id="5" presetID="10" presetClass="entr" presetSubtype="0" fill="hold" grpId="0" nodeType="withEffect">
+                                  <p:stCondLst>
+                                    <p:cond delay="0"/>
+                                  </p:stCondLst>
+                                  <p:childTnLst>
+                                    <p:set>
+                                      <p:cBhvr>
+                                        <p:cTn id="6" dur="1" fill="hold">
+                                          <p:stCondLst>
+                                            <p:cond delay="0"/>
+                                          </p:stCondLst>
+                                        </p:cTn>
+                                        <p:tgtEl>
+                                          <p:spTgt spid="2"/>
+                                        </p:tgtEl>
+                                        <p:attrNameLst>
+                                          <p:attrName>style.visibility</p:attrName>
+                                        </p:attrNameLst>
+                                      </p:cBhvr>
+                                      <p:to>
+                                        <p:strVal val="visible"/>
+                                      </p:to>
+                                    </p:set>
+                                    <p:animEffect transition="in" filter="fade">
+                                      <p:cBhvr>
+                                        <p:cTn id="7" dur="500"/>
+                                        <p:tgtEl>
+                                          <p:spTgt spid="2"/>
+                                        </p:tgtEl>
+                                      </p:cBhvr>
+                                    </p:animEffect>
+                                  </p:childTnLst>
+                                </p:cTn>
+                              </p:par>
+                            </p:childTnLst>
+                          </p:cTn>
+                        </p:par>
+                      </p:childTnLst>
+                    </p:cTn>
+                  </p:par>
+                </p:childTnLst>
+              </p:cTn>
+              <p:prevCondLst>
+                <p:cond evt="onPrev" delay="0">
+                  <p:tgtEl>
+                    <p:sldTgt/>
+                  </p:tgtEl>
+                </p:cond>
+              </p:prevCondLst>
+              <p:nextCondLst>
+                <p:cond evt="onNext" delay="0">
+                  <p:tgtEl>
+                    <p:sldTgt/>
+                  </p:tgtEl>
+                </p:cond>
+              </p:nextCondLst>
+            </p:seq>
+          </p:childTnLst>
+        </p:cTn>
+      </p:par>
+    </p:tnLst>
+    <p:bldLst>
+      <p:bldP spid="2" grpId="0"/>
+    </p:bldLst>
+  </p:timing>
+</p:sld>
+</file>
+
+<file path=ppt/slides/slide6.xml><?xml version="1.0" encoding="utf-8"?>
+<p:sld xmlns:a="http://schemas.openxmlformats.org/drawingml/2006/main" xmlns:r="http://schemas.openxmlformats.org/officeDocument/2006/relationships" xmlns:p="http://schemas.openxmlformats.org/presentationml/2006/main">
+  <p:cSld>
+    <p:spTree>
+      <p:nvGrpSpPr>
+        <p:cNvPr id="1" name=""/>
+        <p:cNvGrpSpPr/>
+        <p:nvPr/>
+      </p:nvGrpSpPr>
+      <p:grpSpPr>
+        <a:xfrm>
+          <a:off x="0" y="0"/>
+          <a:ext cx="0" cy="0"/>
+          <a:chOff x="0" y="0"/>
+          <a:chExt cx="0" cy="0"/>
+        </a:xfrm>
+      </p:grpSpPr>
+      <p:sp>
+        <p:nvSpPr>
+          <p:cNvPr id="2" name="Titel 1">
+            <a:extLst>
+              <a:ext uri="{FF2B5EF4-FFF2-40B4-BE49-F238E27FC236}">
+                <a16:creationId xmlns:a16="http://schemas.microsoft.com/office/drawing/2014/main" id="{8863E4F2-E5EC-43C5-B897-8C27EEEE8811}"/>
+              </a:ext>
+            </a:extLst>
+          </p:cNvPr>
+          <p:cNvSpPr>
+            <a:spLocks noGrp="1"/>
+          </p:cNvSpPr>
+          <p:nvPr>
+            <p:ph type="title"/>
+          </p:nvPr>
+        </p:nvSpPr>
+        <p:spPr>
+          <a:xfrm>
+            <a:off x="2151992" y="204952"/>
+            <a:ext cx="10040008" cy="362606"/>
+          </a:xfrm>
+        </p:spPr>
+        <p:txBody>
+          <a:bodyPr>
+            <a:noAutofit/>
+          </a:bodyPr>
+          <a:lstStyle/>
+          <a:p>
+            <a:pPr algn="ctr"/>
+            <a:r>
+              <a:rPr lang="de-DE" sz="2400" dirty="0" err="1">
+                <a:solidFill>
+                  <a:schemeClr val="bg1">
+                    <a:lumMod val="85000"/>
+                    <a:lumOff val="15000"/>
+                  </a:schemeClr>
+                </a:solidFill>
+                <a:effectLst>
+                  <a:reflection blurRad="6350" stA="60000" endA="900" endPos="60000" dist="29997" dir="5400000" sy="-100000" algn="bl" rotWithShape="0"/>
+                </a:effectLst>
+                <a:latin typeface="Corbel Light" panose="020B0303020204020204" pitchFamily="34" charset="0"/>
+              </a:rPr>
+              <a:t>Arduino&amp;</a:t>
+            </a:r>
+            <a:r>
+              <a:rPr lang="de-DE" sz="2400" spc="250" dirty="0" err="1">
+                <a:solidFill>
+                  <a:schemeClr val="bg1">
+                    <a:lumMod val="85000"/>
+                    <a:lumOff val="15000"/>
+                  </a:schemeClr>
+                </a:solidFill>
+                <a:effectLst>
+                  <a:reflection blurRad="6350" stA="60000" endA="900" endPos="60000" dist="29997" dir="5400000" sy="-100000" algn="bl" rotWithShape="0"/>
+                </a:effectLst>
+                <a:latin typeface="Corbel Light" panose="020B0303020204020204" pitchFamily="34" charset="0"/>
+              </a:rPr>
+              <a:t>Sensorik</a:t>
+            </a:r>
+            <a:r>
+              <a:rPr lang="de-DE" sz="2400" spc="250" dirty="0" err="1">
+                <a:effectLst>
+                  <a:reflection blurRad="6350" stA="60000" endA="900" endPos="60000" dist="29997" dir="5400000" sy="-100000" algn="bl" rotWithShape="0"/>
+                </a:effectLst>
+                <a:latin typeface="Corbel Light" panose="020B0303020204020204" pitchFamily="34" charset="0"/>
+              </a:rPr>
+              <a:t>Kommunikation</a:t>
+            </a:r>
+            <a:r>
+              <a:rPr lang="de-DE" sz="2400" spc="250" dirty="0" err="1">
+                <a:solidFill>
+                  <a:schemeClr val="bg1">
+                    <a:lumMod val="85000"/>
+                    <a:lumOff val="15000"/>
+                  </a:schemeClr>
+                </a:solidFill>
+                <a:effectLst>
+                  <a:reflection blurRad="6350" stA="60000" endA="900" endPos="60000" dist="29997" dir="5400000" sy="-100000" algn="bl" rotWithShape="0"/>
+                </a:effectLst>
+                <a:latin typeface="Corbel Light" panose="020B0303020204020204" pitchFamily="34" charset="0"/>
+              </a:rPr>
+              <a:t>BackendVisualisierungRoboNova</a:t>
+            </a:r>
+            <a:endParaRPr lang="de-DE" sz="2400" spc="250" dirty="0">
+              <a:solidFill>
+                <a:schemeClr val="bg1">
+                  <a:lumMod val="85000"/>
+                  <a:lumOff val="15000"/>
+                </a:schemeClr>
+              </a:solidFill>
+              <a:effectLst>
+                <a:reflection blurRad="6350" stA="60000" endA="900" endPos="60000" dist="29997" dir="5400000" sy="-100000" algn="bl" rotWithShape="0"/>
+              </a:effectLst>
+              <a:latin typeface="Corbel Light" panose="020B0303020204020204" pitchFamily="34" charset="0"/>
+            </a:endParaRPr>
+          </a:p>
+        </p:txBody>
+      </p:sp>
+      <p:sp>
+        <p:nvSpPr>
+          <p:cNvPr id="8" name="Textfeld 7">
+            <a:extLst>
+              <a:ext uri="{FF2B5EF4-FFF2-40B4-BE49-F238E27FC236}">
+                <a16:creationId xmlns:a16="http://schemas.microsoft.com/office/drawing/2014/main" id="{53AE0C01-BA48-4AC0-9A6A-878E7B5942C9}"/>
+              </a:ext>
+            </a:extLst>
+          </p:cNvPr>
+          <p:cNvSpPr txBox="1"/>
+          <p:nvPr/>
+        </p:nvSpPr>
+        <p:spPr>
+          <a:xfrm>
+            <a:off x="140980" y="124645"/>
+            <a:ext cx="2011013" cy="523220"/>
+          </a:xfrm>
+          <a:prstGeom prst="rect">
+            <a:avLst/>
+          </a:prstGeom>
+          <a:noFill/>
+          <a:ln w="57150">
+            <a:solidFill>
+              <a:schemeClr val="tx1"/>
+            </a:solidFill>
+          </a:ln>
+        </p:spPr>
+        <p:txBody>
+          <a:bodyPr wrap="square" rtlCol="0">
+            <a:spAutoFit/>
+          </a:bodyPr>
+          <a:lstStyle>
+            <a:defPPr>
+              <a:defRPr lang="de-DE"/>
+            </a:defPPr>
+            <a:lvl1pPr>
+              <a:defRPr>
+                <a:latin typeface="Corbel Light" panose="020B0303020204020204" pitchFamily="34" charset="0"/>
+              </a:defRPr>
+            </a:lvl1pPr>
+          </a:lstStyle>
+          <a:p>
+            <a:pPr algn="ctr"/>
+            <a:r>
+              <a:rPr lang="de-DE" sz="2800" dirty="0"/>
+              <a:t>RoboMirror</a:t>
+            </a:r>
+          </a:p>
+        </p:txBody>
+      </p:sp>
+      <p:sp>
+        <p:nvSpPr>
+          <p:cNvPr id="7" name="Textfeld 6">
+            <a:extLst>
+              <a:ext uri="{FF2B5EF4-FFF2-40B4-BE49-F238E27FC236}">
+                <a16:creationId xmlns:a16="http://schemas.microsoft.com/office/drawing/2014/main" id="{B6462147-A034-401F-8F23-038091BD374F}"/>
+              </a:ext>
+            </a:extLst>
+          </p:cNvPr>
+          <p:cNvSpPr txBox="1"/>
+          <p:nvPr/>
+        </p:nvSpPr>
+        <p:spPr>
+          <a:xfrm>
+            <a:off x="0" y="1012279"/>
+            <a:ext cx="12192000" cy="769441"/>
+          </a:xfrm>
+          <a:prstGeom prst="rect">
+            <a:avLst/>
+          </a:prstGeom>
+          <a:noFill/>
+          <a:ln>
+            <a:solidFill>
+              <a:schemeClr val="bg1"/>
+            </a:solidFill>
+          </a:ln>
+        </p:spPr>
+        <p:txBody>
+          <a:bodyPr wrap="square" rtlCol="0">
+            <a:spAutoFit/>
+          </a:bodyPr>
+          <a:lstStyle/>
+          <a:p>
+            <a:pPr algn="ctr"/>
+            <a:r>
+              <a:rPr lang="de-DE" sz="4400" spc="600" dirty="0">
+                <a:solidFill>
+                  <a:schemeClr val="bg1">
+                    <a:lumMod val="95000"/>
+                    <a:lumOff val="5000"/>
+                  </a:schemeClr>
+                </a:solidFill>
+                <a:latin typeface="Corbel Light" panose="020B0303020204020204" pitchFamily="34" charset="0"/>
+              </a:rPr>
+              <a:t>Vorbereitungen</a:t>
+            </a:r>
+          </a:p>
+        </p:txBody>
+      </p:sp>
+      <p:sp>
+        <p:nvSpPr>
+          <p:cNvPr id="5" name="Textfeld 4">
+            <a:extLst>
+              <a:ext uri="{FF2B5EF4-FFF2-40B4-BE49-F238E27FC236}">
+                <a16:creationId xmlns:a16="http://schemas.microsoft.com/office/drawing/2014/main" id="{B488EB18-20A0-4EA9-80BC-5091290049F5}"/>
+              </a:ext>
+            </a:extLst>
+          </p:cNvPr>
+          <p:cNvSpPr txBox="1"/>
+          <p:nvPr/>
+        </p:nvSpPr>
+        <p:spPr>
+          <a:xfrm>
+            <a:off x="-114300" y="2002879"/>
+            <a:ext cx="12420600" cy="523220"/>
+          </a:xfrm>
+          <a:prstGeom prst="rect">
+            <a:avLst/>
+          </a:prstGeom>
+          <a:noFill/>
+          <a:ln>
+            <a:solidFill>
+              <a:schemeClr val="tx1"/>
+            </a:solidFill>
+          </a:ln>
+        </p:spPr>
+        <p:txBody>
+          <a:bodyPr wrap="square" rtlCol="0">
+            <a:spAutoFit/>
+          </a:bodyPr>
+          <a:lstStyle/>
+          <a:p>
+            <a:pPr algn="ctr"/>
+            <a:r>
+              <a:rPr lang="de-DE" sz="2800" spc="600" dirty="0">
+                <a:latin typeface="Corbel Light" panose="020B0303020204020204" pitchFamily="34" charset="0"/>
+              </a:rPr>
+              <a:t>Serielle Datenverbindung am Raspberry aktivieren</a:t>
+            </a:r>
+          </a:p>
+        </p:txBody>
+      </p:sp>
+    </p:spTree>
+    <p:extLst>
+      <p:ext uri="{BB962C8B-B14F-4D97-AF65-F5344CB8AC3E}">
+        <p14:creationId xmlns:p14="http://schemas.microsoft.com/office/powerpoint/2010/main" val="1102317050"/>
+      </p:ext>
+    </p:extLst>
+  </p:cSld>
+  <p:clrMapOvr>
+    <a:masterClrMapping/>
+  </p:clrMapOvr>
+  <p:transition spd="slow">
+    <p:push dir="u"/>
+  </p:transition>
+  <p:timing>
+    <p:tnLst>
+      <p:par>
+        <p:cTn id="1" dur="indefinite" restart="never" nodeType="tmRoot">
+          <p:childTnLst>
+            <p:seq concurrent="1" nextAc="seek">
+              <p:cTn id="2" dur="indefinite" nodeType="mainSeq">
+                <p:childTnLst>
+                  <p:par>
+                    <p:cTn id="3" fill="hold">
+                      <p:stCondLst>
+                        <p:cond delay="indefinite"/>
+                        <p:cond evt="onBegin" delay="0">
+                          <p:tn val="2"/>
+                        </p:cond>
+                      </p:stCondLst>
+                      <p:childTnLst>
+                        <p:par>
+                          <p:cTn id="4" fill="hold">
+                            <p:stCondLst>
+                              <p:cond delay="0"/>
+                            </p:stCondLst>
+                            <p:childTnLst>
+                              <p:par>
+                                <p:cTn id="5" presetID="10" presetClass="entr" presetSubtype="0" fill="hold" grpId="0" nodeType="withEffect">
+                                  <p:stCondLst>
+                                    <p:cond delay="0"/>
+                                  </p:stCondLst>
+                                  <p:childTnLst>
+                                    <p:set>
+                                      <p:cBhvr>
+                                        <p:cTn id="6" dur="1" fill="hold">
+                                          <p:stCondLst>
+                                            <p:cond delay="0"/>
+                                          </p:stCondLst>
+                                        </p:cTn>
+                                        <p:tgtEl>
+                                          <p:spTgt spid="2"/>
+                                        </p:tgtEl>
+                                        <p:attrNameLst>
+                                          <p:attrName>style.visibility</p:attrName>
+                                        </p:attrNameLst>
+                                      </p:cBhvr>
+                                      <p:to>
+                                        <p:strVal val="visible"/>
+                                      </p:to>
+                                    </p:set>
+                                    <p:animEffect transition="in" filter="fade">
+                                      <p:cBhvr>
+                                        <p:cTn id="7" dur="500"/>
+                                        <p:tgtEl>
+                                          <p:spTgt spid="2"/>
+                                        </p:tgtEl>
+                                      </p:cBhvr>
+                                    </p:animEffect>
+                                  </p:childTnLst>
+                                </p:cTn>
+                              </p:par>
+                            </p:childTnLst>
+                          </p:cTn>
+                        </p:par>
+                      </p:childTnLst>
+                    </p:cTn>
+                  </p:par>
+                </p:childTnLst>
+              </p:cTn>
+              <p:prevCondLst>
+                <p:cond evt="onPrev" delay="0">
+                  <p:tgtEl>
+                    <p:sldTgt/>
+                  </p:tgtEl>
+                </p:cond>
+              </p:prevCondLst>
+              <p:nextCondLst>
+                <p:cond evt="onNext" delay="0">
+                  <p:tgtEl>
+                    <p:sldTgt/>
+                  </p:tgtEl>
+                </p:cond>
+              </p:nextCondLst>
+            </p:seq>
+          </p:childTnLst>
+        </p:cTn>
+      </p:par>
+    </p:tnLst>
+    <p:bldLst>
+      <p:bldP spid="2" grpId="0"/>
+    </p:bldLst>
+  </p:timing>
+</p:sld>
+</file>
+
+<file path=ppt/slides/slide7.xml><?xml version="1.0" encoding="utf-8"?>
+<p:sld xmlns:a="http://schemas.openxmlformats.org/drawingml/2006/main" xmlns:r="http://schemas.openxmlformats.org/officeDocument/2006/relationships" xmlns:p="http://schemas.openxmlformats.org/presentationml/2006/main">
+  <p:cSld>
+    <p:spTree>
+      <p:nvGrpSpPr>
+        <p:cNvPr id="1" name=""/>
+        <p:cNvGrpSpPr/>
+        <p:nvPr/>
+      </p:nvGrpSpPr>
+      <p:grpSpPr>
+        <a:xfrm>
+          <a:off x="0" y="0"/>
+          <a:ext cx="0" cy="0"/>
+          <a:chOff x="0" y="0"/>
+          <a:chExt cx="0" cy="0"/>
+        </a:xfrm>
+      </p:grpSpPr>
+      <p:sp>
+        <p:nvSpPr>
+          <p:cNvPr id="2" name="Titel 1">
+            <a:extLst>
+              <a:ext uri="{FF2B5EF4-FFF2-40B4-BE49-F238E27FC236}">
+                <a16:creationId xmlns:a16="http://schemas.microsoft.com/office/drawing/2014/main" id="{8863E4F2-E5EC-43C5-B897-8C27EEEE8811}"/>
+              </a:ext>
+            </a:extLst>
+          </p:cNvPr>
+          <p:cNvSpPr>
+            <a:spLocks noGrp="1"/>
+          </p:cNvSpPr>
+          <p:nvPr>
+            <p:ph type="title"/>
+          </p:nvPr>
+        </p:nvSpPr>
+        <p:spPr>
+          <a:xfrm>
+            <a:off x="2151992" y="204952"/>
+            <a:ext cx="10040008" cy="362606"/>
+          </a:xfrm>
+        </p:spPr>
+        <p:txBody>
+          <a:bodyPr>
+            <a:noAutofit/>
+          </a:bodyPr>
+          <a:lstStyle/>
+          <a:p>
+            <a:pPr algn="ctr"/>
+            <a:r>
+              <a:rPr lang="de-DE" sz="2400" dirty="0" err="1">
+                <a:solidFill>
+                  <a:schemeClr val="bg1">
+                    <a:lumMod val="85000"/>
+                    <a:lumOff val="15000"/>
+                  </a:schemeClr>
+                </a:solidFill>
+                <a:effectLst>
+                  <a:reflection blurRad="6350" stA="60000" endA="900" endPos="60000" dist="29997" dir="5400000" sy="-100000" algn="bl" rotWithShape="0"/>
+                </a:effectLst>
+                <a:latin typeface="Corbel Light" panose="020B0303020204020204" pitchFamily="34" charset="0"/>
+              </a:rPr>
+              <a:t>Arduino&amp;</a:t>
+            </a:r>
+            <a:r>
+              <a:rPr lang="de-DE" sz="2400" spc="250" dirty="0" err="1">
+                <a:solidFill>
+                  <a:schemeClr val="bg1">
+                    <a:lumMod val="85000"/>
+                    <a:lumOff val="15000"/>
+                  </a:schemeClr>
+                </a:solidFill>
+                <a:effectLst>
+                  <a:reflection blurRad="6350" stA="60000" endA="900" endPos="60000" dist="29997" dir="5400000" sy="-100000" algn="bl" rotWithShape="0"/>
+                </a:effectLst>
+                <a:latin typeface="Corbel Light" panose="020B0303020204020204" pitchFamily="34" charset="0"/>
+              </a:rPr>
+              <a:t>Sensorik</a:t>
+            </a:r>
+            <a:r>
+              <a:rPr lang="de-DE" sz="2400" spc="250" dirty="0" err="1">
+                <a:effectLst>
+                  <a:reflection blurRad="6350" stA="60000" endA="900" endPos="60000" dist="29997" dir="5400000" sy="-100000" algn="bl" rotWithShape="0"/>
+                </a:effectLst>
+                <a:latin typeface="Corbel Light" panose="020B0303020204020204" pitchFamily="34" charset="0"/>
+              </a:rPr>
+              <a:t>Kommunikation</a:t>
+            </a:r>
+            <a:r>
+              <a:rPr lang="de-DE" sz="2400" spc="250" dirty="0" err="1">
+                <a:solidFill>
+                  <a:schemeClr val="bg1">
+                    <a:lumMod val="85000"/>
+                    <a:lumOff val="15000"/>
+                  </a:schemeClr>
+                </a:solidFill>
+                <a:effectLst>
+                  <a:reflection blurRad="6350" stA="60000" endA="900" endPos="60000" dist="29997" dir="5400000" sy="-100000" algn="bl" rotWithShape="0"/>
+                </a:effectLst>
+                <a:latin typeface="Corbel Light" panose="020B0303020204020204" pitchFamily="34" charset="0"/>
+              </a:rPr>
+              <a:t>BackendVisualisierungRoboNova</a:t>
+            </a:r>
+            <a:endParaRPr lang="de-DE" sz="2400" spc="250" dirty="0">
+              <a:solidFill>
+                <a:schemeClr val="bg1">
+                  <a:lumMod val="85000"/>
+                  <a:lumOff val="15000"/>
+                </a:schemeClr>
+              </a:solidFill>
+              <a:effectLst>
+                <a:reflection blurRad="6350" stA="60000" endA="900" endPos="60000" dist="29997" dir="5400000" sy="-100000" algn="bl" rotWithShape="0"/>
+              </a:effectLst>
+              <a:latin typeface="Corbel Light" panose="020B0303020204020204" pitchFamily="34" charset="0"/>
+            </a:endParaRPr>
+          </a:p>
+        </p:txBody>
+      </p:sp>
+      <p:sp>
+        <p:nvSpPr>
+          <p:cNvPr id="8" name="Textfeld 7">
+            <a:extLst>
+              <a:ext uri="{FF2B5EF4-FFF2-40B4-BE49-F238E27FC236}">
+                <a16:creationId xmlns:a16="http://schemas.microsoft.com/office/drawing/2014/main" id="{53AE0C01-BA48-4AC0-9A6A-878E7B5942C9}"/>
+              </a:ext>
+            </a:extLst>
+          </p:cNvPr>
+          <p:cNvSpPr txBox="1"/>
+          <p:nvPr/>
+        </p:nvSpPr>
+        <p:spPr>
+          <a:xfrm>
+            <a:off x="140980" y="124645"/>
+            <a:ext cx="2011013" cy="523220"/>
+          </a:xfrm>
+          <a:prstGeom prst="rect">
+            <a:avLst/>
+          </a:prstGeom>
+          <a:noFill/>
+          <a:ln w="57150">
+            <a:solidFill>
+              <a:schemeClr val="tx1"/>
+            </a:solidFill>
+          </a:ln>
+        </p:spPr>
+        <p:txBody>
+          <a:bodyPr wrap="square" rtlCol="0">
+            <a:spAutoFit/>
+          </a:bodyPr>
+          <a:lstStyle>
+            <a:defPPr>
+              <a:defRPr lang="de-DE"/>
+            </a:defPPr>
+            <a:lvl1pPr>
+              <a:defRPr>
+                <a:latin typeface="Corbel Light" panose="020B0303020204020204" pitchFamily="34" charset="0"/>
+              </a:defRPr>
+            </a:lvl1pPr>
+          </a:lstStyle>
+          <a:p>
+            <a:pPr algn="ctr"/>
+            <a:r>
+              <a:rPr lang="de-DE" sz="2800" dirty="0"/>
+              <a:t>RoboMirror</a:t>
+            </a:r>
+          </a:p>
+        </p:txBody>
+      </p:sp>
+      <p:sp>
+        <p:nvSpPr>
+          <p:cNvPr id="7" name="Textfeld 6">
+            <a:extLst>
+              <a:ext uri="{FF2B5EF4-FFF2-40B4-BE49-F238E27FC236}">
+                <a16:creationId xmlns:a16="http://schemas.microsoft.com/office/drawing/2014/main" id="{B6462147-A034-401F-8F23-038091BD374F}"/>
+              </a:ext>
+            </a:extLst>
+          </p:cNvPr>
+          <p:cNvSpPr txBox="1"/>
+          <p:nvPr/>
+        </p:nvSpPr>
+        <p:spPr>
+          <a:xfrm>
+            <a:off x="0" y="1012279"/>
+            <a:ext cx="12192000" cy="769441"/>
+          </a:xfrm>
+          <a:prstGeom prst="rect">
+            <a:avLst/>
+          </a:prstGeom>
+          <a:noFill/>
+          <a:ln>
+            <a:solidFill>
+              <a:schemeClr val="bg1"/>
+            </a:solidFill>
+          </a:ln>
+        </p:spPr>
+        <p:txBody>
+          <a:bodyPr wrap="square" rtlCol="0">
+            <a:spAutoFit/>
+          </a:bodyPr>
+          <a:lstStyle/>
+          <a:p>
+            <a:pPr algn="ctr"/>
+            <a:r>
+              <a:rPr lang="de-DE" sz="4400" spc="600" dirty="0">
+                <a:solidFill>
+                  <a:schemeClr val="bg1">
+                    <a:lumMod val="95000"/>
+                    <a:lumOff val="5000"/>
+                  </a:schemeClr>
+                </a:solidFill>
+                <a:latin typeface="Corbel Light" panose="020B0303020204020204" pitchFamily="34" charset="0"/>
+              </a:rPr>
+              <a:t>Software Implementation</a:t>
+            </a:r>
+          </a:p>
+        </p:txBody>
+      </p:sp>
+    </p:spTree>
+    <p:extLst>
+      <p:ext uri="{BB962C8B-B14F-4D97-AF65-F5344CB8AC3E}">
+        <p14:creationId xmlns:p14="http://schemas.microsoft.com/office/powerpoint/2010/main" val="3360714793"/>
+      </p:ext>
+    </p:extLst>
+  </p:cSld>
+  <p:clrMapOvr>
+    <a:masterClrMapping/>
+  </p:clrMapOvr>
+  <p:transition spd="slow">
+    <p:push dir="u"/>
+  </p:transition>
+  <p:timing>
+    <p:tnLst>
+      <p:par>
+        <p:cTn id="1" dur="indefinite" restart="never" nodeType="tmRoot">
+          <p:childTnLst>
+            <p:seq concurrent="1" nextAc="seek">
+              <p:cTn id="2" dur="indefinite" nodeType="mainSeq">
+                <p:childTnLst>
+                  <p:par>
+                    <p:cTn id="3" fill="hold">
+                      <p:stCondLst>
+                        <p:cond delay="indefinite"/>
+                        <p:cond evt="onBegin" delay="0">
+                          <p:tn val="2"/>
+                        </p:cond>
+                      </p:stCondLst>
+                      <p:childTnLst>
+                        <p:par>
+                          <p:cTn id="4" fill="hold">
+                            <p:stCondLst>
+                              <p:cond delay="0"/>
+                            </p:stCondLst>
+                            <p:childTnLst>
+                              <p:par>
+                                <p:cTn id="5" presetID="10" presetClass="entr" presetSubtype="0" fill="hold" grpId="0" nodeType="withEffect">
+                                  <p:stCondLst>
+                                    <p:cond delay="0"/>
+                                  </p:stCondLst>
+                                  <p:childTnLst>
+                                    <p:set>
+                                      <p:cBhvr>
+                                        <p:cTn id="6" dur="1" fill="hold">
+                                          <p:stCondLst>
+                                            <p:cond delay="0"/>
+                                          </p:stCondLst>
+                                        </p:cTn>
+                                        <p:tgtEl>
+                                          <p:spTgt spid="2"/>
+                                        </p:tgtEl>
+                                        <p:attrNameLst>
+                                          <p:attrName>style.visibility</p:attrName>
+                                        </p:attrNameLst>
+                                      </p:cBhvr>
+                                      <p:to>
+                                        <p:strVal val="visible"/>
+                                      </p:to>
+                                    </p:set>
+                                    <p:animEffect transition="in" filter="fade">
+                                      <p:cBhvr>
+                                        <p:cTn id="7" dur="500"/>
+                                        <p:tgtEl>
+                                          <p:spTgt spid="2"/>
+                                        </p:tgtEl>
+                                      </p:cBhvr>
+                                    </p:animEffect>
+                                  </p:childTnLst>
+                                </p:cTn>
+                              </p:par>
+                            </p:childTnLst>
+                          </p:cTn>
+                        </p:par>
+                      </p:childTnLst>
+                    </p:cTn>
+                  </p:par>
+                </p:childTnLst>
+              </p:cTn>
+              <p:prevCondLst>
+                <p:cond evt="onPrev" delay="0">
+                  <p:tgtEl>
+                    <p:sldTgt/>
+                  </p:tgtEl>
+                </p:cond>
+              </p:prevCondLst>
+              <p:nextCondLst>
+                <p:cond evt="onNext" delay="0">
+                  <p:tgtEl>
+                    <p:sldTgt/>
+                  </p:tgtEl>
+                </p:cond>
+              </p:nextCondLst>
+            </p:seq>
+          </p:childTnLst>
+        </p:cTn>
+      </p:par>
+    </p:tnLst>
+    <p:bldLst>
+      <p:bldP spid="2" grpId="0"/>
+    </p:bldLst>
+  </p:timing>
+</p:sld>
+</file>
+
+<file path=ppt/slides/slide8.xml><?xml version="1.0" encoding="utf-8"?>
+<p:sld xmlns:a="http://schemas.openxmlformats.org/drawingml/2006/main" xmlns:r="http://schemas.openxmlformats.org/officeDocument/2006/relationships" xmlns:p="http://schemas.openxmlformats.org/presentationml/2006/main">
+  <p:cSld>
+    <p:spTree>
+      <p:nvGrpSpPr>
+        <p:cNvPr id="1" name=""/>
+        <p:cNvGrpSpPr/>
+        <p:nvPr/>
+      </p:nvGrpSpPr>
+      <p:grpSpPr>
+        <a:xfrm>
+          <a:off x="0" y="0"/>
+          <a:ext cx="0" cy="0"/>
+          <a:chOff x="0" y="0"/>
+          <a:chExt cx="0" cy="0"/>
+        </a:xfrm>
+      </p:grpSpPr>
+      <p:sp>
+        <p:nvSpPr>
+          <p:cNvPr id="2" name="Titel 1">
+            <a:extLst>
+              <a:ext uri="{FF2B5EF4-FFF2-40B4-BE49-F238E27FC236}">
+                <a16:creationId xmlns:a16="http://schemas.microsoft.com/office/drawing/2014/main" id="{8863E4F2-E5EC-43C5-B897-8C27EEEE8811}"/>
+              </a:ext>
+            </a:extLst>
+          </p:cNvPr>
+          <p:cNvSpPr>
+            <a:spLocks noGrp="1"/>
+          </p:cNvSpPr>
+          <p:nvPr>
+            <p:ph type="title"/>
+          </p:nvPr>
+        </p:nvSpPr>
+        <p:spPr>
+          <a:xfrm>
+            <a:off x="2151992" y="204952"/>
+            <a:ext cx="10040008" cy="362606"/>
+          </a:xfrm>
+        </p:spPr>
+        <p:txBody>
+          <a:bodyPr>
+            <a:noAutofit/>
+          </a:bodyPr>
+          <a:lstStyle/>
+          <a:p>
+            <a:pPr algn="ctr"/>
+            <a:r>
+              <a:rPr lang="de-DE" sz="2400" dirty="0" err="1">
+                <a:solidFill>
+                  <a:schemeClr val="bg1">
+                    <a:lumMod val="85000"/>
+                    <a:lumOff val="15000"/>
+                  </a:schemeClr>
+                </a:solidFill>
+                <a:effectLst>
+                  <a:reflection blurRad="6350" stA="60000" endA="900" endPos="60000" dist="29997" dir="5400000" sy="-100000" algn="bl" rotWithShape="0"/>
+                </a:effectLst>
+                <a:latin typeface="Corbel Light" panose="020B0303020204020204" pitchFamily="34" charset="0"/>
+              </a:rPr>
+              <a:t>Arduino&amp;</a:t>
+            </a:r>
+            <a:r>
+              <a:rPr lang="de-DE" sz="2400" spc="250" dirty="0" err="1">
+                <a:solidFill>
+                  <a:schemeClr val="bg1">
+                    <a:lumMod val="85000"/>
+                    <a:lumOff val="15000"/>
+                  </a:schemeClr>
+                </a:solidFill>
+                <a:effectLst>
+                  <a:reflection blurRad="6350" stA="60000" endA="900" endPos="60000" dist="29997" dir="5400000" sy="-100000" algn="bl" rotWithShape="0"/>
+                </a:effectLst>
+                <a:latin typeface="Corbel Light" panose="020B0303020204020204" pitchFamily="34" charset="0"/>
+              </a:rPr>
+              <a:t>Sensorik</a:t>
+            </a:r>
+            <a:r>
+              <a:rPr lang="de-DE" sz="2400" spc="250" dirty="0" err="1">
+                <a:effectLst>
+                  <a:reflection blurRad="6350" stA="60000" endA="900" endPos="60000" dist="29997" dir="5400000" sy="-100000" algn="bl" rotWithShape="0"/>
+                </a:effectLst>
+                <a:latin typeface="Corbel Light" panose="020B0303020204020204" pitchFamily="34" charset="0"/>
+              </a:rPr>
+              <a:t>Kommunikation</a:t>
+            </a:r>
+            <a:r>
+              <a:rPr lang="de-DE" sz="2400" spc="250" dirty="0" err="1">
+                <a:solidFill>
+                  <a:schemeClr val="bg1">
+                    <a:lumMod val="85000"/>
+                    <a:lumOff val="15000"/>
+                  </a:schemeClr>
+                </a:solidFill>
+                <a:effectLst>
+                  <a:reflection blurRad="6350" stA="60000" endA="900" endPos="60000" dist="29997" dir="5400000" sy="-100000" algn="bl" rotWithShape="0"/>
+                </a:effectLst>
+                <a:latin typeface="Corbel Light" panose="020B0303020204020204" pitchFamily="34" charset="0"/>
+              </a:rPr>
+              <a:t>BackendVisualisierungRoboNova</a:t>
+            </a:r>
+            <a:endParaRPr lang="de-DE" sz="2400" spc="250" dirty="0">
+              <a:solidFill>
+                <a:schemeClr val="bg1">
+                  <a:lumMod val="85000"/>
+                  <a:lumOff val="15000"/>
+                </a:schemeClr>
+              </a:solidFill>
+              <a:effectLst>
+                <a:reflection blurRad="6350" stA="60000" endA="900" endPos="60000" dist="29997" dir="5400000" sy="-100000" algn="bl" rotWithShape="0"/>
+              </a:effectLst>
+              <a:latin typeface="Corbel Light" panose="020B0303020204020204" pitchFamily="34" charset="0"/>
+            </a:endParaRPr>
+          </a:p>
+        </p:txBody>
+      </p:sp>
+      <p:sp>
+        <p:nvSpPr>
+          <p:cNvPr id="8" name="Textfeld 7">
+            <a:extLst>
+              <a:ext uri="{FF2B5EF4-FFF2-40B4-BE49-F238E27FC236}">
+                <a16:creationId xmlns:a16="http://schemas.microsoft.com/office/drawing/2014/main" id="{53AE0C01-BA48-4AC0-9A6A-878E7B5942C9}"/>
+              </a:ext>
+            </a:extLst>
+          </p:cNvPr>
+          <p:cNvSpPr txBox="1"/>
+          <p:nvPr/>
+        </p:nvSpPr>
+        <p:spPr>
+          <a:xfrm>
+            <a:off x="140980" y="124645"/>
+            <a:ext cx="2011013" cy="523220"/>
+          </a:xfrm>
+          <a:prstGeom prst="rect">
+            <a:avLst/>
+          </a:prstGeom>
+          <a:noFill/>
+          <a:ln w="57150">
+            <a:solidFill>
+              <a:schemeClr val="tx1"/>
+            </a:solidFill>
+          </a:ln>
+        </p:spPr>
+        <p:txBody>
+          <a:bodyPr wrap="square" rtlCol="0">
+            <a:spAutoFit/>
+          </a:bodyPr>
+          <a:lstStyle>
+            <a:defPPr>
+              <a:defRPr lang="de-DE"/>
+            </a:defPPr>
+            <a:lvl1pPr>
+              <a:defRPr>
+                <a:latin typeface="Corbel Light" panose="020B0303020204020204" pitchFamily="34" charset="0"/>
+              </a:defRPr>
+            </a:lvl1pPr>
+          </a:lstStyle>
+          <a:p>
+            <a:pPr algn="ctr"/>
+            <a:r>
+              <a:rPr lang="de-DE" sz="2800" dirty="0"/>
+              <a:t>RoboMirror</a:t>
+            </a:r>
+          </a:p>
+        </p:txBody>
+      </p:sp>
+      <p:sp>
+        <p:nvSpPr>
+          <p:cNvPr id="7" name="Textfeld 6">
+            <a:extLst>
+              <a:ext uri="{FF2B5EF4-FFF2-40B4-BE49-F238E27FC236}">
+                <a16:creationId xmlns:a16="http://schemas.microsoft.com/office/drawing/2014/main" id="{B6462147-A034-401F-8F23-038091BD374F}"/>
+              </a:ext>
+            </a:extLst>
+          </p:cNvPr>
+          <p:cNvSpPr txBox="1"/>
+          <p:nvPr/>
+        </p:nvSpPr>
+        <p:spPr>
+          <a:xfrm>
+            <a:off x="0" y="1012279"/>
+            <a:ext cx="12192000" cy="769441"/>
+          </a:xfrm>
+          <a:prstGeom prst="rect">
+            <a:avLst/>
+          </a:prstGeom>
+          <a:noFill/>
+          <a:ln>
+            <a:solidFill>
+              <a:schemeClr val="bg1"/>
+            </a:solidFill>
+          </a:ln>
+        </p:spPr>
+        <p:txBody>
+          <a:bodyPr wrap="square" rtlCol="0">
+            <a:spAutoFit/>
+          </a:bodyPr>
+          <a:lstStyle/>
+          <a:p>
+            <a:pPr algn="ctr"/>
+            <a:r>
+              <a:rPr lang="de-DE" sz="4400" spc="600" dirty="0">
+                <a:solidFill>
+                  <a:schemeClr val="bg1">
+                    <a:lumMod val="95000"/>
+                    <a:lumOff val="5000"/>
+                  </a:schemeClr>
+                </a:solidFill>
+                <a:latin typeface="Corbel Light" panose="020B0303020204020204" pitchFamily="34" charset="0"/>
+              </a:rPr>
+              <a:t>Hardware Layout</a:t>
+            </a:r>
+          </a:p>
+        </p:txBody>
+      </p:sp>
+    </p:spTree>
+    <p:extLst>
+      <p:ext uri="{BB962C8B-B14F-4D97-AF65-F5344CB8AC3E}">
+        <p14:creationId xmlns:p14="http://schemas.microsoft.com/office/powerpoint/2010/main" val="4101798537"/>
+      </p:ext>
+    </p:extLst>
+  </p:cSld>
+  <p:clrMapOvr>
+    <a:masterClrMapping/>
+  </p:clrMapOvr>
+  <p:transition spd="slow">
+    <p:push dir="u"/>
+  </p:transition>
+  <p:timing>
+    <p:tnLst>
+      <p:par>
+        <p:cTn id="1" dur="indefinite" restart="never" nodeType="tmRoot">
+          <p:childTnLst>
+            <p:seq concurrent="1" nextAc="seek">
+              <p:cTn id="2" dur="indefinite" nodeType="mainSeq">
+                <p:childTnLst>
+                  <p:par>
+                    <p:cTn id="3" fill="hold">
+                      <p:stCondLst>
+                        <p:cond delay="indefinite"/>
+                        <p:cond evt="onBegin" delay="0">
+                          <p:tn val="2"/>
+                        </p:cond>
+                      </p:stCondLst>
+                      <p:childTnLst>
+                        <p:par>
+                          <p:cTn id="4" fill="hold">
+                            <p:stCondLst>
+                              <p:cond delay="0"/>
+                            </p:stCondLst>
+                            <p:childTnLst>
+                              <p:par>
+                                <p:cTn id="5" presetID="10" presetClass="entr" presetSubtype="0" fill="hold" grpId="0" nodeType="withEffect">
+                                  <p:stCondLst>
+                                    <p:cond delay="0"/>
+                                  </p:stCondLst>
+                                  <p:childTnLst>
+                                    <p:set>
+                                      <p:cBhvr>
+                                        <p:cTn id="6" dur="1" fill="hold">
+                                          <p:stCondLst>
+                                            <p:cond delay="0"/>
+                                          </p:stCondLst>
+                                        </p:cTn>
+                                        <p:tgtEl>
+                                          <p:spTgt spid="2"/>
+                                        </p:tgtEl>
+                                        <p:attrNameLst>
+                                          <p:attrName>style.visibility</p:attrName>
+                                        </p:attrNameLst>
+                                      </p:cBhvr>
+                                      <p:to>
+                                        <p:strVal val="visible"/>
+                                      </p:to>
+                                    </p:set>
+                                    <p:animEffect transition="in" filter="fade">
+                                      <p:cBhvr>
+                                        <p:cTn id="7" dur="500"/>
+                                        <p:tgtEl>
+                                          <p:spTgt spid="2"/>
+                                        </p:tgtEl>
+                                      </p:cBhvr>
+                                    </p:animEffect>
+                                  </p:childTnLst>
+                                </p:cTn>
+                              </p:par>
+                            </p:childTnLst>
+                          </p:cTn>
+                        </p:par>
+                      </p:childTnLst>
+                    </p:cTn>
+                  </p:par>
+                </p:childTnLst>
+              </p:cTn>
+              <p:prevCondLst>
+                <p:cond evt="onPrev" delay="0">
+                  <p:tgtEl>
+                    <p:sldTgt/>
+                  </p:tgtEl>
+                </p:cond>
+              </p:prevCondLst>
+              <p:nextCondLst>
+                <p:cond evt="onNext" delay="0">
+                  <p:tgtEl>
+                    <p:sldTgt/>
+                  </p:tgtEl>
+                </p:cond>
+              </p:nextCondLst>
+            </p:seq>
+          </p:childTnLst>
+        </p:cTn>
+      </p:par>
+    </p:tnLst>
+    <p:bldLst>
+      <p:bldP spid="2" grpId="0"/>
+    </p:bldLst>
+  </p:timing>
+</p:sld>
+</file>
+
+<file path=ppt/slides/slide9.xml><?xml version="1.0" encoding="utf-8"?>
+<p:sld xmlns:a="http://schemas.openxmlformats.org/drawingml/2006/main" xmlns:r="http://schemas.openxmlformats.org/officeDocument/2006/relationships" xmlns:p="http://schemas.openxmlformats.org/presentationml/2006/main">
+  <p:cSld>
+    <p:spTree>
+      <p:nvGrpSpPr>
+        <p:cNvPr id="1" name=""/>
+        <p:cNvGrpSpPr/>
+        <p:nvPr/>
+      </p:nvGrpSpPr>
+      <p:grpSpPr>
+        <a:xfrm>
+          <a:off x="0" y="0"/>
+          <a:ext cx="0" cy="0"/>
+          <a:chOff x="0" y="0"/>
+          <a:chExt cx="0" cy="0"/>
+        </a:xfrm>
+      </p:grpSpPr>
+      <p:sp>
+        <p:nvSpPr>
+          <p:cNvPr id="2" name="Titel 1">
+            <a:extLst>
+              <a:ext uri="{FF2B5EF4-FFF2-40B4-BE49-F238E27FC236}">
+                <a16:creationId xmlns:a16="http://schemas.microsoft.com/office/drawing/2014/main" id="{8863E4F2-E5EC-43C5-B897-8C27EEEE8811}"/>
+              </a:ext>
+            </a:extLst>
+          </p:cNvPr>
+          <p:cNvSpPr>
+            <a:spLocks noGrp="1"/>
+          </p:cNvSpPr>
+          <p:nvPr>
+            <p:ph type="title"/>
+          </p:nvPr>
+        </p:nvSpPr>
+        <p:spPr>
+          <a:xfrm>
+            <a:off x="2151992" y="204952"/>
+            <a:ext cx="10040008" cy="362606"/>
+          </a:xfrm>
+        </p:spPr>
+        <p:txBody>
+          <a:bodyPr>
+            <a:noAutofit/>
+          </a:bodyPr>
+          <a:lstStyle/>
+          <a:p>
+            <a:pPr algn="ctr"/>
+            <a:r>
+              <a:rPr lang="de-DE" sz="2400" dirty="0" err="1">
+                <a:solidFill>
+                  <a:schemeClr val="bg1">
+                    <a:lumMod val="85000"/>
+                    <a:lumOff val="15000"/>
+                  </a:schemeClr>
+                </a:solidFill>
+                <a:effectLst>
+                  <a:reflection blurRad="6350" stA="60000" endA="900" endPos="60000" dist="29997" dir="5400000" sy="-100000" algn="bl" rotWithShape="0"/>
+                </a:effectLst>
+                <a:latin typeface="Corbel Light" panose="020B0303020204020204" pitchFamily="34" charset="0"/>
+              </a:rPr>
+              <a:t>Arduino&amp;</a:t>
+            </a:r>
+            <a:r>
+              <a:rPr lang="de-DE" sz="2400" spc="250" dirty="0" err="1">
+                <a:solidFill>
+                  <a:schemeClr val="bg1">
+                    <a:lumMod val="85000"/>
+                    <a:lumOff val="15000"/>
+                  </a:schemeClr>
+                </a:solidFill>
+                <a:effectLst>
+                  <a:reflection blurRad="6350" stA="60000" endA="900" endPos="60000" dist="29997" dir="5400000" sy="-100000" algn="bl" rotWithShape="0"/>
+                </a:effectLst>
+                <a:latin typeface="Corbel Light" panose="020B0303020204020204" pitchFamily="34" charset="0"/>
+              </a:rPr>
+              <a:t>Sensorik</a:t>
+            </a:r>
+            <a:r>
+              <a:rPr lang="de-DE" sz="2400" spc="250" dirty="0" err="1">
+                <a:effectLst>
+                  <a:reflection blurRad="6350" stA="60000" endA="900" endPos="60000" dist="29997" dir="5400000" sy="-100000" algn="bl" rotWithShape="0"/>
+                </a:effectLst>
+                <a:latin typeface="Corbel Light" panose="020B0303020204020204" pitchFamily="34" charset="0"/>
+              </a:rPr>
+              <a:t>Kommunikation</a:t>
+            </a:r>
+            <a:r>
+              <a:rPr lang="de-DE" sz="2400" spc="250" dirty="0" err="1">
+                <a:solidFill>
+                  <a:schemeClr val="bg1">
+                    <a:lumMod val="85000"/>
+                    <a:lumOff val="15000"/>
+                  </a:schemeClr>
+                </a:solidFill>
+                <a:effectLst>
+                  <a:reflection blurRad="6350" stA="60000" endA="900" endPos="60000" dist="29997" dir="5400000" sy="-100000" algn="bl" rotWithShape="0"/>
+                </a:effectLst>
+                <a:latin typeface="Corbel Light" panose="020B0303020204020204" pitchFamily="34" charset="0"/>
+              </a:rPr>
+              <a:t>BackendVisualisierungRoboNova</a:t>
+            </a:r>
+            <a:endParaRPr lang="de-DE" sz="2400" spc="250" dirty="0">
+              <a:solidFill>
+                <a:schemeClr val="bg1">
+                  <a:lumMod val="85000"/>
+                  <a:lumOff val="15000"/>
+                </a:schemeClr>
+              </a:solidFill>
+              <a:effectLst>
+                <a:reflection blurRad="6350" stA="60000" endA="900" endPos="60000" dist="29997" dir="5400000" sy="-100000" algn="bl" rotWithShape="0"/>
+              </a:effectLst>
+              <a:latin typeface="Corbel Light" panose="020B0303020204020204" pitchFamily="34" charset="0"/>
+            </a:endParaRPr>
+          </a:p>
+        </p:txBody>
+      </p:sp>
+      <p:sp>
+        <p:nvSpPr>
+          <p:cNvPr id="8" name="Textfeld 7">
+            <a:extLst>
+              <a:ext uri="{FF2B5EF4-FFF2-40B4-BE49-F238E27FC236}">
+                <a16:creationId xmlns:a16="http://schemas.microsoft.com/office/drawing/2014/main" id="{53AE0C01-BA48-4AC0-9A6A-878E7B5942C9}"/>
+              </a:ext>
+            </a:extLst>
+          </p:cNvPr>
+          <p:cNvSpPr txBox="1"/>
+          <p:nvPr/>
+        </p:nvSpPr>
+        <p:spPr>
+          <a:xfrm>
+            <a:off x="140980" y="124645"/>
+            <a:ext cx="2011013" cy="523220"/>
+          </a:xfrm>
+          <a:prstGeom prst="rect">
+            <a:avLst/>
+          </a:prstGeom>
+          <a:noFill/>
+          <a:ln w="57150">
+            <a:solidFill>
+              <a:schemeClr val="tx1"/>
+            </a:solidFill>
+          </a:ln>
+        </p:spPr>
+        <p:txBody>
+          <a:bodyPr wrap="square" rtlCol="0">
+            <a:spAutoFit/>
+          </a:bodyPr>
+          <a:lstStyle>
+            <a:defPPr>
+              <a:defRPr lang="de-DE"/>
+            </a:defPPr>
+            <a:lvl1pPr>
+              <a:defRPr>
+                <a:latin typeface="Corbel Light" panose="020B0303020204020204" pitchFamily="34" charset="0"/>
+              </a:defRPr>
+            </a:lvl1pPr>
+          </a:lstStyle>
+          <a:p>
+            <a:pPr algn="ctr"/>
+            <a:r>
+              <a:rPr lang="de-DE" sz="2800" dirty="0"/>
+              <a:t>RoboMirror</a:t>
+            </a:r>
+          </a:p>
+        </p:txBody>
+      </p:sp>
+      <p:sp>
+        <p:nvSpPr>
+          <p:cNvPr id="7" name="Textfeld 6">
+            <a:extLst>
+              <a:ext uri="{FF2B5EF4-FFF2-40B4-BE49-F238E27FC236}">
+                <a16:creationId xmlns:a16="http://schemas.microsoft.com/office/drawing/2014/main" id="{B6462147-A034-401F-8F23-038091BD374F}"/>
+              </a:ext>
+            </a:extLst>
+          </p:cNvPr>
+          <p:cNvSpPr txBox="1"/>
+          <p:nvPr/>
+        </p:nvSpPr>
+        <p:spPr>
+          <a:xfrm>
+            <a:off x="0" y="3044279"/>
+            <a:ext cx="12192000" cy="769441"/>
+          </a:xfrm>
+          <a:prstGeom prst="rect">
+            <a:avLst/>
+          </a:prstGeom>
+          <a:noFill/>
+        </p:spPr>
+        <p:txBody>
+          <a:bodyPr wrap="square" rtlCol="0">
+            <a:spAutoFit/>
+          </a:bodyPr>
+          <a:lstStyle/>
+          <a:p>
+            <a:pPr algn="ctr"/>
+            <a:r>
+              <a:rPr lang="de-DE" sz="4400" spc="600" dirty="0">
+                <a:solidFill>
+                  <a:schemeClr val="bg1">
+                    <a:lumMod val="95000"/>
+                    <a:lumOff val="5000"/>
+                  </a:schemeClr>
+                </a:solidFill>
+                <a:latin typeface="Corbel Light" panose="020B0303020204020204" pitchFamily="34" charset="0"/>
+              </a:rPr>
+              <a:t>Raspberry Pi ↔</a:t>
+            </a:r>
+            <a:r>
+              <a:rPr lang="de-DE" sz="4400" spc="600" dirty="0" err="1">
+                <a:solidFill>
+                  <a:schemeClr val="bg1">
+                    <a:lumMod val="95000"/>
+                    <a:lumOff val="5000"/>
+                  </a:schemeClr>
+                </a:solidFill>
+                <a:latin typeface="Corbel Light" panose="020B0303020204020204" pitchFamily="34" charset="0"/>
+              </a:rPr>
+              <a:t>RoboNova</a:t>
+            </a:r>
+            <a:endParaRPr lang="de-DE" sz="4400" spc="600" dirty="0">
+              <a:solidFill>
+                <a:schemeClr val="bg1">
+                  <a:lumMod val="95000"/>
+                  <a:lumOff val="5000"/>
+                </a:schemeClr>
+              </a:solidFill>
+              <a:latin typeface="Corbel Light" panose="020B0303020204020204" pitchFamily="34" charset="0"/>
+            </a:endParaRPr>
+          </a:p>
+        </p:txBody>
+      </p:sp>
+      <p:sp>
+        <p:nvSpPr>
+          <p:cNvPr id="11" name="Textfeld 10">
+            <a:extLst>
+              <a:ext uri="{FF2B5EF4-FFF2-40B4-BE49-F238E27FC236}">
+                <a16:creationId xmlns:a16="http://schemas.microsoft.com/office/drawing/2014/main" id="{7012552E-2A48-4B97-9EEC-240E530F987D}"/>
+              </a:ext>
+            </a:extLst>
+          </p:cNvPr>
+          <p:cNvSpPr txBox="1"/>
+          <p:nvPr/>
+        </p:nvSpPr>
+        <p:spPr>
+          <a:xfrm>
+            <a:off x="4143375" y="1122797"/>
+            <a:ext cx="3905250" cy="1446550"/>
+          </a:xfrm>
+          <a:prstGeom prst="rect">
+            <a:avLst/>
+          </a:prstGeom>
+          <a:noFill/>
+          <a:ln w="12700">
+            <a:solidFill>
+              <a:schemeClr val="tx1"/>
+            </a:solidFill>
+          </a:ln>
+        </p:spPr>
+        <p:txBody>
+          <a:bodyPr wrap="square" rtlCol="0">
+            <a:spAutoFit/>
+          </a:bodyPr>
+          <a:lstStyle/>
+          <a:p>
+            <a:pPr algn="ctr"/>
+            <a:r>
+              <a:rPr lang="de-DE" sz="4400" spc="600" dirty="0">
+                <a:latin typeface="Corbel Light" panose="020B0303020204020204" pitchFamily="34" charset="0"/>
+              </a:rPr>
+              <a:t>ESP 8266 Wifi-Modul</a:t>
+            </a:r>
+          </a:p>
+        </p:txBody>
+      </p:sp>
+    </p:spTree>
+    <p:extLst>
+      <p:ext uri="{BB962C8B-B14F-4D97-AF65-F5344CB8AC3E}">
+        <p14:creationId xmlns:p14="http://schemas.microsoft.com/office/powerpoint/2010/main" val="2929307450"/>
       </p:ext>
     </p:extLst>
   </p:cSld>

--- a/Material für Abschlusspräsentation/Präsentationsvorlage für Marco.pptx
+++ b/Material für Abschlusspräsentation/Präsentationsvorlage für Marco.pptx
@@ -5,20 +5,22 @@
     <p:sldMasterId id="2147483648" r:id="rId1"/>
   </p:sldMasterIdLst>
   <p:notesMasterIdLst>
-    <p:notesMasterId r:id="rId13"/>
+    <p:notesMasterId r:id="rId15"/>
   </p:notesMasterIdLst>
   <p:sldIdLst>
     <p:sldId id="257" r:id="rId2"/>
     <p:sldId id="259" r:id="rId3"/>
     <p:sldId id="260" r:id="rId4"/>
-    <p:sldId id="262" r:id="rId5"/>
-    <p:sldId id="263" r:id="rId6"/>
-    <p:sldId id="265" r:id="rId7"/>
-    <p:sldId id="269" r:id="rId8"/>
-    <p:sldId id="264" r:id="rId9"/>
-    <p:sldId id="267" r:id="rId10"/>
-    <p:sldId id="268" r:id="rId11"/>
-    <p:sldId id="266" r:id="rId12"/>
+    <p:sldId id="264" r:id="rId5"/>
+    <p:sldId id="271" r:id="rId6"/>
+    <p:sldId id="262" r:id="rId7"/>
+    <p:sldId id="263" r:id="rId8"/>
+    <p:sldId id="265" r:id="rId9"/>
+    <p:sldId id="270" r:id="rId10"/>
+    <p:sldId id="269" r:id="rId11"/>
+    <p:sldId id="267" r:id="rId12"/>
+    <p:sldId id="268" r:id="rId13"/>
+    <p:sldId id="266" r:id="rId14"/>
   </p:sldIdLst>
   <p:sldSz cx="12192000" cy="6858000"/>
   <p:notesSz cx="6858000" cy="9144000"/>
@@ -207,7 +209,7 @@
           <a:p>
             <a:fld id="{398C6B7F-DE70-4723-AEA0-F3505BEE67B9}" type="datetimeFigureOut">
               <a:rPr lang="de-DE" smtClean="0"/>
-              <a:t>16.07.2020</a:t>
+              <a:t>17.07.2020</a:t>
             </a:fld>
             <a:endParaRPr lang="de-DE"/>
           </a:p>
@@ -3337,6 +3339,1516 @@
         </p:nvSpPr>
         <p:spPr>
           <a:xfrm>
+            <a:off x="0" y="728172"/>
+            <a:ext cx="12192000" cy="769441"/>
+          </a:xfrm>
+          <a:prstGeom prst="rect">
+            <a:avLst/>
+          </a:prstGeom>
+          <a:noFill/>
+          <a:ln>
+            <a:solidFill>
+              <a:schemeClr val="bg1"/>
+            </a:solidFill>
+          </a:ln>
+        </p:spPr>
+        <p:txBody>
+          <a:bodyPr wrap="square" rtlCol="0">
+            <a:spAutoFit/>
+          </a:bodyPr>
+          <a:lstStyle/>
+          <a:p>
+            <a:pPr algn="ctr"/>
+            <a:r>
+              <a:rPr lang="de-DE" sz="4400" spc="600" dirty="0">
+                <a:solidFill>
+                  <a:schemeClr val="bg1">
+                    <a:lumMod val="95000"/>
+                    <a:lumOff val="5000"/>
+                  </a:schemeClr>
+                </a:solidFill>
+                <a:latin typeface="Corbel Light" panose="020B0303020204020204" pitchFamily="34" charset="0"/>
+              </a:rPr>
+              <a:t>Software Implementation</a:t>
+            </a:r>
+          </a:p>
+        </p:txBody>
+      </p:sp>
+      <p:sp>
+        <p:nvSpPr>
+          <p:cNvPr id="5" name="Textfeld 4">
+            <a:extLst>
+              <a:ext uri="{FF2B5EF4-FFF2-40B4-BE49-F238E27FC236}">
+                <a16:creationId xmlns:a16="http://schemas.microsoft.com/office/drawing/2014/main" id="{7FD20B4A-A787-45AC-A677-43D5E3AB4ECF}"/>
+              </a:ext>
+            </a:extLst>
+          </p:cNvPr>
+          <p:cNvSpPr txBox="1"/>
+          <p:nvPr/>
+        </p:nvSpPr>
+        <p:spPr>
+          <a:xfrm>
+            <a:off x="3497780" y="1734196"/>
+            <a:ext cx="5196439" cy="523220"/>
+          </a:xfrm>
+          <a:prstGeom prst="rect">
+            <a:avLst/>
+          </a:prstGeom>
+          <a:noFill/>
+          <a:ln>
+            <a:solidFill>
+              <a:schemeClr val="tx1"/>
+            </a:solidFill>
+          </a:ln>
+        </p:spPr>
+        <p:txBody>
+          <a:bodyPr wrap="square" rtlCol="0">
+            <a:spAutoFit/>
+          </a:bodyPr>
+          <a:lstStyle/>
+          <a:p>
+            <a:pPr algn="ctr"/>
+            <a:r>
+              <a:rPr lang="de-DE" sz="2800" dirty="0">
+                <a:latin typeface="Corbel Light" panose="020B0303020204020204" pitchFamily="34" charset="0"/>
+              </a:rPr>
+              <a:t>Eigene Klasse für Kommunikation</a:t>
+            </a:r>
+          </a:p>
+        </p:txBody>
+      </p:sp>
+      <p:sp>
+        <p:nvSpPr>
+          <p:cNvPr id="6" name="Textfeld 5">
+            <a:extLst>
+              <a:ext uri="{FF2B5EF4-FFF2-40B4-BE49-F238E27FC236}">
+                <a16:creationId xmlns:a16="http://schemas.microsoft.com/office/drawing/2014/main" id="{7B3E7FD7-3F49-4D17-AD6C-CE99B6A21FFD}"/>
+              </a:ext>
+            </a:extLst>
+          </p:cNvPr>
+          <p:cNvSpPr txBox="1"/>
+          <p:nvPr/>
+        </p:nvSpPr>
+        <p:spPr>
+          <a:xfrm>
+            <a:off x="1959041" y="3252608"/>
+            <a:ext cx="8283542" cy="523220"/>
+          </a:xfrm>
+          <a:prstGeom prst="rect">
+            <a:avLst/>
+          </a:prstGeom>
+          <a:noFill/>
+          <a:ln>
+            <a:solidFill>
+              <a:schemeClr val="tx1"/>
+            </a:solidFill>
+          </a:ln>
+        </p:spPr>
+        <p:txBody>
+          <a:bodyPr wrap="square" rtlCol="0">
+            <a:spAutoFit/>
+          </a:bodyPr>
+          <a:lstStyle/>
+          <a:p>
+            <a:pPr algn="ctr"/>
+            <a:r>
+              <a:rPr lang="de-DE" sz="2800" dirty="0">
+                <a:latin typeface="Corbel Light" panose="020B0303020204020204" pitchFamily="34" charset="0"/>
+              </a:rPr>
+              <a:t>State </a:t>
+            </a:r>
+            <a:r>
+              <a:rPr lang="de-DE" sz="2800" dirty="0" err="1">
+                <a:latin typeface="Corbel Light" panose="020B0303020204020204" pitchFamily="34" charset="0"/>
+              </a:rPr>
+              <a:t>Machine</a:t>
+            </a:r>
+            <a:r>
+              <a:rPr lang="de-DE" sz="2800" dirty="0">
+                <a:latin typeface="Corbel Light" panose="020B0303020204020204" pitchFamily="34" charset="0"/>
+              </a:rPr>
+              <a:t> liest Datenpaket als String vom Serial-Port</a:t>
+            </a:r>
+          </a:p>
+        </p:txBody>
+      </p:sp>
+      <p:sp>
+        <p:nvSpPr>
+          <p:cNvPr id="9" name="Textfeld 8">
+            <a:extLst>
+              <a:ext uri="{FF2B5EF4-FFF2-40B4-BE49-F238E27FC236}">
+                <a16:creationId xmlns:a16="http://schemas.microsoft.com/office/drawing/2014/main" id="{533CC270-828B-47D1-84A2-CBB1EA1FE612}"/>
+              </a:ext>
+            </a:extLst>
+          </p:cNvPr>
+          <p:cNvSpPr txBox="1"/>
+          <p:nvPr/>
+        </p:nvSpPr>
+        <p:spPr>
+          <a:xfrm>
+            <a:off x="3608471" y="2493402"/>
+            <a:ext cx="4994308" cy="523220"/>
+          </a:xfrm>
+          <a:prstGeom prst="rect">
+            <a:avLst/>
+          </a:prstGeom>
+          <a:noFill/>
+          <a:ln>
+            <a:solidFill>
+              <a:schemeClr val="tx1"/>
+            </a:solidFill>
+          </a:ln>
+        </p:spPr>
+        <p:txBody>
+          <a:bodyPr wrap="square" rtlCol="0">
+            <a:spAutoFit/>
+          </a:bodyPr>
+          <a:lstStyle/>
+          <a:p>
+            <a:pPr algn="ctr"/>
+            <a:r>
+              <a:rPr lang="de-DE" sz="2800" dirty="0">
+                <a:latin typeface="Corbel Light" panose="020B0303020204020204" pitchFamily="34" charset="0"/>
+              </a:rPr>
+              <a:t>Öffnen des jeweiligen Serial-Ports</a:t>
+            </a:r>
+          </a:p>
+        </p:txBody>
+      </p:sp>
+      <p:sp>
+        <p:nvSpPr>
+          <p:cNvPr id="10" name="Textfeld 9">
+            <a:extLst>
+              <a:ext uri="{FF2B5EF4-FFF2-40B4-BE49-F238E27FC236}">
+                <a16:creationId xmlns:a16="http://schemas.microsoft.com/office/drawing/2014/main" id="{657A9D2A-E2B6-44B7-AB6F-A84B3411F432}"/>
+              </a:ext>
+            </a:extLst>
+          </p:cNvPr>
+          <p:cNvSpPr txBox="1"/>
+          <p:nvPr/>
+        </p:nvSpPr>
+        <p:spPr>
+          <a:xfrm>
+            <a:off x="3598845" y="4456138"/>
+            <a:ext cx="5003934" cy="523220"/>
+          </a:xfrm>
+          <a:prstGeom prst="rect">
+            <a:avLst/>
+          </a:prstGeom>
+          <a:noFill/>
+          <a:ln>
+            <a:solidFill>
+              <a:schemeClr val="tx1"/>
+            </a:solidFill>
+          </a:ln>
+        </p:spPr>
+        <p:txBody>
+          <a:bodyPr wrap="square" rtlCol="0">
+            <a:spAutoFit/>
+          </a:bodyPr>
+          <a:lstStyle/>
+          <a:p>
+            <a:pPr algn="ctr"/>
+            <a:r>
+              <a:rPr lang="de-DE" sz="2800" dirty="0">
+                <a:latin typeface="Corbel Light" panose="020B0303020204020204" pitchFamily="34" charset="0"/>
+              </a:rPr>
+              <a:t>Je ein Klassen-Objekt pro Arduino </a:t>
+            </a:r>
+          </a:p>
+        </p:txBody>
+      </p:sp>
+      <p:sp>
+        <p:nvSpPr>
+          <p:cNvPr id="11" name="Textfeld 10">
+            <a:extLst>
+              <a:ext uri="{FF2B5EF4-FFF2-40B4-BE49-F238E27FC236}">
+                <a16:creationId xmlns:a16="http://schemas.microsoft.com/office/drawing/2014/main" id="{F60189EC-850F-4BB9-BEA3-524571FCD219}"/>
+              </a:ext>
+            </a:extLst>
+          </p:cNvPr>
+          <p:cNvSpPr txBox="1"/>
+          <p:nvPr/>
+        </p:nvSpPr>
+        <p:spPr>
+          <a:xfrm>
+            <a:off x="4285146" y="5215941"/>
+            <a:ext cx="3612080" cy="523220"/>
+          </a:xfrm>
+          <a:prstGeom prst="rect">
+            <a:avLst/>
+          </a:prstGeom>
+          <a:noFill/>
+          <a:ln>
+            <a:solidFill>
+              <a:schemeClr val="tx1"/>
+            </a:solidFill>
+          </a:ln>
+        </p:spPr>
+        <p:txBody>
+          <a:bodyPr wrap="square" rtlCol="0">
+            <a:spAutoFit/>
+          </a:bodyPr>
+          <a:lstStyle/>
+          <a:p>
+            <a:pPr algn="ctr"/>
+            <a:r>
+              <a:rPr lang="de-DE" sz="2800" dirty="0">
+                <a:latin typeface="Corbel Light" panose="020B0303020204020204" pitchFamily="34" charset="0"/>
+              </a:rPr>
+              <a:t>Einlesen läuft parallel ab</a:t>
+            </a:r>
+          </a:p>
+        </p:txBody>
+      </p:sp>
+    </p:spTree>
+    <p:extLst>
+      <p:ext uri="{BB962C8B-B14F-4D97-AF65-F5344CB8AC3E}">
+        <p14:creationId xmlns:p14="http://schemas.microsoft.com/office/powerpoint/2010/main" val="3360714793"/>
+      </p:ext>
+    </p:extLst>
+  </p:cSld>
+  <p:clrMapOvr>
+    <a:masterClrMapping/>
+  </p:clrMapOvr>
+  <p:transition spd="slow">
+    <p:push dir="u"/>
+  </p:transition>
+  <p:timing>
+    <p:tnLst>
+      <p:par>
+        <p:cTn id="1" dur="indefinite" restart="never" nodeType="tmRoot">
+          <p:childTnLst>
+            <p:seq concurrent="1" nextAc="seek">
+              <p:cTn id="2" dur="indefinite" nodeType="mainSeq">
+                <p:childTnLst>
+                  <p:par>
+                    <p:cTn id="3" fill="hold">
+                      <p:stCondLst>
+                        <p:cond delay="indefinite"/>
+                        <p:cond evt="onBegin" delay="0">
+                          <p:tn val="2"/>
+                        </p:cond>
+                      </p:stCondLst>
+                      <p:childTnLst>
+                        <p:par>
+                          <p:cTn id="4" fill="hold">
+                            <p:stCondLst>
+                              <p:cond delay="0"/>
+                            </p:stCondLst>
+                            <p:childTnLst>
+                              <p:par>
+                                <p:cTn id="5" presetID="10" presetClass="entr" presetSubtype="0" fill="hold" grpId="0" nodeType="withEffect">
+                                  <p:stCondLst>
+                                    <p:cond delay="0"/>
+                                  </p:stCondLst>
+                                  <p:childTnLst>
+                                    <p:set>
+                                      <p:cBhvr>
+                                        <p:cTn id="6" dur="1" fill="hold">
+                                          <p:stCondLst>
+                                            <p:cond delay="0"/>
+                                          </p:stCondLst>
+                                        </p:cTn>
+                                        <p:tgtEl>
+                                          <p:spTgt spid="2"/>
+                                        </p:tgtEl>
+                                        <p:attrNameLst>
+                                          <p:attrName>style.visibility</p:attrName>
+                                        </p:attrNameLst>
+                                      </p:cBhvr>
+                                      <p:to>
+                                        <p:strVal val="visible"/>
+                                      </p:to>
+                                    </p:set>
+                                    <p:animEffect transition="in" filter="fade">
+                                      <p:cBhvr>
+                                        <p:cTn id="7" dur="500"/>
+                                        <p:tgtEl>
+                                          <p:spTgt spid="2"/>
+                                        </p:tgtEl>
+                                      </p:cBhvr>
+                                    </p:animEffect>
+                                  </p:childTnLst>
+                                </p:cTn>
+                              </p:par>
+                            </p:childTnLst>
+                          </p:cTn>
+                        </p:par>
+                        <p:par>
+                          <p:cTn id="8" fill="hold">
+                            <p:stCondLst>
+                              <p:cond delay="500"/>
+                            </p:stCondLst>
+                            <p:childTnLst>
+                              <p:par>
+                                <p:cTn id="9" presetID="10" presetClass="entr" presetSubtype="0" fill="hold" grpId="0" nodeType="afterEffect">
+                                  <p:stCondLst>
+                                    <p:cond delay="0"/>
+                                  </p:stCondLst>
+                                  <p:childTnLst>
+                                    <p:set>
+                                      <p:cBhvr>
+                                        <p:cTn id="10" dur="1" fill="hold">
+                                          <p:stCondLst>
+                                            <p:cond delay="0"/>
+                                          </p:stCondLst>
+                                        </p:cTn>
+                                        <p:tgtEl>
+                                          <p:spTgt spid="5">
+                                            <p:bg/>
+                                          </p:spTgt>
+                                        </p:tgtEl>
+                                        <p:attrNameLst>
+                                          <p:attrName>style.visibility</p:attrName>
+                                        </p:attrNameLst>
+                                      </p:cBhvr>
+                                      <p:to>
+                                        <p:strVal val="visible"/>
+                                      </p:to>
+                                    </p:set>
+                                    <p:animEffect transition="in" filter="fade">
+                                      <p:cBhvr>
+                                        <p:cTn id="11" dur="500"/>
+                                        <p:tgtEl>
+                                          <p:spTgt spid="5">
+                                            <p:bg/>
+                                          </p:spTgt>
+                                        </p:tgtEl>
+                                      </p:cBhvr>
+                                    </p:animEffect>
+                                  </p:childTnLst>
+                                </p:cTn>
+                              </p:par>
+                            </p:childTnLst>
+                          </p:cTn>
+                        </p:par>
+                        <p:par>
+                          <p:cTn id="12" fill="hold">
+                            <p:stCondLst>
+                              <p:cond delay="1000"/>
+                            </p:stCondLst>
+                            <p:childTnLst>
+                              <p:par>
+                                <p:cTn id="13" presetID="10" presetClass="entr" presetSubtype="0" fill="hold" grpId="0" nodeType="afterEffect">
+                                  <p:stCondLst>
+                                    <p:cond delay="0"/>
+                                  </p:stCondLst>
+                                  <p:childTnLst>
+                                    <p:set>
+                                      <p:cBhvr>
+                                        <p:cTn id="14" dur="1" fill="hold">
+                                          <p:stCondLst>
+                                            <p:cond delay="0"/>
+                                          </p:stCondLst>
+                                        </p:cTn>
+                                        <p:tgtEl>
+                                          <p:spTgt spid="5">
+                                            <p:txEl>
+                                              <p:pRg st="0" end="0"/>
+                                            </p:txEl>
+                                          </p:spTgt>
+                                        </p:tgtEl>
+                                        <p:attrNameLst>
+                                          <p:attrName>style.visibility</p:attrName>
+                                        </p:attrNameLst>
+                                      </p:cBhvr>
+                                      <p:to>
+                                        <p:strVal val="visible"/>
+                                      </p:to>
+                                    </p:set>
+                                    <p:animEffect transition="in" filter="fade">
+                                      <p:cBhvr>
+                                        <p:cTn id="15" dur="500"/>
+                                        <p:tgtEl>
+                                          <p:spTgt spid="5">
+                                            <p:txEl>
+                                              <p:pRg st="0" end="0"/>
+                                            </p:txEl>
+                                          </p:spTgt>
+                                        </p:tgtEl>
+                                      </p:cBhvr>
+                                    </p:animEffect>
+                                  </p:childTnLst>
+                                </p:cTn>
+                              </p:par>
+                            </p:childTnLst>
+                          </p:cTn>
+                        </p:par>
+                        <p:par>
+                          <p:cTn id="16" fill="hold">
+                            <p:stCondLst>
+                              <p:cond delay="1500"/>
+                            </p:stCondLst>
+                            <p:childTnLst>
+                              <p:par>
+                                <p:cTn id="17" presetID="10" presetClass="entr" presetSubtype="0" fill="hold" grpId="0" nodeType="afterEffect">
+                                  <p:stCondLst>
+                                    <p:cond delay="0"/>
+                                  </p:stCondLst>
+                                  <p:childTnLst>
+                                    <p:set>
+                                      <p:cBhvr>
+                                        <p:cTn id="18" dur="1" fill="hold">
+                                          <p:stCondLst>
+                                            <p:cond delay="0"/>
+                                          </p:stCondLst>
+                                        </p:cTn>
+                                        <p:tgtEl>
+                                          <p:spTgt spid="9">
+                                            <p:bg/>
+                                          </p:spTgt>
+                                        </p:tgtEl>
+                                        <p:attrNameLst>
+                                          <p:attrName>style.visibility</p:attrName>
+                                        </p:attrNameLst>
+                                      </p:cBhvr>
+                                      <p:to>
+                                        <p:strVal val="visible"/>
+                                      </p:to>
+                                    </p:set>
+                                    <p:animEffect transition="in" filter="fade">
+                                      <p:cBhvr>
+                                        <p:cTn id="19" dur="500"/>
+                                        <p:tgtEl>
+                                          <p:spTgt spid="9">
+                                            <p:bg/>
+                                          </p:spTgt>
+                                        </p:tgtEl>
+                                      </p:cBhvr>
+                                    </p:animEffect>
+                                  </p:childTnLst>
+                                </p:cTn>
+                              </p:par>
+                            </p:childTnLst>
+                          </p:cTn>
+                        </p:par>
+                        <p:par>
+                          <p:cTn id="20" fill="hold">
+                            <p:stCondLst>
+                              <p:cond delay="2000"/>
+                            </p:stCondLst>
+                            <p:childTnLst>
+                              <p:par>
+                                <p:cTn id="21" presetID="10" presetClass="entr" presetSubtype="0" fill="hold" grpId="0" nodeType="afterEffect">
+                                  <p:stCondLst>
+                                    <p:cond delay="0"/>
+                                  </p:stCondLst>
+                                  <p:childTnLst>
+                                    <p:set>
+                                      <p:cBhvr>
+                                        <p:cTn id="22" dur="1" fill="hold">
+                                          <p:stCondLst>
+                                            <p:cond delay="0"/>
+                                          </p:stCondLst>
+                                        </p:cTn>
+                                        <p:tgtEl>
+                                          <p:spTgt spid="9">
+                                            <p:txEl>
+                                              <p:pRg st="0" end="0"/>
+                                            </p:txEl>
+                                          </p:spTgt>
+                                        </p:tgtEl>
+                                        <p:attrNameLst>
+                                          <p:attrName>style.visibility</p:attrName>
+                                        </p:attrNameLst>
+                                      </p:cBhvr>
+                                      <p:to>
+                                        <p:strVal val="visible"/>
+                                      </p:to>
+                                    </p:set>
+                                    <p:animEffect transition="in" filter="fade">
+                                      <p:cBhvr>
+                                        <p:cTn id="23" dur="500"/>
+                                        <p:tgtEl>
+                                          <p:spTgt spid="9">
+                                            <p:txEl>
+                                              <p:pRg st="0" end="0"/>
+                                            </p:txEl>
+                                          </p:spTgt>
+                                        </p:tgtEl>
+                                      </p:cBhvr>
+                                    </p:animEffect>
+                                  </p:childTnLst>
+                                </p:cTn>
+                              </p:par>
+                            </p:childTnLst>
+                          </p:cTn>
+                        </p:par>
+                        <p:par>
+                          <p:cTn id="24" fill="hold">
+                            <p:stCondLst>
+                              <p:cond delay="2500"/>
+                            </p:stCondLst>
+                            <p:childTnLst>
+                              <p:par>
+                                <p:cTn id="25" presetID="10" presetClass="entr" presetSubtype="0" fill="hold" grpId="0" nodeType="afterEffect">
+                                  <p:stCondLst>
+                                    <p:cond delay="0"/>
+                                  </p:stCondLst>
+                                  <p:childTnLst>
+                                    <p:set>
+                                      <p:cBhvr>
+                                        <p:cTn id="26" dur="1" fill="hold">
+                                          <p:stCondLst>
+                                            <p:cond delay="0"/>
+                                          </p:stCondLst>
+                                        </p:cTn>
+                                        <p:tgtEl>
+                                          <p:spTgt spid="6">
+                                            <p:bg/>
+                                          </p:spTgt>
+                                        </p:tgtEl>
+                                        <p:attrNameLst>
+                                          <p:attrName>style.visibility</p:attrName>
+                                        </p:attrNameLst>
+                                      </p:cBhvr>
+                                      <p:to>
+                                        <p:strVal val="visible"/>
+                                      </p:to>
+                                    </p:set>
+                                    <p:animEffect transition="in" filter="fade">
+                                      <p:cBhvr>
+                                        <p:cTn id="27" dur="500"/>
+                                        <p:tgtEl>
+                                          <p:spTgt spid="6">
+                                            <p:bg/>
+                                          </p:spTgt>
+                                        </p:tgtEl>
+                                      </p:cBhvr>
+                                    </p:animEffect>
+                                  </p:childTnLst>
+                                </p:cTn>
+                              </p:par>
+                            </p:childTnLst>
+                          </p:cTn>
+                        </p:par>
+                        <p:par>
+                          <p:cTn id="28" fill="hold">
+                            <p:stCondLst>
+                              <p:cond delay="3000"/>
+                            </p:stCondLst>
+                            <p:childTnLst>
+                              <p:par>
+                                <p:cTn id="29" presetID="10" presetClass="entr" presetSubtype="0" fill="hold" grpId="0" nodeType="afterEffect">
+                                  <p:stCondLst>
+                                    <p:cond delay="0"/>
+                                  </p:stCondLst>
+                                  <p:childTnLst>
+                                    <p:set>
+                                      <p:cBhvr>
+                                        <p:cTn id="30" dur="1" fill="hold">
+                                          <p:stCondLst>
+                                            <p:cond delay="0"/>
+                                          </p:stCondLst>
+                                        </p:cTn>
+                                        <p:tgtEl>
+                                          <p:spTgt spid="6">
+                                            <p:txEl>
+                                              <p:pRg st="0" end="0"/>
+                                            </p:txEl>
+                                          </p:spTgt>
+                                        </p:tgtEl>
+                                        <p:attrNameLst>
+                                          <p:attrName>style.visibility</p:attrName>
+                                        </p:attrNameLst>
+                                      </p:cBhvr>
+                                      <p:to>
+                                        <p:strVal val="visible"/>
+                                      </p:to>
+                                    </p:set>
+                                    <p:animEffect transition="in" filter="fade">
+                                      <p:cBhvr>
+                                        <p:cTn id="31" dur="500"/>
+                                        <p:tgtEl>
+                                          <p:spTgt spid="6">
+                                            <p:txEl>
+                                              <p:pRg st="0" end="0"/>
+                                            </p:txEl>
+                                          </p:spTgt>
+                                        </p:tgtEl>
+                                      </p:cBhvr>
+                                    </p:animEffect>
+                                  </p:childTnLst>
+                                </p:cTn>
+                              </p:par>
+                            </p:childTnLst>
+                          </p:cTn>
+                        </p:par>
+                        <p:par>
+                          <p:cTn id="32" fill="hold">
+                            <p:stCondLst>
+                              <p:cond delay="3500"/>
+                            </p:stCondLst>
+                            <p:childTnLst>
+                              <p:par>
+                                <p:cTn id="33" presetID="10" presetClass="entr" presetSubtype="0" fill="hold" grpId="0" nodeType="afterEffect">
+                                  <p:stCondLst>
+                                    <p:cond delay="0"/>
+                                  </p:stCondLst>
+                                  <p:childTnLst>
+                                    <p:set>
+                                      <p:cBhvr>
+                                        <p:cTn id="34" dur="1" fill="hold">
+                                          <p:stCondLst>
+                                            <p:cond delay="0"/>
+                                          </p:stCondLst>
+                                        </p:cTn>
+                                        <p:tgtEl>
+                                          <p:spTgt spid="10">
+                                            <p:bg/>
+                                          </p:spTgt>
+                                        </p:tgtEl>
+                                        <p:attrNameLst>
+                                          <p:attrName>style.visibility</p:attrName>
+                                        </p:attrNameLst>
+                                      </p:cBhvr>
+                                      <p:to>
+                                        <p:strVal val="visible"/>
+                                      </p:to>
+                                    </p:set>
+                                    <p:animEffect transition="in" filter="fade">
+                                      <p:cBhvr>
+                                        <p:cTn id="35" dur="500"/>
+                                        <p:tgtEl>
+                                          <p:spTgt spid="10">
+                                            <p:bg/>
+                                          </p:spTgt>
+                                        </p:tgtEl>
+                                      </p:cBhvr>
+                                    </p:animEffect>
+                                  </p:childTnLst>
+                                </p:cTn>
+                              </p:par>
+                            </p:childTnLst>
+                          </p:cTn>
+                        </p:par>
+                        <p:par>
+                          <p:cTn id="36" fill="hold">
+                            <p:stCondLst>
+                              <p:cond delay="4000"/>
+                            </p:stCondLst>
+                            <p:childTnLst>
+                              <p:par>
+                                <p:cTn id="37" presetID="10" presetClass="entr" presetSubtype="0" fill="hold" grpId="0" nodeType="afterEffect">
+                                  <p:stCondLst>
+                                    <p:cond delay="0"/>
+                                  </p:stCondLst>
+                                  <p:childTnLst>
+                                    <p:set>
+                                      <p:cBhvr>
+                                        <p:cTn id="38" dur="1" fill="hold">
+                                          <p:stCondLst>
+                                            <p:cond delay="0"/>
+                                          </p:stCondLst>
+                                        </p:cTn>
+                                        <p:tgtEl>
+                                          <p:spTgt spid="10">
+                                            <p:txEl>
+                                              <p:pRg st="0" end="0"/>
+                                            </p:txEl>
+                                          </p:spTgt>
+                                        </p:tgtEl>
+                                        <p:attrNameLst>
+                                          <p:attrName>style.visibility</p:attrName>
+                                        </p:attrNameLst>
+                                      </p:cBhvr>
+                                      <p:to>
+                                        <p:strVal val="visible"/>
+                                      </p:to>
+                                    </p:set>
+                                    <p:animEffect transition="in" filter="fade">
+                                      <p:cBhvr>
+                                        <p:cTn id="39" dur="500"/>
+                                        <p:tgtEl>
+                                          <p:spTgt spid="10">
+                                            <p:txEl>
+                                              <p:pRg st="0" end="0"/>
+                                            </p:txEl>
+                                          </p:spTgt>
+                                        </p:tgtEl>
+                                      </p:cBhvr>
+                                    </p:animEffect>
+                                  </p:childTnLst>
+                                </p:cTn>
+                              </p:par>
+                            </p:childTnLst>
+                          </p:cTn>
+                        </p:par>
+                        <p:par>
+                          <p:cTn id="40" fill="hold">
+                            <p:stCondLst>
+                              <p:cond delay="4500"/>
+                            </p:stCondLst>
+                            <p:childTnLst>
+                              <p:par>
+                                <p:cTn id="41" presetID="10" presetClass="entr" presetSubtype="0" fill="hold" grpId="0" nodeType="afterEffect">
+                                  <p:stCondLst>
+                                    <p:cond delay="0"/>
+                                  </p:stCondLst>
+                                  <p:childTnLst>
+                                    <p:set>
+                                      <p:cBhvr>
+                                        <p:cTn id="42" dur="1" fill="hold">
+                                          <p:stCondLst>
+                                            <p:cond delay="0"/>
+                                          </p:stCondLst>
+                                        </p:cTn>
+                                        <p:tgtEl>
+                                          <p:spTgt spid="11">
+                                            <p:bg/>
+                                          </p:spTgt>
+                                        </p:tgtEl>
+                                        <p:attrNameLst>
+                                          <p:attrName>style.visibility</p:attrName>
+                                        </p:attrNameLst>
+                                      </p:cBhvr>
+                                      <p:to>
+                                        <p:strVal val="visible"/>
+                                      </p:to>
+                                    </p:set>
+                                    <p:animEffect transition="in" filter="fade">
+                                      <p:cBhvr>
+                                        <p:cTn id="43" dur="500"/>
+                                        <p:tgtEl>
+                                          <p:spTgt spid="11">
+                                            <p:bg/>
+                                          </p:spTgt>
+                                        </p:tgtEl>
+                                      </p:cBhvr>
+                                    </p:animEffect>
+                                  </p:childTnLst>
+                                </p:cTn>
+                              </p:par>
+                            </p:childTnLst>
+                          </p:cTn>
+                        </p:par>
+                        <p:par>
+                          <p:cTn id="44" fill="hold">
+                            <p:stCondLst>
+                              <p:cond delay="5000"/>
+                            </p:stCondLst>
+                            <p:childTnLst>
+                              <p:par>
+                                <p:cTn id="45" presetID="10" presetClass="entr" presetSubtype="0" fill="hold" grpId="0" nodeType="afterEffect">
+                                  <p:stCondLst>
+                                    <p:cond delay="0"/>
+                                  </p:stCondLst>
+                                  <p:childTnLst>
+                                    <p:set>
+                                      <p:cBhvr>
+                                        <p:cTn id="46" dur="1" fill="hold">
+                                          <p:stCondLst>
+                                            <p:cond delay="0"/>
+                                          </p:stCondLst>
+                                        </p:cTn>
+                                        <p:tgtEl>
+                                          <p:spTgt spid="11">
+                                            <p:txEl>
+                                              <p:pRg st="0" end="0"/>
+                                            </p:txEl>
+                                          </p:spTgt>
+                                        </p:tgtEl>
+                                        <p:attrNameLst>
+                                          <p:attrName>style.visibility</p:attrName>
+                                        </p:attrNameLst>
+                                      </p:cBhvr>
+                                      <p:to>
+                                        <p:strVal val="visible"/>
+                                      </p:to>
+                                    </p:set>
+                                    <p:animEffect transition="in" filter="fade">
+                                      <p:cBhvr>
+                                        <p:cTn id="47" dur="500"/>
+                                        <p:tgtEl>
+                                          <p:spTgt spid="11">
+                                            <p:txEl>
+                                              <p:pRg st="0" end="0"/>
+                                            </p:txEl>
+                                          </p:spTgt>
+                                        </p:tgtEl>
+                                      </p:cBhvr>
+                                    </p:animEffect>
+                                  </p:childTnLst>
+                                </p:cTn>
+                              </p:par>
+                            </p:childTnLst>
+                          </p:cTn>
+                        </p:par>
+                      </p:childTnLst>
+                    </p:cTn>
+                  </p:par>
+                </p:childTnLst>
+              </p:cTn>
+              <p:prevCondLst>
+                <p:cond evt="onPrev" delay="0">
+                  <p:tgtEl>
+                    <p:sldTgt/>
+                  </p:tgtEl>
+                </p:cond>
+              </p:prevCondLst>
+              <p:nextCondLst>
+                <p:cond evt="onNext" delay="0">
+                  <p:tgtEl>
+                    <p:sldTgt/>
+                  </p:tgtEl>
+                </p:cond>
+              </p:nextCondLst>
+            </p:seq>
+          </p:childTnLst>
+        </p:cTn>
+      </p:par>
+    </p:tnLst>
+    <p:bldLst>
+      <p:bldP spid="2" grpId="0"/>
+      <p:bldP spid="5" grpId="0" build="p" animBg="1"/>
+      <p:bldP spid="6" grpId="0" build="p" animBg="1"/>
+      <p:bldP spid="9" grpId="0" build="p" animBg="1"/>
+      <p:bldP spid="10" grpId="0" build="p" animBg="1"/>
+      <p:bldP spid="11" grpId="0" build="p" animBg="1"/>
+    </p:bldLst>
+  </p:timing>
+</p:sld>
+</file>
+
+<file path=ppt/slides/slide11.xml><?xml version="1.0" encoding="utf-8"?>
+<p:sld xmlns:a="http://schemas.openxmlformats.org/drawingml/2006/main" xmlns:r="http://schemas.openxmlformats.org/officeDocument/2006/relationships" xmlns:p="http://schemas.openxmlformats.org/presentationml/2006/main">
+  <p:cSld>
+    <p:spTree>
+      <p:nvGrpSpPr>
+        <p:cNvPr id="1" name=""/>
+        <p:cNvGrpSpPr/>
+        <p:nvPr/>
+      </p:nvGrpSpPr>
+      <p:grpSpPr>
+        <a:xfrm>
+          <a:off x="0" y="0"/>
+          <a:ext cx="0" cy="0"/>
+          <a:chOff x="0" y="0"/>
+          <a:chExt cx="0" cy="0"/>
+        </a:xfrm>
+      </p:grpSpPr>
+      <p:sp>
+        <p:nvSpPr>
+          <p:cNvPr id="2" name="Titel 1">
+            <a:extLst>
+              <a:ext uri="{FF2B5EF4-FFF2-40B4-BE49-F238E27FC236}">
+                <a16:creationId xmlns:a16="http://schemas.microsoft.com/office/drawing/2014/main" id="{8863E4F2-E5EC-43C5-B897-8C27EEEE8811}"/>
+              </a:ext>
+            </a:extLst>
+          </p:cNvPr>
+          <p:cNvSpPr>
+            <a:spLocks noGrp="1"/>
+          </p:cNvSpPr>
+          <p:nvPr>
+            <p:ph type="title"/>
+          </p:nvPr>
+        </p:nvSpPr>
+        <p:spPr>
+          <a:xfrm>
+            <a:off x="2151992" y="204952"/>
+            <a:ext cx="10040008" cy="362606"/>
+          </a:xfrm>
+        </p:spPr>
+        <p:txBody>
+          <a:bodyPr>
+            <a:noAutofit/>
+          </a:bodyPr>
+          <a:lstStyle/>
+          <a:p>
+            <a:pPr algn="ctr"/>
+            <a:r>
+              <a:rPr lang="de-DE" sz="2400" dirty="0" err="1">
+                <a:solidFill>
+                  <a:schemeClr val="bg1">
+                    <a:lumMod val="85000"/>
+                    <a:lumOff val="15000"/>
+                  </a:schemeClr>
+                </a:solidFill>
+                <a:effectLst>
+                  <a:reflection blurRad="6350" stA="60000" endA="900" endPos="60000" dist="29997" dir="5400000" sy="-100000" algn="bl" rotWithShape="0"/>
+                </a:effectLst>
+                <a:latin typeface="Corbel Light" panose="020B0303020204020204" pitchFamily="34" charset="0"/>
+              </a:rPr>
+              <a:t>Arduino&amp;</a:t>
+            </a:r>
+            <a:r>
+              <a:rPr lang="de-DE" sz="2400" spc="250" dirty="0" err="1">
+                <a:solidFill>
+                  <a:schemeClr val="bg1">
+                    <a:lumMod val="85000"/>
+                    <a:lumOff val="15000"/>
+                  </a:schemeClr>
+                </a:solidFill>
+                <a:effectLst>
+                  <a:reflection blurRad="6350" stA="60000" endA="900" endPos="60000" dist="29997" dir="5400000" sy="-100000" algn="bl" rotWithShape="0"/>
+                </a:effectLst>
+                <a:latin typeface="Corbel Light" panose="020B0303020204020204" pitchFamily="34" charset="0"/>
+              </a:rPr>
+              <a:t>Sensorik</a:t>
+            </a:r>
+            <a:r>
+              <a:rPr lang="de-DE" sz="2400" spc="250" dirty="0" err="1">
+                <a:effectLst>
+                  <a:reflection blurRad="6350" stA="60000" endA="900" endPos="60000" dist="29997" dir="5400000" sy="-100000" algn="bl" rotWithShape="0"/>
+                </a:effectLst>
+                <a:latin typeface="Corbel Light" panose="020B0303020204020204" pitchFamily="34" charset="0"/>
+              </a:rPr>
+              <a:t>Kommunikation</a:t>
+            </a:r>
+            <a:r>
+              <a:rPr lang="de-DE" sz="2400" spc="250" dirty="0" err="1">
+                <a:solidFill>
+                  <a:schemeClr val="bg1">
+                    <a:lumMod val="85000"/>
+                    <a:lumOff val="15000"/>
+                  </a:schemeClr>
+                </a:solidFill>
+                <a:effectLst>
+                  <a:reflection blurRad="6350" stA="60000" endA="900" endPos="60000" dist="29997" dir="5400000" sy="-100000" algn="bl" rotWithShape="0"/>
+                </a:effectLst>
+                <a:latin typeface="Corbel Light" panose="020B0303020204020204" pitchFamily="34" charset="0"/>
+              </a:rPr>
+              <a:t>BackendVisualisierungRoboNova</a:t>
+            </a:r>
+            <a:endParaRPr lang="de-DE" sz="2400" spc="250" dirty="0">
+              <a:solidFill>
+                <a:schemeClr val="bg1">
+                  <a:lumMod val="85000"/>
+                  <a:lumOff val="15000"/>
+                </a:schemeClr>
+              </a:solidFill>
+              <a:effectLst>
+                <a:reflection blurRad="6350" stA="60000" endA="900" endPos="60000" dist="29997" dir="5400000" sy="-100000" algn="bl" rotWithShape="0"/>
+              </a:effectLst>
+              <a:latin typeface="Corbel Light" panose="020B0303020204020204" pitchFamily="34" charset="0"/>
+            </a:endParaRPr>
+          </a:p>
+        </p:txBody>
+      </p:sp>
+      <p:sp>
+        <p:nvSpPr>
+          <p:cNvPr id="8" name="Textfeld 7">
+            <a:extLst>
+              <a:ext uri="{FF2B5EF4-FFF2-40B4-BE49-F238E27FC236}">
+                <a16:creationId xmlns:a16="http://schemas.microsoft.com/office/drawing/2014/main" id="{53AE0C01-BA48-4AC0-9A6A-878E7B5942C9}"/>
+              </a:ext>
+            </a:extLst>
+          </p:cNvPr>
+          <p:cNvSpPr txBox="1"/>
+          <p:nvPr/>
+        </p:nvSpPr>
+        <p:spPr>
+          <a:xfrm>
+            <a:off x="140980" y="124645"/>
+            <a:ext cx="2011013" cy="523220"/>
+          </a:xfrm>
+          <a:prstGeom prst="rect">
+            <a:avLst/>
+          </a:prstGeom>
+          <a:noFill/>
+          <a:ln w="57150">
+            <a:solidFill>
+              <a:schemeClr val="tx1"/>
+            </a:solidFill>
+          </a:ln>
+        </p:spPr>
+        <p:txBody>
+          <a:bodyPr wrap="square" rtlCol="0">
+            <a:spAutoFit/>
+          </a:bodyPr>
+          <a:lstStyle>
+            <a:defPPr>
+              <a:defRPr lang="de-DE"/>
+            </a:defPPr>
+            <a:lvl1pPr>
+              <a:defRPr>
+                <a:latin typeface="Corbel Light" panose="020B0303020204020204" pitchFamily="34" charset="0"/>
+              </a:defRPr>
+            </a:lvl1pPr>
+          </a:lstStyle>
+          <a:p>
+            <a:pPr algn="ctr"/>
+            <a:r>
+              <a:rPr lang="de-DE" sz="2800" dirty="0"/>
+              <a:t>RoboMirror</a:t>
+            </a:r>
+          </a:p>
+        </p:txBody>
+      </p:sp>
+      <p:sp>
+        <p:nvSpPr>
+          <p:cNvPr id="7" name="Textfeld 6">
+            <a:extLst>
+              <a:ext uri="{FF2B5EF4-FFF2-40B4-BE49-F238E27FC236}">
+                <a16:creationId xmlns:a16="http://schemas.microsoft.com/office/drawing/2014/main" id="{B6462147-A034-401F-8F23-038091BD374F}"/>
+              </a:ext>
+            </a:extLst>
+          </p:cNvPr>
+          <p:cNvSpPr txBox="1"/>
+          <p:nvPr/>
+        </p:nvSpPr>
+        <p:spPr>
+          <a:xfrm>
+            <a:off x="0" y="3044279"/>
+            <a:ext cx="12192000" cy="769441"/>
+          </a:xfrm>
+          <a:prstGeom prst="rect">
+            <a:avLst/>
+          </a:prstGeom>
+          <a:noFill/>
+        </p:spPr>
+        <p:txBody>
+          <a:bodyPr wrap="square" rtlCol="0">
+            <a:spAutoFit/>
+          </a:bodyPr>
+          <a:lstStyle/>
+          <a:p>
+            <a:pPr algn="ctr"/>
+            <a:r>
+              <a:rPr lang="de-DE" sz="4400" spc="600" dirty="0">
+                <a:solidFill>
+                  <a:schemeClr val="bg1">
+                    <a:lumMod val="95000"/>
+                    <a:lumOff val="5000"/>
+                  </a:schemeClr>
+                </a:solidFill>
+                <a:latin typeface="Corbel Light" panose="020B0303020204020204" pitchFamily="34" charset="0"/>
+              </a:rPr>
+              <a:t>Raspberry Pi ↔</a:t>
+            </a:r>
+            <a:r>
+              <a:rPr lang="de-DE" sz="4400" spc="600" dirty="0" err="1">
+                <a:solidFill>
+                  <a:schemeClr val="bg1">
+                    <a:lumMod val="95000"/>
+                    <a:lumOff val="5000"/>
+                  </a:schemeClr>
+                </a:solidFill>
+                <a:latin typeface="Corbel Light" panose="020B0303020204020204" pitchFamily="34" charset="0"/>
+              </a:rPr>
+              <a:t>RoboNova</a:t>
+            </a:r>
+            <a:endParaRPr lang="de-DE" sz="4400" spc="600" dirty="0">
+              <a:solidFill>
+                <a:schemeClr val="bg1">
+                  <a:lumMod val="95000"/>
+                  <a:lumOff val="5000"/>
+                </a:schemeClr>
+              </a:solidFill>
+              <a:latin typeface="Corbel Light" panose="020B0303020204020204" pitchFamily="34" charset="0"/>
+            </a:endParaRPr>
+          </a:p>
+        </p:txBody>
+      </p:sp>
+      <p:sp>
+        <p:nvSpPr>
+          <p:cNvPr id="11" name="Textfeld 10">
+            <a:extLst>
+              <a:ext uri="{FF2B5EF4-FFF2-40B4-BE49-F238E27FC236}">
+                <a16:creationId xmlns:a16="http://schemas.microsoft.com/office/drawing/2014/main" id="{7012552E-2A48-4B97-9EEC-240E530F987D}"/>
+              </a:ext>
+            </a:extLst>
+          </p:cNvPr>
+          <p:cNvSpPr txBox="1"/>
+          <p:nvPr/>
+        </p:nvSpPr>
+        <p:spPr>
+          <a:xfrm>
+            <a:off x="4143375" y="1122797"/>
+            <a:ext cx="3905250" cy="1446550"/>
+          </a:xfrm>
+          <a:prstGeom prst="rect">
+            <a:avLst/>
+          </a:prstGeom>
+          <a:noFill/>
+          <a:ln w="12700">
+            <a:solidFill>
+              <a:schemeClr val="tx1"/>
+            </a:solidFill>
+          </a:ln>
+        </p:spPr>
+        <p:txBody>
+          <a:bodyPr wrap="square" rtlCol="0">
+            <a:spAutoFit/>
+          </a:bodyPr>
+          <a:lstStyle/>
+          <a:p>
+            <a:pPr algn="ctr"/>
+            <a:r>
+              <a:rPr lang="de-DE" sz="4400" spc="600" dirty="0">
+                <a:latin typeface="Corbel Light" panose="020B0303020204020204" pitchFamily="34" charset="0"/>
+              </a:rPr>
+              <a:t>ESP 8266 Wifi-Modul</a:t>
+            </a:r>
+          </a:p>
+        </p:txBody>
+      </p:sp>
+    </p:spTree>
+    <p:extLst>
+      <p:ext uri="{BB962C8B-B14F-4D97-AF65-F5344CB8AC3E}">
+        <p14:creationId xmlns:p14="http://schemas.microsoft.com/office/powerpoint/2010/main" val="2929307450"/>
+      </p:ext>
+    </p:extLst>
+  </p:cSld>
+  <p:clrMapOvr>
+    <a:masterClrMapping/>
+  </p:clrMapOvr>
+  <p:transition spd="slow">
+    <p:push dir="u"/>
+  </p:transition>
+  <p:timing>
+    <p:tnLst>
+      <p:par>
+        <p:cTn id="1" dur="indefinite" restart="never" nodeType="tmRoot">
+          <p:childTnLst>
+            <p:seq concurrent="1" nextAc="seek">
+              <p:cTn id="2" dur="indefinite" nodeType="mainSeq">
+                <p:childTnLst>
+                  <p:par>
+                    <p:cTn id="3" fill="hold">
+                      <p:stCondLst>
+                        <p:cond delay="indefinite"/>
+                        <p:cond evt="onBegin" delay="0">
+                          <p:tn val="2"/>
+                        </p:cond>
+                      </p:stCondLst>
+                      <p:childTnLst>
+                        <p:par>
+                          <p:cTn id="4" fill="hold">
+                            <p:stCondLst>
+                              <p:cond delay="0"/>
+                            </p:stCondLst>
+                            <p:childTnLst>
+                              <p:par>
+                                <p:cTn id="5" presetID="10" presetClass="entr" presetSubtype="0" fill="hold" grpId="0" nodeType="withEffect">
+                                  <p:stCondLst>
+                                    <p:cond delay="0"/>
+                                  </p:stCondLst>
+                                  <p:childTnLst>
+                                    <p:set>
+                                      <p:cBhvr>
+                                        <p:cTn id="6" dur="1" fill="hold">
+                                          <p:stCondLst>
+                                            <p:cond delay="0"/>
+                                          </p:stCondLst>
+                                        </p:cTn>
+                                        <p:tgtEl>
+                                          <p:spTgt spid="2"/>
+                                        </p:tgtEl>
+                                        <p:attrNameLst>
+                                          <p:attrName>style.visibility</p:attrName>
+                                        </p:attrNameLst>
+                                      </p:cBhvr>
+                                      <p:to>
+                                        <p:strVal val="visible"/>
+                                      </p:to>
+                                    </p:set>
+                                    <p:animEffect transition="in" filter="fade">
+                                      <p:cBhvr>
+                                        <p:cTn id="7" dur="500"/>
+                                        <p:tgtEl>
+                                          <p:spTgt spid="2"/>
+                                        </p:tgtEl>
+                                      </p:cBhvr>
+                                    </p:animEffect>
+                                  </p:childTnLst>
+                                </p:cTn>
+                              </p:par>
+                              <p:par>
+                                <p:cTn id="8" presetID="22" presetClass="entr" presetSubtype="8" fill="hold" grpId="0" nodeType="withEffect">
+                                  <p:stCondLst>
+                                    <p:cond delay="0"/>
+                                  </p:stCondLst>
+                                  <p:childTnLst>
+                                    <p:set>
+                                      <p:cBhvr>
+                                        <p:cTn id="9" dur="1" fill="hold">
+                                          <p:stCondLst>
+                                            <p:cond delay="0"/>
+                                          </p:stCondLst>
+                                        </p:cTn>
+                                        <p:tgtEl>
+                                          <p:spTgt spid="7"/>
+                                        </p:tgtEl>
+                                        <p:attrNameLst>
+                                          <p:attrName>style.visibility</p:attrName>
+                                        </p:attrNameLst>
+                                      </p:cBhvr>
+                                      <p:to>
+                                        <p:strVal val="visible"/>
+                                      </p:to>
+                                    </p:set>
+                                    <p:animEffect transition="in" filter="wipe(left)">
+                                      <p:cBhvr>
+                                        <p:cTn id="10" dur="500"/>
+                                        <p:tgtEl>
+                                          <p:spTgt spid="7"/>
+                                        </p:tgtEl>
+                                      </p:cBhvr>
+                                    </p:animEffect>
+                                  </p:childTnLst>
+                                </p:cTn>
+                              </p:par>
+                            </p:childTnLst>
+                          </p:cTn>
+                        </p:par>
+                        <p:par>
+                          <p:cTn id="11" fill="hold">
+                            <p:stCondLst>
+                              <p:cond delay="500"/>
+                            </p:stCondLst>
+                            <p:childTnLst>
+                              <p:par>
+                                <p:cTn id="12" presetID="10" presetClass="entr" presetSubtype="0" fill="hold" grpId="0" nodeType="afterEffect">
+                                  <p:stCondLst>
+                                    <p:cond delay="250"/>
+                                  </p:stCondLst>
+                                  <p:childTnLst>
+                                    <p:set>
+                                      <p:cBhvr>
+                                        <p:cTn id="13" dur="1" fill="hold">
+                                          <p:stCondLst>
+                                            <p:cond delay="0"/>
+                                          </p:stCondLst>
+                                        </p:cTn>
+                                        <p:tgtEl>
+                                          <p:spTgt spid="11"/>
+                                        </p:tgtEl>
+                                        <p:attrNameLst>
+                                          <p:attrName>style.visibility</p:attrName>
+                                        </p:attrNameLst>
+                                      </p:cBhvr>
+                                      <p:to>
+                                        <p:strVal val="visible"/>
+                                      </p:to>
+                                    </p:set>
+                                    <p:animEffect transition="in" filter="fade">
+                                      <p:cBhvr>
+                                        <p:cTn id="14" dur="500"/>
+                                        <p:tgtEl>
+                                          <p:spTgt spid="11"/>
+                                        </p:tgtEl>
+                                      </p:cBhvr>
+                                    </p:animEffect>
+                                  </p:childTnLst>
+                                </p:cTn>
+                              </p:par>
+                            </p:childTnLst>
+                          </p:cTn>
+                        </p:par>
+                      </p:childTnLst>
+                    </p:cTn>
+                  </p:par>
+                </p:childTnLst>
+              </p:cTn>
+              <p:prevCondLst>
+                <p:cond evt="onPrev" delay="0">
+                  <p:tgtEl>
+                    <p:sldTgt/>
+                  </p:tgtEl>
+                </p:cond>
+              </p:prevCondLst>
+              <p:nextCondLst>
+                <p:cond evt="onNext" delay="0">
+                  <p:tgtEl>
+                    <p:sldTgt/>
+                  </p:tgtEl>
+                </p:cond>
+              </p:nextCondLst>
+            </p:seq>
+          </p:childTnLst>
+        </p:cTn>
+      </p:par>
+    </p:tnLst>
+    <p:bldLst>
+      <p:bldP spid="2" grpId="0"/>
+      <p:bldP spid="7" grpId="0"/>
+      <p:bldP spid="11" grpId="0" animBg="1"/>
+    </p:bldLst>
+  </p:timing>
+</p:sld>
+</file>
+
+<file path=ppt/slides/slide12.xml><?xml version="1.0" encoding="utf-8"?>
+<p:sld xmlns:a="http://schemas.openxmlformats.org/drawingml/2006/main" xmlns:r="http://schemas.openxmlformats.org/officeDocument/2006/relationships" xmlns:p="http://schemas.openxmlformats.org/presentationml/2006/main">
+  <p:cSld>
+    <p:spTree>
+      <p:nvGrpSpPr>
+        <p:cNvPr id="1" name=""/>
+        <p:cNvGrpSpPr/>
+        <p:nvPr/>
+      </p:nvGrpSpPr>
+      <p:grpSpPr>
+        <a:xfrm>
+          <a:off x="0" y="0"/>
+          <a:ext cx="0" cy="0"/>
+          <a:chOff x="0" y="0"/>
+          <a:chExt cx="0" cy="0"/>
+        </a:xfrm>
+      </p:grpSpPr>
+      <p:sp>
+        <p:nvSpPr>
+          <p:cNvPr id="2" name="Titel 1">
+            <a:extLst>
+              <a:ext uri="{FF2B5EF4-FFF2-40B4-BE49-F238E27FC236}">
+                <a16:creationId xmlns:a16="http://schemas.microsoft.com/office/drawing/2014/main" id="{8863E4F2-E5EC-43C5-B897-8C27EEEE8811}"/>
+              </a:ext>
+            </a:extLst>
+          </p:cNvPr>
+          <p:cNvSpPr>
+            <a:spLocks noGrp="1"/>
+          </p:cNvSpPr>
+          <p:nvPr>
+            <p:ph type="title"/>
+          </p:nvPr>
+        </p:nvSpPr>
+        <p:spPr>
+          <a:xfrm>
+            <a:off x="2151992" y="204952"/>
+            <a:ext cx="10040008" cy="362606"/>
+          </a:xfrm>
+        </p:spPr>
+        <p:txBody>
+          <a:bodyPr>
+            <a:noAutofit/>
+          </a:bodyPr>
+          <a:lstStyle/>
+          <a:p>
+            <a:pPr algn="ctr"/>
+            <a:r>
+              <a:rPr lang="de-DE" sz="2400" dirty="0" err="1">
+                <a:solidFill>
+                  <a:schemeClr val="bg1">
+                    <a:lumMod val="85000"/>
+                    <a:lumOff val="15000"/>
+                  </a:schemeClr>
+                </a:solidFill>
+                <a:effectLst>
+                  <a:reflection blurRad="6350" stA="60000" endA="900" endPos="60000" dist="29997" dir="5400000" sy="-100000" algn="bl" rotWithShape="0"/>
+                </a:effectLst>
+                <a:latin typeface="Corbel Light" panose="020B0303020204020204" pitchFamily="34" charset="0"/>
+              </a:rPr>
+              <a:t>Arduino&amp;</a:t>
+            </a:r>
+            <a:r>
+              <a:rPr lang="de-DE" sz="2400" spc="250" dirty="0" err="1">
+                <a:solidFill>
+                  <a:schemeClr val="bg1">
+                    <a:lumMod val="85000"/>
+                    <a:lumOff val="15000"/>
+                  </a:schemeClr>
+                </a:solidFill>
+                <a:effectLst>
+                  <a:reflection blurRad="6350" stA="60000" endA="900" endPos="60000" dist="29997" dir="5400000" sy="-100000" algn="bl" rotWithShape="0"/>
+                </a:effectLst>
+                <a:latin typeface="Corbel Light" panose="020B0303020204020204" pitchFamily="34" charset="0"/>
+              </a:rPr>
+              <a:t>Sensorik</a:t>
+            </a:r>
+            <a:r>
+              <a:rPr lang="de-DE" sz="2400" spc="250" dirty="0" err="1">
+                <a:effectLst>
+                  <a:reflection blurRad="6350" stA="60000" endA="900" endPos="60000" dist="29997" dir="5400000" sy="-100000" algn="bl" rotWithShape="0"/>
+                </a:effectLst>
+                <a:latin typeface="Corbel Light" panose="020B0303020204020204" pitchFamily="34" charset="0"/>
+              </a:rPr>
+              <a:t>Kommunikation</a:t>
+            </a:r>
+            <a:r>
+              <a:rPr lang="de-DE" sz="2400" spc="250" dirty="0" err="1">
+                <a:solidFill>
+                  <a:schemeClr val="bg1">
+                    <a:lumMod val="85000"/>
+                    <a:lumOff val="15000"/>
+                  </a:schemeClr>
+                </a:solidFill>
+                <a:effectLst>
+                  <a:reflection blurRad="6350" stA="60000" endA="900" endPos="60000" dist="29997" dir="5400000" sy="-100000" algn="bl" rotWithShape="0"/>
+                </a:effectLst>
+                <a:latin typeface="Corbel Light" panose="020B0303020204020204" pitchFamily="34" charset="0"/>
+              </a:rPr>
+              <a:t>BackendVisualisierungRoboNova</a:t>
+            </a:r>
+            <a:endParaRPr lang="de-DE" sz="2400" spc="250" dirty="0">
+              <a:solidFill>
+                <a:schemeClr val="bg1">
+                  <a:lumMod val="85000"/>
+                  <a:lumOff val="15000"/>
+                </a:schemeClr>
+              </a:solidFill>
+              <a:effectLst>
+                <a:reflection blurRad="6350" stA="60000" endA="900" endPos="60000" dist="29997" dir="5400000" sy="-100000" algn="bl" rotWithShape="0"/>
+              </a:effectLst>
+              <a:latin typeface="Corbel Light" panose="020B0303020204020204" pitchFamily="34" charset="0"/>
+            </a:endParaRPr>
+          </a:p>
+        </p:txBody>
+      </p:sp>
+      <p:sp>
+        <p:nvSpPr>
+          <p:cNvPr id="8" name="Textfeld 7">
+            <a:extLst>
+              <a:ext uri="{FF2B5EF4-FFF2-40B4-BE49-F238E27FC236}">
+                <a16:creationId xmlns:a16="http://schemas.microsoft.com/office/drawing/2014/main" id="{53AE0C01-BA48-4AC0-9A6A-878E7B5942C9}"/>
+              </a:ext>
+            </a:extLst>
+          </p:cNvPr>
+          <p:cNvSpPr txBox="1"/>
+          <p:nvPr/>
+        </p:nvSpPr>
+        <p:spPr>
+          <a:xfrm>
+            <a:off x="140980" y="124645"/>
+            <a:ext cx="2011013" cy="523220"/>
+          </a:xfrm>
+          <a:prstGeom prst="rect">
+            <a:avLst/>
+          </a:prstGeom>
+          <a:noFill/>
+          <a:ln w="57150">
+            <a:solidFill>
+              <a:schemeClr val="tx1"/>
+            </a:solidFill>
+          </a:ln>
+        </p:spPr>
+        <p:txBody>
+          <a:bodyPr wrap="square" rtlCol="0">
+            <a:spAutoFit/>
+          </a:bodyPr>
+          <a:lstStyle>
+            <a:defPPr>
+              <a:defRPr lang="de-DE"/>
+            </a:defPPr>
+            <a:lvl1pPr>
+              <a:defRPr>
+                <a:latin typeface="Corbel Light" panose="020B0303020204020204" pitchFamily="34" charset="0"/>
+              </a:defRPr>
+            </a:lvl1pPr>
+          </a:lstStyle>
+          <a:p>
+            <a:pPr algn="ctr"/>
+            <a:r>
+              <a:rPr lang="de-DE" sz="2800" dirty="0"/>
+              <a:t>RoboMirror</a:t>
+            </a:r>
+          </a:p>
+        </p:txBody>
+      </p:sp>
+      <p:sp>
+        <p:nvSpPr>
+          <p:cNvPr id="7" name="Textfeld 6">
+            <a:extLst>
+              <a:ext uri="{FF2B5EF4-FFF2-40B4-BE49-F238E27FC236}">
+                <a16:creationId xmlns:a16="http://schemas.microsoft.com/office/drawing/2014/main" id="{B6462147-A034-401F-8F23-038091BD374F}"/>
+              </a:ext>
+            </a:extLst>
+          </p:cNvPr>
+          <p:cNvSpPr txBox="1"/>
+          <p:nvPr/>
+        </p:nvSpPr>
+        <p:spPr>
+          <a:xfrm>
             <a:off x="0" y="1012279"/>
             <a:ext cx="12192000" cy="769441"/>
           </a:xfrm>
@@ -3368,6 +4880,196 @@
                 <a:latin typeface="Corbel Light" panose="020B0303020204020204" pitchFamily="34" charset="0"/>
               </a:rPr>
               <a:t>ESP 8266</a:t>
+            </a:r>
+          </a:p>
+        </p:txBody>
+      </p:sp>
+      <p:sp>
+        <p:nvSpPr>
+          <p:cNvPr id="5" name="Textfeld 4">
+            <a:extLst>
+              <a:ext uri="{FF2B5EF4-FFF2-40B4-BE49-F238E27FC236}">
+                <a16:creationId xmlns:a16="http://schemas.microsoft.com/office/drawing/2014/main" id="{0C3813D8-C576-45F4-B717-233E6D3F6672}"/>
+              </a:ext>
+            </a:extLst>
+          </p:cNvPr>
+          <p:cNvSpPr txBox="1"/>
+          <p:nvPr/>
+        </p:nvSpPr>
+        <p:spPr>
+          <a:xfrm>
+            <a:off x="3133323" y="1964831"/>
+            <a:ext cx="5925353" cy="523220"/>
+          </a:xfrm>
+          <a:prstGeom prst="rect">
+            <a:avLst/>
+          </a:prstGeom>
+          <a:noFill/>
+          <a:ln>
+            <a:solidFill>
+              <a:schemeClr val="tx1"/>
+            </a:solidFill>
+          </a:ln>
+        </p:spPr>
+        <p:txBody>
+          <a:bodyPr wrap="square" rtlCol="0">
+            <a:spAutoFit/>
+          </a:bodyPr>
+          <a:lstStyle/>
+          <a:p>
+            <a:pPr algn="ctr"/>
+            <a:r>
+              <a:rPr lang="de-DE" sz="2800" dirty="0">
+                <a:latin typeface="Corbel Light" panose="020B0303020204020204" pitchFamily="34" charset="0"/>
+              </a:rPr>
+              <a:t>Anschluss und </a:t>
+            </a:r>
+            <a:r>
+              <a:rPr lang="de-DE" sz="2800" dirty="0" err="1">
+                <a:latin typeface="Corbel Light" panose="020B0303020204020204" pitchFamily="34" charset="0"/>
+              </a:rPr>
+              <a:t>Flashen</a:t>
+            </a:r>
+            <a:r>
+              <a:rPr lang="de-DE" sz="2800" dirty="0">
+                <a:latin typeface="Corbel Light" panose="020B0303020204020204" pitchFamily="34" charset="0"/>
+              </a:rPr>
+              <a:t> über Arduino Uno</a:t>
+            </a:r>
+          </a:p>
+        </p:txBody>
+      </p:sp>
+      <p:sp>
+        <p:nvSpPr>
+          <p:cNvPr id="6" name="Textfeld 5">
+            <a:extLst>
+              <a:ext uri="{FF2B5EF4-FFF2-40B4-BE49-F238E27FC236}">
+                <a16:creationId xmlns:a16="http://schemas.microsoft.com/office/drawing/2014/main" id="{9114C55E-8AD8-496A-B97E-E10B5488A59A}"/>
+              </a:ext>
+            </a:extLst>
+          </p:cNvPr>
+          <p:cNvSpPr txBox="1"/>
+          <p:nvPr/>
+        </p:nvSpPr>
+        <p:spPr>
+          <a:xfrm>
+            <a:off x="3268728" y="2671162"/>
+            <a:ext cx="5654542" cy="523220"/>
+          </a:xfrm>
+          <a:prstGeom prst="rect">
+            <a:avLst/>
+          </a:prstGeom>
+          <a:noFill/>
+          <a:ln>
+            <a:solidFill>
+              <a:schemeClr val="tx1"/>
+            </a:solidFill>
+          </a:ln>
+        </p:spPr>
+        <p:txBody>
+          <a:bodyPr wrap="square" rtlCol="0">
+            <a:spAutoFit/>
+          </a:bodyPr>
+          <a:lstStyle/>
+          <a:p>
+            <a:pPr algn="ctr"/>
+            <a:r>
+              <a:rPr lang="de-DE" sz="2800" dirty="0">
+                <a:latin typeface="Corbel Light" panose="020B0303020204020204" pitchFamily="34" charset="0"/>
+              </a:rPr>
+              <a:t>Einrichten der Entwicklungsumgebung</a:t>
+            </a:r>
+          </a:p>
+        </p:txBody>
+      </p:sp>
+      <p:sp>
+        <p:nvSpPr>
+          <p:cNvPr id="9" name="Textfeld 8">
+            <a:extLst>
+              <a:ext uri="{FF2B5EF4-FFF2-40B4-BE49-F238E27FC236}">
+                <a16:creationId xmlns:a16="http://schemas.microsoft.com/office/drawing/2014/main" id="{6750E332-9F44-4EDF-B1B5-EA99525854FA}"/>
+              </a:ext>
+            </a:extLst>
+          </p:cNvPr>
+          <p:cNvSpPr txBox="1"/>
+          <p:nvPr/>
+        </p:nvSpPr>
+        <p:spPr>
+          <a:xfrm>
+            <a:off x="3630001" y="3377493"/>
+            <a:ext cx="4931996" cy="523220"/>
+          </a:xfrm>
+          <a:prstGeom prst="rect">
+            <a:avLst/>
+          </a:prstGeom>
+          <a:noFill/>
+          <a:ln>
+            <a:solidFill>
+              <a:schemeClr val="tx1"/>
+            </a:solidFill>
+          </a:ln>
+        </p:spPr>
+        <p:txBody>
+          <a:bodyPr wrap="square" rtlCol="0">
+            <a:spAutoFit/>
+          </a:bodyPr>
+          <a:lstStyle/>
+          <a:p>
+            <a:pPr algn="ctr"/>
+            <a:r>
+              <a:rPr lang="de-DE" sz="2800" dirty="0" err="1">
+                <a:latin typeface="Corbel Light" panose="020B0303020204020204" pitchFamily="34" charset="0"/>
+              </a:rPr>
+              <a:t>Flashen</a:t>
+            </a:r>
+            <a:r>
+              <a:rPr lang="de-DE" sz="2800" dirty="0">
+                <a:latin typeface="Corbel Light" panose="020B0303020204020204" pitchFamily="34" charset="0"/>
+              </a:rPr>
+              <a:t> einer ersten Testsoftware</a:t>
+            </a:r>
+          </a:p>
+        </p:txBody>
+      </p:sp>
+      <p:sp>
+        <p:nvSpPr>
+          <p:cNvPr id="10" name="Textfeld 9">
+            <a:extLst>
+              <a:ext uri="{FF2B5EF4-FFF2-40B4-BE49-F238E27FC236}">
+                <a16:creationId xmlns:a16="http://schemas.microsoft.com/office/drawing/2014/main" id="{B34E1CF3-B481-4B62-A14B-570FDD5B732E}"/>
+              </a:ext>
+            </a:extLst>
+          </p:cNvPr>
+          <p:cNvSpPr txBox="1"/>
+          <p:nvPr/>
+        </p:nvSpPr>
+        <p:spPr>
+          <a:xfrm>
+            <a:off x="2790359" y="4599227"/>
+            <a:ext cx="6611279" cy="954107"/>
+          </a:xfrm>
+          <a:prstGeom prst="rect">
+            <a:avLst/>
+          </a:prstGeom>
+          <a:noFill/>
+          <a:ln>
+            <a:solidFill>
+              <a:schemeClr val="tx1"/>
+            </a:solidFill>
+          </a:ln>
+        </p:spPr>
+        <p:txBody>
+          <a:bodyPr wrap="square" rtlCol="0">
+            <a:spAutoFit/>
+          </a:bodyPr>
+          <a:lstStyle/>
+          <a:p>
+            <a:pPr algn="ctr"/>
+            <a:r>
+              <a:rPr lang="de-DE" sz="2800" dirty="0">
+                <a:latin typeface="Corbel Light" panose="020B0303020204020204" pitchFamily="34" charset="0"/>
+              </a:rPr>
+              <a:t>Übergabe zur weiteren Implementierung und Verwendung an Edu</a:t>
             </a:r>
           </a:p>
         </p:txBody>
@@ -3446,6 +5148,406 @@
                             </p:childTnLst>
                           </p:cTn>
                         </p:par>
+                        <p:par>
+                          <p:cTn id="8" fill="hold">
+                            <p:stCondLst>
+                              <p:cond delay="500"/>
+                            </p:stCondLst>
+                            <p:childTnLst>
+                              <p:par>
+                                <p:cTn id="9" presetID="10" presetClass="entr" presetSubtype="0" fill="hold" grpId="0" nodeType="afterEffect">
+                                  <p:stCondLst>
+                                    <p:cond delay="0"/>
+                                  </p:stCondLst>
+                                  <p:childTnLst>
+                                    <p:set>
+                                      <p:cBhvr>
+                                        <p:cTn id="10" dur="1" fill="hold">
+                                          <p:stCondLst>
+                                            <p:cond delay="0"/>
+                                          </p:stCondLst>
+                                        </p:cTn>
+                                        <p:tgtEl>
+                                          <p:spTgt spid="5">
+                                            <p:bg/>
+                                          </p:spTgt>
+                                        </p:tgtEl>
+                                        <p:attrNameLst>
+                                          <p:attrName>style.visibility</p:attrName>
+                                        </p:attrNameLst>
+                                      </p:cBhvr>
+                                      <p:to>
+                                        <p:strVal val="visible"/>
+                                      </p:to>
+                                    </p:set>
+                                    <p:animEffect transition="in" filter="fade">
+                                      <p:cBhvr>
+                                        <p:cTn id="11" dur="500"/>
+                                        <p:tgtEl>
+                                          <p:spTgt spid="5">
+                                            <p:bg/>
+                                          </p:spTgt>
+                                        </p:tgtEl>
+                                      </p:cBhvr>
+                                    </p:animEffect>
+                                  </p:childTnLst>
+                                </p:cTn>
+                              </p:par>
+                            </p:childTnLst>
+                          </p:cTn>
+                        </p:par>
+                        <p:par>
+                          <p:cTn id="12" fill="hold">
+                            <p:stCondLst>
+                              <p:cond delay="1000"/>
+                            </p:stCondLst>
+                            <p:childTnLst>
+                              <p:par>
+                                <p:cTn id="13" presetID="10" presetClass="entr" presetSubtype="0" fill="hold" grpId="0" nodeType="afterEffect">
+                                  <p:stCondLst>
+                                    <p:cond delay="0"/>
+                                  </p:stCondLst>
+                                  <p:childTnLst>
+                                    <p:set>
+                                      <p:cBhvr>
+                                        <p:cTn id="14" dur="1" fill="hold">
+                                          <p:stCondLst>
+                                            <p:cond delay="0"/>
+                                          </p:stCondLst>
+                                        </p:cTn>
+                                        <p:tgtEl>
+                                          <p:spTgt spid="5">
+                                            <p:txEl>
+                                              <p:pRg st="0" end="0"/>
+                                            </p:txEl>
+                                          </p:spTgt>
+                                        </p:tgtEl>
+                                        <p:attrNameLst>
+                                          <p:attrName>style.visibility</p:attrName>
+                                        </p:attrNameLst>
+                                      </p:cBhvr>
+                                      <p:to>
+                                        <p:strVal val="visible"/>
+                                      </p:to>
+                                    </p:set>
+                                    <p:animEffect transition="in" filter="fade">
+                                      <p:cBhvr>
+                                        <p:cTn id="15" dur="500"/>
+                                        <p:tgtEl>
+                                          <p:spTgt spid="5">
+                                            <p:txEl>
+                                              <p:pRg st="0" end="0"/>
+                                            </p:txEl>
+                                          </p:spTgt>
+                                        </p:tgtEl>
+                                      </p:cBhvr>
+                                    </p:animEffect>
+                                  </p:childTnLst>
+                                </p:cTn>
+                              </p:par>
+                            </p:childTnLst>
+                          </p:cTn>
+                        </p:par>
+                        <p:par>
+                          <p:cTn id="16" fill="hold">
+                            <p:stCondLst>
+                              <p:cond delay="1500"/>
+                            </p:stCondLst>
+                            <p:childTnLst>
+                              <p:par>
+                                <p:cTn id="17" presetID="10" presetClass="entr" presetSubtype="0" fill="hold" grpId="0" nodeType="afterEffect">
+                                  <p:stCondLst>
+                                    <p:cond delay="0"/>
+                                  </p:stCondLst>
+                                  <p:childTnLst>
+                                    <p:set>
+                                      <p:cBhvr>
+                                        <p:cTn id="18" dur="1" fill="hold">
+                                          <p:stCondLst>
+                                            <p:cond delay="0"/>
+                                          </p:stCondLst>
+                                        </p:cTn>
+                                        <p:tgtEl>
+                                          <p:spTgt spid="6">
+                                            <p:bg/>
+                                          </p:spTgt>
+                                        </p:tgtEl>
+                                        <p:attrNameLst>
+                                          <p:attrName>style.visibility</p:attrName>
+                                        </p:attrNameLst>
+                                      </p:cBhvr>
+                                      <p:to>
+                                        <p:strVal val="visible"/>
+                                      </p:to>
+                                    </p:set>
+                                    <p:animEffect transition="in" filter="fade">
+                                      <p:cBhvr>
+                                        <p:cTn id="19" dur="500"/>
+                                        <p:tgtEl>
+                                          <p:spTgt spid="6">
+                                            <p:bg/>
+                                          </p:spTgt>
+                                        </p:tgtEl>
+                                      </p:cBhvr>
+                                    </p:animEffect>
+                                  </p:childTnLst>
+                                </p:cTn>
+                              </p:par>
+                            </p:childTnLst>
+                          </p:cTn>
+                        </p:par>
+                        <p:par>
+                          <p:cTn id="20" fill="hold">
+                            <p:stCondLst>
+                              <p:cond delay="2000"/>
+                            </p:stCondLst>
+                            <p:childTnLst>
+                              <p:par>
+                                <p:cTn id="21" presetID="10" presetClass="entr" presetSubtype="0" fill="hold" grpId="0" nodeType="afterEffect">
+                                  <p:stCondLst>
+                                    <p:cond delay="0"/>
+                                  </p:stCondLst>
+                                  <p:childTnLst>
+                                    <p:set>
+                                      <p:cBhvr>
+                                        <p:cTn id="22" dur="1" fill="hold">
+                                          <p:stCondLst>
+                                            <p:cond delay="0"/>
+                                          </p:stCondLst>
+                                        </p:cTn>
+                                        <p:tgtEl>
+                                          <p:spTgt spid="6">
+                                            <p:txEl>
+                                              <p:pRg st="0" end="0"/>
+                                            </p:txEl>
+                                          </p:spTgt>
+                                        </p:tgtEl>
+                                        <p:attrNameLst>
+                                          <p:attrName>style.visibility</p:attrName>
+                                        </p:attrNameLst>
+                                      </p:cBhvr>
+                                      <p:to>
+                                        <p:strVal val="visible"/>
+                                      </p:to>
+                                    </p:set>
+                                    <p:animEffect transition="in" filter="fade">
+                                      <p:cBhvr>
+                                        <p:cTn id="23" dur="500"/>
+                                        <p:tgtEl>
+                                          <p:spTgt spid="6">
+                                            <p:txEl>
+                                              <p:pRg st="0" end="0"/>
+                                            </p:txEl>
+                                          </p:spTgt>
+                                        </p:tgtEl>
+                                      </p:cBhvr>
+                                    </p:animEffect>
+                                  </p:childTnLst>
+                                </p:cTn>
+                              </p:par>
+                            </p:childTnLst>
+                          </p:cTn>
+                        </p:par>
+                        <p:par>
+                          <p:cTn id="24" fill="hold">
+                            <p:stCondLst>
+                              <p:cond delay="2500"/>
+                            </p:stCondLst>
+                            <p:childTnLst>
+                              <p:par>
+                                <p:cTn id="25" presetID="10" presetClass="entr" presetSubtype="0" fill="hold" grpId="0" nodeType="afterEffect">
+                                  <p:stCondLst>
+                                    <p:cond delay="0"/>
+                                  </p:stCondLst>
+                                  <p:childTnLst>
+                                    <p:set>
+                                      <p:cBhvr>
+                                        <p:cTn id="26" dur="1" fill="hold">
+                                          <p:stCondLst>
+                                            <p:cond delay="0"/>
+                                          </p:stCondLst>
+                                        </p:cTn>
+                                        <p:tgtEl>
+                                          <p:spTgt spid="9">
+                                            <p:bg/>
+                                          </p:spTgt>
+                                        </p:tgtEl>
+                                        <p:attrNameLst>
+                                          <p:attrName>style.visibility</p:attrName>
+                                        </p:attrNameLst>
+                                      </p:cBhvr>
+                                      <p:to>
+                                        <p:strVal val="visible"/>
+                                      </p:to>
+                                    </p:set>
+                                    <p:animEffect transition="in" filter="fade">
+                                      <p:cBhvr>
+                                        <p:cTn id="27" dur="500"/>
+                                        <p:tgtEl>
+                                          <p:spTgt spid="9">
+                                            <p:bg/>
+                                          </p:spTgt>
+                                        </p:tgtEl>
+                                      </p:cBhvr>
+                                    </p:animEffect>
+                                  </p:childTnLst>
+                                </p:cTn>
+                              </p:par>
+                            </p:childTnLst>
+                          </p:cTn>
+                        </p:par>
+                        <p:par>
+                          <p:cTn id="28" fill="hold">
+                            <p:stCondLst>
+                              <p:cond delay="3000"/>
+                            </p:stCondLst>
+                            <p:childTnLst>
+                              <p:par>
+                                <p:cTn id="29" presetID="10" presetClass="entr" presetSubtype="0" fill="hold" grpId="0" nodeType="afterEffect">
+                                  <p:stCondLst>
+                                    <p:cond delay="0"/>
+                                  </p:stCondLst>
+                                  <p:childTnLst>
+                                    <p:set>
+                                      <p:cBhvr>
+                                        <p:cTn id="30" dur="1" fill="hold">
+                                          <p:stCondLst>
+                                            <p:cond delay="0"/>
+                                          </p:stCondLst>
+                                        </p:cTn>
+                                        <p:tgtEl>
+                                          <p:spTgt spid="9">
+                                            <p:txEl>
+                                              <p:pRg st="0" end="0"/>
+                                            </p:txEl>
+                                          </p:spTgt>
+                                        </p:tgtEl>
+                                        <p:attrNameLst>
+                                          <p:attrName>style.visibility</p:attrName>
+                                        </p:attrNameLst>
+                                      </p:cBhvr>
+                                      <p:to>
+                                        <p:strVal val="visible"/>
+                                      </p:to>
+                                    </p:set>
+                                    <p:animEffect transition="in" filter="fade">
+                                      <p:cBhvr>
+                                        <p:cTn id="31" dur="500"/>
+                                        <p:tgtEl>
+                                          <p:spTgt spid="9">
+                                            <p:txEl>
+                                              <p:pRg st="0" end="0"/>
+                                            </p:txEl>
+                                          </p:spTgt>
+                                        </p:tgtEl>
+                                      </p:cBhvr>
+                                    </p:animEffect>
+                                  </p:childTnLst>
+                                </p:cTn>
+                              </p:par>
+                            </p:childTnLst>
+                          </p:cTn>
+                        </p:par>
+                        <p:par>
+                          <p:cTn id="32" fill="hold">
+                            <p:stCondLst>
+                              <p:cond delay="3500"/>
+                            </p:stCondLst>
+                            <p:childTnLst>
+                              <p:par>
+                                <p:cTn id="33" presetID="10" presetClass="entr" presetSubtype="0" fill="hold" grpId="0" nodeType="afterEffect">
+                                  <p:stCondLst>
+                                    <p:cond delay="750"/>
+                                  </p:stCondLst>
+                                  <p:childTnLst>
+                                    <p:set>
+                                      <p:cBhvr>
+                                        <p:cTn id="34" dur="1" fill="hold">
+                                          <p:stCondLst>
+                                            <p:cond delay="0"/>
+                                          </p:stCondLst>
+                                        </p:cTn>
+                                        <p:tgtEl>
+                                          <p:spTgt spid="10">
+                                            <p:bg/>
+                                          </p:spTgt>
+                                        </p:tgtEl>
+                                        <p:attrNameLst>
+                                          <p:attrName>style.visibility</p:attrName>
+                                        </p:attrNameLst>
+                                      </p:cBhvr>
+                                      <p:to>
+                                        <p:strVal val="visible"/>
+                                      </p:to>
+                                    </p:set>
+                                    <p:animEffect transition="in" filter="fade">
+                                      <p:cBhvr>
+                                        <p:cTn id="35" dur="500"/>
+                                        <p:tgtEl>
+                                          <p:spTgt spid="10">
+                                            <p:bg/>
+                                          </p:spTgt>
+                                        </p:tgtEl>
+                                      </p:cBhvr>
+                                    </p:animEffect>
+                                  </p:childTnLst>
+                                </p:cTn>
+                              </p:par>
+                            </p:childTnLst>
+                          </p:cTn>
+                        </p:par>
+                        <p:par>
+                          <p:cTn id="36" fill="hold">
+                            <p:stCondLst>
+                              <p:cond delay="4750"/>
+                            </p:stCondLst>
+                            <p:childTnLst>
+                              <p:par>
+                                <p:cTn id="37" presetID="10" presetClass="entr" presetSubtype="0" fill="hold" grpId="0" nodeType="afterEffect">
+                                  <p:stCondLst>
+                                    <p:cond delay="750"/>
+                                  </p:stCondLst>
+                                  <p:childTnLst>
+                                    <p:set>
+                                      <p:cBhvr>
+                                        <p:cTn id="38" dur="1" fill="hold">
+                                          <p:stCondLst>
+                                            <p:cond delay="0"/>
+                                          </p:stCondLst>
+                                        </p:cTn>
+                                        <p:tgtEl>
+                                          <p:spTgt spid="10">
+                                            <p:txEl>
+                                              <p:pRg st="0" end="0"/>
+                                            </p:txEl>
+                                          </p:spTgt>
+                                        </p:tgtEl>
+                                        <p:attrNameLst>
+                                          <p:attrName>style.visibility</p:attrName>
+                                        </p:attrNameLst>
+                                      </p:cBhvr>
+                                      <p:to>
+                                        <p:strVal val="visible"/>
+                                      </p:to>
+                                    </p:set>
+                                    <p:animEffect transition="in" filter="fade">
+                                      <p:cBhvr>
+                                        <p:cTn id="39" dur="500"/>
+                                        <p:tgtEl>
+                                          <p:spTgt spid="10">
+                                            <p:txEl>
+                                              <p:pRg st="0" end="0"/>
+                                            </p:txEl>
+                                          </p:spTgt>
+                                        </p:tgtEl>
+                                      </p:cBhvr>
+                                    </p:animEffect>
+                                  </p:childTnLst>
+                                </p:cTn>
+                              </p:par>
+                            </p:childTnLst>
+                          </p:cTn>
+                        </p:par>
                       </p:childTnLst>
                     </p:cTn>
                   </p:par>
@@ -3472,12 +5574,16 @@
     </p:tnLst>
     <p:bldLst>
       <p:bldP spid="2" grpId="0"/>
+      <p:bldP spid="5" grpId="0" build="p" animBg="1"/>
+      <p:bldP spid="6" grpId="0" build="p" animBg="1"/>
+      <p:bldP spid="9" grpId="0" build="p" animBg="1"/>
+      <p:bldP spid="10" grpId="0" build="p" animBg="1"/>
     </p:bldLst>
   </p:timing>
 </p:sld>
 </file>
 
-<file path=ppt/slides/slide11.xml><?xml version="1.0" encoding="utf-8"?>
+<file path=ppt/slides/slide13.xml><?xml version="1.0" encoding="utf-8"?>
 <p:sld xmlns:a="http://schemas.openxmlformats.org/drawingml/2006/main" xmlns:r="http://schemas.openxmlformats.org/officeDocument/2006/relationships" xmlns:p="http://schemas.openxmlformats.org/presentationml/2006/main">
   <p:cSld>
     <p:spTree>
@@ -4086,7 +6192,7 @@
               <a:rPr lang="de-DE" sz="3200" dirty="0">
                 <a:latin typeface="Corbel Light" panose="020B0303020204020204" pitchFamily="34" charset="0"/>
               </a:rPr>
-              <a:t>Kommunikation Arduino Mini ↔ Raspberry Pi</a:t>
+              <a:t>Kommunikation Arduino Mini ↔ MPU6050</a:t>
             </a:r>
           </a:p>
         </p:txBody>
@@ -4105,7 +6211,7 @@
         </p:nvSpPr>
         <p:spPr>
           <a:xfrm>
-            <a:off x="-8001314" y="1469398"/>
+            <a:off x="-8172765" y="1469397"/>
             <a:ext cx="7539403" cy="584775"/>
           </a:xfrm>
           <a:prstGeom prst="rect">
@@ -4134,6 +6240,43 @@
             <a:endParaRPr lang="de-DE" sz="3200" dirty="0">
               <a:latin typeface="Corbel Light" panose="020B0303020204020204" pitchFamily="34" charset="0"/>
             </a:endParaRPr>
+          </a:p>
+        </p:txBody>
+      </p:sp>
+      <p:sp>
+        <p:nvSpPr>
+          <p:cNvPr id="7" name="Textfeld 6">
+            <a:extLst>
+              <a:ext uri="{FF2B5EF4-FFF2-40B4-BE49-F238E27FC236}">
+                <a16:creationId xmlns:a16="http://schemas.microsoft.com/office/drawing/2014/main" id="{09FA4DBE-3E1E-407D-85F6-E10A77237CB9}"/>
+              </a:ext>
+            </a:extLst>
+          </p:cNvPr>
+          <p:cNvSpPr txBox="1"/>
+          <p:nvPr/>
+        </p:nvSpPr>
+        <p:spPr>
+          <a:xfrm>
+            <a:off x="-8683485" y="1469397"/>
+            <a:ext cx="8221574" cy="584775"/>
+          </a:xfrm>
+          <a:prstGeom prst="rect">
+            <a:avLst/>
+          </a:prstGeom>
+          <a:noFill/>
+        </p:spPr>
+        <p:txBody>
+          <a:bodyPr wrap="square" rtlCol="0">
+            <a:spAutoFit/>
+          </a:bodyPr>
+          <a:lstStyle/>
+          <a:p>
+            <a:r>
+              <a:rPr lang="de-DE" sz="3200" dirty="0">
+                <a:latin typeface="Corbel Light" panose="020B0303020204020204" pitchFamily="34" charset="0"/>
+              </a:rPr>
+              <a:t>Kommunikation Arduino Mini ↔ Raspberry Pi</a:t>
+            </a:r>
           </a:p>
         </p:txBody>
       </p:sp>
@@ -4223,7 +6366,7 @@
                                     <p:cond delay="0"/>
                                   </p:stCondLst>
                                   <p:childTnLst>
-                                    <p:animMotion origin="layout" path="M -4.79167E-6 -4.44444E-6 L 0.84701 -0.00324 " pathEditMode="relative" rAng="0" ptsTypes="AA">
+                                    <p:animMotion origin="layout" path="M -2.29167E-6 -4.44444E-6 L 0.84701 -0.00324 " pathEditMode="relative" rAng="0" ptsTypes="AA">
                                       <p:cBhvr>
                                         <p:cTn id="10" dur="2000" fill="hold"/>
                                         <p:tgtEl>
@@ -4254,7 +6397,7 @@
                                     <p:cond delay="0"/>
                                   </p:stCondLst>
                                   <p:childTnLst>
-                                    <p:animMotion origin="layout" path="M 0.84701 -0.00324 L 0.84701 0.39862 " pathEditMode="relative" rAng="0" ptsTypes="AA">
+                                    <p:animMotion origin="layout" path="M 0.84701 -0.00324 L 0.86107 0.49862 " pathEditMode="relative" rAng="0" ptsTypes="AA">
                                       <p:cBhvr>
                                         <p:cTn id="13" dur="2000" fill="hold"/>
                                         <p:tgtEl>
@@ -4265,7 +6408,7 @@
                                           <p:attrName>ppt_y</p:attrName>
                                         </p:attrNameLst>
                                       </p:cBhvr>
-                                      <p:rCtr x="0" y="20278"/>
+                                      <p:rCtr x="703" y="25093"/>
                                     </p:animMotion>
                                   </p:childTnLst>
                                 </p:cTn>
@@ -4285,9 +6428,71 @@
                                     <p:cond delay="0"/>
                                   </p:stCondLst>
                                   <p:childTnLst>
+                                    <p:animMotion origin="layout" path="M 0.01393 -2.22222E-6 L 0.86094 -0.00324 " pathEditMode="relative" rAng="0" ptsTypes="AA">
+                                      <p:cBhvr>
+                                        <p:cTn id="16" dur="2000" fill="hold"/>
+                                        <p:tgtEl>
+                                          <p:spTgt spid="7"/>
+                                        </p:tgtEl>
+                                        <p:attrNameLst>
+                                          <p:attrName>ppt_x</p:attrName>
+                                          <p:attrName>ppt_y</p:attrName>
+                                        </p:attrNameLst>
+                                      </p:cBhvr>
+                                      <p:rCtr x="42344" y="-162"/>
+                                    </p:animMotion>
+                                  </p:childTnLst>
+                                </p:cTn>
+                              </p:par>
+                            </p:childTnLst>
+                          </p:cTn>
+                        </p:par>
+                        <p:par>
+                          <p:cTn id="17" fill="hold">
+                            <p:stCondLst>
+                              <p:cond delay="6500"/>
+                            </p:stCondLst>
+                            <p:childTnLst>
+                              <p:par>
+                                <p:cTn id="18" presetID="42" presetClass="path" presetSubtype="0" accel="50000" decel="50000" fill="hold" grpId="1" nodeType="afterEffect">
+                                  <p:stCondLst>
+                                    <p:cond delay="0"/>
+                                  </p:stCondLst>
+                                  <p:childTnLst>
+                                    <p:animMotion origin="layout" path="M 0.86094 -0.00324 L 0.875 0.24306 " pathEditMode="relative" rAng="0" ptsTypes="AA">
+                                      <p:cBhvr>
+                                        <p:cTn id="19" dur="2000" fill="hold"/>
+                                        <p:tgtEl>
+                                          <p:spTgt spid="7"/>
+                                        </p:tgtEl>
+                                        <p:attrNameLst>
+                                          <p:attrName>ppt_x</p:attrName>
+                                          <p:attrName>ppt_y</p:attrName>
+                                        </p:attrNameLst>
+                                      </p:cBhvr>
+                                      <p:rCtr x="703" y="12315"/>
+                                    </p:animMotion>
+                                  </p:childTnLst>
+                                </p:cTn>
+                              </p:par>
+                            </p:childTnLst>
+                          </p:cTn>
+                        </p:par>
+                        <p:par>
+                          <p:cTn id="20" fill="hold">
+                            <p:stCondLst>
+                              <p:cond delay="8500"/>
+                            </p:stCondLst>
+                            <p:childTnLst>
+                              <p:par>
+                                <p:cTn id="21" presetID="42" presetClass="path" presetSubtype="0" accel="50000" decel="50000" fill="hold" grpId="0" nodeType="afterEffect">
+                                  <p:stCondLst>
+                                    <p:cond delay="0"/>
+                                  </p:stCondLst>
+                                  <p:childTnLst>
                                     <p:animMotion origin="layout" path="M -2.29167E-6 -4.44444E-6 L 0.86107 -0.00324 " pathEditMode="relative" rAng="0" ptsTypes="AA">
                                       <p:cBhvr>
-                                        <p:cTn id="16" dur="2000" fill="hold"/>
+                                        <p:cTn id="22" dur="2000" fill="hold"/>
                                         <p:tgtEl>
                                           <p:spTgt spid="4"/>
                                         </p:tgtEl>
@@ -4333,6 +6538,8 @@
       <p:bldP spid="4" grpId="0"/>
       <p:bldP spid="6" grpId="0"/>
       <p:bldP spid="6" grpId="1"/>
+      <p:bldP spid="7" grpId="0"/>
+      <p:bldP spid="7" grpId="1"/>
     </p:bldLst>
   </p:timing>
 </p:sld>
@@ -4542,134 +6749,7 @@
                 </a:solidFill>
                 <a:latin typeface="Corbel Light" panose="020B0303020204020204" pitchFamily="34" charset="0"/>
               </a:rPr>
-              <a:t>Arduino Mini↔ Raspberry Pi</a:t>
-            </a:r>
-          </a:p>
-        </p:txBody>
-      </p:sp>
-      <p:sp>
-        <p:nvSpPr>
-          <p:cNvPr id="11" name="Textfeld 10">
-            <a:extLst>
-              <a:ext uri="{FF2B5EF4-FFF2-40B4-BE49-F238E27FC236}">
-                <a16:creationId xmlns:a16="http://schemas.microsoft.com/office/drawing/2014/main" id="{7012552E-2A48-4B97-9EEC-240E530F987D}"/>
-              </a:ext>
-            </a:extLst>
-          </p:cNvPr>
-          <p:cNvSpPr txBox="1"/>
-          <p:nvPr/>
-        </p:nvSpPr>
-        <p:spPr>
-          <a:xfrm>
-            <a:off x="1146486" y="1461351"/>
-            <a:ext cx="2349500" cy="769441"/>
-          </a:xfrm>
-          <a:prstGeom prst="rect">
-            <a:avLst/>
-          </a:prstGeom>
-          <a:noFill/>
-          <a:ln w="12700">
-            <a:solidFill>
-              <a:schemeClr val="tx1"/>
-            </a:solidFill>
-          </a:ln>
-        </p:spPr>
-        <p:txBody>
-          <a:bodyPr wrap="square" rtlCol="0">
-            <a:spAutoFit/>
-          </a:bodyPr>
-          <a:lstStyle/>
-          <a:p>
-            <a:pPr algn="ctr"/>
-            <a:r>
-              <a:rPr lang="de-DE" sz="4400" spc="600" dirty="0">
-                <a:latin typeface="Corbel Light" panose="020B0303020204020204" pitchFamily="34" charset="0"/>
-              </a:rPr>
-              <a:t>RS232</a:t>
-            </a:r>
-          </a:p>
-        </p:txBody>
-      </p:sp>
-      <p:sp>
-        <p:nvSpPr>
-          <p:cNvPr id="12" name="Textfeld 11">
-            <a:extLst>
-              <a:ext uri="{FF2B5EF4-FFF2-40B4-BE49-F238E27FC236}">
-                <a16:creationId xmlns:a16="http://schemas.microsoft.com/office/drawing/2014/main" id="{AE70B564-8A49-4747-A4C2-440693B64951}"/>
-              </a:ext>
-            </a:extLst>
-          </p:cNvPr>
-          <p:cNvSpPr txBox="1"/>
-          <p:nvPr/>
-        </p:nvSpPr>
-        <p:spPr>
-          <a:xfrm>
-            <a:off x="8696014" y="1461351"/>
-            <a:ext cx="2349500" cy="769441"/>
-          </a:xfrm>
-          <a:prstGeom prst="rect">
-            <a:avLst/>
-          </a:prstGeom>
-          <a:noFill/>
-          <a:ln w="12700">
-            <a:solidFill>
-              <a:schemeClr val="tx1"/>
-            </a:solidFill>
-          </a:ln>
-        </p:spPr>
-        <p:txBody>
-          <a:bodyPr wrap="square" rtlCol="0">
-            <a:spAutoFit/>
-          </a:bodyPr>
-          <a:lstStyle/>
-          <a:p>
-            <a:pPr algn="ctr"/>
-            <a:r>
-              <a:rPr lang="de-DE" sz="4400" spc="600" dirty="0">
-                <a:latin typeface="Corbel Light" panose="020B0303020204020204" pitchFamily="34" charset="0"/>
-              </a:rPr>
-              <a:t>RS485</a:t>
-            </a:r>
-          </a:p>
-        </p:txBody>
-      </p:sp>
-      <p:sp>
-        <p:nvSpPr>
-          <p:cNvPr id="13" name="Textfeld 12">
-            <a:extLst>
-              <a:ext uri="{FF2B5EF4-FFF2-40B4-BE49-F238E27FC236}">
-                <a16:creationId xmlns:a16="http://schemas.microsoft.com/office/drawing/2014/main" id="{5F3F1860-CAC4-43A4-BD87-183A2F8F7AD9}"/>
-              </a:ext>
-            </a:extLst>
-          </p:cNvPr>
-          <p:cNvSpPr txBox="1"/>
-          <p:nvPr/>
-        </p:nvSpPr>
-        <p:spPr>
-          <a:xfrm>
-            <a:off x="4921250" y="1584461"/>
-            <a:ext cx="2349500" cy="646331"/>
-          </a:xfrm>
-          <a:prstGeom prst="rect">
-            <a:avLst/>
-          </a:prstGeom>
-          <a:noFill/>
-          <a:ln w="12700">
-            <a:noFill/>
-          </a:ln>
-        </p:spPr>
-        <p:txBody>
-          <a:bodyPr wrap="square" rtlCol="0">
-            <a:spAutoFit/>
-          </a:bodyPr>
-          <a:lstStyle/>
-          <a:p>
-            <a:pPr algn="ctr"/>
-            <a:r>
-              <a:rPr lang="de-DE" sz="3600" dirty="0">
-                <a:latin typeface="Corbel Light" panose="020B0303020204020204" pitchFamily="34" charset="0"/>
-              </a:rPr>
-              <a:t>oder</a:t>
+              <a:t>Arduino Mini↔ MPU6050</a:t>
             </a:r>
           </a:p>
         </p:txBody>
@@ -4748,6 +6828,50 @@
                             </p:childTnLst>
                           </p:cTn>
                         </p:par>
+                        <p:par>
+                          <p:cTn id="8" fill="hold">
+                            <p:stCondLst>
+                              <p:cond delay="500"/>
+                            </p:stCondLst>
+                            <p:childTnLst>
+                              <p:par>
+                                <p:cTn id="9" presetID="22" presetClass="entr" presetSubtype="8" fill="hold" grpId="0" nodeType="afterEffect">
+                                  <p:stCondLst>
+                                    <p:cond delay="0"/>
+                                  </p:stCondLst>
+                                  <p:childTnLst>
+                                    <p:set>
+                                      <p:cBhvr>
+                                        <p:cTn id="10" dur="1" fill="hold">
+                                          <p:stCondLst>
+                                            <p:cond delay="0"/>
+                                          </p:stCondLst>
+                                        </p:cTn>
+                                        <p:tgtEl>
+                                          <p:spTgt spid="7"/>
+                                        </p:tgtEl>
+                                        <p:attrNameLst>
+                                          <p:attrName>style.visibility</p:attrName>
+                                        </p:attrNameLst>
+                                      </p:cBhvr>
+                                      <p:to>
+                                        <p:strVal val="visible"/>
+                                      </p:to>
+                                    </p:set>
+                                    <p:animEffect transition="in" filter="wipe(left)">
+                                      <p:cBhvr>
+                                        <p:cTn id="11" dur="1000"/>
+                                        <p:tgtEl>
+                                          <p:spTgt spid="7"/>
+                                        </p:tgtEl>
+                                      </p:cBhvr>
+                                    </p:animEffect>
+                                  </p:childTnLst>
+                                </p:cTn>
+                              </p:par>
+                            </p:childTnLst>
+                          </p:cTn>
+                        </p:par>
                       </p:childTnLst>
                     </p:cTn>
                   </p:par>
@@ -4774,6 +6898,7 @@
     </p:tnLst>
     <p:bldLst>
       <p:bldP spid="2" grpId="0"/>
+      <p:bldP spid="7" grpId="0"/>
     </p:bldLst>
   </p:timing>
 </p:sld>
@@ -4958,7 +7083,7 @@
         </p:nvSpPr>
         <p:spPr>
           <a:xfrm>
-            <a:off x="0" y="1012279"/>
+            <a:off x="0" y="728172"/>
             <a:ext cx="12192000" cy="769441"/>
           </a:xfrm>
           <a:prstGeom prst="rect">
@@ -4988,7 +7113,7 @@
                 </a:solidFill>
                 <a:latin typeface="Corbel Light" panose="020B0303020204020204" pitchFamily="34" charset="0"/>
               </a:rPr>
-              <a:t>RS485</a:t>
+              <a:t>Hardware Layout</a:t>
             </a:r>
           </a:p>
         </p:txBody>
@@ -4998,7 +7123,7 @@
           <p:cNvPr id="9" name="Textfeld 8">
             <a:extLst>
               <a:ext uri="{FF2B5EF4-FFF2-40B4-BE49-F238E27FC236}">
-                <a16:creationId xmlns:a16="http://schemas.microsoft.com/office/drawing/2014/main" id="{06983C61-44A2-491A-87D9-513A54B652F9}"/>
+                <a16:creationId xmlns:a16="http://schemas.microsoft.com/office/drawing/2014/main" id="{432209FD-5ABF-45A2-A56D-CEA67D58F27A}"/>
               </a:ext>
             </a:extLst>
           </p:cNvPr>
@@ -5007,8 +7132,8 @@
         </p:nvSpPr>
         <p:spPr>
           <a:xfrm>
-            <a:off x="-114300" y="2002879"/>
-            <a:ext cx="12420600" cy="523220"/>
+            <a:off x="715663" y="2006718"/>
+            <a:ext cx="4062046" cy="523220"/>
           </a:xfrm>
           <a:prstGeom prst="rect">
             <a:avLst/>
@@ -5028,188 +7153,64 @@
           <a:p>
             <a:pPr algn="ctr"/>
             <a:r>
-              <a:rPr lang="de-DE" sz="2800" spc="600" dirty="0">
+              <a:rPr lang="de-DE" sz="2800" dirty="0">
                 <a:latin typeface="Corbel Light" panose="020B0303020204020204" pitchFamily="34" charset="0"/>
               </a:rPr>
-              <a:t>Serieller Datenbus</a:t>
+              <a:t>Arduino Mini → MPU6050</a:t>
             </a:r>
           </a:p>
         </p:txBody>
       </p:sp>
-      <p:sp>
-        <p:nvSpPr>
-          <p:cNvPr id="10" name="Textfeld 9">
+      <p:pic>
+        <p:nvPicPr>
+          <p:cNvPr id="6" name="Grafik 5">
             <a:extLst>
               <a:ext uri="{FF2B5EF4-FFF2-40B4-BE49-F238E27FC236}">
-                <a16:creationId xmlns:a16="http://schemas.microsoft.com/office/drawing/2014/main" id="{05A400A2-0E51-4EBB-9D50-EFB0009087F6}"/>
+                <a16:creationId xmlns:a16="http://schemas.microsoft.com/office/drawing/2014/main" id="{D97B7BB9-2958-49FC-BD9A-C31B481F7090}"/>
               </a:ext>
             </a:extLst>
           </p:cNvPr>
-          <p:cNvSpPr txBox="1"/>
+          <p:cNvPicPr>
+            <a:picLocks noChangeAspect="1"/>
+          </p:cNvPicPr>
           <p:nvPr/>
-        </p:nvSpPr>
+        </p:nvPicPr>
+        <p:blipFill>
+          <a:blip r:embed="rId2">
+            <a:extLst>
+              <a:ext uri="{28A0092B-C50C-407E-A947-70E740481C1C}">
+                <a14:useLocalDpi xmlns:a14="http://schemas.microsoft.com/office/drawing/2010/main" val="0"/>
+              </a:ext>
+            </a:extLst>
+          </a:blip>
+          <a:stretch>
+            <a:fillRect/>
+          </a:stretch>
+        </p:blipFill>
         <p:spPr>
           <a:xfrm>
-            <a:off x="-114300" y="2747258"/>
-            <a:ext cx="12420600" cy="523220"/>
+            <a:off x="5838328" y="2006718"/>
+            <a:ext cx="5693922" cy="4037162"/>
           </a:xfrm>
           <a:prstGeom prst="rect">
             <a:avLst/>
           </a:prstGeom>
-          <a:noFill/>
-          <a:ln>
-            <a:solidFill>
-              <a:schemeClr val="tx1"/>
-            </a:solidFill>
-          </a:ln>
-        </p:spPr>
-        <p:txBody>
-          <a:bodyPr wrap="square" rtlCol="0">
-            <a:spAutoFit/>
-          </a:bodyPr>
-          <a:lstStyle/>
-          <a:p>
-            <a:pPr algn="ctr"/>
-            <a:r>
-              <a:rPr lang="de-DE" sz="2800" spc="600" dirty="0">
-                <a:latin typeface="Corbel Light" panose="020B0303020204020204" pitchFamily="34" charset="0"/>
-              </a:rPr>
-              <a:t>Hohe Reichweite</a:t>
-            </a:r>
-          </a:p>
-        </p:txBody>
-      </p:sp>
-      <p:sp>
-        <p:nvSpPr>
-          <p:cNvPr id="14" name="Textfeld 13">
-            <a:extLst>
-              <a:ext uri="{FF2B5EF4-FFF2-40B4-BE49-F238E27FC236}">
-                <a16:creationId xmlns:a16="http://schemas.microsoft.com/office/drawing/2014/main" id="{D6A9C7F2-781F-413C-8E76-49F33275F1FE}"/>
-              </a:ext>
-            </a:extLst>
-          </p:cNvPr>
-          <p:cNvSpPr txBox="1"/>
-          <p:nvPr/>
-        </p:nvSpPr>
-        <p:spPr>
-          <a:xfrm>
-            <a:off x="-114300" y="3491637"/>
-            <a:ext cx="12420600" cy="523220"/>
-          </a:xfrm>
-          <a:prstGeom prst="rect">
-            <a:avLst/>
-          </a:prstGeom>
-          <a:noFill/>
-          <a:ln>
-            <a:solidFill>
-              <a:schemeClr val="tx1"/>
-            </a:solidFill>
-          </a:ln>
-        </p:spPr>
-        <p:txBody>
-          <a:bodyPr wrap="square" rtlCol="0">
-            <a:spAutoFit/>
-          </a:bodyPr>
-          <a:lstStyle/>
-          <a:p>
-            <a:pPr algn="ctr"/>
-            <a:r>
-              <a:rPr lang="de-DE" sz="2800" spc="600" dirty="0">
-                <a:latin typeface="Corbel Light" panose="020B0303020204020204" pitchFamily="34" charset="0"/>
-              </a:rPr>
-              <a:t>Master ↔ x-Slaves</a:t>
-            </a:r>
-          </a:p>
-        </p:txBody>
-      </p:sp>
-      <p:sp>
-        <p:nvSpPr>
-          <p:cNvPr id="15" name="Textfeld 14">
-            <a:extLst>
-              <a:ext uri="{FF2B5EF4-FFF2-40B4-BE49-F238E27FC236}">
-                <a16:creationId xmlns:a16="http://schemas.microsoft.com/office/drawing/2014/main" id="{EDC0117D-58F4-467D-B022-5970DDCB4994}"/>
-              </a:ext>
-            </a:extLst>
-          </p:cNvPr>
-          <p:cNvSpPr txBox="1"/>
-          <p:nvPr/>
-        </p:nvSpPr>
-        <p:spPr>
-          <a:xfrm>
-            <a:off x="-114300" y="5142637"/>
-            <a:ext cx="12420600" cy="523220"/>
-          </a:xfrm>
-          <a:prstGeom prst="rect">
-            <a:avLst/>
-          </a:prstGeom>
-          <a:noFill/>
-          <a:ln>
-            <a:solidFill>
-              <a:schemeClr val="tx1"/>
-            </a:solidFill>
-          </a:ln>
-        </p:spPr>
-        <p:txBody>
-          <a:bodyPr wrap="square" rtlCol="0">
-            <a:spAutoFit/>
-          </a:bodyPr>
-          <a:lstStyle/>
-          <a:p>
-            <a:pPr algn="ctr"/>
-            <a:r>
-              <a:rPr lang="de-DE" sz="2800" spc="600" dirty="0">
-                <a:latin typeface="Corbel Light" panose="020B0303020204020204" pitchFamily="34" charset="0"/>
-              </a:rPr>
-              <a:t>Zu Lange Lieferzeiten</a:t>
-            </a:r>
-          </a:p>
-        </p:txBody>
-      </p:sp>
-      <p:sp>
-        <p:nvSpPr>
-          <p:cNvPr id="16" name="Textfeld 15">
-            <a:extLst>
-              <a:ext uri="{FF2B5EF4-FFF2-40B4-BE49-F238E27FC236}">
-                <a16:creationId xmlns:a16="http://schemas.microsoft.com/office/drawing/2014/main" id="{B21FF403-2CAC-4530-827B-A540AA6C395F}"/>
-              </a:ext>
-            </a:extLst>
-          </p:cNvPr>
-          <p:cNvSpPr txBox="1"/>
-          <p:nvPr/>
-        </p:nvSpPr>
-        <p:spPr>
-          <a:xfrm>
-            <a:off x="3213100" y="4521875"/>
-            <a:ext cx="5765800" cy="523220"/>
-          </a:xfrm>
-          <a:prstGeom prst="rect">
-            <a:avLst/>
-          </a:prstGeom>
-          <a:noFill/>
           <a:ln>
             <a:noFill/>
           </a:ln>
+          <a:effectLst>
+            <a:outerShdw blurRad="190500" algn="tl" rotWithShape="0">
+              <a:srgbClr val="000000">
+                <a:alpha val="70000"/>
+              </a:srgbClr>
+            </a:outerShdw>
+          </a:effectLst>
         </p:spPr>
-        <p:txBody>
-          <a:bodyPr wrap="square" rtlCol="0">
-            <a:spAutoFit/>
-          </a:bodyPr>
-          <a:lstStyle/>
-          <a:p>
-            <a:pPr algn="ctr"/>
-            <a:r>
-              <a:rPr lang="de-DE" sz="2800" spc="600" dirty="0">
-                <a:latin typeface="Corbel Light" panose="020B0303020204020204" pitchFamily="34" charset="0"/>
-              </a:rPr>
-              <a:t>ABER</a:t>
-            </a:r>
-          </a:p>
-        </p:txBody>
-      </p:sp>
+      </p:pic>
     </p:spTree>
     <p:extLst>
       <p:ext uri="{BB962C8B-B14F-4D97-AF65-F5344CB8AC3E}">
-        <p14:creationId xmlns:p14="http://schemas.microsoft.com/office/powerpoint/2010/main" val="3158725272"/>
+        <p14:creationId xmlns:p14="http://schemas.microsoft.com/office/powerpoint/2010/main" val="4101798537"/>
       </p:ext>
     </p:extLst>
   </p:cSld>
@@ -5490,18 +7491,13 @@
         </p:nvSpPr>
         <p:spPr>
           <a:xfrm>
-            <a:off x="0" y="1012279"/>
+            <a:off x="0" y="3044279"/>
             <a:ext cx="12192000" cy="769441"/>
           </a:xfrm>
           <a:prstGeom prst="rect">
             <a:avLst/>
           </a:prstGeom>
           <a:noFill/>
-          <a:ln>
-            <a:solidFill>
-              <a:schemeClr val="bg1"/>
-            </a:solidFill>
-          </a:ln>
         </p:spPr>
         <p:txBody>
           <a:bodyPr wrap="square" rtlCol="0">
@@ -5520,17 +7516,17 @@
                 </a:solidFill>
                 <a:latin typeface="Corbel Light" panose="020B0303020204020204" pitchFamily="34" charset="0"/>
               </a:rPr>
-              <a:t>RS232</a:t>
+              <a:t>Arduino Mini↔ Raspberry Pi</a:t>
             </a:r>
           </a:p>
         </p:txBody>
       </p:sp>
       <p:sp>
         <p:nvSpPr>
-          <p:cNvPr id="5" name="Textfeld 4">
+          <p:cNvPr id="11" name="Textfeld 10">
             <a:extLst>
               <a:ext uri="{FF2B5EF4-FFF2-40B4-BE49-F238E27FC236}">
-                <a16:creationId xmlns:a16="http://schemas.microsoft.com/office/drawing/2014/main" id="{E01B3D8A-FB7C-46DB-9BD1-50B4D28F1967}"/>
+                <a16:creationId xmlns:a16="http://schemas.microsoft.com/office/drawing/2014/main" id="{7012552E-2A48-4B97-9EEC-240E530F987D}"/>
               </a:ext>
             </a:extLst>
           </p:cNvPr>
@@ -5539,14 +7535,14 @@
         </p:nvSpPr>
         <p:spPr>
           <a:xfrm>
-            <a:off x="-114300" y="2002879"/>
-            <a:ext cx="12420600" cy="523220"/>
+            <a:off x="1146486" y="1461351"/>
+            <a:ext cx="2349500" cy="769441"/>
           </a:xfrm>
           <a:prstGeom prst="rect">
             <a:avLst/>
           </a:prstGeom>
           <a:noFill/>
-          <a:ln>
+          <a:ln w="12700">
             <a:solidFill>
               <a:schemeClr val="tx1"/>
             </a:solidFill>
@@ -5560,20 +7556,20 @@
           <a:p>
             <a:pPr algn="ctr"/>
             <a:r>
-              <a:rPr lang="de-DE" sz="2800" spc="600" dirty="0">
+              <a:rPr lang="de-DE" sz="4400" spc="600" dirty="0">
                 <a:latin typeface="Corbel Light" panose="020B0303020204020204" pitchFamily="34" charset="0"/>
               </a:rPr>
-              <a:t>Serieller Datenbus</a:t>
+              <a:t>RS232</a:t>
             </a:r>
           </a:p>
         </p:txBody>
       </p:sp>
       <p:sp>
         <p:nvSpPr>
-          <p:cNvPr id="6" name="Textfeld 5">
+          <p:cNvPr id="12" name="Textfeld 11">
             <a:extLst>
               <a:ext uri="{FF2B5EF4-FFF2-40B4-BE49-F238E27FC236}">
-                <a16:creationId xmlns:a16="http://schemas.microsoft.com/office/drawing/2014/main" id="{E470DC0C-EA73-4D82-B065-495A054A7693}"/>
+                <a16:creationId xmlns:a16="http://schemas.microsoft.com/office/drawing/2014/main" id="{AE70B564-8A49-4747-A4C2-440693B64951}"/>
               </a:ext>
             </a:extLst>
           </p:cNvPr>
@@ -5582,14 +7578,14 @@
         </p:nvSpPr>
         <p:spPr>
           <a:xfrm>
-            <a:off x="-114300" y="2747258"/>
-            <a:ext cx="12420600" cy="523220"/>
+            <a:off x="8696014" y="1461351"/>
+            <a:ext cx="2349500" cy="769441"/>
           </a:xfrm>
           <a:prstGeom prst="rect">
             <a:avLst/>
           </a:prstGeom>
           <a:noFill/>
-          <a:ln>
+          <a:ln w="12700">
             <a:solidFill>
               <a:schemeClr val="tx1"/>
             </a:solidFill>
@@ -5603,20 +7599,20 @@
           <a:p>
             <a:pPr algn="ctr"/>
             <a:r>
-              <a:rPr lang="de-DE" sz="2800" spc="600" dirty="0">
+              <a:rPr lang="de-DE" sz="4400" spc="600" dirty="0">
                 <a:latin typeface="Corbel Light" panose="020B0303020204020204" pitchFamily="34" charset="0"/>
               </a:rPr>
-              <a:t>Hohe Reichweite</a:t>
+              <a:t>RS485</a:t>
             </a:r>
           </a:p>
         </p:txBody>
       </p:sp>
       <p:sp>
         <p:nvSpPr>
-          <p:cNvPr id="9" name="Textfeld 8">
+          <p:cNvPr id="13" name="Textfeld 12">
             <a:extLst>
               <a:ext uri="{FF2B5EF4-FFF2-40B4-BE49-F238E27FC236}">
-                <a16:creationId xmlns:a16="http://schemas.microsoft.com/office/drawing/2014/main" id="{A678F4E3-C0E9-4FEA-ACF9-5EE8E083A527}"/>
+                <a16:creationId xmlns:a16="http://schemas.microsoft.com/office/drawing/2014/main" id="{5F3F1860-CAC4-43A4-BD87-183A2F8F7AD9}"/>
               </a:ext>
             </a:extLst>
           </p:cNvPr>
@@ -5625,57 +7621,14 @@
         </p:nvSpPr>
         <p:spPr>
           <a:xfrm>
-            <a:off x="-114300" y="3961420"/>
-            <a:ext cx="12420600" cy="523220"/>
+            <a:off x="4921250" y="1584461"/>
+            <a:ext cx="2349500" cy="646331"/>
           </a:xfrm>
           <a:prstGeom prst="rect">
             <a:avLst/>
           </a:prstGeom>
           <a:noFill/>
-          <a:ln>
-            <a:solidFill>
-              <a:schemeClr val="tx1"/>
-            </a:solidFill>
-          </a:ln>
-        </p:spPr>
-        <p:txBody>
-          <a:bodyPr wrap="square" rtlCol="0">
-            <a:spAutoFit/>
-          </a:bodyPr>
-          <a:lstStyle/>
-          <a:p>
-            <a:pPr algn="ctr"/>
-            <a:r>
-              <a:rPr lang="de-DE" sz="2800" spc="600" dirty="0">
-                <a:latin typeface="Corbel Light" panose="020B0303020204020204" pitchFamily="34" charset="0"/>
-              </a:rPr>
-              <a:t>Nur Verbindung zwischen 2 Geräten möglich</a:t>
-            </a:r>
-          </a:p>
-        </p:txBody>
-      </p:sp>
-      <p:sp>
-        <p:nvSpPr>
-          <p:cNvPr id="10" name="Textfeld 9">
-            <a:extLst>
-              <a:ext uri="{FF2B5EF4-FFF2-40B4-BE49-F238E27FC236}">
-                <a16:creationId xmlns:a16="http://schemas.microsoft.com/office/drawing/2014/main" id="{1A3949C2-1A7C-45FB-A770-B46D216C4D43}"/>
-              </a:ext>
-            </a:extLst>
-          </p:cNvPr>
-          <p:cNvSpPr txBox="1"/>
-          <p:nvPr/>
-        </p:nvSpPr>
-        <p:spPr>
-          <a:xfrm>
-            <a:off x="3213100" y="3491637"/>
-            <a:ext cx="5765800" cy="523220"/>
-          </a:xfrm>
-          <a:prstGeom prst="rect">
-            <a:avLst/>
-          </a:prstGeom>
-          <a:noFill/>
-          <a:ln>
+          <a:ln w="12700">
             <a:noFill/>
           </a:ln>
         </p:spPr>
@@ -5687,94 +7640,10 @@
           <a:p>
             <a:pPr algn="ctr"/>
             <a:r>
-              <a:rPr lang="de-DE" sz="2800" spc="600" dirty="0">
+              <a:rPr lang="de-DE" sz="3600" dirty="0">
                 <a:latin typeface="Corbel Light" panose="020B0303020204020204" pitchFamily="34" charset="0"/>
               </a:rPr>
-              <a:t>ABER</a:t>
-            </a:r>
-          </a:p>
-        </p:txBody>
-      </p:sp>
-      <p:sp>
-        <p:nvSpPr>
-          <p:cNvPr id="11" name="Textfeld 10">
-            <a:extLst>
-              <a:ext uri="{FF2B5EF4-FFF2-40B4-BE49-F238E27FC236}">
-                <a16:creationId xmlns:a16="http://schemas.microsoft.com/office/drawing/2014/main" id="{D70B90CB-0C63-494D-99A9-E51D5DFF859E}"/>
-              </a:ext>
-            </a:extLst>
-          </p:cNvPr>
-          <p:cNvSpPr txBox="1"/>
-          <p:nvPr/>
-        </p:nvSpPr>
-        <p:spPr>
-          <a:xfrm>
-            <a:off x="-114300" y="5195081"/>
-            <a:ext cx="12420600" cy="523220"/>
-          </a:xfrm>
-          <a:prstGeom prst="rect">
-            <a:avLst/>
-          </a:prstGeom>
-          <a:noFill/>
-          <a:ln>
-            <a:solidFill>
-              <a:schemeClr val="tx1"/>
-            </a:solidFill>
-          </a:ln>
-        </p:spPr>
-        <p:txBody>
-          <a:bodyPr wrap="square" rtlCol="0">
-            <a:spAutoFit/>
-          </a:bodyPr>
-          <a:lstStyle/>
-          <a:p>
-            <a:pPr algn="ctr"/>
-            <a:r>
-              <a:rPr lang="de-DE" sz="2800" spc="600" dirty="0">
-                <a:latin typeface="Corbel Light" panose="020B0303020204020204" pitchFamily="34" charset="0"/>
-              </a:rPr>
-              <a:t>Raspberry Pi 4 hat 6 UART-Ports</a:t>
-            </a:r>
-          </a:p>
-        </p:txBody>
-      </p:sp>
-      <p:sp>
-        <p:nvSpPr>
-          <p:cNvPr id="12" name="Textfeld 11">
-            <a:extLst>
-              <a:ext uri="{FF2B5EF4-FFF2-40B4-BE49-F238E27FC236}">
-                <a16:creationId xmlns:a16="http://schemas.microsoft.com/office/drawing/2014/main" id="{09F3E3A2-5379-46C2-AC11-1F951974D3B2}"/>
-              </a:ext>
-            </a:extLst>
-          </p:cNvPr>
-          <p:cNvSpPr txBox="1"/>
-          <p:nvPr/>
-        </p:nvSpPr>
-        <p:spPr>
-          <a:xfrm>
-            <a:off x="3213100" y="4578250"/>
-            <a:ext cx="5765800" cy="523220"/>
-          </a:xfrm>
-          <a:prstGeom prst="rect">
-            <a:avLst/>
-          </a:prstGeom>
-          <a:noFill/>
-          <a:ln>
-            <a:noFill/>
-          </a:ln>
-        </p:spPr>
-        <p:txBody>
-          <a:bodyPr wrap="square" rtlCol="0">
-            <a:spAutoFit/>
-          </a:bodyPr>
-          <a:lstStyle/>
-          <a:p>
-            <a:pPr algn="ctr"/>
-            <a:r>
-              <a:rPr lang="de-DE" sz="2800" spc="600" dirty="0">
-                <a:latin typeface="Corbel Light" panose="020B0303020204020204" pitchFamily="34" charset="0"/>
-              </a:rPr>
-              <a:t>↨</a:t>
+              <a:t>oder</a:t>
             </a:r>
           </a:p>
         </p:txBody>
@@ -5782,7 +7651,7 @@
     </p:spTree>
     <p:extLst>
       <p:ext uri="{BB962C8B-B14F-4D97-AF65-F5344CB8AC3E}">
-        <p14:creationId xmlns:p14="http://schemas.microsoft.com/office/powerpoint/2010/main" val="3752604564"/>
+        <p14:creationId xmlns:p14="http://schemas.microsoft.com/office/powerpoint/2010/main" val="1289179003"/>
       </p:ext>
     </p:extLst>
   </p:cSld>
@@ -5853,6 +7722,173 @@
                             </p:childTnLst>
                           </p:cTn>
                         </p:par>
+                        <p:par>
+                          <p:cTn id="8" fill="hold">
+                            <p:stCondLst>
+                              <p:cond delay="500"/>
+                            </p:stCondLst>
+                            <p:childTnLst>
+                              <p:par>
+                                <p:cTn id="9" presetID="22" presetClass="entr" presetSubtype="8" fill="hold" grpId="0" nodeType="afterEffect">
+                                  <p:stCondLst>
+                                    <p:cond delay="0"/>
+                                  </p:stCondLst>
+                                  <p:childTnLst>
+                                    <p:set>
+                                      <p:cBhvr>
+                                        <p:cTn id="10" dur="1" fill="hold">
+                                          <p:stCondLst>
+                                            <p:cond delay="0"/>
+                                          </p:stCondLst>
+                                        </p:cTn>
+                                        <p:tgtEl>
+                                          <p:spTgt spid="7"/>
+                                        </p:tgtEl>
+                                        <p:attrNameLst>
+                                          <p:attrName>style.visibility</p:attrName>
+                                        </p:attrNameLst>
+                                      </p:cBhvr>
+                                      <p:to>
+                                        <p:strVal val="visible"/>
+                                      </p:to>
+                                    </p:set>
+                                    <p:animEffect transition="in" filter="wipe(left)">
+                                      <p:cBhvr>
+                                        <p:cTn id="11" dur="1000"/>
+                                        <p:tgtEl>
+                                          <p:spTgt spid="7"/>
+                                        </p:tgtEl>
+                                      </p:cBhvr>
+                                    </p:animEffect>
+                                  </p:childTnLst>
+                                </p:cTn>
+                              </p:par>
+                            </p:childTnLst>
+                          </p:cTn>
+                        </p:par>
+                        <p:par>
+                          <p:cTn id="12" fill="hold">
+                            <p:stCondLst>
+                              <p:cond delay="1500"/>
+                            </p:stCondLst>
+                            <p:childTnLst>
+                              <p:par>
+                                <p:cTn id="13" presetID="10" presetClass="entr" presetSubtype="0" fill="hold" grpId="0" nodeType="afterEffect">
+                                  <p:stCondLst>
+                                    <p:cond delay="250"/>
+                                  </p:stCondLst>
+                                  <p:childTnLst>
+                                    <p:set>
+                                      <p:cBhvr>
+                                        <p:cTn id="14" dur="1" fill="hold">
+                                          <p:stCondLst>
+                                            <p:cond delay="0"/>
+                                          </p:stCondLst>
+                                        </p:cTn>
+                                        <p:tgtEl>
+                                          <p:spTgt spid="11"/>
+                                        </p:tgtEl>
+                                        <p:attrNameLst>
+                                          <p:attrName>style.visibility</p:attrName>
+                                        </p:attrNameLst>
+                                      </p:cBhvr>
+                                      <p:to>
+                                        <p:strVal val="visible"/>
+                                      </p:to>
+                                    </p:set>
+                                    <p:animEffect transition="in" filter="fade">
+                                      <p:cBhvr>
+                                        <p:cTn id="15" dur="500"/>
+                                        <p:tgtEl>
+                                          <p:spTgt spid="11"/>
+                                        </p:tgtEl>
+                                      </p:cBhvr>
+                                    </p:animEffect>
+                                  </p:childTnLst>
+                                </p:cTn>
+                              </p:par>
+                              <p:par>
+                                <p:cTn id="16" presetID="10" presetClass="entr" presetSubtype="0" fill="hold" grpId="0" nodeType="withEffect">
+                                  <p:stCondLst>
+                                    <p:cond delay="250"/>
+                                  </p:stCondLst>
+                                  <p:childTnLst>
+                                    <p:set>
+                                      <p:cBhvr>
+                                        <p:cTn id="17" dur="1" fill="hold">
+                                          <p:stCondLst>
+                                            <p:cond delay="0"/>
+                                          </p:stCondLst>
+                                        </p:cTn>
+                                        <p:tgtEl>
+                                          <p:spTgt spid="12"/>
+                                        </p:tgtEl>
+                                        <p:attrNameLst>
+                                          <p:attrName>style.visibility</p:attrName>
+                                        </p:attrNameLst>
+                                      </p:cBhvr>
+                                      <p:to>
+                                        <p:strVal val="visible"/>
+                                      </p:to>
+                                    </p:set>
+                                    <p:animEffect transition="in" filter="fade">
+                                      <p:cBhvr>
+                                        <p:cTn id="18" dur="500"/>
+                                        <p:tgtEl>
+                                          <p:spTgt spid="12"/>
+                                        </p:tgtEl>
+                                      </p:cBhvr>
+                                    </p:animEffect>
+                                  </p:childTnLst>
+                                </p:cTn>
+                              </p:par>
+                            </p:childTnLst>
+                          </p:cTn>
+                        </p:par>
+                        <p:par>
+                          <p:cTn id="19" fill="hold">
+                            <p:stCondLst>
+                              <p:cond delay="2250"/>
+                            </p:stCondLst>
+                            <p:childTnLst>
+                              <p:par>
+                                <p:cTn id="20" presetID="10" presetClass="entr" presetSubtype="0" fill="hold" grpId="0" nodeType="afterEffect">
+                                  <p:stCondLst>
+                                    <p:cond delay="500"/>
+                                  </p:stCondLst>
+                                  <p:childTnLst>
+                                    <p:set>
+                                      <p:cBhvr>
+                                        <p:cTn id="21" dur="1" fill="hold">
+                                          <p:stCondLst>
+                                            <p:cond delay="0"/>
+                                          </p:stCondLst>
+                                        </p:cTn>
+                                        <p:tgtEl>
+                                          <p:spTgt spid="13"/>
+                                        </p:tgtEl>
+                                        <p:attrNameLst>
+                                          <p:attrName>style.visibility</p:attrName>
+                                        </p:attrNameLst>
+                                      </p:cBhvr>
+                                      <p:to>
+                                        <p:strVal val="visible"/>
+                                      </p:to>
+                                    </p:set>
+                                    <p:animEffect transition="in" filter="fade">
+                                      <p:cBhvr>
+                                        <p:cTn id="22" dur="500"/>
+                                        <p:tgtEl>
+                                          <p:spTgt spid="13"/>
+                                        </p:tgtEl>
+                                      </p:cBhvr>
+                                    </p:animEffect>
+                                  </p:childTnLst>
+                                </p:cTn>
+                              </p:par>
+                            </p:childTnLst>
+                          </p:cTn>
+                        </p:par>
                       </p:childTnLst>
                     </p:cTn>
                   </p:par>
@@ -5879,6 +7915,10 @@
     </p:tnLst>
     <p:bldLst>
       <p:bldP spid="2" grpId="0"/>
+      <p:bldP spid="7" grpId="0"/>
+      <p:bldP spid="11" grpId="0" animBg="1"/>
+      <p:bldP spid="12" grpId="0" animBg="1"/>
+      <p:bldP spid="13" grpId="0"/>
     </p:bldLst>
   </p:timing>
 </p:sld>
@@ -6063,7 +8103,7 @@
         </p:nvSpPr>
         <p:spPr>
           <a:xfrm>
-            <a:off x="0" y="1012279"/>
+            <a:off x="0" y="726420"/>
             <a:ext cx="12192000" cy="769441"/>
           </a:xfrm>
           <a:prstGeom prst="rect">
@@ -6093,17 +8133,17 @@
                 </a:solidFill>
                 <a:latin typeface="Corbel Light" panose="020B0303020204020204" pitchFamily="34" charset="0"/>
               </a:rPr>
-              <a:t>Vorbereitungen</a:t>
+              <a:t>RS485</a:t>
             </a:r>
           </a:p>
         </p:txBody>
       </p:sp>
       <p:sp>
         <p:nvSpPr>
-          <p:cNvPr id="5" name="Textfeld 4">
+          <p:cNvPr id="9" name="Textfeld 8">
             <a:extLst>
               <a:ext uri="{FF2B5EF4-FFF2-40B4-BE49-F238E27FC236}">
-                <a16:creationId xmlns:a16="http://schemas.microsoft.com/office/drawing/2014/main" id="{B488EB18-20A0-4EA9-80BC-5091290049F5}"/>
+                <a16:creationId xmlns:a16="http://schemas.microsoft.com/office/drawing/2014/main" id="{06983C61-44A2-491A-87D9-513A54B652F9}"/>
               </a:ext>
             </a:extLst>
           </p:cNvPr>
@@ -6112,8 +8152,8 @@
         </p:nvSpPr>
         <p:spPr>
           <a:xfrm>
-            <a:off x="-114300" y="2002879"/>
-            <a:ext cx="12420600" cy="523220"/>
+            <a:off x="4012732" y="1681865"/>
+            <a:ext cx="4166536" cy="523220"/>
           </a:xfrm>
           <a:prstGeom prst="rect">
             <a:avLst/>
@@ -6136,7 +8176,177 @@
               <a:rPr lang="de-DE" sz="2800" spc="600" dirty="0">
                 <a:latin typeface="Corbel Light" panose="020B0303020204020204" pitchFamily="34" charset="0"/>
               </a:rPr>
-              <a:t>Serielle Datenverbindung am Raspberry aktivieren</a:t>
+              <a:t>Serieller Datenbus</a:t>
+            </a:r>
+          </a:p>
+        </p:txBody>
+      </p:sp>
+      <p:sp>
+        <p:nvSpPr>
+          <p:cNvPr id="10" name="Textfeld 9">
+            <a:extLst>
+              <a:ext uri="{FF2B5EF4-FFF2-40B4-BE49-F238E27FC236}">
+                <a16:creationId xmlns:a16="http://schemas.microsoft.com/office/drawing/2014/main" id="{05A400A2-0E51-4EBB-9D50-EFB0009087F6}"/>
+              </a:ext>
+            </a:extLst>
+          </p:cNvPr>
+          <p:cNvSpPr txBox="1"/>
+          <p:nvPr/>
+        </p:nvSpPr>
+        <p:spPr>
+          <a:xfrm>
+            <a:off x="4229300" y="2395822"/>
+            <a:ext cx="3733399" cy="523220"/>
+          </a:xfrm>
+          <a:prstGeom prst="rect">
+            <a:avLst/>
+          </a:prstGeom>
+          <a:noFill/>
+          <a:ln>
+            <a:solidFill>
+              <a:schemeClr val="tx1"/>
+            </a:solidFill>
+          </a:ln>
+        </p:spPr>
+        <p:txBody>
+          <a:bodyPr wrap="square" rtlCol="0">
+            <a:spAutoFit/>
+          </a:bodyPr>
+          <a:lstStyle/>
+          <a:p>
+            <a:pPr algn="ctr"/>
+            <a:r>
+              <a:rPr lang="de-DE" sz="2800" spc="600" dirty="0">
+                <a:latin typeface="Corbel Light" panose="020B0303020204020204" pitchFamily="34" charset="0"/>
+              </a:rPr>
+              <a:t>Hohe Reichweite</a:t>
+            </a:r>
+          </a:p>
+        </p:txBody>
+      </p:sp>
+      <p:sp>
+        <p:nvSpPr>
+          <p:cNvPr id="14" name="Textfeld 13">
+            <a:extLst>
+              <a:ext uri="{FF2B5EF4-FFF2-40B4-BE49-F238E27FC236}">
+                <a16:creationId xmlns:a16="http://schemas.microsoft.com/office/drawing/2014/main" id="{D6A9C7F2-781F-413C-8E76-49F33275F1FE}"/>
+              </a:ext>
+            </a:extLst>
+          </p:cNvPr>
+          <p:cNvSpPr txBox="1"/>
+          <p:nvPr/>
+        </p:nvSpPr>
+        <p:spPr>
+          <a:xfrm>
+            <a:off x="3964605" y="3109779"/>
+            <a:ext cx="4262788" cy="523220"/>
+          </a:xfrm>
+          <a:prstGeom prst="rect">
+            <a:avLst/>
+          </a:prstGeom>
+          <a:noFill/>
+          <a:ln>
+            <a:solidFill>
+              <a:schemeClr val="tx1"/>
+            </a:solidFill>
+          </a:ln>
+        </p:spPr>
+        <p:txBody>
+          <a:bodyPr wrap="square" rtlCol="0">
+            <a:spAutoFit/>
+          </a:bodyPr>
+          <a:lstStyle/>
+          <a:p>
+            <a:pPr algn="ctr"/>
+            <a:r>
+              <a:rPr lang="de-DE" sz="2800" spc="600" dirty="0">
+                <a:latin typeface="Corbel Light" panose="020B0303020204020204" pitchFamily="34" charset="0"/>
+              </a:rPr>
+              <a:t>Master ↔ x-Slaves</a:t>
+            </a:r>
+          </a:p>
+        </p:txBody>
+      </p:sp>
+      <p:sp>
+        <p:nvSpPr>
+          <p:cNvPr id="15" name="Textfeld 14">
+            <a:extLst>
+              <a:ext uri="{FF2B5EF4-FFF2-40B4-BE49-F238E27FC236}">
+                <a16:creationId xmlns:a16="http://schemas.microsoft.com/office/drawing/2014/main" id="{EDC0117D-58F4-467D-B022-5970DDCB4994}"/>
+              </a:ext>
+            </a:extLst>
+          </p:cNvPr>
+          <p:cNvSpPr txBox="1"/>
+          <p:nvPr/>
+        </p:nvSpPr>
+        <p:spPr>
+          <a:xfrm>
+            <a:off x="3584407" y="5101650"/>
+            <a:ext cx="5023184" cy="523220"/>
+          </a:xfrm>
+          <a:prstGeom prst="rect">
+            <a:avLst/>
+          </a:prstGeom>
+          <a:noFill/>
+          <a:ln>
+            <a:solidFill>
+              <a:schemeClr val="tx1"/>
+            </a:solidFill>
+          </a:ln>
+        </p:spPr>
+        <p:txBody>
+          <a:bodyPr wrap="square" rtlCol="0">
+            <a:spAutoFit/>
+          </a:bodyPr>
+          <a:lstStyle/>
+          <a:p>
+            <a:pPr algn="ctr"/>
+            <a:r>
+              <a:rPr lang="de-DE" sz="2800" spc="600" dirty="0">
+                <a:latin typeface="Corbel Light" panose="020B0303020204020204" pitchFamily="34" charset="0"/>
+              </a:rPr>
+              <a:t>Zu Lange Lieferzeiten</a:t>
+            </a:r>
+          </a:p>
+        </p:txBody>
+      </p:sp>
+      <p:sp>
+        <p:nvSpPr>
+          <p:cNvPr id="16" name="Textfeld 15">
+            <a:extLst>
+              <a:ext uri="{FF2B5EF4-FFF2-40B4-BE49-F238E27FC236}">
+                <a16:creationId xmlns:a16="http://schemas.microsoft.com/office/drawing/2014/main" id="{B21FF403-2CAC-4530-827B-A540AA6C395F}"/>
+              </a:ext>
+            </a:extLst>
+          </p:cNvPr>
+          <p:cNvSpPr txBox="1"/>
+          <p:nvPr/>
+        </p:nvSpPr>
+        <p:spPr>
+          <a:xfrm>
+            <a:off x="3213100" y="4201689"/>
+            <a:ext cx="5765800" cy="523220"/>
+          </a:xfrm>
+          <a:prstGeom prst="rect">
+            <a:avLst/>
+          </a:prstGeom>
+          <a:noFill/>
+          <a:ln>
+            <a:noFill/>
+          </a:ln>
+        </p:spPr>
+        <p:txBody>
+          <a:bodyPr wrap="square" rtlCol="0">
+            <a:spAutoFit/>
+          </a:bodyPr>
+          <a:lstStyle/>
+          <a:p>
+            <a:pPr algn="ctr"/>
+            <a:r>
+              <a:rPr lang="de-DE" sz="2800" spc="600" dirty="0">
+                <a:latin typeface="Corbel Light" panose="020B0303020204020204" pitchFamily="34" charset="0"/>
+              </a:rPr>
+              <a:t>ABER</a:t>
             </a:r>
           </a:p>
         </p:txBody>
@@ -6144,7 +8354,7 @@
     </p:spTree>
     <p:extLst>
       <p:ext uri="{BB962C8B-B14F-4D97-AF65-F5344CB8AC3E}">
-        <p14:creationId xmlns:p14="http://schemas.microsoft.com/office/powerpoint/2010/main" val="1102317050"/>
+        <p14:creationId xmlns:p14="http://schemas.microsoft.com/office/powerpoint/2010/main" val="3158725272"/>
       </p:ext>
     </p:extLst>
   </p:cSld>
@@ -6212,6 +8422,485 @@
                                   </p:childTnLst>
                                 </p:cTn>
                               </p:par>
+                              <p:par>
+                                <p:cTn id="8" presetID="22" presetClass="entr" presetSubtype="8" fill="hold" grpId="0" nodeType="withEffect">
+                                  <p:stCondLst>
+                                    <p:cond delay="0"/>
+                                  </p:stCondLst>
+                                  <p:childTnLst>
+                                    <p:set>
+                                      <p:cBhvr>
+                                        <p:cTn id="9" dur="1" fill="hold">
+                                          <p:stCondLst>
+                                            <p:cond delay="0"/>
+                                          </p:stCondLst>
+                                        </p:cTn>
+                                        <p:tgtEl>
+                                          <p:spTgt spid="7"/>
+                                        </p:tgtEl>
+                                        <p:attrNameLst>
+                                          <p:attrName>style.visibility</p:attrName>
+                                        </p:attrNameLst>
+                                      </p:cBhvr>
+                                      <p:to>
+                                        <p:strVal val="visible"/>
+                                      </p:to>
+                                    </p:set>
+                                    <p:animEffect transition="in" filter="wipe(left)">
+                                      <p:cBhvr>
+                                        <p:cTn id="10" dur="500"/>
+                                        <p:tgtEl>
+                                          <p:spTgt spid="7"/>
+                                        </p:tgtEl>
+                                      </p:cBhvr>
+                                    </p:animEffect>
+                                  </p:childTnLst>
+                                </p:cTn>
+                              </p:par>
+                            </p:childTnLst>
+                          </p:cTn>
+                        </p:par>
+                        <p:par>
+                          <p:cTn id="11" fill="hold">
+                            <p:stCondLst>
+                              <p:cond delay="500"/>
+                            </p:stCondLst>
+                            <p:childTnLst>
+                              <p:par>
+                                <p:cTn id="12" presetID="10" presetClass="entr" presetSubtype="0" fill="hold" grpId="0" nodeType="afterEffect">
+                                  <p:stCondLst>
+                                    <p:cond delay="250"/>
+                                  </p:stCondLst>
+                                  <p:childTnLst>
+                                    <p:set>
+                                      <p:cBhvr>
+                                        <p:cTn id="13" dur="1" fill="hold">
+                                          <p:stCondLst>
+                                            <p:cond delay="0"/>
+                                          </p:stCondLst>
+                                        </p:cTn>
+                                        <p:tgtEl>
+                                          <p:spTgt spid="9">
+                                            <p:bg/>
+                                          </p:spTgt>
+                                        </p:tgtEl>
+                                        <p:attrNameLst>
+                                          <p:attrName>style.visibility</p:attrName>
+                                        </p:attrNameLst>
+                                      </p:cBhvr>
+                                      <p:to>
+                                        <p:strVal val="visible"/>
+                                      </p:to>
+                                    </p:set>
+                                    <p:animEffect transition="in" filter="fade">
+                                      <p:cBhvr>
+                                        <p:cTn id="14" dur="500"/>
+                                        <p:tgtEl>
+                                          <p:spTgt spid="9">
+                                            <p:bg/>
+                                          </p:spTgt>
+                                        </p:tgtEl>
+                                      </p:cBhvr>
+                                    </p:animEffect>
+                                  </p:childTnLst>
+                                </p:cTn>
+                              </p:par>
+                            </p:childTnLst>
+                          </p:cTn>
+                        </p:par>
+                        <p:par>
+                          <p:cTn id="15" fill="hold">
+                            <p:stCondLst>
+                              <p:cond delay="1250"/>
+                            </p:stCondLst>
+                            <p:childTnLst>
+                              <p:par>
+                                <p:cTn id="16" presetID="10" presetClass="entr" presetSubtype="0" fill="hold" grpId="0" nodeType="afterEffect">
+                                  <p:stCondLst>
+                                    <p:cond delay="250"/>
+                                  </p:stCondLst>
+                                  <p:childTnLst>
+                                    <p:set>
+                                      <p:cBhvr>
+                                        <p:cTn id="17" dur="1" fill="hold">
+                                          <p:stCondLst>
+                                            <p:cond delay="0"/>
+                                          </p:stCondLst>
+                                        </p:cTn>
+                                        <p:tgtEl>
+                                          <p:spTgt spid="9">
+                                            <p:txEl>
+                                              <p:pRg st="0" end="0"/>
+                                            </p:txEl>
+                                          </p:spTgt>
+                                        </p:tgtEl>
+                                        <p:attrNameLst>
+                                          <p:attrName>style.visibility</p:attrName>
+                                        </p:attrNameLst>
+                                      </p:cBhvr>
+                                      <p:to>
+                                        <p:strVal val="visible"/>
+                                      </p:to>
+                                    </p:set>
+                                    <p:animEffect transition="in" filter="fade">
+                                      <p:cBhvr>
+                                        <p:cTn id="18" dur="500"/>
+                                        <p:tgtEl>
+                                          <p:spTgt spid="9">
+                                            <p:txEl>
+                                              <p:pRg st="0" end="0"/>
+                                            </p:txEl>
+                                          </p:spTgt>
+                                        </p:tgtEl>
+                                      </p:cBhvr>
+                                    </p:animEffect>
+                                  </p:childTnLst>
+                                </p:cTn>
+                              </p:par>
+                            </p:childTnLst>
+                          </p:cTn>
+                        </p:par>
+                        <p:par>
+                          <p:cTn id="19" fill="hold">
+                            <p:stCondLst>
+                              <p:cond delay="2000"/>
+                            </p:stCondLst>
+                            <p:childTnLst>
+                              <p:par>
+                                <p:cTn id="20" presetID="10" presetClass="entr" presetSubtype="0" fill="hold" grpId="0" nodeType="afterEffect">
+                                  <p:stCondLst>
+                                    <p:cond delay="250"/>
+                                  </p:stCondLst>
+                                  <p:childTnLst>
+                                    <p:set>
+                                      <p:cBhvr>
+                                        <p:cTn id="21" dur="1" fill="hold">
+                                          <p:stCondLst>
+                                            <p:cond delay="0"/>
+                                          </p:stCondLst>
+                                        </p:cTn>
+                                        <p:tgtEl>
+                                          <p:spTgt spid="10">
+                                            <p:bg/>
+                                          </p:spTgt>
+                                        </p:tgtEl>
+                                        <p:attrNameLst>
+                                          <p:attrName>style.visibility</p:attrName>
+                                        </p:attrNameLst>
+                                      </p:cBhvr>
+                                      <p:to>
+                                        <p:strVal val="visible"/>
+                                      </p:to>
+                                    </p:set>
+                                    <p:animEffect transition="in" filter="fade">
+                                      <p:cBhvr>
+                                        <p:cTn id="22" dur="500"/>
+                                        <p:tgtEl>
+                                          <p:spTgt spid="10">
+                                            <p:bg/>
+                                          </p:spTgt>
+                                        </p:tgtEl>
+                                      </p:cBhvr>
+                                    </p:animEffect>
+                                  </p:childTnLst>
+                                </p:cTn>
+                              </p:par>
+                            </p:childTnLst>
+                          </p:cTn>
+                        </p:par>
+                        <p:par>
+                          <p:cTn id="23" fill="hold">
+                            <p:stCondLst>
+                              <p:cond delay="2750"/>
+                            </p:stCondLst>
+                            <p:childTnLst>
+                              <p:par>
+                                <p:cTn id="24" presetID="10" presetClass="entr" presetSubtype="0" fill="hold" grpId="0" nodeType="afterEffect">
+                                  <p:stCondLst>
+                                    <p:cond delay="250"/>
+                                  </p:stCondLst>
+                                  <p:childTnLst>
+                                    <p:set>
+                                      <p:cBhvr>
+                                        <p:cTn id="25" dur="1" fill="hold">
+                                          <p:stCondLst>
+                                            <p:cond delay="0"/>
+                                          </p:stCondLst>
+                                        </p:cTn>
+                                        <p:tgtEl>
+                                          <p:spTgt spid="10">
+                                            <p:txEl>
+                                              <p:pRg st="0" end="0"/>
+                                            </p:txEl>
+                                          </p:spTgt>
+                                        </p:tgtEl>
+                                        <p:attrNameLst>
+                                          <p:attrName>style.visibility</p:attrName>
+                                        </p:attrNameLst>
+                                      </p:cBhvr>
+                                      <p:to>
+                                        <p:strVal val="visible"/>
+                                      </p:to>
+                                    </p:set>
+                                    <p:animEffect transition="in" filter="fade">
+                                      <p:cBhvr>
+                                        <p:cTn id="26" dur="500"/>
+                                        <p:tgtEl>
+                                          <p:spTgt spid="10">
+                                            <p:txEl>
+                                              <p:pRg st="0" end="0"/>
+                                            </p:txEl>
+                                          </p:spTgt>
+                                        </p:tgtEl>
+                                      </p:cBhvr>
+                                    </p:animEffect>
+                                  </p:childTnLst>
+                                </p:cTn>
+                              </p:par>
+                            </p:childTnLst>
+                          </p:cTn>
+                        </p:par>
+                        <p:par>
+                          <p:cTn id="27" fill="hold">
+                            <p:stCondLst>
+                              <p:cond delay="3500"/>
+                            </p:stCondLst>
+                            <p:childTnLst>
+                              <p:par>
+                                <p:cTn id="28" presetID="10" presetClass="entr" presetSubtype="0" fill="hold" grpId="0" nodeType="afterEffect">
+                                  <p:stCondLst>
+                                    <p:cond delay="250"/>
+                                  </p:stCondLst>
+                                  <p:childTnLst>
+                                    <p:set>
+                                      <p:cBhvr>
+                                        <p:cTn id="29" dur="1" fill="hold">
+                                          <p:stCondLst>
+                                            <p:cond delay="0"/>
+                                          </p:stCondLst>
+                                        </p:cTn>
+                                        <p:tgtEl>
+                                          <p:spTgt spid="14">
+                                            <p:bg/>
+                                          </p:spTgt>
+                                        </p:tgtEl>
+                                        <p:attrNameLst>
+                                          <p:attrName>style.visibility</p:attrName>
+                                        </p:attrNameLst>
+                                      </p:cBhvr>
+                                      <p:to>
+                                        <p:strVal val="visible"/>
+                                      </p:to>
+                                    </p:set>
+                                    <p:animEffect transition="in" filter="fade">
+                                      <p:cBhvr>
+                                        <p:cTn id="30" dur="500"/>
+                                        <p:tgtEl>
+                                          <p:spTgt spid="14">
+                                            <p:bg/>
+                                          </p:spTgt>
+                                        </p:tgtEl>
+                                      </p:cBhvr>
+                                    </p:animEffect>
+                                  </p:childTnLst>
+                                </p:cTn>
+                              </p:par>
+                            </p:childTnLst>
+                          </p:cTn>
+                        </p:par>
+                        <p:par>
+                          <p:cTn id="31" fill="hold">
+                            <p:stCondLst>
+                              <p:cond delay="4250"/>
+                            </p:stCondLst>
+                            <p:childTnLst>
+                              <p:par>
+                                <p:cTn id="32" presetID="10" presetClass="entr" presetSubtype="0" fill="hold" grpId="0" nodeType="afterEffect">
+                                  <p:stCondLst>
+                                    <p:cond delay="250"/>
+                                  </p:stCondLst>
+                                  <p:childTnLst>
+                                    <p:set>
+                                      <p:cBhvr>
+                                        <p:cTn id="33" dur="1" fill="hold">
+                                          <p:stCondLst>
+                                            <p:cond delay="0"/>
+                                          </p:stCondLst>
+                                        </p:cTn>
+                                        <p:tgtEl>
+                                          <p:spTgt spid="14">
+                                            <p:txEl>
+                                              <p:pRg st="0" end="0"/>
+                                            </p:txEl>
+                                          </p:spTgt>
+                                        </p:tgtEl>
+                                        <p:attrNameLst>
+                                          <p:attrName>style.visibility</p:attrName>
+                                        </p:attrNameLst>
+                                      </p:cBhvr>
+                                      <p:to>
+                                        <p:strVal val="visible"/>
+                                      </p:to>
+                                    </p:set>
+                                    <p:animEffect transition="in" filter="fade">
+                                      <p:cBhvr>
+                                        <p:cTn id="34" dur="500"/>
+                                        <p:tgtEl>
+                                          <p:spTgt spid="14">
+                                            <p:txEl>
+                                              <p:pRg st="0" end="0"/>
+                                            </p:txEl>
+                                          </p:spTgt>
+                                        </p:tgtEl>
+                                      </p:cBhvr>
+                                    </p:animEffect>
+                                  </p:childTnLst>
+                                </p:cTn>
+                              </p:par>
+                            </p:childTnLst>
+                          </p:cTn>
+                        </p:par>
+                        <p:par>
+                          <p:cTn id="35" fill="hold">
+                            <p:stCondLst>
+                              <p:cond delay="5000"/>
+                            </p:stCondLst>
+                            <p:childTnLst>
+                              <p:par>
+                                <p:cTn id="36" presetID="10" presetClass="entr" presetSubtype="0" fill="hold" grpId="0" nodeType="afterEffect">
+                                  <p:stCondLst>
+                                    <p:cond delay="0"/>
+                                  </p:stCondLst>
+                                  <p:childTnLst>
+                                    <p:set>
+                                      <p:cBhvr>
+                                        <p:cTn id="37" dur="1" fill="hold">
+                                          <p:stCondLst>
+                                            <p:cond delay="0"/>
+                                          </p:stCondLst>
+                                        </p:cTn>
+                                        <p:tgtEl>
+                                          <p:spTgt spid="16"/>
+                                        </p:tgtEl>
+                                        <p:attrNameLst>
+                                          <p:attrName>style.visibility</p:attrName>
+                                        </p:attrNameLst>
+                                      </p:cBhvr>
+                                      <p:to>
+                                        <p:strVal val="visible"/>
+                                      </p:to>
+                                    </p:set>
+                                    <p:animEffect transition="in" filter="fade">
+                                      <p:cBhvr>
+                                        <p:cTn id="38" dur="500"/>
+                                        <p:tgtEl>
+                                          <p:spTgt spid="16"/>
+                                        </p:tgtEl>
+                                      </p:cBhvr>
+                                    </p:animEffect>
+                                  </p:childTnLst>
+                                </p:cTn>
+                              </p:par>
+                            </p:childTnLst>
+                          </p:cTn>
+                        </p:par>
+                        <p:par>
+                          <p:cTn id="39" fill="hold">
+                            <p:stCondLst>
+                              <p:cond delay="5500"/>
+                            </p:stCondLst>
+                            <p:childTnLst>
+                              <p:par>
+                                <p:cTn id="40" presetID="10" presetClass="entr" presetSubtype="0" fill="hold" grpId="0" nodeType="afterEffect">
+                                  <p:stCondLst>
+                                    <p:cond delay="0"/>
+                                  </p:stCondLst>
+                                  <p:childTnLst>
+                                    <p:set>
+                                      <p:cBhvr>
+                                        <p:cTn id="41" dur="1" fill="hold">
+                                          <p:stCondLst>
+                                            <p:cond delay="0"/>
+                                          </p:stCondLst>
+                                        </p:cTn>
+                                        <p:tgtEl>
+                                          <p:spTgt spid="15">
+                                            <p:bg/>
+                                          </p:spTgt>
+                                        </p:tgtEl>
+                                        <p:attrNameLst>
+                                          <p:attrName>style.visibility</p:attrName>
+                                        </p:attrNameLst>
+                                      </p:cBhvr>
+                                      <p:to>
+                                        <p:strVal val="visible"/>
+                                      </p:to>
+                                    </p:set>
+                                    <p:animEffect transition="in" filter="fade">
+                                      <p:cBhvr>
+                                        <p:cTn id="42" dur="500"/>
+                                        <p:tgtEl>
+                                          <p:spTgt spid="15">
+                                            <p:bg/>
+                                          </p:spTgt>
+                                        </p:tgtEl>
+                                      </p:cBhvr>
+                                    </p:animEffect>
+                                  </p:childTnLst>
+                                </p:cTn>
+                              </p:par>
+                            </p:childTnLst>
+                          </p:cTn>
+                        </p:par>
+                        <p:par>
+                          <p:cTn id="43" fill="hold">
+                            <p:stCondLst>
+                              <p:cond delay="6000"/>
+                            </p:stCondLst>
+                            <p:childTnLst>
+                              <p:par>
+                                <p:cTn id="44" presetID="10" presetClass="entr" presetSubtype="0" fill="hold" grpId="0" nodeType="afterEffect">
+                                  <p:stCondLst>
+                                    <p:cond delay="0"/>
+                                  </p:stCondLst>
+                                  <p:childTnLst>
+                                    <p:set>
+                                      <p:cBhvr>
+                                        <p:cTn id="45" dur="1" fill="hold">
+                                          <p:stCondLst>
+                                            <p:cond delay="0"/>
+                                          </p:stCondLst>
+                                        </p:cTn>
+                                        <p:tgtEl>
+                                          <p:spTgt spid="15">
+                                            <p:txEl>
+                                              <p:pRg st="0" end="0"/>
+                                            </p:txEl>
+                                          </p:spTgt>
+                                        </p:tgtEl>
+                                        <p:attrNameLst>
+                                          <p:attrName>style.visibility</p:attrName>
+                                        </p:attrNameLst>
+                                      </p:cBhvr>
+                                      <p:to>
+                                        <p:strVal val="visible"/>
+                                      </p:to>
+                                    </p:set>
+                                    <p:animEffect transition="in" filter="fade">
+                                      <p:cBhvr>
+                                        <p:cTn id="46" dur="500"/>
+                                        <p:tgtEl>
+                                          <p:spTgt spid="15">
+                                            <p:txEl>
+                                              <p:pRg st="0" end="0"/>
+                                            </p:txEl>
+                                          </p:spTgt>
+                                        </p:tgtEl>
+                                      </p:cBhvr>
+                                    </p:animEffect>
+                                  </p:childTnLst>
+                                </p:cTn>
+                              </p:par>
                             </p:childTnLst>
                           </p:cTn>
                         </p:par>
@@ -6241,6 +8930,12 @@
     </p:tnLst>
     <p:bldLst>
       <p:bldP spid="2" grpId="0"/>
+      <p:bldP spid="7" grpId="0" animBg="1"/>
+      <p:bldP spid="9" grpId="0" build="p" animBg="1"/>
+      <p:bldP spid="10" grpId="0" build="p" animBg="1"/>
+      <p:bldP spid="14" grpId="0" uiExpand="1" build="p" animBg="1"/>
+      <p:bldP spid="15" grpId="0" build="p" animBg="1"/>
+      <p:bldP spid="16" grpId="0"/>
     </p:bldLst>
   </p:timing>
 </p:sld>
@@ -6425,7 +9120,7 @@
         </p:nvSpPr>
         <p:spPr>
           <a:xfrm>
-            <a:off x="0" y="1012279"/>
+            <a:off x="-2123" y="738138"/>
             <a:ext cx="12192000" cy="769441"/>
           </a:xfrm>
           <a:prstGeom prst="rect">
@@ -6455,7 +9150,261 @@
                 </a:solidFill>
                 <a:latin typeface="Corbel Light" panose="020B0303020204020204" pitchFamily="34" charset="0"/>
               </a:rPr>
-              <a:t>Software Implementation</a:t>
+              <a:t>RS232</a:t>
+            </a:r>
+          </a:p>
+        </p:txBody>
+      </p:sp>
+      <p:sp>
+        <p:nvSpPr>
+          <p:cNvPr id="5" name="Textfeld 4">
+            <a:extLst>
+              <a:ext uri="{FF2B5EF4-FFF2-40B4-BE49-F238E27FC236}">
+                <a16:creationId xmlns:a16="http://schemas.microsoft.com/office/drawing/2014/main" id="{E01B3D8A-FB7C-46DB-9BD1-50B4D28F1967}"/>
+              </a:ext>
+            </a:extLst>
+          </p:cNvPr>
+          <p:cNvSpPr txBox="1"/>
+          <p:nvPr/>
+        </p:nvSpPr>
+        <p:spPr>
+          <a:xfrm>
+            <a:off x="3990297" y="1740791"/>
+            <a:ext cx="4207160" cy="523220"/>
+          </a:xfrm>
+          <a:prstGeom prst="rect">
+            <a:avLst/>
+          </a:prstGeom>
+          <a:noFill/>
+          <a:ln>
+            <a:solidFill>
+              <a:schemeClr val="tx1"/>
+            </a:solidFill>
+          </a:ln>
+        </p:spPr>
+        <p:txBody>
+          <a:bodyPr wrap="square" rtlCol="0">
+            <a:spAutoFit/>
+          </a:bodyPr>
+          <a:lstStyle/>
+          <a:p>
+            <a:pPr algn="ctr"/>
+            <a:r>
+              <a:rPr lang="de-DE" sz="2800" spc="600" dirty="0">
+                <a:latin typeface="Corbel Light" panose="020B0303020204020204" pitchFamily="34" charset="0"/>
+              </a:rPr>
+              <a:t>Serieller Datenbus</a:t>
+            </a:r>
+          </a:p>
+        </p:txBody>
+      </p:sp>
+      <p:sp>
+        <p:nvSpPr>
+          <p:cNvPr id="6" name="Textfeld 5">
+            <a:extLst>
+              <a:ext uri="{FF2B5EF4-FFF2-40B4-BE49-F238E27FC236}">
+                <a16:creationId xmlns:a16="http://schemas.microsoft.com/office/drawing/2014/main" id="{E470DC0C-EA73-4D82-B065-495A054A7693}"/>
+              </a:ext>
+            </a:extLst>
+          </p:cNvPr>
+          <p:cNvSpPr txBox="1"/>
+          <p:nvPr/>
+        </p:nvSpPr>
+        <p:spPr>
+          <a:xfrm>
+            <a:off x="4230928" y="2454090"/>
+            <a:ext cx="3725897" cy="523220"/>
+          </a:xfrm>
+          <a:prstGeom prst="rect">
+            <a:avLst/>
+          </a:prstGeom>
+          <a:noFill/>
+          <a:ln>
+            <a:solidFill>
+              <a:schemeClr val="tx1"/>
+            </a:solidFill>
+          </a:ln>
+        </p:spPr>
+        <p:txBody>
+          <a:bodyPr wrap="square" rtlCol="0">
+            <a:spAutoFit/>
+          </a:bodyPr>
+          <a:lstStyle/>
+          <a:p>
+            <a:pPr algn="ctr"/>
+            <a:r>
+              <a:rPr lang="de-DE" sz="2800" spc="600" dirty="0">
+                <a:latin typeface="Corbel Light" panose="020B0303020204020204" pitchFamily="34" charset="0"/>
+              </a:rPr>
+              <a:t>Hohe Reichweite</a:t>
+            </a:r>
+          </a:p>
+        </p:txBody>
+      </p:sp>
+      <p:sp>
+        <p:nvSpPr>
+          <p:cNvPr id="9" name="Textfeld 8">
+            <a:extLst>
+              <a:ext uri="{FF2B5EF4-FFF2-40B4-BE49-F238E27FC236}">
+                <a16:creationId xmlns:a16="http://schemas.microsoft.com/office/drawing/2014/main" id="{A678F4E3-C0E9-4FEA-ACF9-5EE8E083A527}"/>
+              </a:ext>
+            </a:extLst>
+          </p:cNvPr>
+          <p:cNvSpPr txBox="1"/>
+          <p:nvPr/>
+        </p:nvSpPr>
+        <p:spPr>
+          <a:xfrm>
+            <a:off x="1291471" y="3938884"/>
+            <a:ext cx="9604809" cy="523220"/>
+          </a:xfrm>
+          <a:prstGeom prst="rect">
+            <a:avLst/>
+          </a:prstGeom>
+          <a:noFill/>
+          <a:ln>
+            <a:solidFill>
+              <a:schemeClr val="tx1"/>
+            </a:solidFill>
+          </a:ln>
+        </p:spPr>
+        <p:txBody>
+          <a:bodyPr wrap="square" rtlCol="0">
+            <a:spAutoFit/>
+          </a:bodyPr>
+          <a:lstStyle/>
+          <a:p>
+            <a:pPr algn="ctr"/>
+            <a:r>
+              <a:rPr lang="de-DE" sz="2800" spc="600" dirty="0">
+                <a:latin typeface="Corbel Light" panose="020B0303020204020204" pitchFamily="34" charset="0"/>
+              </a:rPr>
+              <a:t>Nur Verbindung zwischen 2 Geräten möglich</a:t>
+            </a:r>
+          </a:p>
+        </p:txBody>
+      </p:sp>
+      <p:sp>
+        <p:nvSpPr>
+          <p:cNvPr id="10" name="Textfeld 9">
+            <a:extLst>
+              <a:ext uri="{FF2B5EF4-FFF2-40B4-BE49-F238E27FC236}">
+                <a16:creationId xmlns:a16="http://schemas.microsoft.com/office/drawing/2014/main" id="{1A3949C2-1A7C-45FB-A770-B46D216C4D43}"/>
+              </a:ext>
+            </a:extLst>
+          </p:cNvPr>
+          <p:cNvSpPr txBox="1"/>
+          <p:nvPr/>
+        </p:nvSpPr>
+        <p:spPr>
+          <a:xfrm>
+            <a:off x="3210977" y="3167390"/>
+            <a:ext cx="5765800" cy="523220"/>
+          </a:xfrm>
+          <a:prstGeom prst="rect">
+            <a:avLst/>
+          </a:prstGeom>
+          <a:noFill/>
+          <a:ln>
+            <a:noFill/>
+          </a:ln>
+        </p:spPr>
+        <p:txBody>
+          <a:bodyPr wrap="square" rtlCol="0">
+            <a:spAutoFit/>
+          </a:bodyPr>
+          <a:lstStyle/>
+          <a:p>
+            <a:pPr algn="ctr"/>
+            <a:r>
+              <a:rPr lang="de-DE" sz="2800" spc="600" dirty="0">
+                <a:latin typeface="Corbel Light" panose="020B0303020204020204" pitchFamily="34" charset="0"/>
+              </a:rPr>
+              <a:t>ABER</a:t>
+            </a:r>
+          </a:p>
+        </p:txBody>
+      </p:sp>
+      <p:sp>
+        <p:nvSpPr>
+          <p:cNvPr id="11" name="Textfeld 10">
+            <a:extLst>
+              <a:ext uri="{FF2B5EF4-FFF2-40B4-BE49-F238E27FC236}">
+                <a16:creationId xmlns:a16="http://schemas.microsoft.com/office/drawing/2014/main" id="{D70B90CB-0C63-494D-99A9-E51D5DFF859E}"/>
+              </a:ext>
+            </a:extLst>
+          </p:cNvPr>
+          <p:cNvSpPr txBox="1"/>
+          <p:nvPr/>
+        </p:nvSpPr>
+        <p:spPr>
+          <a:xfrm>
+            <a:off x="2523504" y="5350421"/>
+            <a:ext cx="7140742" cy="523220"/>
+          </a:xfrm>
+          <a:prstGeom prst="rect">
+            <a:avLst/>
+          </a:prstGeom>
+          <a:noFill/>
+          <a:ln>
+            <a:solidFill>
+              <a:schemeClr val="tx1"/>
+            </a:solidFill>
+          </a:ln>
+        </p:spPr>
+        <p:txBody>
+          <a:bodyPr wrap="square" rtlCol="0">
+            <a:spAutoFit/>
+          </a:bodyPr>
+          <a:lstStyle/>
+          <a:p>
+            <a:pPr algn="ctr"/>
+            <a:r>
+              <a:rPr lang="de-DE" sz="2800" spc="600" dirty="0">
+                <a:latin typeface="Corbel Light" panose="020B0303020204020204" pitchFamily="34" charset="0"/>
+              </a:rPr>
+              <a:t>Raspberry Pi 4 hat 6 UART-Ports</a:t>
+            </a:r>
+          </a:p>
+        </p:txBody>
+      </p:sp>
+      <p:sp>
+        <p:nvSpPr>
+          <p:cNvPr id="12" name="Textfeld 11">
+            <a:extLst>
+              <a:ext uri="{FF2B5EF4-FFF2-40B4-BE49-F238E27FC236}">
+                <a16:creationId xmlns:a16="http://schemas.microsoft.com/office/drawing/2014/main" id="{09F3E3A2-5379-46C2-AC11-1F951974D3B2}"/>
+              </a:ext>
+            </a:extLst>
+          </p:cNvPr>
+          <p:cNvSpPr txBox="1"/>
+          <p:nvPr/>
+        </p:nvSpPr>
+        <p:spPr>
+          <a:xfrm>
+            <a:off x="3213100" y="4578250"/>
+            <a:ext cx="5765800" cy="523220"/>
+          </a:xfrm>
+          <a:prstGeom prst="rect">
+            <a:avLst/>
+          </a:prstGeom>
+          <a:noFill/>
+          <a:ln>
+            <a:noFill/>
+          </a:ln>
+        </p:spPr>
+        <p:txBody>
+          <a:bodyPr wrap="square" rtlCol="0">
+            <a:spAutoFit/>
+          </a:bodyPr>
+          <a:lstStyle/>
+          <a:p>
+            <a:pPr algn="ctr"/>
+            <a:r>
+              <a:rPr lang="de-DE" sz="2800" spc="600" dirty="0">
+                <a:latin typeface="Corbel Light" panose="020B0303020204020204" pitchFamily="34" charset="0"/>
+              </a:rPr>
+              <a:t>↨</a:t>
             </a:r>
           </a:p>
         </p:txBody>
@@ -6463,7 +9412,7 @@
     </p:spTree>
     <p:extLst>
       <p:ext uri="{BB962C8B-B14F-4D97-AF65-F5344CB8AC3E}">
-        <p14:creationId xmlns:p14="http://schemas.microsoft.com/office/powerpoint/2010/main" val="3360714793"/>
+        <p14:creationId xmlns:p14="http://schemas.microsoft.com/office/powerpoint/2010/main" val="3752604564"/>
       </p:ext>
     </p:extLst>
   </p:cSld>
@@ -6534,6 +9483,554 @@
                             </p:childTnLst>
                           </p:cTn>
                         </p:par>
+                        <p:par>
+                          <p:cTn id="8" fill="hold">
+                            <p:stCondLst>
+                              <p:cond delay="500"/>
+                            </p:stCondLst>
+                            <p:childTnLst>
+                              <p:par>
+                                <p:cTn id="9" presetID="22" presetClass="entr" presetSubtype="8" fill="hold" grpId="0" nodeType="afterEffect">
+                                  <p:stCondLst>
+                                    <p:cond delay="0"/>
+                                  </p:stCondLst>
+                                  <p:childTnLst>
+                                    <p:set>
+                                      <p:cBhvr>
+                                        <p:cTn id="10" dur="1" fill="hold">
+                                          <p:stCondLst>
+                                            <p:cond delay="0"/>
+                                          </p:stCondLst>
+                                        </p:cTn>
+                                        <p:tgtEl>
+                                          <p:spTgt spid="7"/>
+                                        </p:tgtEl>
+                                        <p:attrNameLst>
+                                          <p:attrName>style.visibility</p:attrName>
+                                        </p:attrNameLst>
+                                      </p:cBhvr>
+                                      <p:to>
+                                        <p:strVal val="visible"/>
+                                      </p:to>
+                                    </p:set>
+                                    <p:animEffect transition="in" filter="wipe(left)">
+                                      <p:cBhvr>
+                                        <p:cTn id="11" dur="500"/>
+                                        <p:tgtEl>
+                                          <p:spTgt spid="7"/>
+                                        </p:tgtEl>
+                                      </p:cBhvr>
+                                    </p:animEffect>
+                                  </p:childTnLst>
+                                </p:cTn>
+                              </p:par>
+                            </p:childTnLst>
+                          </p:cTn>
+                        </p:par>
+                        <p:par>
+                          <p:cTn id="12" fill="hold">
+                            <p:stCondLst>
+                              <p:cond delay="1000"/>
+                            </p:stCondLst>
+                            <p:childTnLst>
+                              <p:par>
+                                <p:cTn id="13" presetID="10" presetClass="entr" presetSubtype="0" fill="hold" grpId="0" nodeType="afterEffect">
+                                  <p:stCondLst>
+                                    <p:cond delay="0"/>
+                                  </p:stCondLst>
+                                  <p:childTnLst>
+                                    <p:set>
+                                      <p:cBhvr>
+                                        <p:cTn id="14" dur="1" fill="hold">
+                                          <p:stCondLst>
+                                            <p:cond delay="0"/>
+                                          </p:stCondLst>
+                                        </p:cTn>
+                                        <p:tgtEl>
+                                          <p:spTgt spid="5">
+                                            <p:bg/>
+                                          </p:spTgt>
+                                        </p:tgtEl>
+                                        <p:attrNameLst>
+                                          <p:attrName>style.visibility</p:attrName>
+                                        </p:attrNameLst>
+                                      </p:cBhvr>
+                                      <p:to>
+                                        <p:strVal val="visible"/>
+                                      </p:to>
+                                    </p:set>
+                                    <p:animEffect transition="in" filter="fade">
+                                      <p:cBhvr>
+                                        <p:cTn id="15" dur="500"/>
+                                        <p:tgtEl>
+                                          <p:spTgt spid="5">
+                                            <p:bg/>
+                                          </p:spTgt>
+                                        </p:tgtEl>
+                                      </p:cBhvr>
+                                    </p:animEffect>
+                                  </p:childTnLst>
+                                </p:cTn>
+                              </p:par>
+                            </p:childTnLst>
+                          </p:cTn>
+                        </p:par>
+                        <p:par>
+                          <p:cTn id="16" fill="hold">
+                            <p:stCondLst>
+                              <p:cond delay="1500"/>
+                            </p:stCondLst>
+                            <p:childTnLst>
+                              <p:par>
+                                <p:cTn id="17" presetID="10" presetClass="entr" presetSubtype="0" fill="hold" grpId="0" nodeType="afterEffect">
+                                  <p:stCondLst>
+                                    <p:cond delay="0"/>
+                                  </p:stCondLst>
+                                  <p:childTnLst>
+                                    <p:set>
+                                      <p:cBhvr>
+                                        <p:cTn id="18" dur="1" fill="hold">
+                                          <p:stCondLst>
+                                            <p:cond delay="0"/>
+                                          </p:stCondLst>
+                                        </p:cTn>
+                                        <p:tgtEl>
+                                          <p:spTgt spid="5">
+                                            <p:txEl>
+                                              <p:pRg st="0" end="0"/>
+                                            </p:txEl>
+                                          </p:spTgt>
+                                        </p:tgtEl>
+                                        <p:attrNameLst>
+                                          <p:attrName>style.visibility</p:attrName>
+                                        </p:attrNameLst>
+                                      </p:cBhvr>
+                                      <p:to>
+                                        <p:strVal val="visible"/>
+                                      </p:to>
+                                    </p:set>
+                                    <p:animEffect transition="in" filter="fade">
+                                      <p:cBhvr>
+                                        <p:cTn id="19" dur="500"/>
+                                        <p:tgtEl>
+                                          <p:spTgt spid="5">
+                                            <p:txEl>
+                                              <p:pRg st="0" end="0"/>
+                                            </p:txEl>
+                                          </p:spTgt>
+                                        </p:tgtEl>
+                                      </p:cBhvr>
+                                    </p:animEffect>
+                                  </p:childTnLst>
+                                </p:cTn>
+                              </p:par>
+                            </p:childTnLst>
+                          </p:cTn>
+                        </p:par>
+                        <p:par>
+                          <p:cTn id="20" fill="hold">
+                            <p:stCondLst>
+                              <p:cond delay="2000"/>
+                            </p:stCondLst>
+                            <p:childTnLst>
+                              <p:par>
+                                <p:cTn id="21" presetID="10" presetClass="entr" presetSubtype="0" fill="hold" grpId="0" nodeType="afterEffect">
+                                  <p:stCondLst>
+                                    <p:cond delay="0"/>
+                                  </p:stCondLst>
+                                  <p:childTnLst>
+                                    <p:set>
+                                      <p:cBhvr>
+                                        <p:cTn id="22" dur="1" fill="hold">
+                                          <p:stCondLst>
+                                            <p:cond delay="0"/>
+                                          </p:stCondLst>
+                                        </p:cTn>
+                                        <p:tgtEl>
+                                          <p:spTgt spid="6">
+                                            <p:bg/>
+                                          </p:spTgt>
+                                        </p:tgtEl>
+                                        <p:attrNameLst>
+                                          <p:attrName>style.visibility</p:attrName>
+                                        </p:attrNameLst>
+                                      </p:cBhvr>
+                                      <p:to>
+                                        <p:strVal val="visible"/>
+                                      </p:to>
+                                    </p:set>
+                                    <p:animEffect transition="in" filter="fade">
+                                      <p:cBhvr>
+                                        <p:cTn id="23" dur="500"/>
+                                        <p:tgtEl>
+                                          <p:spTgt spid="6">
+                                            <p:bg/>
+                                          </p:spTgt>
+                                        </p:tgtEl>
+                                      </p:cBhvr>
+                                    </p:animEffect>
+                                  </p:childTnLst>
+                                </p:cTn>
+                              </p:par>
+                            </p:childTnLst>
+                          </p:cTn>
+                        </p:par>
+                        <p:par>
+                          <p:cTn id="24" fill="hold">
+                            <p:stCondLst>
+                              <p:cond delay="2500"/>
+                            </p:stCondLst>
+                            <p:childTnLst>
+                              <p:par>
+                                <p:cTn id="25" presetID="10" presetClass="entr" presetSubtype="0" fill="hold" grpId="0" nodeType="afterEffect">
+                                  <p:stCondLst>
+                                    <p:cond delay="0"/>
+                                  </p:stCondLst>
+                                  <p:childTnLst>
+                                    <p:set>
+                                      <p:cBhvr>
+                                        <p:cTn id="26" dur="1" fill="hold">
+                                          <p:stCondLst>
+                                            <p:cond delay="0"/>
+                                          </p:stCondLst>
+                                        </p:cTn>
+                                        <p:tgtEl>
+                                          <p:spTgt spid="6">
+                                            <p:txEl>
+                                              <p:pRg st="0" end="0"/>
+                                            </p:txEl>
+                                          </p:spTgt>
+                                        </p:tgtEl>
+                                        <p:attrNameLst>
+                                          <p:attrName>style.visibility</p:attrName>
+                                        </p:attrNameLst>
+                                      </p:cBhvr>
+                                      <p:to>
+                                        <p:strVal val="visible"/>
+                                      </p:to>
+                                    </p:set>
+                                    <p:animEffect transition="in" filter="fade">
+                                      <p:cBhvr>
+                                        <p:cTn id="27" dur="500"/>
+                                        <p:tgtEl>
+                                          <p:spTgt spid="6">
+                                            <p:txEl>
+                                              <p:pRg st="0" end="0"/>
+                                            </p:txEl>
+                                          </p:spTgt>
+                                        </p:tgtEl>
+                                      </p:cBhvr>
+                                    </p:animEffect>
+                                  </p:childTnLst>
+                                </p:cTn>
+                              </p:par>
+                            </p:childTnLst>
+                          </p:cTn>
+                        </p:par>
+                        <p:par>
+                          <p:cTn id="28" fill="hold">
+                            <p:stCondLst>
+                              <p:cond delay="3000"/>
+                            </p:stCondLst>
+                            <p:childTnLst>
+                              <p:par>
+                                <p:cTn id="29" presetID="10" presetClass="entr" presetSubtype="0" fill="hold" grpId="0" nodeType="afterEffect">
+                                  <p:stCondLst>
+                                    <p:cond delay="0"/>
+                                  </p:stCondLst>
+                                  <p:childTnLst>
+                                    <p:set>
+                                      <p:cBhvr>
+                                        <p:cTn id="30" dur="1" fill="hold">
+                                          <p:stCondLst>
+                                            <p:cond delay="0"/>
+                                          </p:stCondLst>
+                                        </p:cTn>
+                                        <p:tgtEl>
+                                          <p:spTgt spid="10">
+                                            <p:txEl>
+                                              <p:pRg st="0" end="0"/>
+                                            </p:txEl>
+                                          </p:spTgt>
+                                        </p:tgtEl>
+                                        <p:attrNameLst>
+                                          <p:attrName>style.visibility</p:attrName>
+                                        </p:attrNameLst>
+                                      </p:cBhvr>
+                                      <p:to>
+                                        <p:strVal val="visible"/>
+                                      </p:to>
+                                    </p:set>
+                                    <p:animEffect transition="in" filter="fade">
+                                      <p:cBhvr>
+                                        <p:cTn id="31" dur="500"/>
+                                        <p:tgtEl>
+                                          <p:spTgt spid="10">
+                                            <p:txEl>
+                                              <p:pRg st="0" end="0"/>
+                                            </p:txEl>
+                                          </p:spTgt>
+                                        </p:tgtEl>
+                                      </p:cBhvr>
+                                    </p:animEffect>
+                                  </p:childTnLst>
+                                </p:cTn>
+                              </p:par>
+                            </p:childTnLst>
+                          </p:cTn>
+                        </p:par>
+                        <p:par>
+                          <p:cTn id="32" fill="hold">
+                            <p:stCondLst>
+                              <p:cond delay="3500"/>
+                            </p:stCondLst>
+                            <p:childTnLst>
+                              <p:par>
+                                <p:cTn id="33" presetID="10" presetClass="entr" presetSubtype="0" fill="hold" grpId="0" nodeType="afterEffect">
+                                  <p:stCondLst>
+                                    <p:cond delay="0"/>
+                                  </p:stCondLst>
+                                  <p:childTnLst>
+                                    <p:set>
+                                      <p:cBhvr>
+                                        <p:cTn id="34" dur="1" fill="hold">
+                                          <p:stCondLst>
+                                            <p:cond delay="0"/>
+                                          </p:stCondLst>
+                                        </p:cTn>
+                                        <p:tgtEl>
+                                          <p:spTgt spid="9">
+                                            <p:bg/>
+                                          </p:spTgt>
+                                        </p:tgtEl>
+                                        <p:attrNameLst>
+                                          <p:attrName>style.visibility</p:attrName>
+                                        </p:attrNameLst>
+                                      </p:cBhvr>
+                                      <p:to>
+                                        <p:strVal val="visible"/>
+                                      </p:to>
+                                    </p:set>
+                                    <p:animEffect transition="in" filter="fade">
+                                      <p:cBhvr>
+                                        <p:cTn id="35" dur="500"/>
+                                        <p:tgtEl>
+                                          <p:spTgt spid="9">
+                                            <p:bg/>
+                                          </p:spTgt>
+                                        </p:tgtEl>
+                                      </p:cBhvr>
+                                    </p:animEffect>
+                                  </p:childTnLst>
+                                </p:cTn>
+                              </p:par>
+                            </p:childTnLst>
+                          </p:cTn>
+                        </p:par>
+                        <p:par>
+                          <p:cTn id="36" fill="hold">
+                            <p:stCondLst>
+                              <p:cond delay="4000"/>
+                            </p:stCondLst>
+                            <p:childTnLst>
+                              <p:par>
+                                <p:cTn id="37" presetID="10" presetClass="entr" presetSubtype="0" fill="hold" grpId="0" nodeType="afterEffect">
+                                  <p:stCondLst>
+                                    <p:cond delay="0"/>
+                                  </p:stCondLst>
+                                  <p:childTnLst>
+                                    <p:set>
+                                      <p:cBhvr>
+                                        <p:cTn id="38" dur="1" fill="hold">
+                                          <p:stCondLst>
+                                            <p:cond delay="0"/>
+                                          </p:stCondLst>
+                                        </p:cTn>
+                                        <p:tgtEl>
+                                          <p:spTgt spid="9">
+                                            <p:txEl>
+                                              <p:pRg st="0" end="0"/>
+                                            </p:txEl>
+                                          </p:spTgt>
+                                        </p:tgtEl>
+                                        <p:attrNameLst>
+                                          <p:attrName>style.visibility</p:attrName>
+                                        </p:attrNameLst>
+                                      </p:cBhvr>
+                                      <p:to>
+                                        <p:strVal val="visible"/>
+                                      </p:to>
+                                    </p:set>
+                                    <p:animEffect transition="in" filter="fade">
+                                      <p:cBhvr>
+                                        <p:cTn id="39" dur="500"/>
+                                        <p:tgtEl>
+                                          <p:spTgt spid="9">
+                                            <p:txEl>
+                                              <p:pRg st="0" end="0"/>
+                                            </p:txEl>
+                                          </p:spTgt>
+                                        </p:tgtEl>
+                                      </p:cBhvr>
+                                    </p:animEffect>
+                                  </p:childTnLst>
+                                </p:cTn>
+                              </p:par>
+                            </p:childTnLst>
+                          </p:cTn>
+                        </p:par>
+                        <p:par>
+                          <p:cTn id="40" fill="hold">
+                            <p:stCondLst>
+                              <p:cond delay="4500"/>
+                            </p:stCondLst>
+                            <p:childTnLst>
+                              <p:par>
+                                <p:cTn id="41" presetID="10" presetClass="entr" presetSubtype="0" fill="hold" grpId="0" nodeType="afterEffect">
+                                  <p:stCondLst>
+                                    <p:cond delay="0"/>
+                                  </p:stCondLst>
+                                  <p:childTnLst>
+                                    <p:set>
+                                      <p:cBhvr>
+                                        <p:cTn id="42" dur="1" fill="hold">
+                                          <p:stCondLst>
+                                            <p:cond delay="0"/>
+                                          </p:stCondLst>
+                                        </p:cTn>
+                                        <p:tgtEl>
+                                          <p:spTgt spid="12">
+                                            <p:txEl>
+                                              <p:pRg st="0" end="0"/>
+                                            </p:txEl>
+                                          </p:spTgt>
+                                        </p:tgtEl>
+                                        <p:attrNameLst>
+                                          <p:attrName>style.visibility</p:attrName>
+                                        </p:attrNameLst>
+                                      </p:cBhvr>
+                                      <p:to>
+                                        <p:strVal val="visible"/>
+                                      </p:to>
+                                    </p:set>
+                                    <p:animEffect transition="in" filter="fade">
+                                      <p:cBhvr>
+                                        <p:cTn id="43" dur="500"/>
+                                        <p:tgtEl>
+                                          <p:spTgt spid="12">
+                                            <p:txEl>
+                                              <p:pRg st="0" end="0"/>
+                                            </p:txEl>
+                                          </p:spTgt>
+                                        </p:tgtEl>
+                                      </p:cBhvr>
+                                    </p:animEffect>
+                                  </p:childTnLst>
+                                </p:cTn>
+                              </p:par>
+                            </p:childTnLst>
+                          </p:cTn>
+                        </p:par>
+                        <p:par>
+                          <p:cTn id="44" fill="hold">
+                            <p:stCondLst>
+                              <p:cond delay="5000"/>
+                            </p:stCondLst>
+                            <p:childTnLst>
+                              <p:par>
+                                <p:cTn id="45" presetID="10" presetClass="entr" presetSubtype="0" fill="hold" grpId="0" nodeType="afterEffect">
+                                  <p:stCondLst>
+                                    <p:cond delay="0"/>
+                                  </p:stCondLst>
+                                  <p:childTnLst>
+                                    <p:set>
+                                      <p:cBhvr>
+                                        <p:cTn id="46" dur="1" fill="hold">
+                                          <p:stCondLst>
+                                            <p:cond delay="0"/>
+                                          </p:stCondLst>
+                                        </p:cTn>
+                                        <p:tgtEl>
+                                          <p:spTgt spid="11">
+                                            <p:bg/>
+                                          </p:spTgt>
+                                        </p:tgtEl>
+                                        <p:attrNameLst>
+                                          <p:attrName>style.visibility</p:attrName>
+                                        </p:attrNameLst>
+                                      </p:cBhvr>
+                                      <p:to>
+                                        <p:strVal val="visible"/>
+                                      </p:to>
+                                    </p:set>
+                                    <p:animEffect transition="in" filter="fade">
+                                      <p:cBhvr>
+                                        <p:cTn id="47" dur="500"/>
+                                        <p:tgtEl>
+                                          <p:spTgt spid="11">
+                                            <p:bg/>
+                                          </p:spTgt>
+                                        </p:tgtEl>
+                                      </p:cBhvr>
+                                    </p:animEffect>
+                                  </p:childTnLst>
+                                </p:cTn>
+                              </p:par>
+                            </p:childTnLst>
+                          </p:cTn>
+                        </p:par>
+                        <p:par>
+                          <p:cTn id="48" fill="hold">
+                            <p:stCondLst>
+                              <p:cond delay="5500"/>
+                            </p:stCondLst>
+                            <p:childTnLst>
+                              <p:par>
+                                <p:cTn id="49" presetID="10" presetClass="entr" presetSubtype="0" fill="hold" grpId="0" nodeType="afterEffect">
+                                  <p:stCondLst>
+                                    <p:cond delay="0"/>
+                                  </p:stCondLst>
+                                  <p:childTnLst>
+                                    <p:set>
+                                      <p:cBhvr>
+                                        <p:cTn id="50" dur="1" fill="hold">
+                                          <p:stCondLst>
+                                            <p:cond delay="0"/>
+                                          </p:stCondLst>
+                                        </p:cTn>
+                                        <p:tgtEl>
+                                          <p:spTgt spid="11">
+                                            <p:txEl>
+                                              <p:pRg st="0" end="0"/>
+                                            </p:txEl>
+                                          </p:spTgt>
+                                        </p:tgtEl>
+                                        <p:attrNameLst>
+                                          <p:attrName>style.visibility</p:attrName>
+                                        </p:attrNameLst>
+                                      </p:cBhvr>
+                                      <p:to>
+                                        <p:strVal val="visible"/>
+                                      </p:to>
+                                    </p:set>
+                                    <p:animEffect transition="in" filter="fade">
+                                      <p:cBhvr>
+                                        <p:cTn id="51" dur="500"/>
+                                        <p:tgtEl>
+                                          <p:spTgt spid="11">
+                                            <p:txEl>
+                                              <p:pRg st="0" end="0"/>
+                                            </p:txEl>
+                                          </p:spTgt>
+                                        </p:tgtEl>
+                                      </p:cBhvr>
+                                    </p:animEffect>
+                                  </p:childTnLst>
+                                </p:cTn>
+                              </p:par>
+                            </p:childTnLst>
+                          </p:cTn>
+                        </p:par>
                       </p:childTnLst>
                     </p:cTn>
                   </p:par>
@@ -6560,6 +10057,13 @@
     </p:tnLst>
     <p:bldLst>
       <p:bldP spid="2" grpId="0"/>
+      <p:bldP spid="7" grpId="0" animBg="1"/>
+      <p:bldP spid="5" grpId="0" build="p" animBg="1"/>
+      <p:bldP spid="6" grpId="0" build="p" animBg="1"/>
+      <p:bldP spid="9" grpId="0" build="p" animBg="1"/>
+      <p:bldP spid="10" grpId="0" build="p"/>
+      <p:bldP spid="11" grpId="0" build="p" animBg="1"/>
+      <p:bldP spid="12" grpId="0" build="p"/>
     </p:bldLst>
   </p:timing>
 </p:sld>
@@ -6744,7 +10248,7 @@
         </p:nvSpPr>
         <p:spPr>
           <a:xfrm>
-            <a:off x="0" y="1012279"/>
+            <a:off x="0" y="728172"/>
             <a:ext cx="12192000" cy="769441"/>
           </a:xfrm>
           <a:prstGeom prst="rect">
@@ -6774,7 +10278,136 @@
                 </a:solidFill>
                 <a:latin typeface="Corbel Light" panose="020B0303020204020204" pitchFamily="34" charset="0"/>
               </a:rPr>
-              <a:t>Hardware Layout</a:t>
+              <a:t>Vorbereitungen</a:t>
+            </a:r>
+          </a:p>
+        </p:txBody>
+      </p:sp>
+      <p:sp>
+        <p:nvSpPr>
+          <p:cNvPr id="5" name="Textfeld 4">
+            <a:extLst>
+              <a:ext uri="{FF2B5EF4-FFF2-40B4-BE49-F238E27FC236}">
+                <a16:creationId xmlns:a16="http://schemas.microsoft.com/office/drawing/2014/main" id="{B488EB18-20A0-4EA9-80BC-5091290049F5}"/>
+              </a:ext>
+            </a:extLst>
+          </p:cNvPr>
+          <p:cNvSpPr txBox="1"/>
+          <p:nvPr/>
+        </p:nvSpPr>
+        <p:spPr>
+          <a:xfrm>
+            <a:off x="605389" y="2003703"/>
+            <a:ext cx="10981222" cy="523220"/>
+          </a:xfrm>
+          <a:prstGeom prst="rect">
+            <a:avLst/>
+          </a:prstGeom>
+          <a:noFill/>
+          <a:ln>
+            <a:solidFill>
+              <a:schemeClr val="tx1"/>
+            </a:solidFill>
+          </a:ln>
+        </p:spPr>
+        <p:txBody>
+          <a:bodyPr wrap="square" rtlCol="0">
+            <a:spAutoFit/>
+          </a:bodyPr>
+          <a:lstStyle/>
+          <a:p>
+            <a:pPr algn="ctr"/>
+            <a:r>
+              <a:rPr lang="de-DE" sz="2800" spc="600" dirty="0">
+                <a:latin typeface="Corbel Light" panose="020B0303020204020204" pitchFamily="34" charset="0"/>
+              </a:rPr>
+              <a:t>Serielle Datenverbindung am Raspberry aktivieren</a:t>
+            </a:r>
+          </a:p>
+        </p:txBody>
+      </p:sp>
+      <p:sp>
+        <p:nvSpPr>
+          <p:cNvPr id="6" name="Textfeld 5">
+            <a:extLst>
+              <a:ext uri="{FF2B5EF4-FFF2-40B4-BE49-F238E27FC236}">
+                <a16:creationId xmlns:a16="http://schemas.microsoft.com/office/drawing/2014/main" id="{42473CEE-58B5-48B0-AAA5-1D9DDACFC9DE}"/>
+              </a:ext>
+            </a:extLst>
+          </p:cNvPr>
+          <p:cNvSpPr txBox="1"/>
+          <p:nvPr/>
+        </p:nvSpPr>
+        <p:spPr>
+          <a:xfrm>
+            <a:off x="2843262" y="2815688"/>
+            <a:ext cx="6505475" cy="523220"/>
+          </a:xfrm>
+          <a:prstGeom prst="rect">
+            <a:avLst/>
+          </a:prstGeom>
+          <a:noFill/>
+          <a:ln>
+            <a:solidFill>
+              <a:schemeClr val="tx1"/>
+            </a:solidFill>
+          </a:ln>
+        </p:spPr>
+        <p:txBody>
+          <a:bodyPr wrap="square" rtlCol="0">
+            <a:spAutoFit/>
+          </a:bodyPr>
+          <a:lstStyle/>
+          <a:p>
+            <a:pPr algn="ctr"/>
+            <a:r>
+              <a:rPr lang="de-DE" sz="2800" spc="600" dirty="0">
+                <a:latin typeface="Corbel Light" panose="020B0303020204020204" pitchFamily="34" charset="0"/>
+              </a:rPr>
+              <a:t>GPIO – UART-Ports aktivieren</a:t>
+            </a:r>
+          </a:p>
+        </p:txBody>
+      </p:sp>
+      <p:sp>
+        <p:nvSpPr>
+          <p:cNvPr id="9" name="Textfeld 8">
+            <a:extLst>
+              <a:ext uri="{FF2B5EF4-FFF2-40B4-BE49-F238E27FC236}">
+                <a16:creationId xmlns:a16="http://schemas.microsoft.com/office/drawing/2014/main" id="{10FF19E7-1761-4E5C-9317-9D21ED39B4DA}"/>
+              </a:ext>
+            </a:extLst>
+          </p:cNvPr>
+          <p:cNvSpPr txBox="1"/>
+          <p:nvPr/>
+        </p:nvSpPr>
+        <p:spPr>
+          <a:xfrm>
+            <a:off x="2990849" y="3627673"/>
+            <a:ext cx="6210300" cy="523220"/>
+          </a:xfrm>
+          <a:prstGeom prst="rect">
+            <a:avLst/>
+          </a:prstGeom>
+          <a:noFill/>
+          <a:ln>
+            <a:solidFill>
+              <a:schemeClr val="tx1"/>
+            </a:solidFill>
+          </a:ln>
+        </p:spPr>
+        <p:txBody>
+          <a:bodyPr wrap="square" rtlCol="0">
+            <a:spAutoFit/>
+          </a:bodyPr>
+          <a:lstStyle/>
+          <a:p>
+            <a:pPr algn="ctr"/>
+            <a:r>
+              <a:rPr lang="de-DE" sz="2800" spc="600" dirty="0">
+                <a:latin typeface="Corbel Light" panose="020B0303020204020204" pitchFamily="34" charset="0"/>
+              </a:rPr>
+              <a:t>Port-Adressen herausfinden</a:t>
             </a:r>
           </a:p>
         </p:txBody>
@@ -6782,7 +10415,7 @@
     </p:spTree>
     <p:extLst>
       <p:ext uri="{BB962C8B-B14F-4D97-AF65-F5344CB8AC3E}">
-        <p14:creationId xmlns:p14="http://schemas.microsoft.com/office/powerpoint/2010/main" val="4101798537"/>
+        <p14:creationId xmlns:p14="http://schemas.microsoft.com/office/powerpoint/2010/main" val="1102317050"/>
       </p:ext>
     </p:extLst>
   </p:cSld>
@@ -6853,6 +10486,350 @@
                             </p:childTnLst>
                           </p:cTn>
                         </p:par>
+                        <p:par>
+                          <p:cTn id="8" fill="hold">
+                            <p:stCondLst>
+                              <p:cond delay="500"/>
+                            </p:stCondLst>
+                            <p:childTnLst>
+                              <p:par>
+                                <p:cTn id="9" presetID="22" presetClass="entr" presetSubtype="8" fill="hold" grpId="0" nodeType="afterEffect">
+                                  <p:stCondLst>
+                                    <p:cond delay="0"/>
+                                  </p:stCondLst>
+                                  <p:childTnLst>
+                                    <p:set>
+                                      <p:cBhvr>
+                                        <p:cTn id="10" dur="1" fill="hold">
+                                          <p:stCondLst>
+                                            <p:cond delay="0"/>
+                                          </p:stCondLst>
+                                        </p:cTn>
+                                        <p:tgtEl>
+                                          <p:spTgt spid="7"/>
+                                        </p:tgtEl>
+                                        <p:attrNameLst>
+                                          <p:attrName>style.visibility</p:attrName>
+                                        </p:attrNameLst>
+                                      </p:cBhvr>
+                                      <p:to>
+                                        <p:strVal val="visible"/>
+                                      </p:to>
+                                    </p:set>
+                                    <p:animEffect transition="in" filter="wipe(left)">
+                                      <p:cBhvr>
+                                        <p:cTn id="11" dur="500"/>
+                                        <p:tgtEl>
+                                          <p:spTgt spid="7"/>
+                                        </p:tgtEl>
+                                      </p:cBhvr>
+                                    </p:animEffect>
+                                  </p:childTnLst>
+                                </p:cTn>
+                              </p:par>
+                            </p:childTnLst>
+                          </p:cTn>
+                        </p:par>
+                        <p:par>
+                          <p:cTn id="12" fill="hold">
+                            <p:stCondLst>
+                              <p:cond delay="1000"/>
+                            </p:stCondLst>
+                            <p:childTnLst>
+                              <p:par>
+                                <p:cTn id="13" presetID="10" presetClass="entr" presetSubtype="0" fill="hold" grpId="0" nodeType="afterEffect">
+                                  <p:stCondLst>
+                                    <p:cond delay="0"/>
+                                  </p:stCondLst>
+                                  <p:childTnLst>
+                                    <p:set>
+                                      <p:cBhvr>
+                                        <p:cTn id="14" dur="1" fill="hold">
+                                          <p:stCondLst>
+                                            <p:cond delay="0"/>
+                                          </p:stCondLst>
+                                        </p:cTn>
+                                        <p:tgtEl>
+                                          <p:spTgt spid="5">
+                                            <p:bg/>
+                                          </p:spTgt>
+                                        </p:tgtEl>
+                                        <p:attrNameLst>
+                                          <p:attrName>style.visibility</p:attrName>
+                                        </p:attrNameLst>
+                                      </p:cBhvr>
+                                      <p:to>
+                                        <p:strVal val="visible"/>
+                                      </p:to>
+                                    </p:set>
+                                    <p:animEffect transition="in" filter="fade">
+                                      <p:cBhvr>
+                                        <p:cTn id="15" dur="500"/>
+                                        <p:tgtEl>
+                                          <p:spTgt spid="5">
+                                            <p:bg/>
+                                          </p:spTgt>
+                                        </p:tgtEl>
+                                      </p:cBhvr>
+                                    </p:animEffect>
+                                  </p:childTnLst>
+                                </p:cTn>
+                              </p:par>
+                            </p:childTnLst>
+                          </p:cTn>
+                        </p:par>
+                        <p:par>
+                          <p:cTn id="16" fill="hold">
+                            <p:stCondLst>
+                              <p:cond delay="1500"/>
+                            </p:stCondLst>
+                            <p:childTnLst>
+                              <p:par>
+                                <p:cTn id="17" presetID="10" presetClass="entr" presetSubtype="0" fill="hold" grpId="0" nodeType="afterEffect">
+                                  <p:stCondLst>
+                                    <p:cond delay="0"/>
+                                  </p:stCondLst>
+                                  <p:childTnLst>
+                                    <p:set>
+                                      <p:cBhvr>
+                                        <p:cTn id="18" dur="1" fill="hold">
+                                          <p:stCondLst>
+                                            <p:cond delay="0"/>
+                                          </p:stCondLst>
+                                        </p:cTn>
+                                        <p:tgtEl>
+                                          <p:spTgt spid="5">
+                                            <p:txEl>
+                                              <p:pRg st="0" end="0"/>
+                                            </p:txEl>
+                                          </p:spTgt>
+                                        </p:tgtEl>
+                                        <p:attrNameLst>
+                                          <p:attrName>style.visibility</p:attrName>
+                                        </p:attrNameLst>
+                                      </p:cBhvr>
+                                      <p:to>
+                                        <p:strVal val="visible"/>
+                                      </p:to>
+                                    </p:set>
+                                    <p:animEffect transition="in" filter="fade">
+                                      <p:cBhvr>
+                                        <p:cTn id="19" dur="500"/>
+                                        <p:tgtEl>
+                                          <p:spTgt spid="5">
+                                            <p:txEl>
+                                              <p:pRg st="0" end="0"/>
+                                            </p:txEl>
+                                          </p:spTgt>
+                                        </p:tgtEl>
+                                      </p:cBhvr>
+                                    </p:animEffect>
+                                  </p:childTnLst>
+                                </p:cTn>
+                              </p:par>
+                            </p:childTnLst>
+                          </p:cTn>
+                        </p:par>
+                        <p:par>
+                          <p:cTn id="20" fill="hold">
+                            <p:stCondLst>
+                              <p:cond delay="2000"/>
+                            </p:stCondLst>
+                            <p:childTnLst>
+                              <p:par>
+                                <p:cTn id="21" presetID="10" presetClass="entr" presetSubtype="0" fill="hold" grpId="0" nodeType="afterEffect">
+                                  <p:stCondLst>
+                                    <p:cond delay="0"/>
+                                  </p:stCondLst>
+                                  <p:childTnLst>
+                                    <p:set>
+                                      <p:cBhvr>
+                                        <p:cTn id="22" dur="1" fill="hold">
+                                          <p:stCondLst>
+                                            <p:cond delay="0"/>
+                                          </p:stCondLst>
+                                        </p:cTn>
+                                        <p:tgtEl>
+                                          <p:spTgt spid="6">
+                                            <p:bg/>
+                                          </p:spTgt>
+                                        </p:tgtEl>
+                                        <p:attrNameLst>
+                                          <p:attrName>style.visibility</p:attrName>
+                                        </p:attrNameLst>
+                                      </p:cBhvr>
+                                      <p:to>
+                                        <p:strVal val="visible"/>
+                                      </p:to>
+                                    </p:set>
+                                    <p:animEffect transition="in" filter="fade">
+                                      <p:cBhvr>
+                                        <p:cTn id="23" dur="500"/>
+                                        <p:tgtEl>
+                                          <p:spTgt spid="6">
+                                            <p:bg/>
+                                          </p:spTgt>
+                                        </p:tgtEl>
+                                      </p:cBhvr>
+                                    </p:animEffect>
+                                  </p:childTnLst>
+                                </p:cTn>
+                              </p:par>
+                            </p:childTnLst>
+                          </p:cTn>
+                        </p:par>
+                        <p:par>
+                          <p:cTn id="24" fill="hold">
+                            <p:stCondLst>
+                              <p:cond delay="2500"/>
+                            </p:stCondLst>
+                            <p:childTnLst>
+                              <p:par>
+                                <p:cTn id="25" presetID="10" presetClass="entr" presetSubtype="0" fill="hold" grpId="0" nodeType="afterEffect">
+                                  <p:stCondLst>
+                                    <p:cond delay="0"/>
+                                  </p:stCondLst>
+                                  <p:childTnLst>
+                                    <p:set>
+                                      <p:cBhvr>
+                                        <p:cTn id="26" dur="1" fill="hold">
+                                          <p:stCondLst>
+                                            <p:cond delay="0"/>
+                                          </p:stCondLst>
+                                        </p:cTn>
+                                        <p:tgtEl>
+                                          <p:spTgt spid="6">
+                                            <p:txEl>
+                                              <p:pRg st="0" end="0"/>
+                                            </p:txEl>
+                                          </p:spTgt>
+                                        </p:tgtEl>
+                                        <p:attrNameLst>
+                                          <p:attrName>style.visibility</p:attrName>
+                                        </p:attrNameLst>
+                                      </p:cBhvr>
+                                      <p:to>
+                                        <p:strVal val="visible"/>
+                                      </p:to>
+                                    </p:set>
+                                    <p:animEffect transition="in" filter="fade">
+                                      <p:cBhvr>
+                                        <p:cTn id="27" dur="500"/>
+                                        <p:tgtEl>
+                                          <p:spTgt spid="6">
+                                            <p:txEl>
+                                              <p:pRg st="0" end="0"/>
+                                            </p:txEl>
+                                          </p:spTgt>
+                                        </p:tgtEl>
+                                      </p:cBhvr>
+                                    </p:animEffect>
+                                  </p:childTnLst>
+                                </p:cTn>
+                              </p:par>
+                            </p:childTnLst>
+                          </p:cTn>
+                        </p:par>
+                        <p:par>
+                          <p:cTn id="28" fill="hold">
+                            <p:stCondLst>
+                              <p:cond delay="3000"/>
+                            </p:stCondLst>
+                            <p:childTnLst>
+                              <p:par>
+                                <p:cTn id="29" presetID="10" presetClass="entr" presetSubtype="0" fill="hold" grpId="0" nodeType="afterEffect">
+                                  <p:stCondLst>
+                                    <p:cond delay="0"/>
+                                  </p:stCondLst>
+                                  <p:childTnLst>
+                                    <p:set>
+                                      <p:cBhvr>
+                                        <p:cTn id="30" dur="1" fill="hold">
+                                          <p:stCondLst>
+                                            <p:cond delay="0"/>
+                                          </p:stCondLst>
+                                        </p:cTn>
+                                        <p:tgtEl>
+                                          <p:spTgt spid="9">
+                                            <p:bg/>
+                                          </p:spTgt>
+                                        </p:tgtEl>
+                                        <p:attrNameLst>
+                                          <p:attrName>style.visibility</p:attrName>
+                                        </p:attrNameLst>
+                                      </p:cBhvr>
+                                      <p:to>
+                                        <p:strVal val="visible"/>
+                                      </p:to>
+                                    </p:set>
+                                    <p:animEffect transition="in" filter="fade">
+                                      <p:cBhvr>
+                                        <p:cTn id="31" dur="500"/>
+                                        <p:tgtEl>
+                                          <p:spTgt spid="9">
+                                            <p:bg/>
+                                          </p:spTgt>
+                                        </p:tgtEl>
+                                      </p:cBhvr>
+                                    </p:animEffect>
+                                  </p:childTnLst>
+                                </p:cTn>
+                              </p:par>
+                            </p:childTnLst>
+                          </p:cTn>
+                        </p:par>
+                        <p:par>
+                          <p:cTn id="32" fill="hold">
+                            <p:stCondLst>
+                              <p:cond delay="3500"/>
+                            </p:stCondLst>
+                            <p:childTnLst>
+                              <p:par>
+                                <p:cTn id="33" presetID="10" presetClass="entr" presetSubtype="0" fill="hold" grpId="0" nodeType="afterEffect">
+                                  <p:stCondLst>
+                                    <p:cond delay="0"/>
+                                  </p:stCondLst>
+                                  <p:childTnLst>
+                                    <p:set>
+                                      <p:cBhvr>
+                                        <p:cTn id="34" dur="1" fill="hold">
+                                          <p:stCondLst>
+                                            <p:cond delay="0"/>
+                                          </p:stCondLst>
+                                        </p:cTn>
+                                        <p:tgtEl>
+                                          <p:spTgt spid="9">
+                                            <p:txEl>
+                                              <p:pRg st="0" end="0"/>
+                                            </p:txEl>
+                                          </p:spTgt>
+                                        </p:tgtEl>
+                                        <p:attrNameLst>
+                                          <p:attrName>style.visibility</p:attrName>
+                                        </p:attrNameLst>
+                                      </p:cBhvr>
+                                      <p:to>
+                                        <p:strVal val="visible"/>
+                                      </p:to>
+                                    </p:set>
+                                    <p:animEffect transition="in" filter="fade">
+                                      <p:cBhvr>
+                                        <p:cTn id="35" dur="500"/>
+                                        <p:tgtEl>
+                                          <p:spTgt spid="9">
+                                            <p:txEl>
+                                              <p:pRg st="0" end="0"/>
+                                            </p:txEl>
+                                          </p:spTgt>
+                                        </p:tgtEl>
+                                      </p:cBhvr>
+                                    </p:animEffect>
+                                  </p:childTnLst>
+                                </p:cTn>
+                              </p:par>
+                            </p:childTnLst>
+                          </p:cTn>
+                        </p:par>
                       </p:childTnLst>
                     </p:cTn>
                   </p:par>
@@ -6879,6 +10856,10 @@
     </p:tnLst>
     <p:bldLst>
       <p:bldP spid="2" grpId="0"/>
+      <p:bldP spid="7" grpId="0" animBg="1"/>
+      <p:bldP spid="5" grpId="0" build="p" animBg="1"/>
+      <p:bldP spid="6" grpId="0" build="p" animBg="1"/>
+      <p:bldP spid="9" grpId="0" build="p" animBg="1"/>
     </p:bldLst>
   </p:timing>
 </p:sld>
@@ -7063,13 +11044,18 @@
         </p:nvSpPr>
         <p:spPr>
           <a:xfrm>
-            <a:off x="0" y="3044279"/>
+            <a:off x="0" y="729336"/>
             <a:ext cx="12192000" cy="769441"/>
           </a:xfrm>
           <a:prstGeom prst="rect">
             <a:avLst/>
           </a:prstGeom>
           <a:noFill/>
+          <a:ln>
+            <a:solidFill>
+              <a:schemeClr val="bg1"/>
+            </a:solidFill>
+          </a:ln>
         </p:spPr>
         <p:txBody>
           <a:bodyPr wrap="square" rtlCol="0">
@@ -7088,38 +11074,17 @@
                 </a:solidFill>
                 <a:latin typeface="Corbel Light" panose="020B0303020204020204" pitchFamily="34" charset="0"/>
               </a:rPr>
-              <a:t>Raspberry Pi ↔</a:t>
-            </a:r>
-            <a:r>
-              <a:rPr lang="de-DE" sz="4400" spc="600" dirty="0" err="1">
-                <a:solidFill>
-                  <a:schemeClr val="bg1">
-                    <a:lumMod val="95000"/>
-                    <a:lumOff val="5000"/>
-                  </a:schemeClr>
-                </a:solidFill>
-                <a:latin typeface="Corbel Light" panose="020B0303020204020204" pitchFamily="34" charset="0"/>
-              </a:rPr>
-              <a:t>RoboNova</a:t>
-            </a:r>
-            <a:endParaRPr lang="de-DE" sz="4400" spc="600" dirty="0">
-              <a:solidFill>
-                <a:schemeClr val="bg1">
-                  <a:lumMod val="95000"/>
-                  <a:lumOff val="5000"/>
-                </a:schemeClr>
-              </a:solidFill>
-              <a:latin typeface="Corbel Light" panose="020B0303020204020204" pitchFamily="34" charset="0"/>
-            </a:endParaRPr>
+              <a:t>Hardware Layout</a:t>
+            </a:r>
           </a:p>
         </p:txBody>
       </p:sp>
       <p:sp>
         <p:nvSpPr>
-          <p:cNvPr id="11" name="Textfeld 10">
+          <p:cNvPr id="9" name="Textfeld 8">
             <a:extLst>
               <a:ext uri="{FF2B5EF4-FFF2-40B4-BE49-F238E27FC236}">
-                <a16:creationId xmlns:a16="http://schemas.microsoft.com/office/drawing/2014/main" id="{7012552E-2A48-4B97-9EEC-240E530F987D}"/>
+                <a16:creationId xmlns:a16="http://schemas.microsoft.com/office/drawing/2014/main" id="{432209FD-5ABF-45A2-A56D-CEA67D58F27A}"/>
               </a:ext>
             </a:extLst>
           </p:cNvPr>
@@ -7128,14 +11093,14 @@
         </p:nvSpPr>
         <p:spPr>
           <a:xfrm>
-            <a:off x="4143375" y="1122797"/>
-            <a:ext cx="3905250" cy="1446550"/>
+            <a:off x="715662" y="2006718"/>
+            <a:ext cx="4366291" cy="523220"/>
           </a:xfrm>
           <a:prstGeom prst="rect">
             <a:avLst/>
           </a:prstGeom>
           <a:noFill/>
-          <a:ln w="12700">
+          <a:ln>
             <a:solidFill>
               <a:schemeClr val="tx1"/>
             </a:solidFill>
@@ -7149,10 +11114,185 @@
           <a:p>
             <a:pPr algn="ctr"/>
             <a:r>
-              <a:rPr lang="de-DE" sz="4400" spc="600" dirty="0">
+              <a:rPr lang="de-DE" sz="2800" dirty="0">
                 <a:latin typeface="Corbel Light" panose="020B0303020204020204" pitchFamily="34" charset="0"/>
               </a:rPr>
-              <a:t>ESP 8266 Wifi-Modul</a:t>
+              <a:t>Arduino Mini → Raspberry Pi</a:t>
+            </a:r>
+          </a:p>
+        </p:txBody>
+      </p:sp>
+      <p:pic>
+        <p:nvPicPr>
+          <p:cNvPr id="4" name="Grafik 3">
+            <a:extLst>
+              <a:ext uri="{FF2B5EF4-FFF2-40B4-BE49-F238E27FC236}">
+                <a16:creationId xmlns:a16="http://schemas.microsoft.com/office/drawing/2014/main" id="{1ABDBD6E-46D1-44E2-9F20-A33CBBAF0CE7}"/>
+              </a:ext>
+            </a:extLst>
+          </p:cNvPr>
+          <p:cNvPicPr>
+            <a:picLocks noChangeAspect="1"/>
+          </p:cNvPicPr>
+          <p:nvPr/>
+        </p:nvPicPr>
+        <p:blipFill>
+          <a:blip r:embed="rId2">
+            <a:extLst>
+              <a:ext uri="{28A0092B-C50C-407E-A947-70E740481C1C}">
+                <a14:useLocalDpi xmlns:a14="http://schemas.microsoft.com/office/drawing/2010/main" val="0"/>
+              </a:ext>
+            </a:extLst>
+          </a:blip>
+          <a:stretch>
+            <a:fillRect/>
+          </a:stretch>
+        </p:blipFill>
+        <p:spPr>
+          <a:xfrm>
+            <a:off x="5829299" y="2006718"/>
+            <a:ext cx="5713696" cy="4051182"/>
+          </a:xfrm>
+          <a:prstGeom prst="rect">
+            <a:avLst/>
+          </a:prstGeom>
+          <a:ln>
+            <a:noFill/>
+          </a:ln>
+          <a:effectLst>
+            <a:outerShdw blurRad="190500" algn="tl" rotWithShape="0">
+              <a:srgbClr val="000000">
+                <a:alpha val="70000"/>
+              </a:srgbClr>
+            </a:outerShdw>
+          </a:effectLst>
+        </p:spPr>
+      </p:pic>
+      <p:sp>
+        <p:nvSpPr>
+          <p:cNvPr id="10" name="Textfeld 9">
+            <a:extLst>
+              <a:ext uri="{FF2B5EF4-FFF2-40B4-BE49-F238E27FC236}">
+                <a16:creationId xmlns:a16="http://schemas.microsoft.com/office/drawing/2014/main" id="{8D71649C-6591-4DCE-8258-A5F5DE84018C}"/>
+              </a:ext>
+            </a:extLst>
+          </p:cNvPr>
+          <p:cNvSpPr txBox="1"/>
+          <p:nvPr/>
+        </p:nvSpPr>
+        <p:spPr>
+          <a:xfrm>
+            <a:off x="1321960" y="2719285"/>
+            <a:ext cx="3153694" cy="461665"/>
+          </a:xfrm>
+          <a:prstGeom prst="rect">
+            <a:avLst/>
+          </a:prstGeom>
+          <a:noFill/>
+          <a:ln>
+            <a:solidFill>
+              <a:schemeClr val="tx1"/>
+            </a:solidFill>
+          </a:ln>
+        </p:spPr>
+        <p:txBody>
+          <a:bodyPr wrap="square" rtlCol="0">
+            <a:spAutoFit/>
+          </a:bodyPr>
+          <a:lstStyle/>
+          <a:p>
+            <a:pPr algn="ctr"/>
+            <a:r>
+              <a:rPr lang="de-DE" sz="2400" dirty="0">
+                <a:latin typeface="Corbel Light" panose="020B0303020204020204" pitchFamily="34" charset="0"/>
+              </a:rPr>
+              <a:t>Arduino sendet mit 5V</a:t>
+            </a:r>
+          </a:p>
+        </p:txBody>
+      </p:sp>
+      <p:sp>
+        <p:nvSpPr>
+          <p:cNvPr id="11" name="Textfeld 10">
+            <a:extLst>
+              <a:ext uri="{FF2B5EF4-FFF2-40B4-BE49-F238E27FC236}">
+                <a16:creationId xmlns:a16="http://schemas.microsoft.com/office/drawing/2014/main" id="{0615DA7A-AF3D-4DD1-8574-ECC977649208}"/>
+              </a:ext>
+            </a:extLst>
+          </p:cNvPr>
+          <p:cNvSpPr txBox="1"/>
+          <p:nvPr/>
+        </p:nvSpPr>
+        <p:spPr>
+          <a:xfrm>
+            <a:off x="951387" y="3370297"/>
+            <a:ext cx="3894839" cy="461665"/>
+          </a:xfrm>
+          <a:prstGeom prst="rect">
+            <a:avLst/>
+          </a:prstGeom>
+          <a:noFill/>
+          <a:ln>
+            <a:solidFill>
+              <a:schemeClr val="tx1"/>
+            </a:solidFill>
+          </a:ln>
+        </p:spPr>
+        <p:txBody>
+          <a:bodyPr wrap="square" rtlCol="0">
+            <a:spAutoFit/>
+          </a:bodyPr>
+          <a:lstStyle/>
+          <a:p>
+            <a:pPr algn="ctr"/>
+            <a:r>
+              <a:rPr lang="de-DE" sz="2400" dirty="0">
+                <a:latin typeface="Corbel Light" panose="020B0303020204020204" pitchFamily="34" charset="0"/>
+              </a:rPr>
+              <a:t>Raspberry Pi verträgt nur 3,3V</a:t>
+            </a:r>
+          </a:p>
+        </p:txBody>
+      </p:sp>
+      <p:sp>
+        <p:nvSpPr>
+          <p:cNvPr id="12" name="Textfeld 11">
+            <a:extLst>
+              <a:ext uri="{FF2B5EF4-FFF2-40B4-BE49-F238E27FC236}">
+                <a16:creationId xmlns:a16="http://schemas.microsoft.com/office/drawing/2014/main" id="{C65E28FC-49FB-4F0D-B37D-BF634417146A}"/>
+              </a:ext>
+            </a:extLst>
+          </p:cNvPr>
+          <p:cNvSpPr txBox="1"/>
+          <p:nvPr/>
+        </p:nvSpPr>
+        <p:spPr>
+          <a:xfrm>
+            <a:off x="951386" y="4441488"/>
+            <a:ext cx="3894839" cy="461665"/>
+          </a:xfrm>
+          <a:prstGeom prst="rect">
+            <a:avLst/>
+          </a:prstGeom>
+          <a:noFill/>
+          <a:ln>
+            <a:solidFill>
+              <a:schemeClr val="tx1"/>
+            </a:solidFill>
+          </a:ln>
+        </p:spPr>
+        <p:txBody>
+          <a:bodyPr wrap="square" rtlCol="0">
+            <a:spAutoFit/>
+          </a:bodyPr>
+          <a:lstStyle/>
+          <a:p>
+            <a:pPr algn="ctr"/>
+            <a:r>
+              <a:rPr lang="de-DE" sz="2400" dirty="0">
+                <a:latin typeface="Corbel Light" panose="020B0303020204020204" pitchFamily="34" charset="0"/>
+              </a:rPr>
+              <a:t>→ Spannungsteiler</a:t>
             </a:r>
           </a:p>
         </p:txBody>
@@ -7160,7 +11300,7 @@
     </p:spTree>
     <p:extLst>
       <p:ext uri="{BB962C8B-B14F-4D97-AF65-F5344CB8AC3E}">
-        <p14:creationId xmlns:p14="http://schemas.microsoft.com/office/powerpoint/2010/main" val="2929307450"/>
+        <p14:creationId xmlns:p14="http://schemas.microsoft.com/office/powerpoint/2010/main" val="4041724439"/>
       </p:ext>
     </p:extLst>
   </p:cSld>
@@ -7231,6 +11371,306 @@
                             </p:childTnLst>
                           </p:cTn>
                         </p:par>
+                        <p:par>
+                          <p:cTn id="8" fill="hold">
+                            <p:stCondLst>
+                              <p:cond delay="500"/>
+                            </p:stCondLst>
+                            <p:childTnLst>
+                              <p:par>
+                                <p:cTn id="9" presetID="10" presetClass="entr" presetSubtype="0" fill="hold" grpId="0" nodeType="afterEffect">
+                                  <p:stCondLst>
+                                    <p:cond delay="0"/>
+                                  </p:stCondLst>
+                                  <p:childTnLst>
+                                    <p:set>
+                                      <p:cBhvr>
+                                        <p:cTn id="10" dur="1" fill="hold">
+                                          <p:stCondLst>
+                                            <p:cond delay="0"/>
+                                          </p:stCondLst>
+                                        </p:cTn>
+                                        <p:tgtEl>
+                                          <p:spTgt spid="10">
+                                            <p:bg/>
+                                          </p:spTgt>
+                                        </p:tgtEl>
+                                        <p:attrNameLst>
+                                          <p:attrName>style.visibility</p:attrName>
+                                        </p:attrNameLst>
+                                      </p:cBhvr>
+                                      <p:to>
+                                        <p:strVal val="visible"/>
+                                      </p:to>
+                                    </p:set>
+                                    <p:animEffect transition="in" filter="fade">
+                                      <p:cBhvr>
+                                        <p:cTn id="11" dur="500"/>
+                                        <p:tgtEl>
+                                          <p:spTgt spid="10">
+                                            <p:bg/>
+                                          </p:spTgt>
+                                        </p:tgtEl>
+                                      </p:cBhvr>
+                                    </p:animEffect>
+                                  </p:childTnLst>
+                                </p:cTn>
+                              </p:par>
+                            </p:childTnLst>
+                          </p:cTn>
+                        </p:par>
+                        <p:par>
+                          <p:cTn id="12" fill="hold">
+                            <p:stCondLst>
+                              <p:cond delay="1000"/>
+                            </p:stCondLst>
+                            <p:childTnLst>
+                              <p:par>
+                                <p:cTn id="13" presetID="10" presetClass="entr" presetSubtype="0" fill="hold" grpId="0" nodeType="afterEffect">
+                                  <p:stCondLst>
+                                    <p:cond delay="0"/>
+                                  </p:stCondLst>
+                                  <p:childTnLst>
+                                    <p:set>
+                                      <p:cBhvr>
+                                        <p:cTn id="14" dur="1" fill="hold">
+                                          <p:stCondLst>
+                                            <p:cond delay="0"/>
+                                          </p:stCondLst>
+                                        </p:cTn>
+                                        <p:tgtEl>
+                                          <p:spTgt spid="10">
+                                            <p:txEl>
+                                              <p:pRg st="0" end="0"/>
+                                            </p:txEl>
+                                          </p:spTgt>
+                                        </p:tgtEl>
+                                        <p:attrNameLst>
+                                          <p:attrName>style.visibility</p:attrName>
+                                        </p:attrNameLst>
+                                      </p:cBhvr>
+                                      <p:to>
+                                        <p:strVal val="visible"/>
+                                      </p:to>
+                                    </p:set>
+                                    <p:animEffect transition="in" filter="fade">
+                                      <p:cBhvr>
+                                        <p:cTn id="15" dur="500"/>
+                                        <p:tgtEl>
+                                          <p:spTgt spid="10">
+                                            <p:txEl>
+                                              <p:pRg st="0" end="0"/>
+                                            </p:txEl>
+                                          </p:spTgt>
+                                        </p:tgtEl>
+                                      </p:cBhvr>
+                                    </p:animEffect>
+                                  </p:childTnLst>
+                                </p:cTn>
+                              </p:par>
+                            </p:childTnLst>
+                          </p:cTn>
+                        </p:par>
+                        <p:par>
+                          <p:cTn id="16" fill="hold">
+                            <p:stCondLst>
+                              <p:cond delay="1500"/>
+                            </p:stCondLst>
+                            <p:childTnLst>
+                              <p:par>
+                                <p:cTn id="17" presetID="10" presetClass="entr" presetSubtype="0" fill="hold" grpId="0" nodeType="afterEffect">
+                                  <p:stCondLst>
+                                    <p:cond delay="0"/>
+                                  </p:stCondLst>
+                                  <p:childTnLst>
+                                    <p:set>
+                                      <p:cBhvr>
+                                        <p:cTn id="18" dur="1" fill="hold">
+                                          <p:stCondLst>
+                                            <p:cond delay="0"/>
+                                          </p:stCondLst>
+                                        </p:cTn>
+                                        <p:tgtEl>
+                                          <p:spTgt spid="11">
+                                            <p:bg/>
+                                          </p:spTgt>
+                                        </p:tgtEl>
+                                        <p:attrNameLst>
+                                          <p:attrName>style.visibility</p:attrName>
+                                        </p:attrNameLst>
+                                      </p:cBhvr>
+                                      <p:to>
+                                        <p:strVal val="visible"/>
+                                      </p:to>
+                                    </p:set>
+                                    <p:animEffect transition="in" filter="fade">
+                                      <p:cBhvr>
+                                        <p:cTn id="19" dur="500"/>
+                                        <p:tgtEl>
+                                          <p:spTgt spid="11">
+                                            <p:bg/>
+                                          </p:spTgt>
+                                        </p:tgtEl>
+                                      </p:cBhvr>
+                                    </p:animEffect>
+                                  </p:childTnLst>
+                                </p:cTn>
+                              </p:par>
+                            </p:childTnLst>
+                          </p:cTn>
+                        </p:par>
+                        <p:par>
+                          <p:cTn id="20" fill="hold">
+                            <p:stCondLst>
+                              <p:cond delay="2000"/>
+                            </p:stCondLst>
+                            <p:childTnLst>
+                              <p:par>
+                                <p:cTn id="21" presetID="10" presetClass="entr" presetSubtype="0" fill="hold" grpId="0" nodeType="afterEffect">
+                                  <p:stCondLst>
+                                    <p:cond delay="0"/>
+                                  </p:stCondLst>
+                                  <p:childTnLst>
+                                    <p:set>
+                                      <p:cBhvr>
+                                        <p:cTn id="22" dur="1" fill="hold">
+                                          <p:stCondLst>
+                                            <p:cond delay="0"/>
+                                          </p:stCondLst>
+                                        </p:cTn>
+                                        <p:tgtEl>
+                                          <p:spTgt spid="11">
+                                            <p:txEl>
+                                              <p:pRg st="0" end="0"/>
+                                            </p:txEl>
+                                          </p:spTgt>
+                                        </p:tgtEl>
+                                        <p:attrNameLst>
+                                          <p:attrName>style.visibility</p:attrName>
+                                        </p:attrNameLst>
+                                      </p:cBhvr>
+                                      <p:to>
+                                        <p:strVal val="visible"/>
+                                      </p:to>
+                                    </p:set>
+                                    <p:animEffect transition="in" filter="fade">
+                                      <p:cBhvr>
+                                        <p:cTn id="23" dur="500"/>
+                                        <p:tgtEl>
+                                          <p:spTgt spid="11">
+                                            <p:txEl>
+                                              <p:pRg st="0" end="0"/>
+                                            </p:txEl>
+                                          </p:spTgt>
+                                        </p:tgtEl>
+                                      </p:cBhvr>
+                                    </p:animEffect>
+                                  </p:childTnLst>
+                                </p:cTn>
+                              </p:par>
+                            </p:childTnLst>
+                          </p:cTn>
+                        </p:par>
+                        <p:par>
+                          <p:cTn id="24" fill="hold">
+                            <p:stCondLst>
+                              <p:cond delay="2500"/>
+                            </p:stCondLst>
+                            <p:childTnLst>
+                              <p:par>
+                                <p:cTn id="25" presetID="10" presetClass="entr" presetSubtype="0" fill="hold" grpId="0" nodeType="afterEffect">
+                                  <p:stCondLst>
+                                    <p:cond delay="0"/>
+                                  </p:stCondLst>
+                                  <p:childTnLst>
+                                    <p:set>
+                                      <p:cBhvr>
+                                        <p:cTn id="26" dur="1" fill="hold">
+                                          <p:stCondLst>
+                                            <p:cond delay="0"/>
+                                          </p:stCondLst>
+                                        </p:cTn>
+                                        <p:tgtEl>
+                                          <p:spTgt spid="12">
+                                            <p:bg/>
+                                          </p:spTgt>
+                                        </p:tgtEl>
+                                        <p:attrNameLst>
+                                          <p:attrName>style.visibility</p:attrName>
+                                        </p:attrNameLst>
+                                      </p:cBhvr>
+                                      <p:to>
+                                        <p:strVal val="visible"/>
+                                      </p:to>
+                                    </p:set>
+                                    <p:animEffect transition="in" filter="fade">
+                                      <p:cBhvr>
+                                        <p:cTn id="27" dur="500"/>
+                                        <p:tgtEl>
+                                          <p:spTgt spid="12">
+                                            <p:bg/>
+                                          </p:spTgt>
+                                        </p:tgtEl>
+                                      </p:cBhvr>
+                                    </p:animEffect>
+                                  </p:childTnLst>
+                                </p:cTn>
+                              </p:par>
+                            </p:childTnLst>
+                          </p:cTn>
+                        </p:par>
+                        <p:par>
+                          <p:cTn id="28" fill="hold">
+                            <p:stCondLst>
+                              <p:cond delay="3000"/>
+                            </p:stCondLst>
+                            <p:childTnLst>
+                              <p:par>
+                                <p:cTn id="29" presetID="10" presetClass="entr" presetSubtype="0" fill="hold" grpId="0" nodeType="afterEffect">
+                                  <p:stCondLst>
+                                    <p:cond delay="0"/>
+                                  </p:stCondLst>
+                                  <p:childTnLst>
+                                    <p:set>
+                                      <p:cBhvr>
+                                        <p:cTn id="30" dur="1" fill="hold">
+                                          <p:stCondLst>
+                                            <p:cond delay="0"/>
+                                          </p:stCondLst>
+                                        </p:cTn>
+                                        <p:tgtEl>
+                                          <p:spTgt spid="12">
+                                            <p:txEl>
+                                              <p:pRg st="0" end="0"/>
+                                            </p:txEl>
+                                          </p:spTgt>
+                                        </p:tgtEl>
+                                        <p:attrNameLst>
+                                          <p:attrName>style.visibility</p:attrName>
+                                        </p:attrNameLst>
+                                      </p:cBhvr>
+                                      <p:to>
+                                        <p:strVal val="visible"/>
+                                      </p:to>
+                                    </p:set>
+                                    <p:animEffect transition="in" filter="fade">
+                                      <p:cBhvr>
+                                        <p:cTn id="31" dur="500"/>
+                                        <p:tgtEl>
+                                          <p:spTgt spid="12">
+                                            <p:txEl>
+                                              <p:pRg st="0" end="0"/>
+                                            </p:txEl>
+                                          </p:spTgt>
+                                        </p:tgtEl>
+                                      </p:cBhvr>
+                                    </p:animEffect>
+                                  </p:childTnLst>
+                                </p:cTn>
+                              </p:par>
+                            </p:childTnLst>
+                          </p:cTn>
+                        </p:par>
                       </p:childTnLst>
                     </p:cTn>
                   </p:par>
@@ -7257,6 +11697,9 @@
     </p:tnLst>
     <p:bldLst>
       <p:bldP spid="2" grpId="0"/>
+      <p:bldP spid="10" grpId="0" build="p" animBg="1"/>
+      <p:bldP spid="11" grpId="0" build="p" animBg="1"/>
+      <p:bldP spid="12" grpId="0" build="p" animBg="1"/>
     </p:bldLst>
   </p:timing>
 </p:sld>

--- a/Material für Abschlusspräsentation/Präsentationsvorlage für Marco.pptx
+++ b/Material für Abschlusspräsentation/Präsentationsvorlage für Marco.pptx
@@ -5,7 +5,7 @@
     <p:sldMasterId id="2147483648" r:id="rId1"/>
   </p:sldMasterIdLst>
   <p:notesMasterIdLst>
-    <p:notesMasterId r:id="rId15"/>
+    <p:notesMasterId r:id="rId16"/>
   </p:notesMasterIdLst>
   <p:sldIdLst>
     <p:sldId id="257" r:id="rId2"/>
@@ -17,10 +17,11 @@
     <p:sldId id="263" r:id="rId8"/>
     <p:sldId id="265" r:id="rId9"/>
     <p:sldId id="270" r:id="rId10"/>
-    <p:sldId id="269" r:id="rId11"/>
-    <p:sldId id="267" r:id="rId12"/>
-    <p:sldId id="268" r:id="rId13"/>
-    <p:sldId id="266" r:id="rId14"/>
+    <p:sldId id="272" r:id="rId11"/>
+    <p:sldId id="269" r:id="rId12"/>
+    <p:sldId id="267" r:id="rId13"/>
+    <p:sldId id="268" r:id="rId14"/>
+    <p:sldId id="266" r:id="rId15"/>
   </p:sldIdLst>
   <p:sldSz cx="12192000" cy="6858000"/>
   <p:notesSz cx="6858000" cy="9144000"/>
@@ -209,7 +210,7 @@
           <a:p>
             <a:fld id="{398C6B7F-DE70-4723-AEA0-F3505BEE67B9}" type="datetimeFigureOut">
               <a:rPr lang="de-DE" smtClean="0"/>
-              <a:t>17.07.2020</a:t>
+              <a:t>20.07.2020</a:t>
             </a:fld>
             <a:endParaRPr lang="de-DE"/>
           </a:p>
@@ -3339,7 +3340,7 @@
         </p:nvSpPr>
         <p:spPr>
           <a:xfrm>
-            <a:off x="0" y="728172"/>
+            <a:off x="0" y="729336"/>
             <a:ext cx="12192000" cy="769441"/>
           </a:xfrm>
           <a:prstGeom prst="rect">
@@ -3369,242 +3370,60 @@
                 </a:solidFill>
                 <a:latin typeface="Corbel Light" panose="020B0303020204020204" pitchFamily="34" charset="0"/>
               </a:rPr>
-              <a:t>Software Implementation</a:t>
+              <a:t>Hardware Layout</a:t>
             </a:r>
           </a:p>
         </p:txBody>
       </p:sp>
-      <p:sp>
-        <p:nvSpPr>
-          <p:cNvPr id="5" name="Textfeld 4">
+      <p:pic>
+        <p:nvPicPr>
+          <p:cNvPr id="5" name="Grafik 4">
             <a:extLst>
               <a:ext uri="{FF2B5EF4-FFF2-40B4-BE49-F238E27FC236}">
-                <a16:creationId xmlns:a16="http://schemas.microsoft.com/office/drawing/2014/main" id="{7FD20B4A-A787-45AC-A677-43D5E3AB4ECF}"/>
+                <a16:creationId xmlns:a16="http://schemas.microsoft.com/office/drawing/2014/main" id="{7F3AE800-A27B-4D33-A46D-408DAC6C33C4}"/>
               </a:ext>
             </a:extLst>
           </p:cNvPr>
-          <p:cNvSpPr txBox="1"/>
+          <p:cNvPicPr>
+            <a:picLocks noChangeAspect="1"/>
+          </p:cNvPicPr>
           <p:nvPr/>
-        </p:nvSpPr>
+        </p:nvPicPr>
+        <p:blipFill rotWithShape="1">
+          <a:blip r:embed="rId2">
+            <a:extLst>
+              <a:ext uri="{28A0092B-C50C-407E-A947-70E740481C1C}">
+                <a14:useLocalDpi xmlns:a14="http://schemas.microsoft.com/office/drawing/2010/main" val="0"/>
+              </a:ext>
+            </a:extLst>
+          </a:blip>
+          <a:srcRect t="7505" b="17053"/>
+          <a:stretch/>
+        </p:blipFill>
         <p:spPr>
           <a:xfrm>
-            <a:off x="3497780" y="1734196"/>
-            <a:ext cx="5196439" cy="523220"/>
+            <a:off x="2521980" y="1740877"/>
+            <a:ext cx="7148039" cy="4044462"/>
           </a:xfrm>
           <a:prstGeom prst="rect">
             <a:avLst/>
           </a:prstGeom>
-          <a:noFill/>
           <a:ln>
-            <a:solidFill>
-              <a:schemeClr val="tx1"/>
-            </a:solidFill>
+            <a:noFill/>
           </a:ln>
+          <a:effectLst>
+            <a:outerShdw blurRad="190500" algn="tl" rotWithShape="0">
+              <a:srgbClr val="000000">
+                <a:alpha val="70000"/>
+              </a:srgbClr>
+            </a:outerShdw>
+          </a:effectLst>
         </p:spPr>
-        <p:txBody>
-          <a:bodyPr wrap="square" rtlCol="0">
-            <a:spAutoFit/>
-          </a:bodyPr>
-          <a:lstStyle/>
-          <a:p>
-            <a:pPr algn="ctr"/>
-            <a:r>
-              <a:rPr lang="de-DE" sz="2800" dirty="0">
-                <a:latin typeface="Corbel Light" panose="020B0303020204020204" pitchFamily="34" charset="0"/>
-              </a:rPr>
-              <a:t>Eigene Klasse für Kommunikation</a:t>
-            </a:r>
-          </a:p>
-        </p:txBody>
-      </p:sp>
-      <p:sp>
-        <p:nvSpPr>
-          <p:cNvPr id="6" name="Textfeld 5">
-            <a:extLst>
-              <a:ext uri="{FF2B5EF4-FFF2-40B4-BE49-F238E27FC236}">
-                <a16:creationId xmlns:a16="http://schemas.microsoft.com/office/drawing/2014/main" id="{7B3E7FD7-3F49-4D17-AD6C-CE99B6A21FFD}"/>
-              </a:ext>
-            </a:extLst>
-          </p:cNvPr>
-          <p:cNvSpPr txBox="1"/>
-          <p:nvPr/>
-        </p:nvSpPr>
-        <p:spPr>
-          <a:xfrm>
-            <a:off x="1959041" y="3252608"/>
-            <a:ext cx="8283542" cy="523220"/>
-          </a:xfrm>
-          <a:prstGeom prst="rect">
-            <a:avLst/>
-          </a:prstGeom>
-          <a:noFill/>
-          <a:ln>
-            <a:solidFill>
-              <a:schemeClr val="tx1"/>
-            </a:solidFill>
-          </a:ln>
-        </p:spPr>
-        <p:txBody>
-          <a:bodyPr wrap="square" rtlCol="0">
-            <a:spAutoFit/>
-          </a:bodyPr>
-          <a:lstStyle/>
-          <a:p>
-            <a:pPr algn="ctr"/>
-            <a:r>
-              <a:rPr lang="de-DE" sz="2800" dirty="0">
-                <a:latin typeface="Corbel Light" panose="020B0303020204020204" pitchFamily="34" charset="0"/>
-              </a:rPr>
-              <a:t>State </a:t>
-            </a:r>
-            <a:r>
-              <a:rPr lang="de-DE" sz="2800" dirty="0" err="1">
-                <a:latin typeface="Corbel Light" panose="020B0303020204020204" pitchFamily="34" charset="0"/>
-              </a:rPr>
-              <a:t>Machine</a:t>
-            </a:r>
-            <a:r>
-              <a:rPr lang="de-DE" sz="2800" dirty="0">
-                <a:latin typeface="Corbel Light" panose="020B0303020204020204" pitchFamily="34" charset="0"/>
-              </a:rPr>
-              <a:t> liest Datenpaket als String vom Serial-Port</a:t>
-            </a:r>
-          </a:p>
-        </p:txBody>
-      </p:sp>
-      <p:sp>
-        <p:nvSpPr>
-          <p:cNvPr id="9" name="Textfeld 8">
-            <a:extLst>
-              <a:ext uri="{FF2B5EF4-FFF2-40B4-BE49-F238E27FC236}">
-                <a16:creationId xmlns:a16="http://schemas.microsoft.com/office/drawing/2014/main" id="{533CC270-828B-47D1-84A2-CBB1EA1FE612}"/>
-              </a:ext>
-            </a:extLst>
-          </p:cNvPr>
-          <p:cNvSpPr txBox="1"/>
-          <p:nvPr/>
-        </p:nvSpPr>
-        <p:spPr>
-          <a:xfrm>
-            <a:off x="3608471" y="2493402"/>
-            <a:ext cx="4994308" cy="523220"/>
-          </a:xfrm>
-          <a:prstGeom prst="rect">
-            <a:avLst/>
-          </a:prstGeom>
-          <a:noFill/>
-          <a:ln>
-            <a:solidFill>
-              <a:schemeClr val="tx1"/>
-            </a:solidFill>
-          </a:ln>
-        </p:spPr>
-        <p:txBody>
-          <a:bodyPr wrap="square" rtlCol="0">
-            <a:spAutoFit/>
-          </a:bodyPr>
-          <a:lstStyle/>
-          <a:p>
-            <a:pPr algn="ctr"/>
-            <a:r>
-              <a:rPr lang="de-DE" sz="2800" dirty="0">
-                <a:latin typeface="Corbel Light" panose="020B0303020204020204" pitchFamily="34" charset="0"/>
-              </a:rPr>
-              <a:t>Öffnen des jeweiligen Serial-Ports</a:t>
-            </a:r>
-          </a:p>
-        </p:txBody>
-      </p:sp>
-      <p:sp>
-        <p:nvSpPr>
-          <p:cNvPr id="10" name="Textfeld 9">
-            <a:extLst>
-              <a:ext uri="{FF2B5EF4-FFF2-40B4-BE49-F238E27FC236}">
-                <a16:creationId xmlns:a16="http://schemas.microsoft.com/office/drawing/2014/main" id="{657A9D2A-E2B6-44B7-AB6F-A84B3411F432}"/>
-              </a:ext>
-            </a:extLst>
-          </p:cNvPr>
-          <p:cNvSpPr txBox="1"/>
-          <p:nvPr/>
-        </p:nvSpPr>
-        <p:spPr>
-          <a:xfrm>
-            <a:off x="3598845" y="4456138"/>
-            <a:ext cx="5003934" cy="523220"/>
-          </a:xfrm>
-          <a:prstGeom prst="rect">
-            <a:avLst/>
-          </a:prstGeom>
-          <a:noFill/>
-          <a:ln>
-            <a:solidFill>
-              <a:schemeClr val="tx1"/>
-            </a:solidFill>
-          </a:ln>
-        </p:spPr>
-        <p:txBody>
-          <a:bodyPr wrap="square" rtlCol="0">
-            <a:spAutoFit/>
-          </a:bodyPr>
-          <a:lstStyle/>
-          <a:p>
-            <a:pPr algn="ctr"/>
-            <a:r>
-              <a:rPr lang="de-DE" sz="2800" dirty="0">
-                <a:latin typeface="Corbel Light" panose="020B0303020204020204" pitchFamily="34" charset="0"/>
-              </a:rPr>
-              <a:t>Je ein Klassen-Objekt pro Arduino </a:t>
-            </a:r>
-          </a:p>
-        </p:txBody>
-      </p:sp>
-      <p:sp>
-        <p:nvSpPr>
-          <p:cNvPr id="11" name="Textfeld 10">
-            <a:extLst>
-              <a:ext uri="{FF2B5EF4-FFF2-40B4-BE49-F238E27FC236}">
-                <a16:creationId xmlns:a16="http://schemas.microsoft.com/office/drawing/2014/main" id="{F60189EC-850F-4BB9-BEA3-524571FCD219}"/>
-              </a:ext>
-            </a:extLst>
-          </p:cNvPr>
-          <p:cNvSpPr txBox="1"/>
-          <p:nvPr/>
-        </p:nvSpPr>
-        <p:spPr>
-          <a:xfrm>
-            <a:off x="4285146" y="5215941"/>
-            <a:ext cx="3612080" cy="523220"/>
-          </a:xfrm>
-          <a:prstGeom prst="rect">
-            <a:avLst/>
-          </a:prstGeom>
-          <a:noFill/>
-          <a:ln>
-            <a:solidFill>
-              <a:schemeClr val="tx1"/>
-            </a:solidFill>
-          </a:ln>
-        </p:spPr>
-        <p:txBody>
-          <a:bodyPr wrap="square" rtlCol="0">
-            <a:spAutoFit/>
-          </a:bodyPr>
-          <a:lstStyle/>
-          <a:p>
-            <a:pPr algn="ctr"/>
-            <a:r>
-              <a:rPr lang="de-DE" sz="2800" dirty="0">
-                <a:latin typeface="Corbel Light" panose="020B0303020204020204" pitchFamily="34" charset="0"/>
-              </a:rPr>
-              <a:t>Einlesen läuft parallel ab</a:t>
-            </a:r>
-          </a:p>
-        </p:txBody>
-      </p:sp>
+      </p:pic>
     </p:spTree>
     <p:extLst>
       <p:ext uri="{BB962C8B-B14F-4D97-AF65-F5344CB8AC3E}">
-        <p14:creationId xmlns:p14="http://schemas.microsoft.com/office/powerpoint/2010/main" val="3360714793"/>
+        <p14:creationId xmlns:p14="http://schemas.microsoft.com/office/powerpoint/2010/main" val="723299391"/>
       </p:ext>
     </p:extLst>
   </p:cSld>
@@ -3675,506 +3494,6 @@
                             </p:childTnLst>
                           </p:cTn>
                         </p:par>
-                        <p:par>
-                          <p:cTn id="8" fill="hold">
-                            <p:stCondLst>
-                              <p:cond delay="500"/>
-                            </p:stCondLst>
-                            <p:childTnLst>
-                              <p:par>
-                                <p:cTn id="9" presetID="10" presetClass="entr" presetSubtype="0" fill="hold" grpId="0" nodeType="afterEffect">
-                                  <p:stCondLst>
-                                    <p:cond delay="0"/>
-                                  </p:stCondLst>
-                                  <p:childTnLst>
-                                    <p:set>
-                                      <p:cBhvr>
-                                        <p:cTn id="10" dur="1" fill="hold">
-                                          <p:stCondLst>
-                                            <p:cond delay="0"/>
-                                          </p:stCondLst>
-                                        </p:cTn>
-                                        <p:tgtEl>
-                                          <p:spTgt spid="5">
-                                            <p:bg/>
-                                          </p:spTgt>
-                                        </p:tgtEl>
-                                        <p:attrNameLst>
-                                          <p:attrName>style.visibility</p:attrName>
-                                        </p:attrNameLst>
-                                      </p:cBhvr>
-                                      <p:to>
-                                        <p:strVal val="visible"/>
-                                      </p:to>
-                                    </p:set>
-                                    <p:animEffect transition="in" filter="fade">
-                                      <p:cBhvr>
-                                        <p:cTn id="11" dur="500"/>
-                                        <p:tgtEl>
-                                          <p:spTgt spid="5">
-                                            <p:bg/>
-                                          </p:spTgt>
-                                        </p:tgtEl>
-                                      </p:cBhvr>
-                                    </p:animEffect>
-                                  </p:childTnLst>
-                                </p:cTn>
-                              </p:par>
-                            </p:childTnLst>
-                          </p:cTn>
-                        </p:par>
-                        <p:par>
-                          <p:cTn id="12" fill="hold">
-                            <p:stCondLst>
-                              <p:cond delay="1000"/>
-                            </p:stCondLst>
-                            <p:childTnLst>
-                              <p:par>
-                                <p:cTn id="13" presetID="10" presetClass="entr" presetSubtype="0" fill="hold" grpId="0" nodeType="afterEffect">
-                                  <p:stCondLst>
-                                    <p:cond delay="0"/>
-                                  </p:stCondLst>
-                                  <p:childTnLst>
-                                    <p:set>
-                                      <p:cBhvr>
-                                        <p:cTn id="14" dur="1" fill="hold">
-                                          <p:stCondLst>
-                                            <p:cond delay="0"/>
-                                          </p:stCondLst>
-                                        </p:cTn>
-                                        <p:tgtEl>
-                                          <p:spTgt spid="5">
-                                            <p:txEl>
-                                              <p:pRg st="0" end="0"/>
-                                            </p:txEl>
-                                          </p:spTgt>
-                                        </p:tgtEl>
-                                        <p:attrNameLst>
-                                          <p:attrName>style.visibility</p:attrName>
-                                        </p:attrNameLst>
-                                      </p:cBhvr>
-                                      <p:to>
-                                        <p:strVal val="visible"/>
-                                      </p:to>
-                                    </p:set>
-                                    <p:animEffect transition="in" filter="fade">
-                                      <p:cBhvr>
-                                        <p:cTn id="15" dur="500"/>
-                                        <p:tgtEl>
-                                          <p:spTgt spid="5">
-                                            <p:txEl>
-                                              <p:pRg st="0" end="0"/>
-                                            </p:txEl>
-                                          </p:spTgt>
-                                        </p:tgtEl>
-                                      </p:cBhvr>
-                                    </p:animEffect>
-                                  </p:childTnLst>
-                                </p:cTn>
-                              </p:par>
-                            </p:childTnLst>
-                          </p:cTn>
-                        </p:par>
-                        <p:par>
-                          <p:cTn id="16" fill="hold">
-                            <p:stCondLst>
-                              <p:cond delay="1500"/>
-                            </p:stCondLst>
-                            <p:childTnLst>
-                              <p:par>
-                                <p:cTn id="17" presetID="10" presetClass="entr" presetSubtype="0" fill="hold" grpId="0" nodeType="afterEffect">
-                                  <p:stCondLst>
-                                    <p:cond delay="0"/>
-                                  </p:stCondLst>
-                                  <p:childTnLst>
-                                    <p:set>
-                                      <p:cBhvr>
-                                        <p:cTn id="18" dur="1" fill="hold">
-                                          <p:stCondLst>
-                                            <p:cond delay="0"/>
-                                          </p:stCondLst>
-                                        </p:cTn>
-                                        <p:tgtEl>
-                                          <p:spTgt spid="9">
-                                            <p:bg/>
-                                          </p:spTgt>
-                                        </p:tgtEl>
-                                        <p:attrNameLst>
-                                          <p:attrName>style.visibility</p:attrName>
-                                        </p:attrNameLst>
-                                      </p:cBhvr>
-                                      <p:to>
-                                        <p:strVal val="visible"/>
-                                      </p:to>
-                                    </p:set>
-                                    <p:animEffect transition="in" filter="fade">
-                                      <p:cBhvr>
-                                        <p:cTn id="19" dur="500"/>
-                                        <p:tgtEl>
-                                          <p:spTgt spid="9">
-                                            <p:bg/>
-                                          </p:spTgt>
-                                        </p:tgtEl>
-                                      </p:cBhvr>
-                                    </p:animEffect>
-                                  </p:childTnLst>
-                                </p:cTn>
-                              </p:par>
-                            </p:childTnLst>
-                          </p:cTn>
-                        </p:par>
-                        <p:par>
-                          <p:cTn id="20" fill="hold">
-                            <p:stCondLst>
-                              <p:cond delay="2000"/>
-                            </p:stCondLst>
-                            <p:childTnLst>
-                              <p:par>
-                                <p:cTn id="21" presetID="10" presetClass="entr" presetSubtype="0" fill="hold" grpId="0" nodeType="afterEffect">
-                                  <p:stCondLst>
-                                    <p:cond delay="0"/>
-                                  </p:stCondLst>
-                                  <p:childTnLst>
-                                    <p:set>
-                                      <p:cBhvr>
-                                        <p:cTn id="22" dur="1" fill="hold">
-                                          <p:stCondLst>
-                                            <p:cond delay="0"/>
-                                          </p:stCondLst>
-                                        </p:cTn>
-                                        <p:tgtEl>
-                                          <p:spTgt spid="9">
-                                            <p:txEl>
-                                              <p:pRg st="0" end="0"/>
-                                            </p:txEl>
-                                          </p:spTgt>
-                                        </p:tgtEl>
-                                        <p:attrNameLst>
-                                          <p:attrName>style.visibility</p:attrName>
-                                        </p:attrNameLst>
-                                      </p:cBhvr>
-                                      <p:to>
-                                        <p:strVal val="visible"/>
-                                      </p:to>
-                                    </p:set>
-                                    <p:animEffect transition="in" filter="fade">
-                                      <p:cBhvr>
-                                        <p:cTn id="23" dur="500"/>
-                                        <p:tgtEl>
-                                          <p:spTgt spid="9">
-                                            <p:txEl>
-                                              <p:pRg st="0" end="0"/>
-                                            </p:txEl>
-                                          </p:spTgt>
-                                        </p:tgtEl>
-                                      </p:cBhvr>
-                                    </p:animEffect>
-                                  </p:childTnLst>
-                                </p:cTn>
-                              </p:par>
-                            </p:childTnLst>
-                          </p:cTn>
-                        </p:par>
-                        <p:par>
-                          <p:cTn id="24" fill="hold">
-                            <p:stCondLst>
-                              <p:cond delay="2500"/>
-                            </p:stCondLst>
-                            <p:childTnLst>
-                              <p:par>
-                                <p:cTn id="25" presetID="10" presetClass="entr" presetSubtype="0" fill="hold" grpId="0" nodeType="afterEffect">
-                                  <p:stCondLst>
-                                    <p:cond delay="0"/>
-                                  </p:stCondLst>
-                                  <p:childTnLst>
-                                    <p:set>
-                                      <p:cBhvr>
-                                        <p:cTn id="26" dur="1" fill="hold">
-                                          <p:stCondLst>
-                                            <p:cond delay="0"/>
-                                          </p:stCondLst>
-                                        </p:cTn>
-                                        <p:tgtEl>
-                                          <p:spTgt spid="6">
-                                            <p:bg/>
-                                          </p:spTgt>
-                                        </p:tgtEl>
-                                        <p:attrNameLst>
-                                          <p:attrName>style.visibility</p:attrName>
-                                        </p:attrNameLst>
-                                      </p:cBhvr>
-                                      <p:to>
-                                        <p:strVal val="visible"/>
-                                      </p:to>
-                                    </p:set>
-                                    <p:animEffect transition="in" filter="fade">
-                                      <p:cBhvr>
-                                        <p:cTn id="27" dur="500"/>
-                                        <p:tgtEl>
-                                          <p:spTgt spid="6">
-                                            <p:bg/>
-                                          </p:spTgt>
-                                        </p:tgtEl>
-                                      </p:cBhvr>
-                                    </p:animEffect>
-                                  </p:childTnLst>
-                                </p:cTn>
-                              </p:par>
-                            </p:childTnLst>
-                          </p:cTn>
-                        </p:par>
-                        <p:par>
-                          <p:cTn id="28" fill="hold">
-                            <p:stCondLst>
-                              <p:cond delay="3000"/>
-                            </p:stCondLst>
-                            <p:childTnLst>
-                              <p:par>
-                                <p:cTn id="29" presetID="10" presetClass="entr" presetSubtype="0" fill="hold" grpId="0" nodeType="afterEffect">
-                                  <p:stCondLst>
-                                    <p:cond delay="0"/>
-                                  </p:stCondLst>
-                                  <p:childTnLst>
-                                    <p:set>
-                                      <p:cBhvr>
-                                        <p:cTn id="30" dur="1" fill="hold">
-                                          <p:stCondLst>
-                                            <p:cond delay="0"/>
-                                          </p:stCondLst>
-                                        </p:cTn>
-                                        <p:tgtEl>
-                                          <p:spTgt spid="6">
-                                            <p:txEl>
-                                              <p:pRg st="0" end="0"/>
-                                            </p:txEl>
-                                          </p:spTgt>
-                                        </p:tgtEl>
-                                        <p:attrNameLst>
-                                          <p:attrName>style.visibility</p:attrName>
-                                        </p:attrNameLst>
-                                      </p:cBhvr>
-                                      <p:to>
-                                        <p:strVal val="visible"/>
-                                      </p:to>
-                                    </p:set>
-                                    <p:animEffect transition="in" filter="fade">
-                                      <p:cBhvr>
-                                        <p:cTn id="31" dur="500"/>
-                                        <p:tgtEl>
-                                          <p:spTgt spid="6">
-                                            <p:txEl>
-                                              <p:pRg st="0" end="0"/>
-                                            </p:txEl>
-                                          </p:spTgt>
-                                        </p:tgtEl>
-                                      </p:cBhvr>
-                                    </p:animEffect>
-                                  </p:childTnLst>
-                                </p:cTn>
-                              </p:par>
-                            </p:childTnLst>
-                          </p:cTn>
-                        </p:par>
-                        <p:par>
-                          <p:cTn id="32" fill="hold">
-                            <p:stCondLst>
-                              <p:cond delay="3500"/>
-                            </p:stCondLst>
-                            <p:childTnLst>
-                              <p:par>
-                                <p:cTn id="33" presetID="10" presetClass="entr" presetSubtype="0" fill="hold" grpId="0" nodeType="afterEffect">
-                                  <p:stCondLst>
-                                    <p:cond delay="0"/>
-                                  </p:stCondLst>
-                                  <p:childTnLst>
-                                    <p:set>
-                                      <p:cBhvr>
-                                        <p:cTn id="34" dur="1" fill="hold">
-                                          <p:stCondLst>
-                                            <p:cond delay="0"/>
-                                          </p:stCondLst>
-                                        </p:cTn>
-                                        <p:tgtEl>
-                                          <p:spTgt spid="10">
-                                            <p:bg/>
-                                          </p:spTgt>
-                                        </p:tgtEl>
-                                        <p:attrNameLst>
-                                          <p:attrName>style.visibility</p:attrName>
-                                        </p:attrNameLst>
-                                      </p:cBhvr>
-                                      <p:to>
-                                        <p:strVal val="visible"/>
-                                      </p:to>
-                                    </p:set>
-                                    <p:animEffect transition="in" filter="fade">
-                                      <p:cBhvr>
-                                        <p:cTn id="35" dur="500"/>
-                                        <p:tgtEl>
-                                          <p:spTgt spid="10">
-                                            <p:bg/>
-                                          </p:spTgt>
-                                        </p:tgtEl>
-                                      </p:cBhvr>
-                                    </p:animEffect>
-                                  </p:childTnLst>
-                                </p:cTn>
-                              </p:par>
-                            </p:childTnLst>
-                          </p:cTn>
-                        </p:par>
-                        <p:par>
-                          <p:cTn id="36" fill="hold">
-                            <p:stCondLst>
-                              <p:cond delay="4000"/>
-                            </p:stCondLst>
-                            <p:childTnLst>
-                              <p:par>
-                                <p:cTn id="37" presetID="10" presetClass="entr" presetSubtype="0" fill="hold" grpId="0" nodeType="afterEffect">
-                                  <p:stCondLst>
-                                    <p:cond delay="0"/>
-                                  </p:stCondLst>
-                                  <p:childTnLst>
-                                    <p:set>
-                                      <p:cBhvr>
-                                        <p:cTn id="38" dur="1" fill="hold">
-                                          <p:stCondLst>
-                                            <p:cond delay="0"/>
-                                          </p:stCondLst>
-                                        </p:cTn>
-                                        <p:tgtEl>
-                                          <p:spTgt spid="10">
-                                            <p:txEl>
-                                              <p:pRg st="0" end="0"/>
-                                            </p:txEl>
-                                          </p:spTgt>
-                                        </p:tgtEl>
-                                        <p:attrNameLst>
-                                          <p:attrName>style.visibility</p:attrName>
-                                        </p:attrNameLst>
-                                      </p:cBhvr>
-                                      <p:to>
-                                        <p:strVal val="visible"/>
-                                      </p:to>
-                                    </p:set>
-                                    <p:animEffect transition="in" filter="fade">
-                                      <p:cBhvr>
-                                        <p:cTn id="39" dur="500"/>
-                                        <p:tgtEl>
-                                          <p:spTgt spid="10">
-                                            <p:txEl>
-                                              <p:pRg st="0" end="0"/>
-                                            </p:txEl>
-                                          </p:spTgt>
-                                        </p:tgtEl>
-                                      </p:cBhvr>
-                                    </p:animEffect>
-                                  </p:childTnLst>
-                                </p:cTn>
-                              </p:par>
-                            </p:childTnLst>
-                          </p:cTn>
-                        </p:par>
-                        <p:par>
-                          <p:cTn id="40" fill="hold">
-                            <p:stCondLst>
-                              <p:cond delay="4500"/>
-                            </p:stCondLst>
-                            <p:childTnLst>
-                              <p:par>
-                                <p:cTn id="41" presetID="10" presetClass="entr" presetSubtype="0" fill="hold" grpId="0" nodeType="afterEffect">
-                                  <p:stCondLst>
-                                    <p:cond delay="0"/>
-                                  </p:stCondLst>
-                                  <p:childTnLst>
-                                    <p:set>
-                                      <p:cBhvr>
-                                        <p:cTn id="42" dur="1" fill="hold">
-                                          <p:stCondLst>
-                                            <p:cond delay="0"/>
-                                          </p:stCondLst>
-                                        </p:cTn>
-                                        <p:tgtEl>
-                                          <p:spTgt spid="11">
-                                            <p:bg/>
-                                          </p:spTgt>
-                                        </p:tgtEl>
-                                        <p:attrNameLst>
-                                          <p:attrName>style.visibility</p:attrName>
-                                        </p:attrNameLst>
-                                      </p:cBhvr>
-                                      <p:to>
-                                        <p:strVal val="visible"/>
-                                      </p:to>
-                                    </p:set>
-                                    <p:animEffect transition="in" filter="fade">
-                                      <p:cBhvr>
-                                        <p:cTn id="43" dur="500"/>
-                                        <p:tgtEl>
-                                          <p:spTgt spid="11">
-                                            <p:bg/>
-                                          </p:spTgt>
-                                        </p:tgtEl>
-                                      </p:cBhvr>
-                                    </p:animEffect>
-                                  </p:childTnLst>
-                                </p:cTn>
-                              </p:par>
-                            </p:childTnLst>
-                          </p:cTn>
-                        </p:par>
-                        <p:par>
-                          <p:cTn id="44" fill="hold">
-                            <p:stCondLst>
-                              <p:cond delay="5000"/>
-                            </p:stCondLst>
-                            <p:childTnLst>
-                              <p:par>
-                                <p:cTn id="45" presetID="10" presetClass="entr" presetSubtype="0" fill="hold" grpId="0" nodeType="afterEffect">
-                                  <p:stCondLst>
-                                    <p:cond delay="0"/>
-                                  </p:stCondLst>
-                                  <p:childTnLst>
-                                    <p:set>
-                                      <p:cBhvr>
-                                        <p:cTn id="46" dur="1" fill="hold">
-                                          <p:stCondLst>
-                                            <p:cond delay="0"/>
-                                          </p:stCondLst>
-                                        </p:cTn>
-                                        <p:tgtEl>
-                                          <p:spTgt spid="11">
-                                            <p:txEl>
-                                              <p:pRg st="0" end="0"/>
-                                            </p:txEl>
-                                          </p:spTgt>
-                                        </p:tgtEl>
-                                        <p:attrNameLst>
-                                          <p:attrName>style.visibility</p:attrName>
-                                        </p:attrNameLst>
-                                      </p:cBhvr>
-                                      <p:to>
-                                        <p:strVal val="visible"/>
-                                      </p:to>
-                                    </p:set>
-                                    <p:animEffect transition="in" filter="fade">
-                                      <p:cBhvr>
-                                        <p:cTn id="47" dur="500"/>
-                                        <p:tgtEl>
-                                          <p:spTgt spid="11">
-                                            <p:txEl>
-                                              <p:pRg st="0" end="0"/>
-                                            </p:txEl>
-                                          </p:spTgt>
-                                        </p:tgtEl>
-                                      </p:cBhvr>
-                                    </p:animEffect>
-                                  </p:childTnLst>
-                                </p:cTn>
-                              </p:par>
-                            </p:childTnLst>
-                          </p:cTn>
-                        </p:par>
                       </p:childTnLst>
                     </p:cTn>
                   </p:par>
@@ -4201,11 +3520,6 @@
     </p:tnLst>
     <p:bldLst>
       <p:bldP spid="2" grpId="0"/>
-      <p:bldP spid="5" grpId="0" build="p" animBg="1"/>
-      <p:bldP spid="6" grpId="0" build="p" animBg="1"/>
-      <p:bldP spid="9" grpId="0" build="p" animBg="1"/>
-      <p:bldP spid="10" grpId="0" build="p" animBg="1"/>
-      <p:bldP spid="11" grpId="0" build="p" animBg="1"/>
     </p:bldLst>
   </p:timing>
 </p:sld>
@@ -4390,13 +3704,18 @@
         </p:nvSpPr>
         <p:spPr>
           <a:xfrm>
-            <a:off x="0" y="3044279"/>
+            <a:off x="0" y="728172"/>
             <a:ext cx="12192000" cy="769441"/>
           </a:xfrm>
           <a:prstGeom prst="rect">
             <a:avLst/>
           </a:prstGeom>
           <a:noFill/>
+          <a:ln>
+            <a:solidFill>
+              <a:schemeClr val="bg1"/>
+            </a:solidFill>
+          </a:ln>
         </p:spPr>
         <p:txBody>
           <a:bodyPr wrap="square" rtlCol="0">
@@ -4415,38 +3734,17 @@
                 </a:solidFill>
                 <a:latin typeface="Corbel Light" panose="020B0303020204020204" pitchFamily="34" charset="0"/>
               </a:rPr>
-              <a:t>Raspberry Pi ↔</a:t>
-            </a:r>
-            <a:r>
-              <a:rPr lang="de-DE" sz="4400" spc="600" dirty="0" err="1">
-                <a:solidFill>
-                  <a:schemeClr val="bg1">
-                    <a:lumMod val="95000"/>
-                    <a:lumOff val="5000"/>
-                  </a:schemeClr>
-                </a:solidFill>
-                <a:latin typeface="Corbel Light" panose="020B0303020204020204" pitchFamily="34" charset="0"/>
-              </a:rPr>
-              <a:t>RoboNova</a:t>
-            </a:r>
-            <a:endParaRPr lang="de-DE" sz="4400" spc="600" dirty="0">
-              <a:solidFill>
-                <a:schemeClr val="bg1">
-                  <a:lumMod val="95000"/>
-                  <a:lumOff val="5000"/>
-                </a:schemeClr>
-              </a:solidFill>
-              <a:latin typeface="Corbel Light" panose="020B0303020204020204" pitchFamily="34" charset="0"/>
-            </a:endParaRPr>
+              <a:t>Software Implementation</a:t>
+            </a:r>
           </a:p>
         </p:txBody>
       </p:sp>
       <p:sp>
         <p:nvSpPr>
-          <p:cNvPr id="11" name="Textfeld 10">
+          <p:cNvPr id="5" name="Textfeld 4">
             <a:extLst>
               <a:ext uri="{FF2B5EF4-FFF2-40B4-BE49-F238E27FC236}">
-                <a16:creationId xmlns:a16="http://schemas.microsoft.com/office/drawing/2014/main" id="{7012552E-2A48-4B97-9EEC-240E530F987D}"/>
+                <a16:creationId xmlns:a16="http://schemas.microsoft.com/office/drawing/2014/main" id="{7FD20B4A-A787-45AC-A677-43D5E3AB4ECF}"/>
               </a:ext>
             </a:extLst>
           </p:cNvPr>
@@ -4455,14 +3753,14 @@
         </p:nvSpPr>
         <p:spPr>
           <a:xfrm>
-            <a:off x="4143375" y="1122797"/>
-            <a:ext cx="3905250" cy="1446550"/>
+            <a:off x="3497780" y="1734196"/>
+            <a:ext cx="5196439" cy="523220"/>
           </a:xfrm>
           <a:prstGeom prst="rect">
             <a:avLst/>
           </a:prstGeom>
           <a:noFill/>
-          <a:ln w="12700">
+          <a:ln>
             <a:solidFill>
               <a:schemeClr val="tx1"/>
             </a:solidFill>
@@ -4476,10 +3774,194 @@
           <a:p>
             <a:pPr algn="ctr"/>
             <a:r>
-              <a:rPr lang="de-DE" sz="4400" spc="600" dirty="0">
+              <a:rPr lang="de-DE" sz="2800" dirty="0">
                 <a:latin typeface="Corbel Light" panose="020B0303020204020204" pitchFamily="34" charset="0"/>
               </a:rPr>
-              <a:t>ESP 8266 Wifi-Modul</a:t>
+              <a:t>Eigene Klasse für Kommunikation</a:t>
+            </a:r>
+          </a:p>
+        </p:txBody>
+      </p:sp>
+      <p:sp>
+        <p:nvSpPr>
+          <p:cNvPr id="6" name="Textfeld 5">
+            <a:extLst>
+              <a:ext uri="{FF2B5EF4-FFF2-40B4-BE49-F238E27FC236}">
+                <a16:creationId xmlns:a16="http://schemas.microsoft.com/office/drawing/2014/main" id="{7B3E7FD7-3F49-4D17-AD6C-CE99B6A21FFD}"/>
+              </a:ext>
+            </a:extLst>
+          </p:cNvPr>
+          <p:cNvSpPr txBox="1"/>
+          <p:nvPr/>
+        </p:nvSpPr>
+        <p:spPr>
+          <a:xfrm>
+            <a:off x="1959041" y="3252608"/>
+            <a:ext cx="8283542" cy="523220"/>
+          </a:xfrm>
+          <a:prstGeom prst="rect">
+            <a:avLst/>
+          </a:prstGeom>
+          <a:noFill/>
+          <a:ln>
+            <a:solidFill>
+              <a:schemeClr val="tx1"/>
+            </a:solidFill>
+          </a:ln>
+        </p:spPr>
+        <p:txBody>
+          <a:bodyPr wrap="square" rtlCol="0">
+            <a:spAutoFit/>
+          </a:bodyPr>
+          <a:lstStyle/>
+          <a:p>
+            <a:pPr algn="ctr"/>
+            <a:r>
+              <a:rPr lang="de-DE" sz="2800" dirty="0">
+                <a:latin typeface="Corbel Light" panose="020B0303020204020204" pitchFamily="34" charset="0"/>
+              </a:rPr>
+              <a:t>State </a:t>
+            </a:r>
+            <a:r>
+              <a:rPr lang="de-DE" sz="2800" dirty="0" err="1">
+                <a:latin typeface="Corbel Light" panose="020B0303020204020204" pitchFamily="34" charset="0"/>
+              </a:rPr>
+              <a:t>Machine</a:t>
+            </a:r>
+            <a:r>
+              <a:rPr lang="de-DE" sz="2800" dirty="0">
+                <a:latin typeface="Corbel Light" panose="020B0303020204020204" pitchFamily="34" charset="0"/>
+              </a:rPr>
+              <a:t> liest Datenpaket als String vom Serial-Port</a:t>
+            </a:r>
+          </a:p>
+        </p:txBody>
+      </p:sp>
+      <p:sp>
+        <p:nvSpPr>
+          <p:cNvPr id="9" name="Textfeld 8">
+            <a:extLst>
+              <a:ext uri="{FF2B5EF4-FFF2-40B4-BE49-F238E27FC236}">
+                <a16:creationId xmlns:a16="http://schemas.microsoft.com/office/drawing/2014/main" id="{533CC270-828B-47D1-84A2-CBB1EA1FE612}"/>
+              </a:ext>
+            </a:extLst>
+          </p:cNvPr>
+          <p:cNvSpPr txBox="1"/>
+          <p:nvPr/>
+        </p:nvSpPr>
+        <p:spPr>
+          <a:xfrm>
+            <a:off x="3608471" y="2493402"/>
+            <a:ext cx="4994308" cy="523220"/>
+          </a:xfrm>
+          <a:prstGeom prst="rect">
+            <a:avLst/>
+          </a:prstGeom>
+          <a:noFill/>
+          <a:ln>
+            <a:solidFill>
+              <a:schemeClr val="tx1"/>
+            </a:solidFill>
+          </a:ln>
+        </p:spPr>
+        <p:txBody>
+          <a:bodyPr wrap="square" rtlCol="0">
+            <a:spAutoFit/>
+          </a:bodyPr>
+          <a:lstStyle/>
+          <a:p>
+            <a:pPr algn="ctr"/>
+            <a:r>
+              <a:rPr lang="de-DE" sz="2800" dirty="0">
+                <a:latin typeface="Corbel Light" panose="020B0303020204020204" pitchFamily="34" charset="0"/>
+              </a:rPr>
+              <a:t>Öffnen des jeweiligen Serial-Ports</a:t>
+            </a:r>
+          </a:p>
+        </p:txBody>
+      </p:sp>
+      <p:sp>
+        <p:nvSpPr>
+          <p:cNvPr id="10" name="Textfeld 9">
+            <a:extLst>
+              <a:ext uri="{FF2B5EF4-FFF2-40B4-BE49-F238E27FC236}">
+                <a16:creationId xmlns:a16="http://schemas.microsoft.com/office/drawing/2014/main" id="{657A9D2A-E2B6-44B7-AB6F-A84B3411F432}"/>
+              </a:ext>
+            </a:extLst>
+          </p:cNvPr>
+          <p:cNvSpPr txBox="1"/>
+          <p:nvPr/>
+        </p:nvSpPr>
+        <p:spPr>
+          <a:xfrm>
+            <a:off x="3598845" y="4456138"/>
+            <a:ext cx="5003934" cy="523220"/>
+          </a:xfrm>
+          <a:prstGeom prst="rect">
+            <a:avLst/>
+          </a:prstGeom>
+          <a:noFill/>
+          <a:ln>
+            <a:solidFill>
+              <a:schemeClr val="tx1"/>
+            </a:solidFill>
+          </a:ln>
+        </p:spPr>
+        <p:txBody>
+          <a:bodyPr wrap="square" rtlCol="0">
+            <a:spAutoFit/>
+          </a:bodyPr>
+          <a:lstStyle/>
+          <a:p>
+            <a:pPr algn="ctr"/>
+            <a:r>
+              <a:rPr lang="de-DE" sz="2800" dirty="0">
+                <a:latin typeface="Corbel Light" panose="020B0303020204020204" pitchFamily="34" charset="0"/>
+              </a:rPr>
+              <a:t>Je ein Klassen-Objekt pro Arduino </a:t>
+            </a:r>
+          </a:p>
+        </p:txBody>
+      </p:sp>
+      <p:sp>
+        <p:nvSpPr>
+          <p:cNvPr id="11" name="Textfeld 10">
+            <a:extLst>
+              <a:ext uri="{FF2B5EF4-FFF2-40B4-BE49-F238E27FC236}">
+                <a16:creationId xmlns:a16="http://schemas.microsoft.com/office/drawing/2014/main" id="{F60189EC-850F-4BB9-BEA3-524571FCD219}"/>
+              </a:ext>
+            </a:extLst>
+          </p:cNvPr>
+          <p:cNvSpPr txBox="1"/>
+          <p:nvPr/>
+        </p:nvSpPr>
+        <p:spPr>
+          <a:xfrm>
+            <a:off x="4285146" y="5215941"/>
+            <a:ext cx="3612080" cy="523220"/>
+          </a:xfrm>
+          <a:prstGeom prst="rect">
+            <a:avLst/>
+          </a:prstGeom>
+          <a:noFill/>
+          <a:ln>
+            <a:solidFill>
+              <a:schemeClr val="tx1"/>
+            </a:solidFill>
+          </a:ln>
+        </p:spPr>
+        <p:txBody>
+          <a:bodyPr wrap="square" rtlCol="0">
+            <a:spAutoFit/>
+          </a:bodyPr>
+          <a:lstStyle/>
+          <a:p>
+            <a:pPr algn="ctr"/>
+            <a:r>
+              <a:rPr lang="de-DE" sz="2800" dirty="0">
+                <a:latin typeface="Corbel Light" panose="020B0303020204020204" pitchFamily="34" charset="0"/>
+              </a:rPr>
+              <a:t>Einlesen läuft parallel ab</a:t>
             </a:r>
           </a:p>
         </p:txBody>
@@ -4487,7 +3969,7 @@
     </p:spTree>
     <p:extLst>
       <p:ext uri="{BB962C8B-B14F-4D97-AF65-F5344CB8AC3E}">
-        <p14:creationId xmlns:p14="http://schemas.microsoft.com/office/powerpoint/2010/main" val="2929307450"/>
+        <p14:creationId xmlns:p14="http://schemas.microsoft.com/office/powerpoint/2010/main" val="3360714793"/>
       </p:ext>
     </p:extLst>
   </p:cSld>
@@ -4555,21 +4037,32 @@
                                   </p:childTnLst>
                                 </p:cTn>
                               </p:par>
+                            </p:childTnLst>
+                          </p:cTn>
+                        </p:par>
+                        <p:par>
+                          <p:cTn id="8" fill="hold">
+                            <p:stCondLst>
+                              <p:cond delay="500"/>
+                            </p:stCondLst>
+                            <p:childTnLst>
                               <p:par>
-                                <p:cTn id="8" presetID="22" presetClass="entr" presetSubtype="8" fill="hold" grpId="0" nodeType="withEffect">
+                                <p:cTn id="9" presetID="10" presetClass="entr" presetSubtype="0" fill="hold" grpId="0" nodeType="afterEffect">
                                   <p:stCondLst>
                                     <p:cond delay="0"/>
                                   </p:stCondLst>
                                   <p:childTnLst>
                                     <p:set>
                                       <p:cBhvr>
-                                        <p:cTn id="9" dur="1" fill="hold">
+                                        <p:cTn id="10" dur="1" fill="hold">
                                           <p:stCondLst>
                                             <p:cond delay="0"/>
                                           </p:stCondLst>
                                         </p:cTn>
                                         <p:tgtEl>
-                                          <p:spTgt spid="7"/>
+                                          <p:spTgt spid="5">
+                                            <p:bg/>
+                                          </p:spTgt>
                                         </p:tgtEl>
                                         <p:attrNameLst>
                                           <p:attrName>style.visibility</p:attrName>
@@ -4579,11 +4072,13 @@
                                         <p:strVal val="visible"/>
                                       </p:to>
                                     </p:set>
-                                    <p:animEffect transition="in" filter="wipe(left)">
-                                      <p:cBhvr>
-                                        <p:cTn id="10" dur="500"/>
-                                        <p:tgtEl>
-                                          <p:spTgt spid="7"/>
+                                    <p:animEffect transition="in" filter="fade">
+                                      <p:cBhvr>
+                                        <p:cTn id="11" dur="500"/>
+                                        <p:tgtEl>
+                                          <p:spTgt spid="5">
+                                            <p:bg/>
+                                          </p:spTgt>
                                         </p:tgtEl>
                                       </p:cBhvr>
                                     </p:animEffect>
@@ -4594,26 +4089,30 @@
                           </p:cTn>
                         </p:par>
                         <p:par>
-                          <p:cTn id="11" fill="hold">
+                          <p:cTn id="12" fill="hold">
                             <p:stCondLst>
-                              <p:cond delay="500"/>
+                              <p:cond delay="1000"/>
                             </p:stCondLst>
                             <p:childTnLst>
                               <p:par>
-                                <p:cTn id="12" presetID="10" presetClass="entr" presetSubtype="0" fill="hold" grpId="0" nodeType="afterEffect">
+                                <p:cTn id="13" presetID="10" presetClass="entr" presetSubtype="0" fill="hold" grpId="0" nodeType="afterEffect">
                                   <p:stCondLst>
-                                    <p:cond delay="250"/>
+                                    <p:cond delay="0"/>
                                   </p:stCondLst>
                                   <p:childTnLst>
                                     <p:set>
                                       <p:cBhvr>
-                                        <p:cTn id="13" dur="1" fill="hold">
+                                        <p:cTn id="14" dur="1" fill="hold">
                                           <p:stCondLst>
                                             <p:cond delay="0"/>
                                           </p:stCondLst>
                                         </p:cTn>
                                         <p:tgtEl>
-                                          <p:spTgt spid="11"/>
+                                          <p:spTgt spid="5">
+                                            <p:txEl>
+                                              <p:pRg st="0" end="0"/>
+                                            </p:txEl>
+                                          </p:spTgt>
                                         </p:tgtEl>
                                         <p:attrNameLst>
                                           <p:attrName>style.visibility</p:attrName>
@@ -4625,9 +4124,413 @@
                                     </p:set>
                                     <p:animEffect transition="in" filter="fade">
                                       <p:cBhvr>
-                                        <p:cTn id="14" dur="500"/>
-                                        <p:tgtEl>
-                                          <p:spTgt spid="11"/>
+                                        <p:cTn id="15" dur="500"/>
+                                        <p:tgtEl>
+                                          <p:spTgt spid="5">
+                                            <p:txEl>
+                                              <p:pRg st="0" end="0"/>
+                                            </p:txEl>
+                                          </p:spTgt>
+                                        </p:tgtEl>
+                                      </p:cBhvr>
+                                    </p:animEffect>
+                                  </p:childTnLst>
+                                </p:cTn>
+                              </p:par>
+                            </p:childTnLst>
+                          </p:cTn>
+                        </p:par>
+                        <p:par>
+                          <p:cTn id="16" fill="hold">
+                            <p:stCondLst>
+                              <p:cond delay="1500"/>
+                            </p:stCondLst>
+                            <p:childTnLst>
+                              <p:par>
+                                <p:cTn id="17" presetID="10" presetClass="entr" presetSubtype="0" fill="hold" grpId="0" nodeType="afterEffect">
+                                  <p:stCondLst>
+                                    <p:cond delay="0"/>
+                                  </p:stCondLst>
+                                  <p:childTnLst>
+                                    <p:set>
+                                      <p:cBhvr>
+                                        <p:cTn id="18" dur="1" fill="hold">
+                                          <p:stCondLst>
+                                            <p:cond delay="0"/>
+                                          </p:stCondLst>
+                                        </p:cTn>
+                                        <p:tgtEl>
+                                          <p:spTgt spid="9">
+                                            <p:bg/>
+                                          </p:spTgt>
+                                        </p:tgtEl>
+                                        <p:attrNameLst>
+                                          <p:attrName>style.visibility</p:attrName>
+                                        </p:attrNameLst>
+                                      </p:cBhvr>
+                                      <p:to>
+                                        <p:strVal val="visible"/>
+                                      </p:to>
+                                    </p:set>
+                                    <p:animEffect transition="in" filter="fade">
+                                      <p:cBhvr>
+                                        <p:cTn id="19" dur="500"/>
+                                        <p:tgtEl>
+                                          <p:spTgt spid="9">
+                                            <p:bg/>
+                                          </p:spTgt>
+                                        </p:tgtEl>
+                                      </p:cBhvr>
+                                    </p:animEffect>
+                                  </p:childTnLst>
+                                </p:cTn>
+                              </p:par>
+                            </p:childTnLst>
+                          </p:cTn>
+                        </p:par>
+                        <p:par>
+                          <p:cTn id="20" fill="hold">
+                            <p:stCondLst>
+                              <p:cond delay="2000"/>
+                            </p:stCondLst>
+                            <p:childTnLst>
+                              <p:par>
+                                <p:cTn id="21" presetID="10" presetClass="entr" presetSubtype="0" fill="hold" grpId="0" nodeType="afterEffect">
+                                  <p:stCondLst>
+                                    <p:cond delay="0"/>
+                                  </p:stCondLst>
+                                  <p:childTnLst>
+                                    <p:set>
+                                      <p:cBhvr>
+                                        <p:cTn id="22" dur="1" fill="hold">
+                                          <p:stCondLst>
+                                            <p:cond delay="0"/>
+                                          </p:stCondLst>
+                                        </p:cTn>
+                                        <p:tgtEl>
+                                          <p:spTgt spid="9">
+                                            <p:txEl>
+                                              <p:pRg st="0" end="0"/>
+                                            </p:txEl>
+                                          </p:spTgt>
+                                        </p:tgtEl>
+                                        <p:attrNameLst>
+                                          <p:attrName>style.visibility</p:attrName>
+                                        </p:attrNameLst>
+                                      </p:cBhvr>
+                                      <p:to>
+                                        <p:strVal val="visible"/>
+                                      </p:to>
+                                    </p:set>
+                                    <p:animEffect transition="in" filter="fade">
+                                      <p:cBhvr>
+                                        <p:cTn id="23" dur="500"/>
+                                        <p:tgtEl>
+                                          <p:spTgt spid="9">
+                                            <p:txEl>
+                                              <p:pRg st="0" end="0"/>
+                                            </p:txEl>
+                                          </p:spTgt>
+                                        </p:tgtEl>
+                                      </p:cBhvr>
+                                    </p:animEffect>
+                                  </p:childTnLst>
+                                </p:cTn>
+                              </p:par>
+                            </p:childTnLst>
+                          </p:cTn>
+                        </p:par>
+                        <p:par>
+                          <p:cTn id="24" fill="hold">
+                            <p:stCondLst>
+                              <p:cond delay="2500"/>
+                            </p:stCondLst>
+                            <p:childTnLst>
+                              <p:par>
+                                <p:cTn id="25" presetID="10" presetClass="entr" presetSubtype="0" fill="hold" grpId="0" nodeType="afterEffect">
+                                  <p:stCondLst>
+                                    <p:cond delay="0"/>
+                                  </p:stCondLst>
+                                  <p:childTnLst>
+                                    <p:set>
+                                      <p:cBhvr>
+                                        <p:cTn id="26" dur="1" fill="hold">
+                                          <p:stCondLst>
+                                            <p:cond delay="0"/>
+                                          </p:stCondLst>
+                                        </p:cTn>
+                                        <p:tgtEl>
+                                          <p:spTgt spid="6">
+                                            <p:bg/>
+                                          </p:spTgt>
+                                        </p:tgtEl>
+                                        <p:attrNameLst>
+                                          <p:attrName>style.visibility</p:attrName>
+                                        </p:attrNameLst>
+                                      </p:cBhvr>
+                                      <p:to>
+                                        <p:strVal val="visible"/>
+                                      </p:to>
+                                    </p:set>
+                                    <p:animEffect transition="in" filter="fade">
+                                      <p:cBhvr>
+                                        <p:cTn id="27" dur="500"/>
+                                        <p:tgtEl>
+                                          <p:spTgt spid="6">
+                                            <p:bg/>
+                                          </p:spTgt>
+                                        </p:tgtEl>
+                                      </p:cBhvr>
+                                    </p:animEffect>
+                                  </p:childTnLst>
+                                </p:cTn>
+                              </p:par>
+                            </p:childTnLst>
+                          </p:cTn>
+                        </p:par>
+                        <p:par>
+                          <p:cTn id="28" fill="hold">
+                            <p:stCondLst>
+                              <p:cond delay="3000"/>
+                            </p:stCondLst>
+                            <p:childTnLst>
+                              <p:par>
+                                <p:cTn id="29" presetID="10" presetClass="entr" presetSubtype="0" fill="hold" grpId="0" nodeType="afterEffect">
+                                  <p:stCondLst>
+                                    <p:cond delay="0"/>
+                                  </p:stCondLst>
+                                  <p:childTnLst>
+                                    <p:set>
+                                      <p:cBhvr>
+                                        <p:cTn id="30" dur="1" fill="hold">
+                                          <p:stCondLst>
+                                            <p:cond delay="0"/>
+                                          </p:stCondLst>
+                                        </p:cTn>
+                                        <p:tgtEl>
+                                          <p:spTgt spid="6">
+                                            <p:txEl>
+                                              <p:pRg st="0" end="0"/>
+                                            </p:txEl>
+                                          </p:spTgt>
+                                        </p:tgtEl>
+                                        <p:attrNameLst>
+                                          <p:attrName>style.visibility</p:attrName>
+                                        </p:attrNameLst>
+                                      </p:cBhvr>
+                                      <p:to>
+                                        <p:strVal val="visible"/>
+                                      </p:to>
+                                    </p:set>
+                                    <p:animEffect transition="in" filter="fade">
+                                      <p:cBhvr>
+                                        <p:cTn id="31" dur="500"/>
+                                        <p:tgtEl>
+                                          <p:spTgt spid="6">
+                                            <p:txEl>
+                                              <p:pRg st="0" end="0"/>
+                                            </p:txEl>
+                                          </p:spTgt>
+                                        </p:tgtEl>
+                                      </p:cBhvr>
+                                    </p:animEffect>
+                                  </p:childTnLst>
+                                </p:cTn>
+                              </p:par>
+                            </p:childTnLst>
+                          </p:cTn>
+                        </p:par>
+                        <p:par>
+                          <p:cTn id="32" fill="hold">
+                            <p:stCondLst>
+                              <p:cond delay="3500"/>
+                            </p:stCondLst>
+                            <p:childTnLst>
+                              <p:par>
+                                <p:cTn id="33" presetID="10" presetClass="entr" presetSubtype="0" fill="hold" grpId="0" nodeType="afterEffect">
+                                  <p:stCondLst>
+                                    <p:cond delay="0"/>
+                                  </p:stCondLst>
+                                  <p:childTnLst>
+                                    <p:set>
+                                      <p:cBhvr>
+                                        <p:cTn id="34" dur="1" fill="hold">
+                                          <p:stCondLst>
+                                            <p:cond delay="0"/>
+                                          </p:stCondLst>
+                                        </p:cTn>
+                                        <p:tgtEl>
+                                          <p:spTgt spid="10">
+                                            <p:bg/>
+                                          </p:spTgt>
+                                        </p:tgtEl>
+                                        <p:attrNameLst>
+                                          <p:attrName>style.visibility</p:attrName>
+                                        </p:attrNameLst>
+                                      </p:cBhvr>
+                                      <p:to>
+                                        <p:strVal val="visible"/>
+                                      </p:to>
+                                    </p:set>
+                                    <p:animEffect transition="in" filter="fade">
+                                      <p:cBhvr>
+                                        <p:cTn id="35" dur="500"/>
+                                        <p:tgtEl>
+                                          <p:spTgt spid="10">
+                                            <p:bg/>
+                                          </p:spTgt>
+                                        </p:tgtEl>
+                                      </p:cBhvr>
+                                    </p:animEffect>
+                                  </p:childTnLst>
+                                </p:cTn>
+                              </p:par>
+                            </p:childTnLst>
+                          </p:cTn>
+                        </p:par>
+                        <p:par>
+                          <p:cTn id="36" fill="hold">
+                            <p:stCondLst>
+                              <p:cond delay="4000"/>
+                            </p:stCondLst>
+                            <p:childTnLst>
+                              <p:par>
+                                <p:cTn id="37" presetID="10" presetClass="entr" presetSubtype="0" fill="hold" grpId="0" nodeType="afterEffect">
+                                  <p:stCondLst>
+                                    <p:cond delay="0"/>
+                                  </p:stCondLst>
+                                  <p:childTnLst>
+                                    <p:set>
+                                      <p:cBhvr>
+                                        <p:cTn id="38" dur="1" fill="hold">
+                                          <p:stCondLst>
+                                            <p:cond delay="0"/>
+                                          </p:stCondLst>
+                                        </p:cTn>
+                                        <p:tgtEl>
+                                          <p:spTgt spid="10">
+                                            <p:txEl>
+                                              <p:pRg st="0" end="0"/>
+                                            </p:txEl>
+                                          </p:spTgt>
+                                        </p:tgtEl>
+                                        <p:attrNameLst>
+                                          <p:attrName>style.visibility</p:attrName>
+                                        </p:attrNameLst>
+                                      </p:cBhvr>
+                                      <p:to>
+                                        <p:strVal val="visible"/>
+                                      </p:to>
+                                    </p:set>
+                                    <p:animEffect transition="in" filter="fade">
+                                      <p:cBhvr>
+                                        <p:cTn id="39" dur="500"/>
+                                        <p:tgtEl>
+                                          <p:spTgt spid="10">
+                                            <p:txEl>
+                                              <p:pRg st="0" end="0"/>
+                                            </p:txEl>
+                                          </p:spTgt>
+                                        </p:tgtEl>
+                                      </p:cBhvr>
+                                    </p:animEffect>
+                                  </p:childTnLst>
+                                </p:cTn>
+                              </p:par>
+                            </p:childTnLst>
+                          </p:cTn>
+                        </p:par>
+                        <p:par>
+                          <p:cTn id="40" fill="hold">
+                            <p:stCondLst>
+                              <p:cond delay="4500"/>
+                            </p:stCondLst>
+                            <p:childTnLst>
+                              <p:par>
+                                <p:cTn id="41" presetID="10" presetClass="entr" presetSubtype="0" fill="hold" grpId="0" nodeType="afterEffect">
+                                  <p:stCondLst>
+                                    <p:cond delay="0"/>
+                                  </p:stCondLst>
+                                  <p:childTnLst>
+                                    <p:set>
+                                      <p:cBhvr>
+                                        <p:cTn id="42" dur="1" fill="hold">
+                                          <p:stCondLst>
+                                            <p:cond delay="0"/>
+                                          </p:stCondLst>
+                                        </p:cTn>
+                                        <p:tgtEl>
+                                          <p:spTgt spid="11">
+                                            <p:bg/>
+                                          </p:spTgt>
+                                        </p:tgtEl>
+                                        <p:attrNameLst>
+                                          <p:attrName>style.visibility</p:attrName>
+                                        </p:attrNameLst>
+                                      </p:cBhvr>
+                                      <p:to>
+                                        <p:strVal val="visible"/>
+                                      </p:to>
+                                    </p:set>
+                                    <p:animEffect transition="in" filter="fade">
+                                      <p:cBhvr>
+                                        <p:cTn id="43" dur="500"/>
+                                        <p:tgtEl>
+                                          <p:spTgt spid="11">
+                                            <p:bg/>
+                                          </p:spTgt>
+                                        </p:tgtEl>
+                                      </p:cBhvr>
+                                    </p:animEffect>
+                                  </p:childTnLst>
+                                </p:cTn>
+                              </p:par>
+                            </p:childTnLst>
+                          </p:cTn>
+                        </p:par>
+                        <p:par>
+                          <p:cTn id="44" fill="hold">
+                            <p:stCondLst>
+                              <p:cond delay="5000"/>
+                            </p:stCondLst>
+                            <p:childTnLst>
+                              <p:par>
+                                <p:cTn id="45" presetID="10" presetClass="entr" presetSubtype="0" fill="hold" grpId="0" nodeType="afterEffect">
+                                  <p:stCondLst>
+                                    <p:cond delay="0"/>
+                                  </p:stCondLst>
+                                  <p:childTnLst>
+                                    <p:set>
+                                      <p:cBhvr>
+                                        <p:cTn id="46" dur="1" fill="hold">
+                                          <p:stCondLst>
+                                            <p:cond delay="0"/>
+                                          </p:stCondLst>
+                                        </p:cTn>
+                                        <p:tgtEl>
+                                          <p:spTgt spid="11">
+                                            <p:txEl>
+                                              <p:pRg st="0" end="0"/>
+                                            </p:txEl>
+                                          </p:spTgt>
+                                        </p:tgtEl>
+                                        <p:attrNameLst>
+                                          <p:attrName>style.visibility</p:attrName>
+                                        </p:attrNameLst>
+                                      </p:cBhvr>
+                                      <p:to>
+                                        <p:strVal val="visible"/>
+                                      </p:to>
+                                    </p:set>
+                                    <p:animEffect transition="in" filter="fade">
+                                      <p:cBhvr>
+                                        <p:cTn id="47" dur="500"/>
+                                        <p:tgtEl>
+                                          <p:spTgt spid="11">
+                                            <p:txEl>
+                                              <p:pRg st="0" end="0"/>
+                                            </p:txEl>
+                                          </p:spTgt>
                                         </p:tgtEl>
                                       </p:cBhvr>
                                     </p:animEffect>
@@ -4663,8 +4566,11 @@
     </p:tnLst>
     <p:bldLst>
       <p:bldP spid="2" grpId="0"/>
-      <p:bldP spid="7" grpId="0"/>
-      <p:bldP spid="11" grpId="0" animBg="1"/>
+      <p:bldP spid="5" grpId="0" build="p" animBg="1"/>
+      <p:bldP spid="6" grpId="0" build="p" animBg="1"/>
+      <p:bldP spid="9" grpId="0" build="p" animBg="1"/>
+      <p:bldP spid="10" grpId="0" build="p" animBg="1"/>
+      <p:bldP spid="11" grpId="0" build="p" animBg="1"/>
     </p:bldLst>
   </p:timing>
 </p:sld>
@@ -4849,6 +4755,465 @@
         </p:nvSpPr>
         <p:spPr>
           <a:xfrm>
+            <a:off x="0" y="3044279"/>
+            <a:ext cx="12192000" cy="769441"/>
+          </a:xfrm>
+          <a:prstGeom prst="rect">
+            <a:avLst/>
+          </a:prstGeom>
+          <a:noFill/>
+        </p:spPr>
+        <p:txBody>
+          <a:bodyPr wrap="square" rtlCol="0">
+            <a:spAutoFit/>
+          </a:bodyPr>
+          <a:lstStyle/>
+          <a:p>
+            <a:pPr algn="ctr"/>
+            <a:r>
+              <a:rPr lang="de-DE" sz="4400" spc="600" dirty="0">
+                <a:solidFill>
+                  <a:schemeClr val="bg1">
+                    <a:lumMod val="95000"/>
+                    <a:lumOff val="5000"/>
+                  </a:schemeClr>
+                </a:solidFill>
+                <a:latin typeface="Corbel Light" panose="020B0303020204020204" pitchFamily="34" charset="0"/>
+              </a:rPr>
+              <a:t>Raspberry Pi ↔</a:t>
+            </a:r>
+            <a:r>
+              <a:rPr lang="de-DE" sz="4400" spc="600" dirty="0" err="1">
+                <a:solidFill>
+                  <a:schemeClr val="bg1">
+                    <a:lumMod val="95000"/>
+                    <a:lumOff val="5000"/>
+                  </a:schemeClr>
+                </a:solidFill>
+                <a:latin typeface="Corbel Light" panose="020B0303020204020204" pitchFamily="34" charset="0"/>
+              </a:rPr>
+              <a:t>RoboNova</a:t>
+            </a:r>
+            <a:endParaRPr lang="de-DE" sz="4400" spc="600" dirty="0">
+              <a:solidFill>
+                <a:schemeClr val="bg1">
+                  <a:lumMod val="95000"/>
+                  <a:lumOff val="5000"/>
+                </a:schemeClr>
+              </a:solidFill>
+              <a:latin typeface="Corbel Light" panose="020B0303020204020204" pitchFamily="34" charset="0"/>
+            </a:endParaRPr>
+          </a:p>
+        </p:txBody>
+      </p:sp>
+      <p:sp>
+        <p:nvSpPr>
+          <p:cNvPr id="11" name="Textfeld 10">
+            <a:extLst>
+              <a:ext uri="{FF2B5EF4-FFF2-40B4-BE49-F238E27FC236}">
+                <a16:creationId xmlns:a16="http://schemas.microsoft.com/office/drawing/2014/main" id="{7012552E-2A48-4B97-9EEC-240E530F987D}"/>
+              </a:ext>
+            </a:extLst>
+          </p:cNvPr>
+          <p:cNvSpPr txBox="1"/>
+          <p:nvPr/>
+        </p:nvSpPr>
+        <p:spPr>
+          <a:xfrm>
+            <a:off x="4143375" y="1122797"/>
+            <a:ext cx="3905250" cy="1446550"/>
+          </a:xfrm>
+          <a:prstGeom prst="rect">
+            <a:avLst/>
+          </a:prstGeom>
+          <a:noFill/>
+          <a:ln w="12700">
+            <a:solidFill>
+              <a:schemeClr val="tx1"/>
+            </a:solidFill>
+          </a:ln>
+        </p:spPr>
+        <p:txBody>
+          <a:bodyPr wrap="square" rtlCol="0">
+            <a:spAutoFit/>
+          </a:bodyPr>
+          <a:lstStyle/>
+          <a:p>
+            <a:pPr algn="ctr"/>
+            <a:r>
+              <a:rPr lang="de-DE" sz="4400" spc="600" dirty="0">
+                <a:latin typeface="Corbel Light" panose="020B0303020204020204" pitchFamily="34" charset="0"/>
+              </a:rPr>
+              <a:t>ESP 8266 Wifi-Modul</a:t>
+            </a:r>
+          </a:p>
+        </p:txBody>
+      </p:sp>
+    </p:spTree>
+    <p:extLst>
+      <p:ext uri="{BB962C8B-B14F-4D97-AF65-F5344CB8AC3E}">
+        <p14:creationId xmlns:p14="http://schemas.microsoft.com/office/powerpoint/2010/main" val="2929307450"/>
+      </p:ext>
+    </p:extLst>
+  </p:cSld>
+  <p:clrMapOvr>
+    <a:masterClrMapping/>
+  </p:clrMapOvr>
+  <p:transition spd="slow">
+    <p:push dir="u"/>
+  </p:transition>
+  <p:timing>
+    <p:tnLst>
+      <p:par>
+        <p:cTn id="1" dur="indefinite" restart="never" nodeType="tmRoot">
+          <p:childTnLst>
+            <p:seq concurrent="1" nextAc="seek">
+              <p:cTn id="2" dur="indefinite" nodeType="mainSeq">
+                <p:childTnLst>
+                  <p:par>
+                    <p:cTn id="3" fill="hold">
+                      <p:stCondLst>
+                        <p:cond delay="indefinite"/>
+                        <p:cond evt="onBegin" delay="0">
+                          <p:tn val="2"/>
+                        </p:cond>
+                      </p:stCondLst>
+                      <p:childTnLst>
+                        <p:par>
+                          <p:cTn id="4" fill="hold">
+                            <p:stCondLst>
+                              <p:cond delay="0"/>
+                            </p:stCondLst>
+                            <p:childTnLst>
+                              <p:par>
+                                <p:cTn id="5" presetID="10" presetClass="entr" presetSubtype="0" fill="hold" grpId="0" nodeType="withEffect">
+                                  <p:stCondLst>
+                                    <p:cond delay="0"/>
+                                  </p:stCondLst>
+                                  <p:childTnLst>
+                                    <p:set>
+                                      <p:cBhvr>
+                                        <p:cTn id="6" dur="1" fill="hold">
+                                          <p:stCondLst>
+                                            <p:cond delay="0"/>
+                                          </p:stCondLst>
+                                        </p:cTn>
+                                        <p:tgtEl>
+                                          <p:spTgt spid="2"/>
+                                        </p:tgtEl>
+                                        <p:attrNameLst>
+                                          <p:attrName>style.visibility</p:attrName>
+                                        </p:attrNameLst>
+                                      </p:cBhvr>
+                                      <p:to>
+                                        <p:strVal val="visible"/>
+                                      </p:to>
+                                    </p:set>
+                                    <p:animEffect transition="in" filter="fade">
+                                      <p:cBhvr>
+                                        <p:cTn id="7" dur="500"/>
+                                        <p:tgtEl>
+                                          <p:spTgt spid="2"/>
+                                        </p:tgtEl>
+                                      </p:cBhvr>
+                                    </p:animEffect>
+                                  </p:childTnLst>
+                                </p:cTn>
+                              </p:par>
+                              <p:par>
+                                <p:cTn id="8" presetID="22" presetClass="entr" presetSubtype="8" fill="hold" grpId="0" nodeType="withEffect">
+                                  <p:stCondLst>
+                                    <p:cond delay="0"/>
+                                  </p:stCondLst>
+                                  <p:childTnLst>
+                                    <p:set>
+                                      <p:cBhvr>
+                                        <p:cTn id="9" dur="1" fill="hold">
+                                          <p:stCondLst>
+                                            <p:cond delay="0"/>
+                                          </p:stCondLst>
+                                        </p:cTn>
+                                        <p:tgtEl>
+                                          <p:spTgt spid="7"/>
+                                        </p:tgtEl>
+                                        <p:attrNameLst>
+                                          <p:attrName>style.visibility</p:attrName>
+                                        </p:attrNameLst>
+                                      </p:cBhvr>
+                                      <p:to>
+                                        <p:strVal val="visible"/>
+                                      </p:to>
+                                    </p:set>
+                                    <p:animEffect transition="in" filter="wipe(left)">
+                                      <p:cBhvr>
+                                        <p:cTn id="10" dur="500"/>
+                                        <p:tgtEl>
+                                          <p:spTgt spid="7"/>
+                                        </p:tgtEl>
+                                      </p:cBhvr>
+                                    </p:animEffect>
+                                  </p:childTnLst>
+                                </p:cTn>
+                              </p:par>
+                            </p:childTnLst>
+                          </p:cTn>
+                        </p:par>
+                        <p:par>
+                          <p:cTn id="11" fill="hold">
+                            <p:stCondLst>
+                              <p:cond delay="500"/>
+                            </p:stCondLst>
+                            <p:childTnLst>
+                              <p:par>
+                                <p:cTn id="12" presetID="10" presetClass="entr" presetSubtype="0" fill="hold" grpId="0" nodeType="afterEffect">
+                                  <p:stCondLst>
+                                    <p:cond delay="250"/>
+                                  </p:stCondLst>
+                                  <p:childTnLst>
+                                    <p:set>
+                                      <p:cBhvr>
+                                        <p:cTn id="13" dur="1" fill="hold">
+                                          <p:stCondLst>
+                                            <p:cond delay="0"/>
+                                          </p:stCondLst>
+                                        </p:cTn>
+                                        <p:tgtEl>
+                                          <p:spTgt spid="11"/>
+                                        </p:tgtEl>
+                                        <p:attrNameLst>
+                                          <p:attrName>style.visibility</p:attrName>
+                                        </p:attrNameLst>
+                                      </p:cBhvr>
+                                      <p:to>
+                                        <p:strVal val="visible"/>
+                                      </p:to>
+                                    </p:set>
+                                    <p:animEffect transition="in" filter="fade">
+                                      <p:cBhvr>
+                                        <p:cTn id="14" dur="500"/>
+                                        <p:tgtEl>
+                                          <p:spTgt spid="11"/>
+                                        </p:tgtEl>
+                                      </p:cBhvr>
+                                    </p:animEffect>
+                                  </p:childTnLst>
+                                </p:cTn>
+                              </p:par>
+                            </p:childTnLst>
+                          </p:cTn>
+                        </p:par>
+                      </p:childTnLst>
+                    </p:cTn>
+                  </p:par>
+                </p:childTnLst>
+              </p:cTn>
+              <p:prevCondLst>
+                <p:cond evt="onPrev" delay="0">
+                  <p:tgtEl>
+                    <p:sldTgt/>
+                  </p:tgtEl>
+                </p:cond>
+              </p:prevCondLst>
+              <p:nextCondLst>
+                <p:cond evt="onNext" delay="0">
+                  <p:tgtEl>
+                    <p:sldTgt/>
+                  </p:tgtEl>
+                </p:cond>
+              </p:nextCondLst>
+            </p:seq>
+          </p:childTnLst>
+        </p:cTn>
+      </p:par>
+    </p:tnLst>
+    <p:bldLst>
+      <p:bldP spid="2" grpId="0"/>
+      <p:bldP spid="7" grpId="0"/>
+      <p:bldP spid="11" grpId="0" animBg="1"/>
+    </p:bldLst>
+  </p:timing>
+</p:sld>
+</file>
+
+<file path=ppt/slides/slide13.xml><?xml version="1.0" encoding="utf-8"?>
+<p:sld xmlns:a="http://schemas.openxmlformats.org/drawingml/2006/main" xmlns:r="http://schemas.openxmlformats.org/officeDocument/2006/relationships" xmlns:p="http://schemas.openxmlformats.org/presentationml/2006/main">
+  <p:cSld>
+    <p:spTree>
+      <p:nvGrpSpPr>
+        <p:cNvPr id="1" name=""/>
+        <p:cNvGrpSpPr/>
+        <p:nvPr/>
+      </p:nvGrpSpPr>
+      <p:grpSpPr>
+        <a:xfrm>
+          <a:off x="0" y="0"/>
+          <a:ext cx="0" cy="0"/>
+          <a:chOff x="0" y="0"/>
+          <a:chExt cx="0" cy="0"/>
+        </a:xfrm>
+      </p:grpSpPr>
+      <p:sp>
+        <p:nvSpPr>
+          <p:cNvPr id="2" name="Titel 1">
+            <a:extLst>
+              <a:ext uri="{FF2B5EF4-FFF2-40B4-BE49-F238E27FC236}">
+                <a16:creationId xmlns:a16="http://schemas.microsoft.com/office/drawing/2014/main" id="{8863E4F2-E5EC-43C5-B897-8C27EEEE8811}"/>
+              </a:ext>
+            </a:extLst>
+          </p:cNvPr>
+          <p:cNvSpPr>
+            <a:spLocks noGrp="1"/>
+          </p:cNvSpPr>
+          <p:nvPr>
+            <p:ph type="title"/>
+          </p:nvPr>
+        </p:nvSpPr>
+        <p:spPr>
+          <a:xfrm>
+            <a:off x="2151992" y="204952"/>
+            <a:ext cx="10040008" cy="362606"/>
+          </a:xfrm>
+        </p:spPr>
+        <p:txBody>
+          <a:bodyPr>
+            <a:noAutofit/>
+          </a:bodyPr>
+          <a:lstStyle/>
+          <a:p>
+            <a:pPr algn="ctr"/>
+            <a:r>
+              <a:rPr lang="de-DE" sz="2400" dirty="0" err="1">
+                <a:solidFill>
+                  <a:schemeClr val="bg1">
+                    <a:lumMod val="85000"/>
+                    <a:lumOff val="15000"/>
+                  </a:schemeClr>
+                </a:solidFill>
+                <a:effectLst>
+                  <a:reflection blurRad="6350" stA="60000" endA="900" endPos="60000" dist="29997" dir="5400000" sy="-100000" algn="bl" rotWithShape="0"/>
+                </a:effectLst>
+                <a:latin typeface="Corbel Light" panose="020B0303020204020204" pitchFamily="34" charset="0"/>
+              </a:rPr>
+              <a:t>Arduino&amp;</a:t>
+            </a:r>
+            <a:r>
+              <a:rPr lang="de-DE" sz="2400" spc="250" dirty="0" err="1">
+                <a:solidFill>
+                  <a:schemeClr val="bg1">
+                    <a:lumMod val="85000"/>
+                    <a:lumOff val="15000"/>
+                  </a:schemeClr>
+                </a:solidFill>
+                <a:effectLst>
+                  <a:reflection blurRad="6350" stA="60000" endA="900" endPos="60000" dist="29997" dir="5400000" sy="-100000" algn="bl" rotWithShape="0"/>
+                </a:effectLst>
+                <a:latin typeface="Corbel Light" panose="020B0303020204020204" pitchFamily="34" charset="0"/>
+              </a:rPr>
+              <a:t>Sensorik</a:t>
+            </a:r>
+            <a:r>
+              <a:rPr lang="de-DE" sz="2400" spc="250" dirty="0" err="1">
+                <a:effectLst>
+                  <a:reflection blurRad="6350" stA="60000" endA="900" endPos="60000" dist="29997" dir="5400000" sy="-100000" algn="bl" rotWithShape="0"/>
+                </a:effectLst>
+                <a:latin typeface="Corbel Light" panose="020B0303020204020204" pitchFamily="34" charset="0"/>
+              </a:rPr>
+              <a:t>Kommunikation</a:t>
+            </a:r>
+            <a:r>
+              <a:rPr lang="de-DE" sz="2400" spc="250" dirty="0" err="1">
+                <a:solidFill>
+                  <a:schemeClr val="bg1">
+                    <a:lumMod val="85000"/>
+                    <a:lumOff val="15000"/>
+                  </a:schemeClr>
+                </a:solidFill>
+                <a:effectLst>
+                  <a:reflection blurRad="6350" stA="60000" endA="900" endPos="60000" dist="29997" dir="5400000" sy="-100000" algn="bl" rotWithShape="0"/>
+                </a:effectLst>
+                <a:latin typeface="Corbel Light" panose="020B0303020204020204" pitchFamily="34" charset="0"/>
+              </a:rPr>
+              <a:t>BackendVisualisierungRoboNova</a:t>
+            </a:r>
+            <a:endParaRPr lang="de-DE" sz="2400" spc="250" dirty="0">
+              <a:solidFill>
+                <a:schemeClr val="bg1">
+                  <a:lumMod val="85000"/>
+                  <a:lumOff val="15000"/>
+                </a:schemeClr>
+              </a:solidFill>
+              <a:effectLst>
+                <a:reflection blurRad="6350" stA="60000" endA="900" endPos="60000" dist="29997" dir="5400000" sy="-100000" algn="bl" rotWithShape="0"/>
+              </a:effectLst>
+              <a:latin typeface="Corbel Light" panose="020B0303020204020204" pitchFamily="34" charset="0"/>
+            </a:endParaRPr>
+          </a:p>
+        </p:txBody>
+      </p:sp>
+      <p:sp>
+        <p:nvSpPr>
+          <p:cNvPr id="8" name="Textfeld 7">
+            <a:extLst>
+              <a:ext uri="{FF2B5EF4-FFF2-40B4-BE49-F238E27FC236}">
+                <a16:creationId xmlns:a16="http://schemas.microsoft.com/office/drawing/2014/main" id="{53AE0C01-BA48-4AC0-9A6A-878E7B5942C9}"/>
+              </a:ext>
+            </a:extLst>
+          </p:cNvPr>
+          <p:cNvSpPr txBox="1"/>
+          <p:nvPr/>
+        </p:nvSpPr>
+        <p:spPr>
+          <a:xfrm>
+            <a:off x="140980" y="124645"/>
+            <a:ext cx="2011013" cy="523220"/>
+          </a:xfrm>
+          <a:prstGeom prst="rect">
+            <a:avLst/>
+          </a:prstGeom>
+          <a:noFill/>
+          <a:ln w="57150">
+            <a:solidFill>
+              <a:schemeClr val="tx1"/>
+            </a:solidFill>
+          </a:ln>
+        </p:spPr>
+        <p:txBody>
+          <a:bodyPr wrap="square" rtlCol="0">
+            <a:spAutoFit/>
+          </a:bodyPr>
+          <a:lstStyle>
+            <a:defPPr>
+              <a:defRPr lang="de-DE"/>
+            </a:defPPr>
+            <a:lvl1pPr>
+              <a:defRPr>
+                <a:latin typeface="Corbel Light" panose="020B0303020204020204" pitchFamily="34" charset="0"/>
+              </a:defRPr>
+            </a:lvl1pPr>
+          </a:lstStyle>
+          <a:p>
+            <a:pPr algn="ctr"/>
+            <a:r>
+              <a:rPr lang="de-DE" sz="2800" dirty="0"/>
+              <a:t>RoboMirror</a:t>
+            </a:r>
+          </a:p>
+        </p:txBody>
+      </p:sp>
+      <p:sp>
+        <p:nvSpPr>
+          <p:cNvPr id="7" name="Textfeld 6">
+            <a:extLst>
+              <a:ext uri="{FF2B5EF4-FFF2-40B4-BE49-F238E27FC236}">
+                <a16:creationId xmlns:a16="http://schemas.microsoft.com/office/drawing/2014/main" id="{B6462147-A034-401F-8F23-038091BD374F}"/>
+              </a:ext>
+            </a:extLst>
+          </p:cNvPr>
+          <p:cNvSpPr txBox="1"/>
+          <p:nvPr/>
+        </p:nvSpPr>
+        <p:spPr>
+          <a:xfrm>
             <a:off x="0" y="1012279"/>
             <a:ext cx="12192000" cy="769441"/>
           </a:xfrm>
@@ -5583,7 +5948,7 @@
 </p:sld>
 </file>
 
-<file path=ppt/slides/slide13.xml><?xml version="1.0" encoding="utf-8"?>
+<file path=ppt/slides/slide14.xml><?xml version="1.0" encoding="utf-8"?>
 <p:sld xmlns:a="http://schemas.openxmlformats.org/drawingml/2006/main" xmlns:r="http://schemas.openxmlformats.org/officeDocument/2006/relationships" xmlns:p="http://schemas.openxmlformats.org/presentationml/2006/main">
   <p:cSld>
     <p:spTree>
@@ -7189,8 +7554,53 @@
         </p:blipFill>
         <p:spPr>
           <a:xfrm>
-            <a:off x="5838328" y="2006718"/>
+            <a:off x="6090115" y="2006718"/>
             <a:ext cx="5693922" cy="4037162"/>
+          </a:xfrm>
+          <a:prstGeom prst="rect">
+            <a:avLst/>
+          </a:prstGeom>
+          <a:ln>
+            <a:noFill/>
+          </a:ln>
+          <a:effectLst>
+            <a:outerShdw blurRad="190500" algn="tl" rotWithShape="0">
+              <a:srgbClr val="000000">
+                <a:alpha val="70000"/>
+              </a:srgbClr>
+            </a:outerShdw>
+          </a:effectLst>
+        </p:spPr>
+      </p:pic>
+      <p:pic>
+        <p:nvPicPr>
+          <p:cNvPr id="4" name="Grafik 3">
+            <a:extLst>
+              <a:ext uri="{FF2B5EF4-FFF2-40B4-BE49-F238E27FC236}">
+                <a16:creationId xmlns:a16="http://schemas.microsoft.com/office/drawing/2014/main" id="{EACFD000-3388-4E48-9FDB-21ED6D9E8943}"/>
+              </a:ext>
+            </a:extLst>
+          </p:cNvPr>
+          <p:cNvPicPr>
+            <a:picLocks noChangeAspect="1"/>
+          </p:cNvPicPr>
+          <p:nvPr/>
+        </p:nvPicPr>
+        <p:blipFill rotWithShape="1">
+          <a:blip r:embed="rId3">
+            <a:extLst>
+              <a:ext uri="{28A0092B-C50C-407E-A947-70E740481C1C}">
+                <a14:useLocalDpi xmlns:a14="http://schemas.microsoft.com/office/drawing/2010/main" val="0"/>
+              </a:ext>
+            </a:extLst>
+          </a:blip>
+          <a:srcRect l="5449" t="21837" r="10416" b="10618"/>
+          <a:stretch/>
+        </p:blipFill>
+        <p:spPr>
+          <a:xfrm>
+            <a:off x="407963" y="2767101"/>
+            <a:ext cx="5442135" cy="3276779"/>
           </a:xfrm>
           <a:prstGeom prst="rect">
             <a:avLst/>

--- a/Material für Abschlusspräsentation/Präsentationsvorlage für Marco.pptx
+++ b/Material für Abschlusspräsentation/Präsentationsvorlage für Marco.pptx
@@ -208,7 +208,7 @@
           <a:p>
             <a:fld id="{398C6B7F-DE70-4723-AEA0-F3505BEE67B9}" type="datetimeFigureOut">
               <a:rPr lang="de-DE" smtClean="0"/>
-              <a:t>20.07.2020</a:t>
+              <a:t>21.07.2020</a:t>
             </a:fld>
             <a:endParaRPr lang="de-DE"/>
           </a:p>
@@ -3525,7 +3525,7 @@
         <p:spPr>
           <a:xfrm>
             <a:off x="515890" y="1095288"/>
-            <a:ext cx="11318555" cy="3257174"/>
+            <a:ext cx="11318555" cy="2610843"/>
           </a:xfrm>
           <a:prstGeom prst="rect">
             <a:avLst/>
@@ -3566,11 +3566,14 @@
               <a:buChar char="o"/>
             </a:pPr>
             <a:r>
-              <a:rPr lang="de-DE" sz="2800" spc="600" dirty="0">
-                <a:latin typeface="Corbel Light" panose="020B0303020204020204" pitchFamily="34" charset="0"/>
-              </a:rPr>
-              <a:t>Datenblätter sind essentiell</a:t>
-            </a:r>
+              <a:rPr lang="de-DE" sz="2800" spc="300" dirty="0">
+                <a:latin typeface="Corbel Light" panose="020B0303020204020204" pitchFamily="34" charset="0"/>
+              </a:rPr>
+              <a:t>Dokumentationen sind wichtig</a:t>
+            </a:r>
+            <a:endParaRPr lang="de-DE" sz="2800" spc="600" dirty="0">
+              <a:latin typeface="Corbel Light" panose="020B0303020204020204" pitchFamily="34" charset="0"/>
+            </a:endParaRPr>
           </a:p>
           <a:p>
             <a:pPr marL="457200" indent="-457200">
@@ -3581,10 +3584,10 @@
               <a:buChar char="o"/>
             </a:pPr>
             <a:r>
-              <a:rPr lang="de-DE" sz="2800" spc="300" dirty="0">
-                <a:latin typeface="Corbel Light" panose="020B0303020204020204" pitchFamily="34" charset="0"/>
-              </a:rPr>
-              <a:t>Gute Hardware zu entwickeln braucht Zeit und Geduld</a:t>
+              <a:rPr lang="de-DE" sz="2800" spc="600" dirty="0">
+                <a:latin typeface="Corbel Light" panose="020B0303020204020204" pitchFamily="34" charset="0"/>
+              </a:rPr>
+              <a:t>Datenblätter sind essentiell</a:t>
             </a:r>
           </a:p>
           <a:p>
@@ -3599,26 +3602,8 @@
               <a:rPr lang="de-DE" sz="2800" spc="300" dirty="0">
                 <a:latin typeface="Corbel Light" panose="020B0303020204020204" pitchFamily="34" charset="0"/>
               </a:rPr>
-              <a:t>Kommunikation im Team</a:t>
-            </a:r>
-          </a:p>
-          <a:p>
-            <a:pPr marL="457200" indent="-457200">
-              <a:lnSpc>
-                <a:spcPct val="150000"/>
-              </a:lnSpc>
-              <a:buFont typeface="Courier New" panose="02070309020205020404" pitchFamily="49" charset="0"/>
-              <a:buChar char="o"/>
-            </a:pPr>
-            <a:r>
-              <a:rPr lang="de-DE" sz="2800" spc="300" dirty="0">
-                <a:latin typeface="Corbel Light" panose="020B0303020204020204" pitchFamily="34" charset="0"/>
-              </a:rPr>
-              <a:t>Dokumentationen sind wichtig</a:t>
-            </a:r>
-            <a:endParaRPr lang="de-DE" sz="2800" spc="600" dirty="0">
-              <a:latin typeface="Corbel Light" panose="020B0303020204020204" pitchFamily="34" charset="0"/>
-            </a:endParaRPr>
+              <a:t>Gute Hardware zu entwickeln braucht Zeit und Geduld</a:t>
+            </a:r>
           </a:p>
         </p:txBody>
       </p:sp>
@@ -4333,7 +4318,7 @@
         <p:spPr>
           <a:xfrm>
             <a:off x="515891" y="1060118"/>
-            <a:ext cx="11318555" cy="3903504"/>
+            <a:ext cx="11318555" cy="4280531"/>
           </a:xfrm>
           <a:prstGeom prst="rect">
             <a:avLst/>
@@ -4353,7 +4338,7 @@
           <a:p>
             <a:pPr marL="457200" indent="-457200">
               <a:lnSpc>
-                <a:spcPct val="150000"/>
+                <a:spcPct val="200000"/>
               </a:lnSpc>
               <a:buFont typeface="Courier New" panose="02070309020205020404" pitchFamily="49" charset="0"/>
               <a:buChar char="o"/>
@@ -4368,7 +4353,7 @@
           <a:p>
             <a:pPr marL="457200" indent="-457200">
               <a:lnSpc>
-                <a:spcPct val="150000"/>
+                <a:spcPct val="200000"/>
               </a:lnSpc>
               <a:buFont typeface="Courier New" panose="02070309020205020404" pitchFamily="49" charset="0"/>
               <a:buChar char="o"/>
@@ -4383,7 +4368,7 @@
           <a:p>
             <a:pPr marL="457200" indent="-457200">
               <a:lnSpc>
-                <a:spcPct val="150000"/>
+                <a:spcPct val="200000"/>
               </a:lnSpc>
               <a:buFont typeface="Courier New" panose="02070309020205020404" pitchFamily="49" charset="0"/>
               <a:buChar char="o"/>
@@ -4398,7 +4383,7 @@
           <a:p>
             <a:pPr marL="457200" indent="-457200">
               <a:lnSpc>
-                <a:spcPct val="150000"/>
+                <a:spcPct val="200000"/>
               </a:lnSpc>
               <a:buFont typeface="Courier New" panose="02070309020205020404" pitchFamily="49" charset="0"/>
               <a:buChar char="o"/>
@@ -4413,7 +4398,7 @@
           <a:p>
             <a:pPr marL="457200" indent="-457200">
               <a:lnSpc>
-                <a:spcPct val="150000"/>
+                <a:spcPct val="200000"/>
               </a:lnSpc>
               <a:buFont typeface="Courier New" panose="02070309020205020404" pitchFamily="49" charset="0"/>
               <a:buChar char="o"/>
@@ -4422,25 +4407,7 @@
               <a:rPr lang="de-DE" sz="2800" spc="300" dirty="0">
                 <a:latin typeface="Corbel Light" panose="020B0303020204020204" pitchFamily="34" charset="0"/>
               </a:rPr>
-              <a:t>Einrichten der Entwicklungsumgebung zur Verwendung eines Raspberry </a:t>
-            </a:r>
-            <a:r>
-              <a:rPr lang="de-DE" sz="2800" spc="300" dirty="0" err="1">
-                <a:latin typeface="Corbel Light" panose="020B0303020204020204" pitchFamily="34" charset="0"/>
-              </a:rPr>
-              <a:t>Pi‘s</a:t>
-            </a:r>
-            <a:r>
-              <a:rPr lang="de-DE" sz="2800" spc="300" dirty="0">
-                <a:latin typeface="Corbel Light" panose="020B0303020204020204" pitchFamily="34" charset="0"/>
-              </a:rPr>
-              <a:t> über eine Wifi </a:t>
-            </a:r>
-            <a:r>
-              <a:rPr lang="de-DE" sz="2800" spc="300" dirty="0" err="1">
-                <a:latin typeface="Corbel Light" panose="020B0303020204020204" pitchFamily="34" charset="0"/>
-              </a:rPr>
-              <a:t>Verbundung</a:t>
+              <a:t>Einrichten der Entwicklungsumgebung</a:t>
             </a:r>
             <a:endParaRPr lang="de-DE" sz="2800" spc="600" dirty="0">
               <a:latin typeface="Corbel Light" panose="020B0303020204020204" pitchFamily="34" charset="0"/>
